--- a/fig.pptx
+++ b/fig.pptx
@@ -3493,6 +3493,186 @@
       </p:grpSpPr>
       <p:sp>
         <p:nvSpPr>
+          <p:cNvPr id="106" name="文本框 105">
+            <a:extLst>
+              <a:ext uri="{FF2B5EF4-FFF2-40B4-BE49-F238E27FC236}">
+                <a16:creationId xmlns:a16="http://schemas.microsoft.com/office/drawing/2014/main" id="{564F9CCC-60A9-44F3-B95A-1F08F6D64625}"/>
+              </a:ext>
+            </a:extLst>
+          </p:cNvPr>
+          <p:cNvSpPr txBox="1"/>
+          <p:nvPr/>
+        </p:nvSpPr>
+        <p:spPr>
+          <a:xfrm>
+            <a:off x="2498987" y="3058645"/>
+            <a:ext cx="414264" cy="276999"/>
+          </a:xfrm>
+          <a:prstGeom prst="rect">
+            <a:avLst/>
+          </a:prstGeom>
+          <a:noFill/>
+        </p:spPr>
+        <p:txBody>
+          <a:bodyPr wrap="square" rtlCol="0">
+            <a:spAutoFit/>
+          </a:bodyPr>
+          <a:lstStyle/>
+          <a:p>
+            <a:r>
+              <a:rPr lang="en-US" altLang="zh-TW" sz="1200" dirty="0">
+                <a:latin typeface="Times New Roman" panose="02020603050405020304" pitchFamily="18" charset="0"/>
+                <a:cs typeface="Times New Roman" panose="02020603050405020304" pitchFamily="18" charset="0"/>
+              </a:rPr>
+              <a:t>rt</a:t>
+            </a:r>
+            <a:endParaRPr lang="zh-CN" altLang="en-US" sz="1200" dirty="0">
+              <a:latin typeface="Times New Roman" panose="02020603050405020304" pitchFamily="18" charset="0"/>
+              <a:cs typeface="Times New Roman" panose="02020603050405020304" pitchFamily="18" charset="0"/>
+            </a:endParaRPr>
+          </a:p>
+        </p:txBody>
+      </p:sp>
+      <p:sp>
+        <p:nvSpPr>
+          <p:cNvPr id="173" name="任意多边形: 形状 172">
+            <a:extLst>
+              <a:ext uri="{FF2B5EF4-FFF2-40B4-BE49-F238E27FC236}">
+                <a16:creationId xmlns:a16="http://schemas.microsoft.com/office/drawing/2014/main" id="{5B6B8E4F-3C10-4F88-B497-C0846321D44B}"/>
+              </a:ext>
+            </a:extLst>
+          </p:cNvPr>
+          <p:cNvSpPr/>
+          <p:nvPr/>
+        </p:nvSpPr>
+        <p:spPr>
+          <a:xfrm>
+            <a:off x="6307484" y="2508484"/>
+            <a:ext cx="118715" cy="1684305"/>
+          </a:xfrm>
+          <a:custGeom>
+            <a:avLst/>
+            <a:gdLst>
+              <a:gd name="connsiteX0" fmla="*/ 6350 w 133350"/>
+              <a:gd name="connsiteY0" fmla="*/ 0 h 1670050"/>
+              <a:gd name="connsiteX1" fmla="*/ 0 w 133350"/>
+              <a:gd name="connsiteY1" fmla="*/ 1670050 h 1670050"/>
+              <a:gd name="connsiteX2" fmla="*/ 133350 w 133350"/>
+              <a:gd name="connsiteY2" fmla="*/ 1670050 h 1670050"/>
+              <a:gd name="connsiteX0" fmla="*/ 526 w 134733"/>
+              <a:gd name="connsiteY0" fmla="*/ 0 h 1670050"/>
+              <a:gd name="connsiteX1" fmla="*/ 1383 w 134733"/>
+              <a:gd name="connsiteY1" fmla="*/ 1670050 h 1670050"/>
+              <a:gd name="connsiteX2" fmla="*/ 134733 w 134733"/>
+              <a:gd name="connsiteY2" fmla="*/ 1670050 h 1670050"/>
+            </a:gdLst>
+            <a:ahLst/>
+            <a:cxnLst>
+              <a:cxn ang="0">
+                <a:pos x="connsiteX0" y="connsiteY0"/>
+              </a:cxn>
+              <a:cxn ang="0">
+                <a:pos x="connsiteX1" y="connsiteY1"/>
+              </a:cxn>
+              <a:cxn ang="0">
+                <a:pos x="connsiteX2" y="connsiteY2"/>
+              </a:cxn>
+            </a:cxnLst>
+            <a:rect l="l" t="t" r="r" b="b"/>
+            <a:pathLst>
+              <a:path w="134733" h="1670050">
+                <a:moveTo>
+                  <a:pt x="526" y="0"/>
+                </a:moveTo>
+                <a:cubicBezTo>
+                  <a:pt x="-1591" y="556683"/>
+                  <a:pt x="3500" y="1113367"/>
+                  <a:pt x="1383" y="1670050"/>
+                </a:cubicBezTo>
+                <a:lnTo>
+                  <a:pt x="134733" y="1670050"/>
+                </a:lnTo>
+              </a:path>
+            </a:pathLst>
+          </a:custGeom>
+          <a:noFill/>
+          <a:ln w="28575">
+            <a:solidFill>
+              <a:schemeClr val="accent1"/>
+            </a:solidFill>
+            <a:headEnd type="none" w="med" len="med"/>
+            <a:tailEnd type="triangle" w="med" len="med"/>
+          </a:ln>
+        </p:spPr>
+        <p:style>
+          <a:lnRef idx="2">
+            <a:schemeClr val="accent1">
+              <a:shade val="50000"/>
+            </a:schemeClr>
+          </a:lnRef>
+          <a:fillRef idx="1">
+            <a:schemeClr val="accent1"/>
+          </a:fillRef>
+          <a:effectRef idx="0">
+            <a:schemeClr val="accent1"/>
+          </a:effectRef>
+          <a:fontRef idx="minor">
+            <a:schemeClr val="lt1"/>
+          </a:fontRef>
+        </p:style>
+        <p:txBody>
+          <a:bodyPr rtlCol="0" anchor="ctr"/>
+          <a:lstStyle/>
+          <a:p>
+            <a:pPr algn="ctr"/>
+            <a:endParaRPr lang="zh-CN" altLang="en-US"/>
+          </a:p>
+        </p:txBody>
+      </p:sp>
+      <p:sp>
+        <p:nvSpPr>
+          <p:cNvPr id="161" name="文本框 160">
+            <a:extLst>
+              <a:ext uri="{FF2B5EF4-FFF2-40B4-BE49-F238E27FC236}">
+                <a16:creationId xmlns:a16="http://schemas.microsoft.com/office/drawing/2014/main" id="{2AB9291D-1E66-4ECF-B0F0-FC85C67B5D8D}"/>
+              </a:ext>
+            </a:extLst>
+          </p:cNvPr>
+          <p:cNvSpPr txBox="1"/>
+          <p:nvPr/>
+        </p:nvSpPr>
+        <p:spPr>
+          <a:xfrm>
+            <a:off x="4891668" y="2624325"/>
+            <a:ext cx="1254342" cy="261610"/>
+          </a:xfrm>
+          <a:prstGeom prst="rect">
+            <a:avLst/>
+          </a:prstGeom>
+          <a:noFill/>
+        </p:spPr>
+        <p:txBody>
+          <a:bodyPr wrap="square" rtlCol="0">
+            <a:spAutoFit/>
+          </a:bodyPr>
+          <a:lstStyle/>
+          <a:p>
+            <a:r>
+              <a:rPr lang="en-US" altLang="zh-CN" sz="1100" dirty="0" err="1">
+                <a:latin typeface="Times New Roman" panose="02020603050405020304" pitchFamily="18" charset="0"/>
+                <a:cs typeface="Times New Roman" panose="02020603050405020304" pitchFamily="18" charset="0"/>
+              </a:rPr>
+              <a:t>MEMForwardSrc</a:t>
+            </a:r>
+            <a:endParaRPr lang="zh-CN" altLang="en-US" sz="1100" dirty="0">
+              <a:latin typeface="Times New Roman" panose="02020603050405020304" pitchFamily="18" charset="0"/>
+              <a:cs typeface="Times New Roman" panose="02020603050405020304" pitchFamily="18" charset="0"/>
+            </a:endParaRPr>
+          </a:p>
+        </p:txBody>
+      </p:sp>
+      <p:sp>
+        <p:nvSpPr>
           <p:cNvPr id="4" name="矩形 3">
             <a:extLst>
               <a:ext uri="{FF2B5EF4-FFF2-40B4-BE49-F238E27FC236}">
@@ -3850,7 +4030,7 @@
             </a:pathLst>
           </a:custGeom>
           <a:noFill/>
-          <a:ln>
+          <a:ln w="28575">
             <a:solidFill>
               <a:schemeClr val="tx1"/>
             </a:solidFill>
@@ -4009,7 +4189,7 @@
           <a:prstGeom prst="straightConnector1">
             <a:avLst/>
           </a:prstGeom>
-          <a:ln w="12700">
+          <a:ln w="28575">
             <a:solidFill>
               <a:schemeClr val="tx1"/>
             </a:solidFill>
@@ -4669,7 +4849,7 @@
           <a:prstGeom prst="straightConnector1">
             <a:avLst/>
           </a:prstGeom>
-          <a:ln w="12700">
+          <a:ln w="28575">
             <a:solidFill>
               <a:schemeClr val="tx1"/>
             </a:solidFill>
@@ -4748,7 +4928,7 @@
             </a:pathLst>
           </a:custGeom>
           <a:noFill/>
-          <a:ln>
+          <a:ln w="28575">
             <a:solidFill>
               <a:schemeClr val="tx1"/>
             </a:solidFill>
@@ -5474,14 +5654,14 @@
           <p:nvPr/>
         </p:nvCxnSpPr>
         <p:spPr>
-          <a:xfrm>
-            <a:off x="2476499" y="5943596"/>
-            <a:ext cx="3790951" cy="0"/>
+          <a:xfrm flipV="1">
+            <a:off x="2476499" y="5937250"/>
+            <a:ext cx="6121401" cy="6346"/>
           </a:xfrm>
           <a:prstGeom prst="straightConnector1">
             <a:avLst/>
           </a:prstGeom>
-          <a:ln w="12700">
+          <a:ln w="28575">
             <a:solidFill>
               <a:schemeClr val="tx1"/>
             </a:solidFill>
@@ -5609,7 +5789,7 @@
           <a:prstGeom prst="straightConnector1">
             <a:avLst/>
           </a:prstGeom>
-          <a:ln w="12700">
+          <a:ln w="28575">
             <a:solidFill>
               <a:schemeClr val="tx1"/>
             </a:solidFill>
@@ -5743,7 +5923,7 @@
           <a:prstGeom prst="straightConnector1">
             <a:avLst/>
           </a:prstGeom>
-          <a:ln w="12700">
+          <a:ln w="28575">
             <a:solidFill>
               <a:schemeClr val="tx1"/>
             </a:solidFill>
@@ -5924,7 +6104,7 @@
             </a:pathLst>
           </a:custGeom>
           <a:noFill/>
-          <a:ln>
+          <a:ln w="28575">
             <a:solidFill>
               <a:schemeClr val="tx1"/>
             </a:solidFill>
@@ -5979,7 +6159,7 @@
           <a:prstGeom prst="straightConnector1">
             <a:avLst/>
           </a:prstGeom>
-          <a:ln w="12700">
+          <a:ln w="25400">
             <a:solidFill>
               <a:schemeClr val="tx1"/>
             </a:solidFill>
@@ -6098,7 +6278,7 @@
             </a:pathLst>
           </a:custGeom>
           <a:noFill/>
-          <a:ln>
+          <a:ln w="25400">
             <a:solidFill>
               <a:schemeClr val="tx1"/>
             </a:solidFill>
@@ -6355,7 +6535,7 @@
           <a:prstGeom prst="straightConnector1">
             <a:avLst/>
           </a:prstGeom>
-          <a:ln w="12700">
+          <a:ln w="28575">
             <a:solidFill>
               <a:schemeClr val="tx1"/>
             </a:solidFill>
@@ -6399,7 +6579,7 @@
           <a:prstGeom prst="straightConnector1">
             <a:avLst/>
           </a:prstGeom>
-          <a:ln w="12700">
+          <a:ln w="28575">
             <a:solidFill>
               <a:schemeClr val="tx1"/>
             </a:solidFill>
@@ -6522,12 +6702,12 @@
         <p:spPr>
           <a:xfrm>
             <a:off x="4301134" y="4890799"/>
-            <a:ext cx="1966316" cy="0"/>
+            <a:ext cx="4296766" cy="2469"/>
           </a:xfrm>
           <a:prstGeom prst="straightConnector1">
             <a:avLst/>
           </a:prstGeom>
-          <a:ln w="12700">
+          <a:ln w="28575">
             <a:solidFill>
               <a:schemeClr val="tx1"/>
             </a:solidFill>
@@ -6607,8 +6787,8 @@
         </p:nvSpPr>
         <p:spPr bwMode="auto">
           <a:xfrm>
-            <a:off x="2851123" y="2327046"/>
-            <a:ext cx="1966316" cy="1886405"/>
+            <a:off x="2851123" y="2490110"/>
+            <a:ext cx="1966316" cy="1723341"/>
           </a:xfrm>
           <a:prstGeom prst="rect">
             <a:avLst/>
@@ -6669,7 +6849,7 @@
         </p:nvSpPr>
         <p:spPr bwMode="auto">
           <a:xfrm>
-            <a:off x="3417016" y="2356519"/>
+            <a:off x="3422164" y="2490110"/>
             <a:ext cx="824234" cy="523206"/>
           </a:xfrm>
           <a:prstGeom prst="rect">
@@ -6858,7 +7038,7 @@
         </p:nvSpPr>
         <p:spPr bwMode="auto">
           <a:xfrm>
-            <a:off x="2851123" y="2940396"/>
+            <a:off x="2828636" y="2896833"/>
             <a:ext cx="817822" cy="276985"/>
           </a:xfrm>
           <a:prstGeom prst="rect">
@@ -7040,7 +7220,7 @@
         </p:nvSpPr>
         <p:spPr bwMode="auto">
           <a:xfrm>
-            <a:off x="2852646" y="3270416"/>
+            <a:off x="2828056" y="3169857"/>
             <a:ext cx="809807" cy="276985"/>
           </a:xfrm>
           <a:prstGeom prst="rect">
@@ -7692,7 +7872,7 @@
         </p:nvSpPr>
         <p:spPr>
           <a:xfrm rot="16200000" flipH="1">
-            <a:off x="4692139" y="3527118"/>
+            <a:off x="4698489" y="3527118"/>
             <a:ext cx="140722" cy="106901"/>
           </a:xfrm>
           <a:prstGeom prst="triangle">
@@ -7748,7 +7928,7 @@
         </p:nvSpPr>
         <p:spPr bwMode="auto">
           <a:xfrm>
-            <a:off x="4051271" y="3971762"/>
+            <a:off x="4079658" y="3963384"/>
             <a:ext cx="667397" cy="276985"/>
           </a:xfrm>
           <a:prstGeom prst="rect">
@@ -7901,7 +8081,7 @@
           </a:lstStyle>
           <a:p>
             <a:r>
-              <a:rPr lang="en-US" altLang="zh-CN" sz="1200" b="0">
+              <a:rPr lang="en-US" altLang="zh-CN" sz="1200" b="0" dirty="0" err="1">
                 <a:latin typeface="Times New Roman" panose="02020603050405020304" pitchFamily="18" charset="0"/>
                 <a:cs typeface="Times New Roman" panose="02020603050405020304" pitchFamily="18" charset="0"/>
               </a:rPr>
@@ -7914,6 +8094,2853 @@
           </a:p>
         </p:txBody>
       </p:sp>
+      <p:sp>
+        <p:nvSpPr>
+          <p:cNvPr id="98" name="Text Box 17">
+            <a:extLst>
+              <a:ext uri="{FF2B5EF4-FFF2-40B4-BE49-F238E27FC236}">
+                <a16:creationId xmlns:a16="http://schemas.microsoft.com/office/drawing/2014/main" id="{0D8C0CD5-770A-4FAC-B4F2-F81972482BF1}"/>
+              </a:ext>
+            </a:extLst>
+          </p:cNvPr>
+          <p:cNvSpPr txBox="1">
+            <a:spLocks noChangeArrowheads="1"/>
+          </p:cNvSpPr>
+          <p:nvPr/>
+        </p:nvSpPr>
+        <p:spPr bwMode="auto">
+          <a:xfrm>
+            <a:off x="4014089" y="2896834"/>
+            <a:ext cx="825837" cy="276985"/>
+          </a:xfrm>
+          <a:prstGeom prst="rect">
+            <a:avLst/>
+          </a:prstGeom>
+          <a:noFill/>
+          <a:ln>
+            <a:noFill/>
+          </a:ln>
+          <a:effectLst/>
+          <a:extLst>
+            <a:ext uri="{909E8E84-426E-40DD-AFC4-6F175D3DCCD1}">
+              <a14:hiddenFill xmlns:a14="http://schemas.microsoft.com/office/drawing/2010/main">
+                <a:solidFill>
+                  <a:schemeClr val="accent1"/>
+                </a:solidFill>
+              </a14:hiddenFill>
+            </a:ext>
+            <a:ext uri="{91240B29-F687-4F45-9708-019B960494DF}">
+              <a14:hiddenLine xmlns:a14="http://schemas.microsoft.com/office/drawing/2010/main" w="12700">
+                <a:solidFill>
+                  <a:schemeClr val="tx1"/>
+                </a:solidFill>
+                <a:miter lim="800000"/>
+                <a:headEnd/>
+                <a:tailEnd/>
+              </a14:hiddenLine>
+            </a:ext>
+            <a:ext uri="{AF507438-7753-43E0-B8FC-AC1667EBCBE1}">
+              <a14:hiddenEffects xmlns:a14="http://schemas.microsoft.com/office/drawing/2010/main">
+                <a:effectLst>
+                  <a:outerShdw dist="35921" dir="2700000" algn="ctr" rotWithShape="0">
+                    <a:schemeClr val="bg2"/>
+                  </a:outerShdw>
+                </a:effectLst>
+              </a14:hiddenEffects>
+            </a:ext>
+          </a:extLst>
+        </p:spPr>
+        <p:txBody>
+          <a:bodyPr wrap="none" lIns="91425" tIns="45713" rIns="91425" bIns="45713">
+            <a:spAutoFit/>
+          </a:bodyPr>
+          <a:lstStyle>
+            <a:lvl1pPr eaLnBrk="0" hangingPunct="0">
+              <a:defRPr b="1">
+                <a:solidFill>
+                  <a:schemeClr val="tx1"/>
+                </a:solidFill>
+                <a:latin typeface="Tahoma" pitchFamily="34" charset="0"/>
+                <a:ea typeface="宋体" pitchFamily="2" charset="-122"/>
+              </a:defRPr>
+            </a:lvl1pPr>
+            <a:lvl2pPr marL="742950" indent="-285750" eaLnBrk="0" hangingPunct="0">
+              <a:defRPr b="1">
+                <a:solidFill>
+                  <a:schemeClr val="tx1"/>
+                </a:solidFill>
+                <a:latin typeface="Tahoma" pitchFamily="34" charset="0"/>
+                <a:ea typeface="宋体" pitchFamily="2" charset="-122"/>
+              </a:defRPr>
+            </a:lvl2pPr>
+            <a:lvl3pPr marL="1143000" indent="-228600" eaLnBrk="0" hangingPunct="0">
+              <a:defRPr b="1">
+                <a:solidFill>
+                  <a:schemeClr val="tx1"/>
+                </a:solidFill>
+                <a:latin typeface="Tahoma" pitchFamily="34" charset="0"/>
+                <a:ea typeface="宋体" pitchFamily="2" charset="-122"/>
+              </a:defRPr>
+            </a:lvl3pPr>
+            <a:lvl4pPr marL="1600200" indent="-228600" eaLnBrk="0" hangingPunct="0">
+              <a:defRPr b="1">
+                <a:solidFill>
+                  <a:schemeClr val="tx1"/>
+                </a:solidFill>
+                <a:latin typeface="Tahoma" pitchFamily="34" charset="0"/>
+                <a:ea typeface="宋体" pitchFamily="2" charset="-122"/>
+              </a:defRPr>
+            </a:lvl4pPr>
+            <a:lvl5pPr marL="2057400" indent="-228600" eaLnBrk="0" hangingPunct="0">
+              <a:defRPr b="1">
+                <a:solidFill>
+                  <a:schemeClr val="tx1"/>
+                </a:solidFill>
+                <a:latin typeface="Tahoma" pitchFamily="34" charset="0"/>
+                <a:ea typeface="宋体" pitchFamily="2" charset="-122"/>
+              </a:defRPr>
+            </a:lvl5pPr>
+            <a:lvl6pPr marL="2514600" indent="-228600" eaLnBrk="0" fontAlgn="base" hangingPunct="0">
+              <a:spcBef>
+                <a:spcPct val="0"/>
+              </a:spcBef>
+              <a:spcAft>
+                <a:spcPct val="0"/>
+              </a:spcAft>
+              <a:defRPr b="1">
+                <a:solidFill>
+                  <a:schemeClr val="tx1"/>
+                </a:solidFill>
+                <a:latin typeface="Tahoma" pitchFamily="34" charset="0"/>
+                <a:ea typeface="宋体" pitchFamily="2" charset="-122"/>
+              </a:defRPr>
+            </a:lvl6pPr>
+            <a:lvl7pPr marL="2971800" indent="-228600" eaLnBrk="0" fontAlgn="base" hangingPunct="0">
+              <a:spcBef>
+                <a:spcPct val="0"/>
+              </a:spcBef>
+              <a:spcAft>
+                <a:spcPct val="0"/>
+              </a:spcAft>
+              <a:defRPr b="1">
+                <a:solidFill>
+                  <a:schemeClr val="tx1"/>
+                </a:solidFill>
+                <a:latin typeface="Tahoma" pitchFamily="34" charset="0"/>
+                <a:ea typeface="宋体" pitchFamily="2" charset="-122"/>
+              </a:defRPr>
+            </a:lvl7pPr>
+            <a:lvl8pPr marL="3429000" indent="-228600" eaLnBrk="0" fontAlgn="base" hangingPunct="0">
+              <a:spcBef>
+                <a:spcPct val="0"/>
+              </a:spcBef>
+              <a:spcAft>
+                <a:spcPct val="0"/>
+              </a:spcAft>
+              <a:defRPr b="1">
+                <a:solidFill>
+                  <a:schemeClr val="tx1"/>
+                </a:solidFill>
+                <a:latin typeface="Tahoma" pitchFamily="34" charset="0"/>
+                <a:ea typeface="宋体" pitchFamily="2" charset="-122"/>
+              </a:defRPr>
+            </a:lvl8pPr>
+            <a:lvl9pPr marL="3886200" indent="-228600" eaLnBrk="0" fontAlgn="base" hangingPunct="0">
+              <a:spcBef>
+                <a:spcPct val="0"/>
+              </a:spcBef>
+              <a:spcAft>
+                <a:spcPct val="0"/>
+              </a:spcAft>
+              <a:defRPr b="1">
+                <a:solidFill>
+                  <a:schemeClr val="tx1"/>
+                </a:solidFill>
+                <a:latin typeface="Tahoma" pitchFamily="34" charset="0"/>
+                <a:ea typeface="宋体" pitchFamily="2" charset="-122"/>
+              </a:defRPr>
+            </a:lvl9pPr>
+          </a:lstStyle>
+          <a:p>
+            <a:r>
+              <a:rPr lang="en-US" altLang="zh-CN" sz="1200" b="0" dirty="0" err="1">
+                <a:latin typeface="Times New Roman" panose="02020603050405020304" pitchFamily="18" charset="0"/>
+                <a:cs typeface="Times New Roman" panose="02020603050405020304" pitchFamily="18" charset="0"/>
+              </a:rPr>
+              <a:t>DataBusA</a:t>
+            </a:r>
+            <a:endParaRPr lang="en-US" altLang="zh-CN" sz="1200" b="0" dirty="0">
+              <a:latin typeface="Times New Roman" panose="02020603050405020304" pitchFamily="18" charset="0"/>
+              <a:cs typeface="Times New Roman" panose="02020603050405020304" pitchFamily="18" charset="0"/>
+            </a:endParaRPr>
+          </a:p>
+        </p:txBody>
+      </p:sp>
+      <p:sp>
+        <p:nvSpPr>
+          <p:cNvPr id="99" name="Text Box 17">
+            <a:extLst>
+              <a:ext uri="{FF2B5EF4-FFF2-40B4-BE49-F238E27FC236}">
+                <a16:creationId xmlns:a16="http://schemas.microsoft.com/office/drawing/2014/main" id="{B36B525E-C0C7-4E58-8172-14EEA029F70D}"/>
+              </a:ext>
+            </a:extLst>
+          </p:cNvPr>
+          <p:cNvSpPr txBox="1">
+            <a:spLocks noChangeArrowheads="1"/>
+          </p:cNvSpPr>
+          <p:nvPr/>
+        </p:nvSpPr>
+        <p:spPr bwMode="auto">
+          <a:xfrm>
+            <a:off x="4019480" y="3170818"/>
+            <a:ext cx="817822" cy="276985"/>
+          </a:xfrm>
+          <a:prstGeom prst="rect">
+            <a:avLst/>
+          </a:prstGeom>
+          <a:noFill/>
+          <a:ln>
+            <a:noFill/>
+          </a:ln>
+          <a:effectLst/>
+          <a:extLst>
+            <a:ext uri="{909E8E84-426E-40DD-AFC4-6F175D3DCCD1}">
+              <a14:hiddenFill xmlns:a14="http://schemas.microsoft.com/office/drawing/2010/main">
+                <a:solidFill>
+                  <a:schemeClr val="accent1"/>
+                </a:solidFill>
+              </a14:hiddenFill>
+            </a:ext>
+            <a:ext uri="{91240B29-F687-4F45-9708-019B960494DF}">
+              <a14:hiddenLine xmlns:a14="http://schemas.microsoft.com/office/drawing/2010/main" w="12700">
+                <a:solidFill>
+                  <a:schemeClr val="tx1"/>
+                </a:solidFill>
+                <a:miter lim="800000"/>
+                <a:headEnd/>
+                <a:tailEnd/>
+              </a14:hiddenLine>
+            </a:ext>
+            <a:ext uri="{AF507438-7753-43E0-B8FC-AC1667EBCBE1}">
+              <a14:hiddenEffects xmlns:a14="http://schemas.microsoft.com/office/drawing/2010/main">
+                <a:effectLst>
+                  <a:outerShdw dist="35921" dir="2700000" algn="ctr" rotWithShape="0">
+                    <a:schemeClr val="bg2"/>
+                  </a:outerShdw>
+                </a:effectLst>
+              </a14:hiddenEffects>
+            </a:ext>
+          </a:extLst>
+        </p:spPr>
+        <p:txBody>
+          <a:bodyPr wrap="none" lIns="91425" tIns="45713" rIns="91425" bIns="45713">
+            <a:spAutoFit/>
+          </a:bodyPr>
+          <a:lstStyle>
+            <a:lvl1pPr eaLnBrk="0" hangingPunct="0">
+              <a:defRPr b="1">
+                <a:solidFill>
+                  <a:schemeClr val="tx1"/>
+                </a:solidFill>
+                <a:latin typeface="Tahoma" pitchFamily="34" charset="0"/>
+                <a:ea typeface="宋体" pitchFamily="2" charset="-122"/>
+              </a:defRPr>
+            </a:lvl1pPr>
+            <a:lvl2pPr marL="742950" indent="-285750" eaLnBrk="0" hangingPunct="0">
+              <a:defRPr b="1">
+                <a:solidFill>
+                  <a:schemeClr val="tx1"/>
+                </a:solidFill>
+                <a:latin typeface="Tahoma" pitchFamily="34" charset="0"/>
+                <a:ea typeface="宋体" pitchFamily="2" charset="-122"/>
+              </a:defRPr>
+            </a:lvl2pPr>
+            <a:lvl3pPr marL="1143000" indent="-228600" eaLnBrk="0" hangingPunct="0">
+              <a:defRPr b="1">
+                <a:solidFill>
+                  <a:schemeClr val="tx1"/>
+                </a:solidFill>
+                <a:latin typeface="Tahoma" pitchFamily="34" charset="0"/>
+                <a:ea typeface="宋体" pitchFamily="2" charset="-122"/>
+              </a:defRPr>
+            </a:lvl3pPr>
+            <a:lvl4pPr marL="1600200" indent="-228600" eaLnBrk="0" hangingPunct="0">
+              <a:defRPr b="1">
+                <a:solidFill>
+                  <a:schemeClr val="tx1"/>
+                </a:solidFill>
+                <a:latin typeface="Tahoma" pitchFamily="34" charset="0"/>
+                <a:ea typeface="宋体" pitchFamily="2" charset="-122"/>
+              </a:defRPr>
+            </a:lvl4pPr>
+            <a:lvl5pPr marL="2057400" indent="-228600" eaLnBrk="0" hangingPunct="0">
+              <a:defRPr b="1">
+                <a:solidFill>
+                  <a:schemeClr val="tx1"/>
+                </a:solidFill>
+                <a:latin typeface="Tahoma" pitchFamily="34" charset="0"/>
+                <a:ea typeface="宋体" pitchFamily="2" charset="-122"/>
+              </a:defRPr>
+            </a:lvl5pPr>
+            <a:lvl6pPr marL="2514600" indent="-228600" eaLnBrk="0" fontAlgn="base" hangingPunct="0">
+              <a:spcBef>
+                <a:spcPct val="0"/>
+              </a:spcBef>
+              <a:spcAft>
+                <a:spcPct val="0"/>
+              </a:spcAft>
+              <a:defRPr b="1">
+                <a:solidFill>
+                  <a:schemeClr val="tx1"/>
+                </a:solidFill>
+                <a:latin typeface="Tahoma" pitchFamily="34" charset="0"/>
+                <a:ea typeface="宋体" pitchFamily="2" charset="-122"/>
+              </a:defRPr>
+            </a:lvl6pPr>
+            <a:lvl7pPr marL="2971800" indent="-228600" eaLnBrk="0" fontAlgn="base" hangingPunct="0">
+              <a:spcBef>
+                <a:spcPct val="0"/>
+              </a:spcBef>
+              <a:spcAft>
+                <a:spcPct val="0"/>
+              </a:spcAft>
+              <a:defRPr b="1">
+                <a:solidFill>
+                  <a:schemeClr val="tx1"/>
+                </a:solidFill>
+                <a:latin typeface="Tahoma" pitchFamily="34" charset="0"/>
+                <a:ea typeface="宋体" pitchFamily="2" charset="-122"/>
+              </a:defRPr>
+            </a:lvl7pPr>
+            <a:lvl8pPr marL="3429000" indent="-228600" eaLnBrk="0" fontAlgn="base" hangingPunct="0">
+              <a:spcBef>
+                <a:spcPct val="0"/>
+              </a:spcBef>
+              <a:spcAft>
+                <a:spcPct val="0"/>
+              </a:spcAft>
+              <a:defRPr b="1">
+                <a:solidFill>
+                  <a:schemeClr val="tx1"/>
+                </a:solidFill>
+                <a:latin typeface="Tahoma" pitchFamily="34" charset="0"/>
+                <a:ea typeface="宋体" pitchFamily="2" charset="-122"/>
+              </a:defRPr>
+            </a:lvl8pPr>
+            <a:lvl9pPr marL="3886200" indent="-228600" eaLnBrk="0" fontAlgn="base" hangingPunct="0">
+              <a:spcBef>
+                <a:spcPct val="0"/>
+              </a:spcBef>
+              <a:spcAft>
+                <a:spcPct val="0"/>
+              </a:spcAft>
+              <a:defRPr b="1">
+                <a:solidFill>
+                  <a:schemeClr val="tx1"/>
+                </a:solidFill>
+                <a:latin typeface="Tahoma" pitchFamily="34" charset="0"/>
+                <a:ea typeface="宋体" pitchFamily="2" charset="-122"/>
+              </a:defRPr>
+            </a:lvl9pPr>
+          </a:lstStyle>
+          <a:p>
+            <a:r>
+              <a:rPr lang="en-US" altLang="zh-CN" sz="1200" b="0" dirty="0" err="1">
+                <a:latin typeface="Times New Roman" panose="02020603050405020304" pitchFamily="18" charset="0"/>
+                <a:cs typeface="Times New Roman" panose="02020603050405020304" pitchFamily="18" charset="0"/>
+              </a:rPr>
+              <a:t>DataBusB</a:t>
+            </a:r>
+            <a:endParaRPr lang="en-US" altLang="zh-CN" sz="1200" b="0" dirty="0">
+              <a:latin typeface="Times New Roman" panose="02020603050405020304" pitchFamily="18" charset="0"/>
+              <a:cs typeface="Times New Roman" panose="02020603050405020304" pitchFamily="18" charset="0"/>
+            </a:endParaRPr>
+          </a:p>
+        </p:txBody>
+      </p:sp>
+      <p:cxnSp>
+        <p:nvCxnSpPr>
+          <p:cNvPr id="100" name="直接箭头连接符 99">
+            <a:extLst>
+              <a:ext uri="{FF2B5EF4-FFF2-40B4-BE49-F238E27FC236}">
+                <a16:creationId xmlns:a16="http://schemas.microsoft.com/office/drawing/2014/main" id="{5BE07249-CBB6-4057-AC24-DB82B10FCB66}"/>
+              </a:ext>
+            </a:extLst>
+          </p:cNvPr>
+          <p:cNvCxnSpPr>
+            <a:cxnSpLocks/>
+          </p:cNvCxnSpPr>
+          <p:nvPr/>
+        </p:nvCxnSpPr>
+        <p:spPr>
+          <a:xfrm flipV="1">
+            <a:off x="2471897" y="3035300"/>
+            <a:ext cx="372903" cy="25"/>
+          </a:xfrm>
+          <a:prstGeom prst="straightConnector1">
+            <a:avLst/>
+          </a:prstGeom>
+          <a:ln w="19050">
+            <a:solidFill>
+              <a:schemeClr val="tx1"/>
+            </a:solidFill>
+            <a:tailEnd type="triangle"/>
+          </a:ln>
+        </p:spPr>
+        <p:style>
+          <a:lnRef idx="1">
+            <a:schemeClr val="accent1"/>
+          </a:lnRef>
+          <a:fillRef idx="0">
+            <a:schemeClr val="accent1"/>
+          </a:fillRef>
+          <a:effectRef idx="0">
+            <a:schemeClr val="accent1"/>
+          </a:effectRef>
+          <a:fontRef idx="minor">
+            <a:schemeClr val="tx1"/>
+          </a:fontRef>
+        </p:style>
+      </p:cxnSp>
+      <p:cxnSp>
+        <p:nvCxnSpPr>
+          <p:cNvPr id="104" name="直接箭头连接符 103">
+            <a:extLst>
+              <a:ext uri="{FF2B5EF4-FFF2-40B4-BE49-F238E27FC236}">
+                <a16:creationId xmlns:a16="http://schemas.microsoft.com/office/drawing/2014/main" id="{331299B3-0CF8-4651-9631-CE7D0F631CFD}"/>
+              </a:ext>
+            </a:extLst>
+          </p:cNvPr>
+          <p:cNvCxnSpPr>
+            <a:cxnSpLocks/>
+          </p:cNvCxnSpPr>
+          <p:nvPr/>
+        </p:nvCxnSpPr>
+        <p:spPr>
+          <a:xfrm flipV="1">
+            <a:off x="2472177" y="3325505"/>
+            <a:ext cx="372903" cy="25"/>
+          </a:xfrm>
+          <a:prstGeom prst="straightConnector1">
+            <a:avLst/>
+          </a:prstGeom>
+          <a:ln w="19050">
+            <a:solidFill>
+              <a:srgbClr val="00B050"/>
+            </a:solidFill>
+            <a:tailEnd type="triangle"/>
+          </a:ln>
+        </p:spPr>
+        <p:style>
+          <a:lnRef idx="1">
+            <a:schemeClr val="accent1"/>
+          </a:lnRef>
+          <a:fillRef idx="0">
+            <a:schemeClr val="accent1"/>
+          </a:fillRef>
+          <a:effectRef idx="0">
+            <a:schemeClr val="accent1"/>
+          </a:effectRef>
+          <a:fontRef idx="minor">
+            <a:schemeClr val="tx1"/>
+          </a:fontRef>
+        </p:style>
+      </p:cxnSp>
+      <p:sp>
+        <p:nvSpPr>
+          <p:cNvPr id="105" name="文本框 104">
+            <a:extLst>
+              <a:ext uri="{FF2B5EF4-FFF2-40B4-BE49-F238E27FC236}">
+                <a16:creationId xmlns:a16="http://schemas.microsoft.com/office/drawing/2014/main" id="{A87664B0-BBEC-46E1-9C1F-ED49FDA8F4C8}"/>
+              </a:ext>
+            </a:extLst>
+          </p:cNvPr>
+          <p:cNvSpPr txBox="1"/>
+          <p:nvPr/>
+        </p:nvSpPr>
+        <p:spPr>
+          <a:xfrm>
+            <a:off x="2497509" y="2766489"/>
+            <a:ext cx="414264" cy="276999"/>
+          </a:xfrm>
+          <a:prstGeom prst="rect">
+            <a:avLst/>
+          </a:prstGeom>
+          <a:noFill/>
+        </p:spPr>
+        <p:txBody>
+          <a:bodyPr wrap="square" rtlCol="0">
+            <a:spAutoFit/>
+          </a:bodyPr>
+          <a:lstStyle/>
+          <a:p>
+            <a:r>
+              <a:rPr lang="en-US" altLang="zh-TW" sz="1200" dirty="0" err="1">
+                <a:latin typeface="Times New Roman" panose="02020603050405020304" pitchFamily="18" charset="0"/>
+                <a:cs typeface="Times New Roman" panose="02020603050405020304" pitchFamily="18" charset="0"/>
+              </a:rPr>
+              <a:t>rs</a:t>
+            </a:r>
+            <a:endParaRPr lang="zh-CN" altLang="en-US" sz="1200" dirty="0">
+              <a:latin typeface="Times New Roman" panose="02020603050405020304" pitchFamily="18" charset="0"/>
+              <a:cs typeface="Times New Roman" panose="02020603050405020304" pitchFamily="18" charset="0"/>
+            </a:endParaRPr>
+          </a:p>
+        </p:txBody>
+      </p:sp>
+      <p:cxnSp>
+        <p:nvCxnSpPr>
+          <p:cNvPr id="127" name="连接符: 肘形 126">
+            <a:extLst>
+              <a:ext uri="{FF2B5EF4-FFF2-40B4-BE49-F238E27FC236}">
+                <a16:creationId xmlns:a16="http://schemas.microsoft.com/office/drawing/2014/main" id="{5B2F7263-4E62-4EB6-91E2-D16F689DC825}"/>
+              </a:ext>
+            </a:extLst>
+          </p:cNvPr>
+          <p:cNvCxnSpPr>
+            <a:cxnSpLocks/>
+          </p:cNvCxnSpPr>
+          <p:nvPr/>
+        </p:nvCxnSpPr>
+        <p:spPr>
+          <a:xfrm flipV="1">
+            <a:off x="4813300" y="2305050"/>
+            <a:ext cx="1606550" cy="730250"/>
+          </a:xfrm>
+          <a:prstGeom prst="bentConnector3">
+            <a:avLst>
+              <a:gd name="adj1" fmla="val 8498"/>
+            </a:avLst>
+          </a:prstGeom>
+          <a:ln w="28575">
+            <a:solidFill>
+              <a:schemeClr val="tx1"/>
+            </a:solidFill>
+            <a:headEnd type="none" w="med" len="med"/>
+            <a:tailEnd type="triangle" w="med" len="med"/>
+          </a:ln>
+        </p:spPr>
+        <p:style>
+          <a:lnRef idx="1">
+            <a:schemeClr val="accent1"/>
+          </a:lnRef>
+          <a:fillRef idx="0">
+            <a:schemeClr val="accent1"/>
+          </a:fillRef>
+          <a:effectRef idx="0">
+            <a:schemeClr val="accent1"/>
+          </a:effectRef>
+          <a:fontRef idx="minor">
+            <a:schemeClr val="tx1"/>
+          </a:fontRef>
+        </p:style>
+      </p:cxnSp>
+      <p:cxnSp>
+        <p:nvCxnSpPr>
+          <p:cNvPr id="136" name="连接符: 肘形 135">
+            <a:extLst>
+              <a:ext uri="{FF2B5EF4-FFF2-40B4-BE49-F238E27FC236}">
+                <a16:creationId xmlns:a16="http://schemas.microsoft.com/office/drawing/2014/main" id="{C8EBDA50-ED8A-4D7D-AEF7-EB4E9479C649}"/>
+              </a:ext>
+            </a:extLst>
+          </p:cNvPr>
+          <p:cNvCxnSpPr>
+            <a:cxnSpLocks/>
+          </p:cNvCxnSpPr>
+          <p:nvPr/>
+        </p:nvCxnSpPr>
+        <p:spPr>
+          <a:xfrm>
+            <a:off x="4813300" y="3305402"/>
+            <a:ext cx="1600200" cy="631598"/>
+          </a:xfrm>
+          <a:prstGeom prst="bentConnector3">
+            <a:avLst>
+              <a:gd name="adj1" fmla="val 7937"/>
+            </a:avLst>
+          </a:prstGeom>
+          <a:ln w="28575">
+            <a:solidFill>
+              <a:schemeClr val="tx1"/>
+            </a:solidFill>
+            <a:headEnd type="none" w="med" len="med"/>
+            <a:tailEnd type="triangle" w="med" len="med"/>
+          </a:ln>
+        </p:spPr>
+        <p:style>
+          <a:lnRef idx="1">
+            <a:schemeClr val="accent1"/>
+          </a:lnRef>
+          <a:fillRef idx="0">
+            <a:schemeClr val="accent1"/>
+          </a:fillRef>
+          <a:effectRef idx="0">
+            <a:schemeClr val="accent1"/>
+          </a:effectRef>
+          <a:fontRef idx="minor">
+            <a:schemeClr val="tx1"/>
+          </a:fontRef>
+        </p:style>
+      </p:cxnSp>
+      <p:sp>
+        <p:nvSpPr>
+          <p:cNvPr id="149" name="矩形: 剪去左右顶角 148">
+            <a:extLst>
+              <a:ext uri="{FF2B5EF4-FFF2-40B4-BE49-F238E27FC236}">
+                <a16:creationId xmlns:a16="http://schemas.microsoft.com/office/drawing/2014/main" id="{E03BFE58-3467-4678-B268-1C1C6330A961}"/>
+              </a:ext>
+            </a:extLst>
+          </p:cNvPr>
+          <p:cNvSpPr/>
+          <p:nvPr/>
+        </p:nvSpPr>
+        <p:spPr>
+          <a:xfrm rot="5400000">
+            <a:off x="6071130" y="2434577"/>
+            <a:ext cx="114295" cy="169710"/>
+          </a:xfrm>
+          <a:prstGeom prst="snip2SameRect">
+            <a:avLst>
+              <a:gd name="adj1" fmla="val 50000"/>
+              <a:gd name="adj2" fmla="val 0"/>
+            </a:avLst>
+          </a:prstGeom>
+          <a:solidFill>
+            <a:schemeClr val="accent1">
+              <a:lumMod val="20000"/>
+              <a:lumOff val="80000"/>
+            </a:schemeClr>
+          </a:solidFill>
+          <a:ln w="19050">
+            <a:solidFill>
+              <a:schemeClr val="tx1"/>
+            </a:solidFill>
+          </a:ln>
+        </p:spPr>
+        <p:style>
+          <a:lnRef idx="2">
+            <a:schemeClr val="accent1">
+              <a:shade val="50000"/>
+            </a:schemeClr>
+          </a:lnRef>
+          <a:fillRef idx="1">
+            <a:schemeClr val="accent1"/>
+          </a:fillRef>
+          <a:effectRef idx="0">
+            <a:schemeClr val="accent1"/>
+          </a:effectRef>
+          <a:fontRef idx="minor">
+            <a:schemeClr val="lt1"/>
+          </a:fontRef>
+        </p:style>
+        <p:txBody>
+          <a:bodyPr rot="0" spcFirstLastPara="0" vertOverflow="overflow" horzOverflow="overflow" vert="horz" wrap="square" lIns="91440" tIns="45720" rIns="91440" bIns="45720" numCol="1" spcCol="0" rtlCol="0" fromWordArt="0" anchor="ctr" anchorCtr="0" forceAA="0" compatLnSpc="1">
+            <a:prstTxWarp prst="textNoShape">
+              <a:avLst/>
+            </a:prstTxWarp>
+            <a:noAutofit/>
+          </a:bodyPr>
+          <a:lstStyle/>
+          <a:p>
+            <a:pPr algn="ctr"/>
+            <a:endParaRPr lang="zh-CN" altLang="en-US"/>
+          </a:p>
+        </p:txBody>
+      </p:sp>
+      <p:sp>
+        <p:nvSpPr>
+          <p:cNvPr id="158" name="矩形: 剪去左右顶角 157">
+            <a:extLst>
+              <a:ext uri="{FF2B5EF4-FFF2-40B4-BE49-F238E27FC236}">
+                <a16:creationId xmlns:a16="http://schemas.microsoft.com/office/drawing/2014/main" id="{7AD65EB3-DCFD-48B9-BCAB-DA9405EBFBCC}"/>
+              </a:ext>
+            </a:extLst>
+          </p:cNvPr>
+          <p:cNvSpPr/>
+          <p:nvPr/>
+        </p:nvSpPr>
+        <p:spPr>
+          <a:xfrm rot="5400000">
+            <a:off x="6074799" y="2666858"/>
+            <a:ext cx="114295" cy="169710"/>
+          </a:xfrm>
+          <a:prstGeom prst="snip2SameRect">
+            <a:avLst>
+              <a:gd name="adj1" fmla="val 50000"/>
+              <a:gd name="adj2" fmla="val 0"/>
+            </a:avLst>
+          </a:prstGeom>
+          <a:solidFill>
+            <a:schemeClr val="accent1">
+              <a:lumMod val="20000"/>
+              <a:lumOff val="80000"/>
+            </a:schemeClr>
+          </a:solidFill>
+          <a:ln w="19050">
+            <a:solidFill>
+              <a:schemeClr val="tx1"/>
+            </a:solidFill>
+          </a:ln>
+        </p:spPr>
+        <p:style>
+          <a:lnRef idx="2">
+            <a:schemeClr val="accent1">
+              <a:shade val="50000"/>
+            </a:schemeClr>
+          </a:lnRef>
+          <a:fillRef idx="1">
+            <a:schemeClr val="accent1"/>
+          </a:fillRef>
+          <a:effectRef idx="0">
+            <a:schemeClr val="accent1"/>
+          </a:effectRef>
+          <a:fontRef idx="minor">
+            <a:schemeClr val="lt1"/>
+          </a:fontRef>
+        </p:style>
+        <p:txBody>
+          <a:bodyPr rot="0" spcFirstLastPara="0" vertOverflow="overflow" horzOverflow="overflow" vert="horz" wrap="square" lIns="91440" tIns="45720" rIns="91440" bIns="45720" numCol="1" spcCol="0" rtlCol="0" fromWordArt="0" anchor="ctr" anchorCtr="0" forceAA="0" compatLnSpc="1">
+            <a:prstTxWarp prst="textNoShape">
+              <a:avLst/>
+            </a:prstTxWarp>
+            <a:noAutofit/>
+          </a:bodyPr>
+          <a:lstStyle/>
+          <a:p>
+            <a:pPr algn="ctr"/>
+            <a:endParaRPr lang="zh-CN" altLang="en-US"/>
+          </a:p>
+        </p:txBody>
+      </p:sp>
+      <p:sp>
+        <p:nvSpPr>
+          <p:cNvPr id="159" name="矩形: 剪去左右顶角 158">
+            <a:extLst>
+              <a:ext uri="{FF2B5EF4-FFF2-40B4-BE49-F238E27FC236}">
+                <a16:creationId xmlns:a16="http://schemas.microsoft.com/office/drawing/2014/main" id="{356CF6D5-DA6C-4EAF-99BC-42E95A82DE16}"/>
+              </a:ext>
+            </a:extLst>
+          </p:cNvPr>
+          <p:cNvSpPr/>
+          <p:nvPr/>
+        </p:nvSpPr>
+        <p:spPr>
+          <a:xfrm rot="5400000">
+            <a:off x="5950431" y="2891345"/>
+            <a:ext cx="114295" cy="169710"/>
+          </a:xfrm>
+          <a:prstGeom prst="snip2SameRect">
+            <a:avLst>
+              <a:gd name="adj1" fmla="val 50000"/>
+              <a:gd name="adj2" fmla="val 0"/>
+            </a:avLst>
+          </a:prstGeom>
+          <a:solidFill>
+            <a:schemeClr val="accent1">
+              <a:lumMod val="20000"/>
+              <a:lumOff val="80000"/>
+            </a:schemeClr>
+          </a:solidFill>
+          <a:ln w="19050">
+            <a:solidFill>
+              <a:schemeClr val="tx1"/>
+            </a:solidFill>
+          </a:ln>
+        </p:spPr>
+        <p:style>
+          <a:lnRef idx="2">
+            <a:schemeClr val="accent1">
+              <a:shade val="50000"/>
+            </a:schemeClr>
+          </a:lnRef>
+          <a:fillRef idx="1">
+            <a:schemeClr val="accent1"/>
+          </a:fillRef>
+          <a:effectRef idx="0">
+            <a:schemeClr val="accent1"/>
+          </a:effectRef>
+          <a:fontRef idx="minor">
+            <a:schemeClr val="lt1"/>
+          </a:fontRef>
+        </p:style>
+        <p:txBody>
+          <a:bodyPr rot="0" spcFirstLastPara="0" vertOverflow="overflow" horzOverflow="overflow" vert="horz" wrap="square" lIns="91440" tIns="45720" rIns="91440" bIns="45720" numCol="1" spcCol="0" rtlCol="0" fromWordArt="0" anchor="ctr" anchorCtr="0" forceAA="0" compatLnSpc="1">
+            <a:prstTxWarp prst="textNoShape">
+              <a:avLst/>
+            </a:prstTxWarp>
+            <a:noAutofit/>
+          </a:bodyPr>
+          <a:lstStyle/>
+          <a:p>
+            <a:pPr algn="ctr"/>
+            <a:endParaRPr lang="zh-CN" altLang="en-US"/>
+          </a:p>
+        </p:txBody>
+      </p:sp>
+      <p:sp>
+        <p:nvSpPr>
+          <p:cNvPr id="160" name="文本框 159">
+            <a:extLst>
+              <a:ext uri="{FF2B5EF4-FFF2-40B4-BE49-F238E27FC236}">
+                <a16:creationId xmlns:a16="http://schemas.microsoft.com/office/drawing/2014/main" id="{FE1C57A9-FA62-4960-BE70-9F2A80A54AE7}"/>
+              </a:ext>
+            </a:extLst>
+          </p:cNvPr>
+          <p:cNvSpPr txBox="1"/>
+          <p:nvPr/>
+        </p:nvSpPr>
+        <p:spPr>
+          <a:xfrm>
+            <a:off x="4901193" y="2401453"/>
+            <a:ext cx="1078697" cy="261610"/>
+          </a:xfrm>
+          <a:prstGeom prst="rect">
+            <a:avLst/>
+          </a:prstGeom>
+          <a:noFill/>
+        </p:spPr>
+        <p:txBody>
+          <a:bodyPr wrap="square" rtlCol="0">
+            <a:spAutoFit/>
+          </a:bodyPr>
+          <a:lstStyle/>
+          <a:p>
+            <a:r>
+              <a:rPr lang="en-US" altLang="zh-CN" sz="1100" dirty="0" err="1">
+                <a:latin typeface="Times New Roman" panose="02020603050405020304" pitchFamily="18" charset="0"/>
+                <a:cs typeface="Times New Roman" panose="02020603050405020304" pitchFamily="18" charset="0"/>
+              </a:rPr>
+              <a:t>EXForwardSrc</a:t>
+            </a:r>
+            <a:endParaRPr lang="zh-CN" altLang="en-US" sz="1100" dirty="0">
+              <a:latin typeface="Times New Roman" panose="02020603050405020304" pitchFamily="18" charset="0"/>
+              <a:cs typeface="Times New Roman" panose="02020603050405020304" pitchFamily="18" charset="0"/>
+            </a:endParaRPr>
+          </a:p>
+        </p:txBody>
+      </p:sp>
+      <p:sp>
+        <p:nvSpPr>
+          <p:cNvPr id="162" name="文本框 161">
+            <a:extLst>
+              <a:ext uri="{FF2B5EF4-FFF2-40B4-BE49-F238E27FC236}">
+                <a16:creationId xmlns:a16="http://schemas.microsoft.com/office/drawing/2014/main" id="{3649A56A-952C-4BC4-ACE7-92AC4DAD4828}"/>
+              </a:ext>
+            </a:extLst>
+          </p:cNvPr>
+          <p:cNvSpPr txBox="1"/>
+          <p:nvPr/>
+        </p:nvSpPr>
+        <p:spPr>
+          <a:xfrm>
+            <a:off x="4908759" y="2847850"/>
+            <a:ext cx="1101717" cy="261610"/>
+          </a:xfrm>
+          <a:prstGeom prst="rect">
+            <a:avLst/>
+          </a:prstGeom>
+          <a:noFill/>
+        </p:spPr>
+        <p:txBody>
+          <a:bodyPr wrap="square" rtlCol="0">
+            <a:spAutoFit/>
+          </a:bodyPr>
+          <a:lstStyle/>
+          <a:p>
+            <a:r>
+              <a:rPr lang="en-US" altLang="zh-CN" sz="1100" dirty="0" err="1">
+                <a:latin typeface="Times New Roman" panose="02020603050405020304" pitchFamily="18" charset="0"/>
+                <a:cs typeface="Times New Roman" panose="02020603050405020304" pitchFamily="18" charset="0"/>
+              </a:rPr>
+              <a:t>WBForwardSrc</a:t>
+            </a:r>
+            <a:endParaRPr lang="zh-CN" altLang="en-US" sz="1100" dirty="0">
+              <a:latin typeface="Times New Roman" panose="02020603050405020304" pitchFamily="18" charset="0"/>
+              <a:cs typeface="Times New Roman" panose="02020603050405020304" pitchFamily="18" charset="0"/>
+            </a:endParaRPr>
+          </a:p>
+        </p:txBody>
+      </p:sp>
+      <p:cxnSp>
+        <p:nvCxnSpPr>
+          <p:cNvPr id="163" name="直接箭头连接符 162">
+            <a:extLst>
+              <a:ext uri="{FF2B5EF4-FFF2-40B4-BE49-F238E27FC236}">
+                <a16:creationId xmlns:a16="http://schemas.microsoft.com/office/drawing/2014/main" id="{5E504182-EC39-4294-B69D-3F6A77B31031}"/>
+              </a:ext>
+            </a:extLst>
+          </p:cNvPr>
+          <p:cNvCxnSpPr>
+            <a:cxnSpLocks/>
+          </p:cNvCxnSpPr>
+          <p:nvPr/>
+        </p:nvCxnSpPr>
+        <p:spPr>
+          <a:xfrm>
+            <a:off x="6197114" y="2513802"/>
+            <a:ext cx="235436" cy="798"/>
+          </a:xfrm>
+          <a:prstGeom prst="straightConnector1">
+            <a:avLst/>
+          </a:prstGeom>
+          <a:ln w="28575">
+            <a:solidFill>
+              <a:schemeClr val="accent1"/>
+            </a:solidFill>
+            <a:tailEnd type="triangle"/>
+          </a:ln>
+        </p:spPr>
+        <p:style>
+          <a:lnRef idx="1">
+            <a:schemeClr val="accent1"/>
+          </a:lnRef>
+          <a:fillRef idx="0">
+            <a:schemeClr val="accent1"/>
+          </a:fillRef>
+          <a:effectRef idx="0">
+            <a:schemeClr val="accent1"/>
+          </a:effectRef>
+          <a:fontRef idx="minor">
+            <a:schemeClr val="tx1"/>
+          </a:fontRef>
+        </p:style>
+      </p:cxnSp>
+      <p:cxnSp>
+        <p:nvCxnSpPr>
+          <p:cNvPr id="166" name="直接箭头连接符 165">
+            <a:extLst>
+              <a:ext uri="{FF2B5EF4-FFF2-40B4-BE49-F238E27FC236}">
+                <a16:creationId xmlns:a16="http://schemas.microsoft.com/office/drawing/2014/main" id="{F6BD8FB4-E0EC-4DB4-8015-31D978D5C652}"/>
+              </a:ext>
+            </a:extLst>
+          </p:cNvPr>
+          <p:cNvCxnSpPr>
+            <a:cxnSpLocks/>
+          </p:cNvCxnSpPr>
+          <p:nvPr/>
+        </p:nvCxnSpPr>
+        <p:spPr>
+          <a:xfrm>
+            <a:off x="6190764" y="2749135"/>
+            <a:ext cx="235436" cy="798"/>
+          </a:xfrm>
+          <a:prstGeom prst="straightConnector1">
+            <a:avLst/>
+          </a:prstGeom>
+          <a:ln w="28575">
+            <a:solidFill>
+              <a:schemeClr val="accent5">
+                <a:lumMod val="40000"/>
+                <a:lumOff val="60000"/>
+              </a:schemeClr>
+            </a:solidFill>
+            <a:tailEnd type="triangle"/>
+          </a:ln>
+        </p:spPr>
+        <p:style>
+          <a:lnRef idx="1">
+            <a:schemeClr val="accent1"/>
+          </a:lnRef>
+          <a:fillRef idx="0">
+            <a:schemeClr val="accent1"/>
+          </a:fillRef>
+          <a:effectRef idx="0">
+            <a:schemeClr val="accent1"/>
+          </a:effectRef>
+          <a:fontRef idx="minor">
+            <a:schemeClr val="tx1"/>
+          </a:fontRef>
+        </p:style>
+      </p:cxnSp>
+      <p:sp>
+        <p:nvSpPr>
+          <p:cNvPr id="174" name="任意多边形: 形状 173">
+            <a:extLst>
+              <a:ext uri="{FF2B5EF4-FFF2-40B4-BE49-F238E27FC236}">
+                <a16:creationId xmlns:a16="http://schemas.microsoft.com/office/drawing/2014/main" id="{0EA3D060-86FE-462C-BB5D-B0EE78DDAEEA}"/>
+              </a:ext>
+            </a:extLst>
+          </p:cNvPr>
+          <p:cNvSpPr/>
+          <p:nvPr/>
+        </p:nvSpPr>
+        <p:spPr>
+          <a:xfrm>
+            <a:off x="6255588" y="2757620"/>
+            <a:ext cx="163471" cy="1637805"/>
+          </a:xfrm>
+          <a:custGeom>
+            <a:avLst/>
+            <a:gdLst>
+              <a:gd name="connsiteX0" fmla="*/ 6350 w 133350"/>
+              <a:gd name="connsiteY0" fmla="*/ 0 h 1670050"/>
+              <a:gd name="connsiteX1" fmla="*/ 0 w 133350"/>
+              <a:gd name="connsiteY1" fmla="*/ 1670050 h 1670050"/>
+              <a:gd name="connsiteX2" fmla="*/ 133350 w 133350"/>
+              <a:gd name="connsiteY2" fmla="*/ 1670050 h 1670050"/>
+              <a:gd name="connsiteX0" fmla="*/ 1170 w 133350"/>
+              <a:gd name="connsiteY0" fmla="*/ 0 h 1670050"/>
+              <a:gd name="connsiteX1" fmla="*/ 0 w 133350"/>
+              <a:gd name="connsiteY1" fmla="*/ 1670050 h 1670050"/>
+              <a:gd name="connsiteX2" fmla="*/ 133350 w 133350"/>
+              <a:gd name="connsiteY2" fmla="*/ 1670050 h 1670050"/>
+            </a:gdLst>
+            <a:ahLst/>
+            <a:cxnLst>
+              <a:cxn ang="0">
+                <a:pos x="connsiteX0" y="connsiteY0"/>
+              </a:cxn>
+              <a:cxn ang="0">
+                <a:pos x="connsiteX1" y="connsiteY1"/>
+              </a:cxn>
+              <a:cxn ang="0">
+                <a:pos x="connsiteX2" y="connsiteY2"/>
+              </a:cxn>
+            </a:cxnLst>
+            <a:rect l="l" t="t" r="r" b="b"/>
+            <a:pathLst>
+              <a:path w="133350" h="1670050">
+                <a:moveTo>
+                  <a:pt x="1170" y="0"/>
+                </a:moveTo>
+                <a:cubicBezTo>
+                  <a:pt x="-947" y="556683"/>
+                  <a:pt x="2117" y="1113367"/>
+                  <a:pt x="0" y="1670050"/>
+                </a:cubicBezTo>
+                <a:lnTo>
+                  <a:pt x="133350" y="1670050"/>
+                </a:lnTo>
+              </a:path>
+            </a:pathLst>
+          </a:custGeom>
+          <a:noFill/>
+          <a:ln w="28575">
+            <a:solidFill>
+              <a:schemeClr val="accent5">
+                <a:lumMod val="40000"/>
+                <a:lumOff val="60000"/>
+              </a:schemeClr>
+            </a:solidFill>
+            <a:headEnd type="none" w="med" len="med"/>
+            <a:tailEnd type="triangle" w="med" len="med"/>
+          </a:ln>
+        </p:spPr>
+        <p:style>
+          <a:lnRef idx="2">
+            <a:schemeClr val="accent1">
+              <a:shade val="50000"/>
+            </a:schemeClr>
+          </a:lnRef>
+          <a:fillRef idx="1">
+            <a:schemeClr val="accent1"/>
+          </a:fillRef>
+          <a:effectRef idx="0">
+            <a:schemeClr val="accent1"/>
+          </a:effectRef>
+          <a:fontRef idx="minor">
+            <a:schemeClr val="lt1"/>
+          </a:fontRef>
+        </p:style>
+        <p:txBody>
+          <a:bodyPr rtlCol="0" anchor="ctr"/>
+          <a:lstStyle/>
+          <a:p>
+            <a:pPr algn="ctr"/>
+            <a:endParaRPr lang="zh-CN" altLang="en-US"/>
+          </a:p>
+        </p:txBody>
+      </p:sp>
+      <p:cxnSp>
+        <p:nvCxnSpPr>
+          <p:cNvPr id="167" name="直接箭头连接符 166">
+            <a:extLst>
+              <a:ext uri="{FF2B5EF4-FFF2-40B4-BE49-F238E27FC236}">
+                <a16:creationId xmlns:a16="http://schemas.microsoft.com/office/drawing/2014/main" id="{D12E5653-0477-41C0-B7FD-2690E28A0B04}"/>
+              </a:ext>
+            </a:extLst>
+          </p:cNvPr>
+          <p:cNvCxnSpPr>
+            <a:cxnSpLocks/>
+            <a:stCxn id="159" idx="3"/>
+          </p:cNvCxnSpPr>
+          <p:nvPr/>
+        </p:nvCxnSpPr>
+        <p:spPr>
+          <a:xfrm flipV="1">
+            <a:off x="6092434" y="2974757"/>
+            <a:ext cx="340116" cy="1444"/>
+          </a:xfrm>
+          <a:prstGeom prst="straightConnector1">
+            <a:avLst/>
+          </a:prstGeom>
+          <a:ln w="28575">
+            <a:solidFill>
+              <a:schemeClr val="accent5">
+                <a:lumMod val="60000"/>
+                <a:lumOff val="40000"/>
+              </a:schemeClr>
+            </a:solidFill>
+            <a:tailEnd type="triangle"/>
+          </a:ln>
+        </p:spPr>
+        <p:style>
+          <a:lnRef idx="1">
+            <a:schemeClr val="accent1"/>
+          </a:lnRef>
+          <a:fillRef idx="0">
+            <a:schemeClr val="accent1"/>
+          </a:fillRef>
+          <a:effectRef idx="0">
+            <a:schemeClr val="accent1"/>
+          </a:effectRef>
+          <a:fontRef idx="minor">
+            <a:schemeClr val="tx1"/>
+          </a:fontRef>
+        </p:style>
+      </p:cxnSp>
+      <p:sp>
+        <p:nvSpPr>
+          <p:cNvPr id="176" name="任意多边形: 形状 175">
+            <a:extLst>
+              <a:ext uri="{FF2B5EF4-FFF2-40B4-BE49-F238E27FC236}">
+                <a16:creationId xmlns:a16="http://schemas.microsoft.com/office/drawing/2014/main" id="{37DBC1B4-B67F-443B-972E-F27BBAA8CE9F}"/>
+              </a:ext>
+            </a:extLst>
+          </p:cNvPr>
+          <p:cNvSpPr/>
+          <p:nvPr/>
+        </p:nvSpPr>
+        <p:spPr>
+          <a:xfrm>
+            <a:off x="6161865" y="2968650"/>
+            <a:ext cx="264335" cy="1637805"/>
+          </a:xfrm>
+          <a:custGeom>
+            <a:avLst/>
+            <a:gdLst>
+              <a:gd name="connsiteX0" fmla="*/ 6350 w 133350"/>
+              <a:gd name="connsiteY0" fmla="*/ 0 h 1670050"/>
+              <a:gd name="connsiteX1" fmla="*/ 0 w 133350"/>
+              <a:gd name="connsiteY1" fmla="*/ 1670050 h 1670050"/>
+              <a:gd name="connsiteX2" fmla="*/ 133350 w 133350"/>
+              <a:gd name="connsiteY2" fmla="*/ 1670050 h 1670050"/>
+              <a:gd name="connsiteX0" fmla="*/ 378 w 137038"/>
+              <a:gd name="connsiteY0" fmla="*/ 0 h 1670050"/>
+              <a:gd name="connsiteX1" fmla="*/ 3688 w 137038"/>
+              <a:gd name="connsiteY1" fmla="*/ 1670050 h 1670050"/>
+              <a:gd name="connsiteX2" fmla="*/ 137038 w 137038"/>
+              <a:gd name="connsiteY2" fmla="*/ 1670050 h 1670050"/>
+              <a:gd name="connsiteX0" fmla="*/ 6350 w 133350"/>
+              <a:gd name="connsiteY0" fmla="*/ 0 h 1670050"/>
+              <a:gd name="connsiteX1" fmla="*/ 0 w 133350"/>
+              <a:gd name="connsiteY1" fmla="*/ 1670050 h 1670050"/>
+              <a:gd name="connsiteX2" fmla="*/ 133350 w 133350"/>
+              <a:gd name="connsiteY2" fmla="*/ 1670050 h 1670050"/>
+              <a:gd name="connsiteX0" fmla="*/ 600 w 134040"/>
+              <a:gd name="connsiteY0" fmla="*/ 0 h 1670050"/>
+              <a:gd name="connsiteX1" fmla="*/ 690 w 134040"/>
+              <a:gd name="connsiteY1" fmla="*/ 1670050 h 1670050"/>
+              <a:gd name="connsiteX2" fmla="*/ 134040 w 134040"/>
+              <a:gd name="connsiteY2" fmla="*/ 1670050 h 1670050"/>
+            </a:gdLst>
+            <a:ahLst/>
+            <a:cxnLst>
+              <a:cxn ang="0">
+                <a:pos x="connsiteX0" y="connsiteY0"/>
+              </a:cxn>
+              <a:cxn ang="0">
+                <a:pos x="connsiteX1" y="connsiteY1"/>
+              </a:cxn>
+              <a:cxn ang="0">
+                <a:pos x="connsiteX2" y="connsiteY2"/>
+              </a:cxn>
+            </a:cxnLst>
+            <a:rect l="l" t="t" r="r" b="b"/>
+            <a:pathLst>
+              <a:path w="134040" h="1670050">
+                <a:moveTo>
+                  <a:pt x="600" y="0"/>
+                </a:moveTo>
+                <a:cubicBezTo>
+                  <a:pt x="-1517" y="556683"/>
+                  <a:pt x="2807" y="1113367"/>
+                  <a:pt x="690" y="1670050"/>
+                </a:cubicBezTo>
+                <a:lnTo>
+                  <a:pt x="134040" y="1670050"/>
+                </a:lnTo>
+              </a:path>
+            </a:pathLst>
+          </a:custGeom>
+          <a:noFill/>
+          <a:ln w="28575">
+            <a:solidFill>
+              <a:schemeClr val="accent5">
+                <a:lumMod val="60000"/>
+                <a:lumOff val="40000"/>
+              </a:schemeClr>
+            </a:solidFill>
+            <a:headEnd type="none" w="med" len="med"/>
+            <a:tailEnd type="triangle" w="med" len="med"/>
+          </a:ln>
+        </p:spPr>
+        <p:style>
+          <a:lnRef idx="2">
+            <a:schemeClr val="accent1">
+              <a:shade val="50000"/>
+            </a:schemeClr>
+          </a:lnRef>
+          <a:fillRef idx="1">
+            <a:schemeClr val="accent1"/>
+          </a:fillRef>
+          <a:effectRef idx="0">
+            <a:schemeClr val="accent1"/>
+          </a:effectRef>
+          <a:fontRef idx="minor">
+            <a:schemeClr val="lt1"/>
+          </a:fontRef>
+        </p:style>
+        <p:txBody>
+          <a:bodyPr rtlCol="0" anchor="ctr"/>
+          <a:lstStyle/>
+          <a:p>
+            <a:pPr algn="ctr"/>
+            <a:endParaRPr lang="zh-CN" altLang="en-US"/>
+          </a:p>
+        </p:txBody>
+      </p:sp>
+      <p:grpSp>
+        <p:nvGrpSpPr>
+          <p:cNvPr id="148" name="组合 147">
+            <a:extLst>
+              <a:ext uri="{FF2B5EF4-FFF2-40B4-BE49-F238E27FC236}">
+                <a16:creationId xmlns:a16="http://schemas.microsoft.com/office/drawing/2014/main" id="{060A2941-A79B-4A9D-B79F-84B251B9EBB0}"/>
+              </a:ext>
+            </a:extLst>
+          </p:cNvPr>
+          <p:cNvGrpSpPr/>
+          <p:nvPr/>
+        </p:nvGrpSpPr>
+        <p:grpSpPr>
+          <a:xfrm>
+            <a:off x="6101575" y="1505338"/>
+            <a:ext cx="1080800" cy="3259821"/>
+            <a:chOff x="5706410" y="1522593"/>
+            <a:chExt cx="1080800" cy="3259821"/>
+          </a:xfrm>
+        </p:grpSpPr>
+        <p:sp>
+          <p:nvSpPr>
+            <p:cNvPr id="108" name="梯形 107">
+              <a:extLst>
+                <a:ext uri="{FF2B5EF4-FFF2-40B4-BE49-F238E27FC236}">
+                  <a16:creationId xmlns:a16="http://schemas.microsoft.com/office/drawing/2014/main" id="{AFDFEA96-833B-44EE-A673-58BA08CB30B7}"/>
+                </a:ext>
+              </a:extLst>
+            </p:cNvPr>
+            <p:cNvSpPr/>
+            <p:nvPr/>
+          </p:nvSpPr>
+          <p:spPr>
+            <a:xfrm rot="5400000">
+              <a:off x="5621645" y="2492635"/>
+              <a:ext cx="1056508" cy="252007"/>
+            </a:xfrm>
+            <a:prstGeom prst="trapezoid">
+              <a:avLst>
+                <a:gd name="adj" fmla="val 109302"/>
+              </a:avLst>
+            </a:prstGeom>
+            <a:solidFill>
+              <a:schemeClr val="accent4">
+                <a:lumMod val="20000"/>
+                <a:lumOff val="80000"/>
+              </a:schemeClr>
+            </a:solidFill>
+            <a:ln w="12700">
+              <a:solidFill>
+                <a:schemeClr val="tx1"/>
+              </a:solidFill>
+            </a:ln>
+          </p:spPr>
+          <p:style>
+            <a:lnRef idx="2">
+              <a:schemeClr val="accent1">
+                <a:shade val="50000"/>
+              </a:schemeClr>
+            </a:lnRef>
+            <a:fillRef idx="1">
+              <a:schemeClr val="accent1"/>
+            </a:fillRef>
+            <a:effectRef idx="0">
+              <a:schemeClr val="accent1"/>
+            </a:effectRef>
+            <a:fontRef idx="minor">
+              <a:schemeClr val="lt1"/>
+            </a:fontRef>
+          </p:style>
+          <p:txBody>
+            <a:bodyPr rot="0" spcFirstLastPara="0" vertOverflow="overflow" horzOverflow="overflow" vert="horz" wrap="square" lIns="91440" tIns="45720" rIns="91440" bIns="45720" numCol="1" spcCol="0" rtlCol="0" fromWordArt="0" anchor="ctr" anchorCtr="0" forceAA="0" compatLnSpc="1">
+              <a:prstTxWarp prst="textNoShape">
+                <a:avLst/>
+              </a:prstTxWarp>
+              <a:noAutofit/>
+            </a:bodyPr>
+            <a:lstStyle/>
+            <a:p>
+              <a:pPr algn="ctr"/>
+              <a:endParaRPr lang="zh-CN" altLang="en-US"/>
+            </a:p>
+          </p:txBody>
+        </p:sp>
+        <p:sp>
+          <p:nvSpPr>
+            <p:cNvPr id="110" name="矩形: 剪去左右顶角 109">
+              <a:extLst>
+                <a:ext uri="{FF2B5EF4-FFF2-40B4-BE49-F238E27FC236}">
+                  <a16:creationId xmlns:a16="http://schemas.microsoft.com/office/drawing/2014/main" id="{997ECEE5-8076-4503-A6F5-05DC9508E43A}"/>
+                </a:ext>
+              </a:extLst>
+            </p:cNvPr>
+            <p:cNvSpPr/>
+            <p:nvPr/>
+          </p:nvSpPr>
+          <p:spPr>
+            <a:xfrm rot="10800000">
+              <a:off x="6092751" y="1781997"/>
+              <a:ext cx="114295" cy="169710"/>
+            </a:xfrm>
+            <a:prstGeom prst="snip2SameRect">
+              <a:avLst>
+                <a:gd name="adj1" fmla="val 50000"/>
+                <a:gd name="adj2" fmla="val 0"/>
+              </a:avLst>
+            </a:prstGeom>
+            <a:solidFill>
+              <a:srgbClr val="FFC000"/>
+            </a:solidFill>
+            <a:ln w="19050">
+              <a:solidFill>
+                <a:schemeClr val="tx1"/>
+              </a:solidFill>
+            </a:ln>
+          </p:spPr>
+          <p:style>
+            <a:lnRef idx="2">
+              <a:schemeClr val="accent1">
+                <a:shade val="50000"/>
+              </a:schemeClr>
+            </a:lnRef>
+            <a:fillRef idx="1">
+              <a:schemeClr val="accent1"/>
+            </a:fillRef>
+            <a:effectRef idx="0">
+              <a:schemeClr val="accent1"/>
+            </a:effectRef>
+            <a:fontRef idx="minor">
+              <a:schemeClr val="lt1"/>
+            </a:fontRef>
+          </p:style>
+          <p:txBody>
+            <a:bodyPr rot="0" spcFirstLastPara="0" vertOverflow="overflow" horzOverflow="overflow" vert="horz" wrap="square" lIns="91440" tIns="45720" rIns="91440" bIns="45720" numCol="1" spcCol="0" rtlCol="0" fromWordArt="0" anchor="ctr" anchorCtr="0" forceAA="0" compatLnSpc="1">
+              <a:prstTxWarp prst="textNoShape">
+                <a:avLst/>
+              </a:prstTxWarp>
+              <a:noAutofit/>
+            </a:bodyPr>
+            <a:lstStyle/>
+            <a:p>
+              <a:pPr algn="ctr"/>
+              <a:endParaRPr lang="zh-CN" altLang="en-US"/>
+            </a:p>
+          </p:txBody>
+        </p:sp>
+        <p:sp>
+          <p:nvSpPr>
+            <p:cNvPr id="111" name="文本框 110">
+              <a:extLst>
+                <a:ext uri="{FF2B5EF4-FFF2-40B4-BE49-F238E27FC236}">
+                  <a16:creationId xmlns:a16="http://schemas.microsoft.com/office/drawing/2014/main" id="{C103D496-783E-4237-B798-26121E2CE712}"/>
+                </a:ext>
+              </a:extLst>
+            </p:cNvPr>
+            <p:cNvSpPr txBox="1"/>
+            <p:nvPr/>
+          </p:nvSpPr>
+          <p:spPr>
+            <a:xfrm>
+              <a:off x="5706410" y="1522593"/>
+              <a:ext cx="1078697" cy="276999"/>
+            </a:xfrm>
+            <a:prstGeom prst="rect">
+              <a:avLst/>
+            </a:prstGeom>
+            <a:noFill/>
+          </p:spPr>
+          <p:txBody>
+            <a:bodyPr wrap="square" rtlCol="0">
+              <a:spAutoFit/>
+            </a:bodyPr>
+            <a:lstStyle/>
+            <a:p>
+              <a:r>
+                <a:rPr lang="en-US" altLang="zh-CN" sz="1200" dirty="0" err="1">
+                  <a:latin typeface="Times New Roman" panose="02020603050405020304" pitchFamily="18" charset="0"/>
+                  <a:cs typeface="Times New Roman" panose="02020603050405020304" pitchFamily="18" charset="0"/>
+                </a:rPr>
+                <a:t>BranchSrcA</a:t>
+              </a:r>
+              <a:endParaRPr lang="zh-CN" altLang="en-US" sz="1200" dirty="0">
+                <a:latin typeface="Times New Roman" panose="02020603050405020304" pitchFamily="18" charset="0"/>
+                <a:cs typeface="Times New Roman" panose="02020603050405020304" pitchFamily="18" charset="0"/>
+              </a:endParaRPr>
+            </a:p>
+          </p:txBody>
+        </p:sp>
+        <p:cxnSp>
+          <p:nvCxnSpPr>
+            <p:cNvPr id="113" name="直接连接符 112">
+              <a:extLst>
+                <a:ext uri="{FF2B5EF4-FFF2-40B4-BE49-F238E27FC236}">
+                  <a16:creationId xmlns:a16="http://schemas.microsoft.com/office/drawing/2014/main" id="{A4ABC5F0-A730-4E28-BA21-A83D36908456}"/>
+                </a:ext>
+              </a:extLst>
+            </p:cNvPr>
+            <p:cNvCxnSpPr>
+              <a:cxnSpLocks/>
+              <a:stCxn id="110" idx="3"/>
+              <a:endCxn id="108" idx="1"/>
+            </p:cNvCxnSpPr>
+            <p:nvPr/>
+          </p:nvCxnSpPr>
+          <p:spPr>
+            <a:xfrm>
+              <a:off x="6149898" y="1951707"/>
+              <a:ext cx="1" cy="276402"/>
+            </a:xfrm>
+            <a:prstGeom prst="line">
+              <a:avLst/>
+            </a:prstGeom>
+            <a:ln w="9525">
+              <a:solidFill>
+                <a:schemeClr val="tx1"/>
+              </a:solidFill>
+            </a:ln>
+          </p:spPr>
+          <p:style>
+            <a:lnRef idx="1">
+              <a:schemeClr val="accent1"/>
+            </a:lnRef>
+            <a:fillRef idx="0">
+              <a:schemeClr val="accent1"/>
+            </a:fillRef>
+            <a:effectRef idx="0">
+              <a:schemeClr val="accent1"/>
+            </a:effectRef>
+            <a:fontRef idx="minor">
+              <a:schemeClr val="tx1"/>
+            </a:fontRef>
+          </p:style>
+        </p:cxnSp>
+        <p:sp>
+          <p:nvSpPr>
+            <p:cNvPr id="118" name="梯形 117">
+              <a:extLst>
+                <a:ext uri="{FF2B5EF4-FFF2-40B4-BE49-F238E27FC236}">
+                  <a16:creationId xmlns:a16="http://schemas.microsoft.com/office/drawing/2014/main" id="{D128EC9E-E85B-49FA-9AE9-C52A77A23FF0}"/>
+                </a:ext>
+              </a:extLst>
+            </p:cNvPr>
+            <p:cNvSpPr/>
+            <p:nvPr/>
+          </p:nvSpPr>
+          <p:spPr>
+            <a:xfrm rot="5400000">
+              <a:off x="5623748" y="4128156"/>
+              <a:ext cx="1056508" cy="252007"/>
+            </a:xfrm>
+            <a:prstGeom prst="trapezoid">
+              <a:avLst>
+                <a:gd name="adj" fmla="val 109302"/>
+              </a:avLst>
+            </a:prstGeom>
+            <a:solidFill>
+              <a:schemeClr val="accent4">
+                <a:lumMod val="20000"/>
+                <a:lumOff val="80000"/>
+              </a:schemeClr>
+            </a:solidFill>
+            <a:ln w="12700">
+              <a:solidFill>
+                <a:schemeClr val="tx1"/>
+              </a:solidFill>
+            </a:ln>
+          </p:spPr>
+          <p:style>
+            <a:lnRef idx="2">
+              <a:schemeClr val="accent1">
+                <a:shade val="50000"/>
+              </a:schemeClr>
+            </a:lnRef>
+            <a:fillRef idx="1">
+              <a:schemeClr val="accent1"/>
+            </a:fillRef>
+            <a:effectRef idx="0">
+              <a:schemeClr val="accent1"/>
+            </a:effectRef>
+            <a:fontRef idx="minor">
+              <a:schemeClr val="lt1"/>
+            </a:fontRef>
+          </p:style>
+          <p:txBody>
+            <a:bodyPr rot="0" spcFirstLastPara="0" vertOverflow="overflow" horzOverflow="overflow" vert="horz" wrap="square" lIns="91440" tIns="45720" rIns="91440" bIns="45720" numCol="1" spcCol="0" rtlCol="0" fromWordArt="0" anchor="ctr" anchorCtr="0" forceAA="0" compatLnSpc="1">
+              <a:prstTxWarp prst="textNoShape">
+                <a:avLst/>
+              </a:prstTxWarp>
+              <a:noAutofit/>
+            </a:bodyPr>
+            <a:lstStyle/>
+            <a:p>
+              <a:pPr algn="ctr"/>
+              <a:endParaRPr lang="zh-CN" altLang="en-US"/>
+            </a:p>
+          </p:txBody>
+        </p:sp>
+        <p:sp>
+          <p:nvSpPr>
+            <p:cNvPr id="119" name="矩形: 剪去左右顶角 118">
+              <a:extLst>
+                <a:ext uri="{FF2B5EF4-FFF2-40B4-BE49-F238E27FC236}">
+                  <a16:creationId xmlns:a16="http://schemas.microsoft.com/office/drawing/2014/main" id="{E258A9E8-8856-412B-B61C-A471F2C64205}"/>
+                </a:ext>
+              </a:extLst>
+            </p:cNvPr>
+            <p:cNvSpPr/>
+            <p:nvPr/>
+          </p:nvSpPr>
+          <p:spPr>
+            <a:xfrm rot="10800000">
+              <a:off x="6094854" y="3417518"/>
+              <a:ext cx="114295" cy="169710"/>
+            </a:xfrm>
+            <a:prstGeom prst="snip2SameRect">
+              <a:avLst>
+                <a:gd name="adj1" fmla="val 50000"/>
+                <a:gd name="adj2" fmla="val 0"/>
+              </a:avLst>
+            </a:prstGeom>
+            <a:solidFill>
+              <a:srgbClr val="FFC000"/>
+            </a:solidFill>
+            <a:ln w="19050">
+              <a:solidFill>
+                <a:schemeClr val="tx1"/>
+              </a:solidFill>
+            </a:ln>
+          </p:spPr>
+          <p:style>
+            <a:lnRef idx="2">
+              <a:schemeClr val="accent1">
+                <a:shade val="50000"/>
+              </a:schemeClr>
+            </a:lnRef>
+            <a:fillRef idx="1">
+              <a:schemeClr val="accent1"/>
+            </a:fillRef>
+            <a:effectRef idx="0">
+              <a:schemeClr val="accent1"/>
+            </a:effectRef>
+            <a:fontRef idx="minor">
+              <a:schemeClr val="lt1"/>
+            </a:fontRef>
+          </p:style>
+          <p:txBody>
+            <a:bodyPr rot="0" spcFirstLastPara="0" vertOverflow="overflow" horzOverflow="overflow" vert="horz" wrap="square" lIns="91440" tIns="45720" rIns="91440" bIns="45720" numCol="1" spcCol="0" rtlCol="0" fromWordArt="0" anchor="ctr" anchorCtr="0" forceAA="0" compatLnSpc="1">
+              <a:prstTxWarp prst="textNoShape">
+                <a:avLst/>
+              </a:prstTxWarp>
+              <a:noAutofit/>
+            </a:bodyPr>
+            <a:lstStyle/>
+            <a:p>
+              <a:pPr algn="ctr"/>
+              <a:endParaRPr lang="zh-CN" altLang="en-US"/>
+            </a:p>
+          </p:txBody>
+        </p:sp>
+        <p:cxnSp>
+          <p:nvCxnSpPr>
+            <p:cNvPr id="121" name="直接连接符 120">
+              <a:extLst>
+                <a:ext uri="{FF2B5EF4-FFF2-40B4-BE49-F238E27FC236}">
+                  <a16:creationId xmlns:a16="http://schemas.microsoft.com/office/drawing/2014/main" id="{430E7E9B-B0A7-409C-8228-5CBD5BE1C124}"/>
+                </a:ext>
+              </a:extLst>
+            </p:cNvPr>
+            <p:cNvCxnSpPr>
+              <a:cxnSpLocks/>
+              <a:stCxn id="119" idx="3"/>
+              <a:endCxn id="118" idx="1"/>
+            </p:cNvCxnSpPr>
+            <p:nvPr/>
+          </p:nvCxnSpPr>
+          <p:spPr>
+            <a:xfrm>
+              <a:off x="6152001" y="3587228"/>
+              <a:ext cx="1" cy="276402"/>
+            </a:xfrm>
+            <a:prstGeom prst="line">
+              <a:avLst/>
+            </a:prstGeom>
+            <a:ln w="9525">
+              <a:solidFill>
+                <a:schemeClr val="tx1"/>
+              </a:solidFill>
+            </a:ln>
+          </p:spPr>
+          <p:style>
+            <a:lnRef idx="1">
+              <a:schemeClr val="accent1"/>
+            </a:lnRef>
+            <a:fillRef idx="0">
+              <a:schemeClr val="accent1"/>
+            </a:fillRef>
+            <a:effectRef idx="0">
+              <a:schemeClr val="accent1"/>
+            </a:effectRef>
+            <a:fontRef idx="minor">
+              <a:schemeClr val="tx1"/>
+            </a:fontRef>
+          </p:style>
+        </p:cxnSp>
+        <p:sp>
+          <p:nvSpPr>
+            <p:cNvPr id="139" name="文本框 138">
+              <a:extLst>
+                <a:ext uri="{FF2B5EF4-FFF2-40B4-BE49-F238E27FC236}">
+                  <a16:creationId xmlns:a16="http://schemas.microsoft.com/office/drawing/2014/main" id="{32BF5157-588D-42B4-8869-7A09CA1854CE}"/>
+                </a:ext>
+              </a:extLst>
+            </p:cNvPr>
+            <p:cNvSpPr txBox="1"/>
+            <p:nvPr/>
+          </p:nvSpPr>
+          <p:spPr>
+            <a:xfrm>
+              <a:off x="5984331" y="2175911"/>
+              <a:ext cx="445430" cy="276999"/>
+            </a:xfrm>
+            <a:prstGeom prst="rect">
+              <a:avLst/>
+            </a:prstGeom>
+            <a:noFill/>
+          </p:spPr>
+          <p:txBody>
+            <a:bodyPr wrap="square" rtlCol="0">
+              <a:spAutoFit/>
+            </a:bodyPr>
+            <a:lstStyle/>
+            <a:p>
+              <a:r>
+                <a:rPr lang="en-US" altLang="zh-TW" sz="1200" b="1" dirty="0">
+                  <a:latin typeface="Times New Roman" panose="02020603050405020304" pitchFamily="18" charset="0"/>
+                  <a:cs typeface="Times New Roman" panose="02020603050405020304" pitchFamily="18" charset="0"/>
+                </a:rPr>
+                <a:t>0</a:t>
+              </a:r>
+              <a:endParaRPr lang="zh-CN" altLang="en-US" sz="1200" b="1" dirty="0">
+                <a:latin typeface="Times New Roman" panose="02020603050405020304" pitchFamily="18" charset="0"/>
+                <a:cs typeface="Times New Roman" panose="02020603050405020304" pitchFamily="18" charset="0"/>
+              </a:endParaRPr>
+            </a:p>
+          </p:txBody>
+        </p:sp>
+        <p:sp>
+          <p:nvSpPr>
+            <p:cNvPr id="140" name="文本框 139">
+              <a:extLst>
+                <a:ext uri="{FF2B5EF4-FFF2-40B4-BE49-F238E27FC236}">
+                  <a16:creationId xmlns:a16="http://schemas.microsoft.com/office/drawing/2014/main" id="{59DA0B54-252B-4884-B787-C9B0D7CEFC71}"/>
+                </a:ext>
+              </a:extLst>
+            </p:cNvPr>
+            <p:cNvSpPr txBox="1"/>
+            <p:nvPr/>
+          </p:nvSpPr>
+          <p:spPr>
+            <a:xfrm>
+              <a:off x="5984331" y="2398188"/>
+              <a:ext cx="445430" cy="276999"/>
+            </a:xfrm>
+            <a:prstGeom prst="rect">
+              <a:avLst/>
+            </a:prstGeom>
+            <a:noFill/>
+          </p:spPr>
+          <p:txBody>
+            <a:bodyPr wrap="square" rtlCol="0">
+              <a:spAutoFit/>
+            </a:bodyPr>
+            <a:lstStyle/>
+            <a:p>
+              <a:r>
+                <a:rPr lang="en-US" altLang="zh-TW" sz="1200" b="1" dirty="0">
+                  <a:latin typeface="Times New Roman" panose="02020603050405020304" pitchFamily="18" charset="0"/>
+                  <a:cs typeface="Times New Roman" panose="02020603050405020304" pitchFamily="18" charset="0"/>
+                </a:rPr>
+                <a:t>1</a:t>
+              </a:r>
+              <a:endParaRPr lang="zh-CN" altLang="en-US" sz="1200" b="1" dirty="0">
+                <a:latin typeface="Times New Roman" panose="02020603050405020304" pitchFamily="18" charset="0"/>
+                <a:cs typeface="Times New Roman" panose="02020603050405020304" pitchFamily="18" charset="0"/>
+              </a:endParaRPr>
+            </a:p>
+          </p:txBody>
+        </p:sp>
+        <p:sp>
+          <p:nvSpPr>
+            <p:cNvPr id="141" name="文本框 140">
+              <a:extLst>
+                <a:ext uri="{FF2B5EF4-FFF2-40B4-BE49-F238E27FC236}">
+                  <a16:creationId xmlns:a16="http://schemas.microsoft.com/office/drawing/2014/main" id="{5885F73A-5D9D-4D02-A0CD-DEF29C83DF35}"/>
+                </a:ext>
+              </a:extLst>
+            </p:cNvPr>
+            <p:cNvSpPr txBox="1"/>
+            <p:nvPr/>
+          </p:nvSpPr>
+          <p:spPr>
+            <a:xfrm>
+              <a:off x="5984331" y="2620705"/>
+              <a:ext cx="445430" cy="276999"/>
+            </a:xfrm>
+            <a:prstGeom prst="rect">
+              <a:avLst/>
+            </a:prstGeom>
+            <a:noFill/>
+          </p:spPr>
+          <p:txBody>
+            <a:bodyPr wrap="square" rtlCol="0">
+              <a:spAutoFit/>
+            </a:bodyPr>
+            <a:lstStyle/>
+            <a:p>
+              <a:r>
+                <a:rPr lang="en-US" altLang="zh-TW" sz="1200" b="1" dirty="0">
+                  <a:latin typeface="Times New Roman" panose="02020603050405020304" pitchFamily="18" charset="0"/>
+                  <a:cs typeface="Times New Roman" panose="02020603050405020304" pitchFamily="18" charset="0"/>
+                </a:rPr>
+                <a:t>2</a:t>
+              </a:r>
+              <a:endParaRPr lang="zh-CN" altLang="en-US" sz="1200" b="1" dirty="0">
+                <a:latin typeface="Times New Roman" panose="02020603050405020304" pitchFamily="18" charset="0"/>
+                <a:cs typeface="Times New Roman" panose="02020603050405020304" pitchFamily="18" charset="0"/>
+              </a:endParaRPr>
+            </a:p>
+          </p:txBody>
+        </p:sp>
+        <p:sp>
+          <p:nvSpPr>
+            <p:cNvPr id="142" name="文本框 141">
+              <a:extLst>
+                <a:ext uri="{FF2B5EF4-FFF2-40B4-BE49-F238E27FC236}">
+                  <a16:creationId xmlns:a16="http://schemas.microsoft.com/office/drawing/2014/main" id="{DC275B5F-5EFD-4E21-9E3F-F3086B75F532}"/>
+                </a:ext>
+              </a:extLst>
+            </p:cNvPr>
+            <p:cNvSpPr txBox="1"/>
+            <p:nvPr/>
+          </p:nvSpPr>
+          <p:spPr>
+            <a:xfrm>
+              <a:off x="5984331" y="2836961"/>
+              <a:ext cx="445430" cy="276999"/>
+            </a:xfrm>
+            <a:prstGeom prst="rect">
+              <a:avLst/>
+            </a:prstGeom>
+            <a:noFill/>
+          </p:spPr>
+          <p:txBody>
+            <a:bodyPr wrap="square" rtlCol="0">
+              <a:spAutoFit/>
+            </a:bodyPr>
+            <a:lstStyle/>
+            <a:p>
+              <a:r>
+                <a:rPr lang="en-US" altLang="zh-TW" sz="1200" b="1" dirty="0">
+                  <a:latin typeface="Times New Roman" panose="02020603050405020304" pitchFamily="18" charset="0"/>
+                  <a:cs typeface="Times New Roman" panose="02020603050405020304" pitchFamily="18" charset="0"/>
+                </a:rPr>
+                <a:t>3</a:t>
+              </a:r>
+              <a:endParaRPr lang="zh-CN" altLang="en-US" sz="1200" b="1" dirty="0">
+                <a:latin typeface="Times New Roman" panose="02020603050405020304" pitchFamily="18" charset="0"/>
+                <a:cs typeface="Times New Roman" panose="02020603050405020304" pitchFamily="18" charset="0"/>
+              </a:endParaRPr>
+            </a:p>
+          </p:txBody>
+        </p:sp>
+        <p:sp>
+          <p:nvSpPr>
+            <p:cNvPr id="143" name="文本框 142">
+              <a:extLst>
+                <a:ext uri="{FF2B5EF4-FFF2-40B4-BE49-F238E27FC236}">
+                  <a16:creationId xmlns:a16="http://schemas.microsoft.com/office/drawing/2014/main" id="{D73438C3-1A06-441C-B595-7941F7CA28C1}"/>
+                </a:ext>
+              </a:extLst>
+            </p:cNvPr>
+            <p:cNvSpPr txBox="1"/>
+            <p:nvPr/>
+          </p:nvSpPr>
+          <p:spPr>
+            <a:xfrm>
+              <a:off x="5975590" y="3804808"/>
+              <a:ext cx="445430" cy="276999"/>
+            </a:xfrm>
+            <a:prstGeom prst="rect">
+              <a:avLst/>
+            </a:prstGeom>
+            <a:noFill/>
+          </p:spPr>
+          <p:txBody>
+            <a:bodyPr wrap="square" rtlCol="0">
+              <a:spAutoFit/>
+            </a:bodyPr>
+            <a:lstStyle/>
+            <a:p>
+              <a:r>
+                <a:rPr lang="en-US" altLang="zh-TW" sz="1200" b="1" dirty="0">
+                  <a:latin typeface="Times New Roman" panose="02020603050405020304" pitchFamily="18" charset="0"/>
+                  <a:cs typeface="Times New Roman" panose="02020603050405020304" pitchFamily="18" charset="0"/>
+                </a:rPr>
+                <a:t>0</a:t>
+              </a:r>
+              <a:endParaRPr lang="zh-CN" altLang="en-US" sz="1200" b="1" dirty="0">
+                <a:latin typeface="Times New Roman" panose="02020603050405020304" pitchFamily="18" charset="0"/>
+                <a:cs typeface="Times New Roman" panose="02020603050405020304" pitchFamily="18" charset="0"/>
+              </a:endParaRPr>
+            </a:p>
+          </p:txBody>
+        </p:sp>
+        <p:sp>
+          <p:nvSpPr>
+            <p:cNvPr id="144" name="文本框 143">
+              <a:extLst>
+                <a:ext uri="{FF2B5EF4-FFF2-40B4-BE49-F238E27FC236}">
+                  <a16:creationId xmlns:a16="http://schemas.microsoft.com/office/drawing/2014/main" id="{AD8F1A8E-7863-4A2A-9D49-C59C7E9A298E}"/>
+                </a:ext>
+              </a:extLst>
+            </p:cNvPr>
+            <p:cNvSpPr txBox="1"/>
+            <p:nvPr/>
+          </p:nvSpPr>
+          <p:spPr>
+            <a:xfrm>
+              <a:off x="5975590" y="4027085"/>
+              <a:ext cx="445430" cy="276999"/>
+            </a:xfrm>
+            <a:prstGeom prst="rect">
+              <a:avLst/>
+            </a:prstGeom>
+            <a:noFill/>
+          </p:spPr>
+          <p:txBody>
+            <a:bodyPr wrap="square" rtlCol="0">
+              <a:spAutoFit/>
+            </a:bodyPr>
+            <a:lstStyle/>
+            <a:p>
+              <a:r>
+                <a:rPr lang="en-US" altLang="zh-TW" sz="1200" b="1" dirty="0">
+                  <a:latin typeface="Times New Roman" panose="02020603050405020304" pitchFamily="18" charset="0"/>
+                  <a:cs typeface="Times New Roman" panose="02020603050405020304" pitchFamily="18" charset="0"/>
+                </a:rPr>
+                <a:t>1</a:t>
+              </a:r>
+              <a:endParaRPr lang="zh-CN" altLang="en-US" sz="1200" b="1" dirty="0">
+                <a:latin typeface="Times New Roman" panose="02020603050405020304" pitchFamily="18" charset="0"/>
+                <a:cs typeface="Times New Roman" panose="02020603050405020304" pitchFamily="18" charset="0"/>
+              </a:endParaRPr>
+            </a:p>
+          </p:txBody>
+        </p:sp>
+        <p:sp>
+          <p:nvSpPr>
+            <p:cNvPr id="145" name="文本框 144">
+              <a:extLst>
+                <a:ext uri="{FF2B5EF4-FFF2-40B4-BE49-F238E27FC236}">
+                  <a16:creationId xmlns:a16="http://schemas.microsoft.com/office/drawing/2014/main" id="{DE5DFABE-326A-4684-8F75-6C3DC4B5788B}"/>
+                </a:ext>
+              </a:extLst>
+            </p:cNvPr>
+            <p:cNvSpPr txBox="1"/>
+            <p:nvPr/>
+          </p:nvSpPr>
+          <p:spPr>
+            <a:xfrm>
+              <a:off x="5975590" y="4249602"/>
+              <a:ext cx="445430" cy="276999"/>
+            </a:xfrm>
+            <a:prstGeom prst="rect">
+              <a:avLst/>
+            </a:prstGeom>
+            <a:noFill/>
+          </p:spPr>
+          <p:txBody>
+            <a:bodyPr wrap="square" rtlCol="0">
+              <a:spAutoFit/>
+            </a:bodyPr>
+            <a:lstStyle/>
+            <a:p>
+              <a:r>
+                <a:rPr lang="en-US" altLang="zh-TW" sz="1200" b="1" dirty="0">
+                  <a:latin typeface="Times New Roman" panose="02020603050405020304" pitchFamily="18" charset="0"/>
+                  <a:cs typeface="Times New Roman" panose="02020603050405020304" pitchFamily="18" charset="0"/>
+                </a:rPr>
+                <a:t>2</a:t>
+              </a:r>
+              <a:endParaRPr lang="zh-CN" altLang="en-US" sz="1200" b="1" dirty="0">
+                <a:latin typeface="Times New Roman" panose="02020603050405020304" pitchFamily="18" charset="0"/>
+                <a:cs typeface="Times New Roman" panose="02020603050405020304" pitchFamily="18" charset="0"/>
+              </a:endParaRPr>
+            </a:p>
+          </p:txBody>
+        </p:sp>
+        <p:sp>
+          <p:nvSpPr>
+            <p:cNvPr id="146" name="文本框 145">
+              <a:extLst>
+                <a:ext uri="{FF2B5EF4-FFF2-40B4-BE49-F238E27FC236}">
+                  <a16:creationId xmlns:a16="http://schemas.microsoft.com/office/drawing/2014/main" id="{73011B36-2CA8-4C03-97BA-348E1531558A}"/>
+                </a:ext>
+              </a:extLst>
+            </p:cNvPr>
+            <p:cNvSpPr txBox="1"/>
+            <p:nvPr/>
+          </p:nvSpPr>
+          <p:spPr>
+            <a:xfrm>
+              <a:off x="5975590" y="4465858"/>
+              <a:ext cx="445430" cy="276999"/>
+            </a:xfrm>
+            <a:prstGeom prst="rect">
+              <a:avLst/>
+            </a:prstGeom>
+            <a:noFill/>
+          </p:spPr>
+          <p:txBody>
+            <a:bodyPr wrap="square" rtlCol="0">
+              <a:spAutoFit/>
+            </a:bodyPr>
+            <a:lstStyle/>
+            <a:p>
+              <a:r>
+                <a:rPr lang="en-US" altLang="zh-TW" sz="1200" b="1" dirty="0">
+                  <a:latin typeface="Times New Roman" panose="02020603050405020304" pitchFamily="18" charset="0"/>
+                  <a:cs typeface="Times New Roman" panose="02020603050405020304" pitchFamily="18" charset="0"/>
+                </a:rPr>
+                <a:t>3</a:t>
+              </a:r>
+              <a:endParaRPr lang="zh-CN" altLang="en-US" sz="1200" b="1" dirty="0">
+                <a:latin typeface="Times New Roman" panose="02020603050405020304" pitchFamily="18" charset="0"/>
+                <a:cs typeface="Times New Roman" panose="02020603050405020304" pitchFamily="18" charset="0"/>
+              </a:endParaRPr>
+            </a:p>
+          </p:txBody>
+        </p:sp>
+        <p:sp>
+          <p:nvSpPr>
+            <p:cNvPr id="120" name="文本框 119">
+              <a:extLst>
+                <a:ext uri="{FF2B5EF4-FFF2-40B4-BE49-F238E27FC236}">
+                  <a16:creationId xmlns:a16="http://schemas.microsoft.com/office/drawing/2014/main" id="{BB196AEA-D29C-4DC2-B649-9FAFA989592E}"/>
+                </a:ext>
+              </a:extLst>
+            </p:cNvPr>
+            <p:cNvSpPr txBox="1"/>
+            <p:nvPr/>
+          </p:nvSpPr>
+          <p:spPr>
+            <a:xfrm>
+              <a:off x="5708513" y="3158114"/>
+              <a:ext cx="1078697" cy="276999"/>
+            </a:xfrm>
+            <a:prstGeom prst="rect">
+              <a:avLst/>
+            </a:prstGeom>
+            <a:noFill/>
+          </p:spPr>
+          <p:txBody>
+            <a:bodyPr wrap="square" rtlCol="0">
+              <a:spAutoFit/>
+            </a:bodyPr>
+            <a:lstStyle/>
+            <a:p>
+              <a:r>
+                <a:rPr lang="en-US" altLang="zh-CN" sz="1200" dirty="0" err="1">
+                  <a:latin typeface="Times New Roman" panose="02020603050405020304" pitchFamily="18" charset="0"/>
+                  <a:cs typeface="Times New Roman" panose="02020603050405020304" pitchFamily="18" charset="0"/>
+                </a:rPr>
+                <a:t>BranchSrcB</a:t>
+              </a:r>
+              <a:endParaRPr lang="zh-CN" altLang="en-US" sz="1200" dirty="0">
+                <a:latin typeface="Times New Roman" panose="02020603050405020304" pitchFamily="18" charset="0"/>
+                <a:cs typeface="Times New Roman" panose="02020603050405020304" pitchFamily="18" charset="0"/>
+              </a:endParaRPr>
+            </a:p>
+          </p:txBody>
+        </p:sp>
+      </p:grpSp>
+      <p:sp>
+        <p:nvSpPr>
+          <p:cNvPr id="185" name="任意多边形: 形状 184">
+            <a:extLst>
+              <a:ext uri="{FF2B5EF4-FFF2-40B4-BE49-F238E27FC236}">
+                <a16:creationId xmlns:a16="http://schemas.microsoft.com/office/drawing/2014/main" id="{BF9AA307-751D-4A21-8BF4-687201A51501}"/>
+              </a:ext>
+            </a:extLst>
+          </p:cNvPr>
+          <p:cNvSpPr/>
+          <p:nvPr/>
+        </p:nvSpPr>
+        <p:spPr>
+          <a:xfrm>
+            <a:off x="6687975" y="1371774"/>
+            <a:ext cx="469900" cy="1232717"/>
+          </a:xfrm>
+          <a:custGeom>
+            <a:avLst/>
+            <a:gdLst>
+              <a:gd name="connsiteX0" fmla="*/ 0 w 469900"/>
+              <a:gd name="connsiteY0" fmla="*/ 1028700 h 1028700"/>
+              <a:gd name="connsiteX1" fmla="*/ 469900 w 469900"/>
+              <a:gd name="connsiteY1" fmla="*/ 1028700 h 1028700"/>
+              <a:gd name="connsiteX2" fmla="*/ 469900 w 469900"/>
+              <a:gd name="connsiteY2" fmla="*/ 0 h 1028700"/>
+            </a:gdLst>
+            <a:ahLst/>
+            <a:cxnLst>
+              <a:cxn ang="0">
+                <a:pos x="connsiteX0" y="connsiteY0"/>
+              </a:cxn>
+              <a:cxn ang="0">
+                <a:pos x="connsiteX1" y="connsiteY1"/>
+              </a:cxn>
+              <a:cxn ang="0">
+                <a:pos x="connsiteX2" y="connsiteY2"/>
+              </a:cxn>
+            </a:cxnLst>
+            <a:rect l="l" t="t" r="r" b="b"/>
+            <a:pathLst>
+              <a:path w="469900" h="1028700">
+                <a:moveTo>
+                  <a:pt x="0" y="1028700"/>
+                </a:moveTo>
+                <a:lnTo>
+                  <a:pt x="469900" y="1028700"/>
+                </a:lnTo>
+                <a:lnTo>
+                  <a:pt x="469900" y="0"/>
+                </a:lnTo>
+              </a:path>
+            </a:pathLst>
+          </a:custGeom>
+          <a:noFill/>
+          <a:ln w="28575">
+            <a:solidFill>
+              <a:srgbClr val="FF0000"/>
+            </a:solidFill>
+            <a:headEnd type="none" w="med" len="med"/>
+            <a:tailEnd type="triangle" w="med" len="med"/>
+          </a:ln>
+        </p:spPr>
+        <p:style>
+          <a:lnRef idx="2">
+            <a:schemeClr val="accent1">
+              <a:shade val="50000"/>
+            </a:schemeClr>
+          </a:lnRef>
+          <a:fillRef idx="1">
+            <a:schemeClr val="accent1"/>
+          </a:fillRef>
+          <a:effectRef idx="0">
+            <a:schemeClr val="accent1"/>
+          </a:effectRef>
+          <a:fontRef idx="minor">
+            <a:schemeClr val="lt1"/>
+          </a:fontRef>
+        </p:style>
+        <p:txBody>
+          <a:bodyPr rtlCol="0" anchor="ctr"/>
+          <a:lstStyle/>
+          <a:p>
+            <a:pPr algn="ctr"/>
+            <a:endParaRPr lang="zh-CN" altLang="en-US"/>
+          </a:p>
+        </p:txBody>
+      </p:sp>
+      <p:sp>
+        <p:nvSpPr>
+          <p:cNvPr id="186" name="任意多边形: 形状 185">
+            <a:extLst>
+              <a:ext uri="{FF2B5EF4-FFF2-40B4-BE49-F238E27FC236}">
+                <a16:creationId xmlns:a16="http://schemas.microsoft.com/office/drawing/2014/main" id="{9F0C5B1C-99AE-4E4C-AD73-7810C5C6B2A3}"/>
+              </a:ext>
+            </a:extLst>
+          </p:cNvPr>
+          <p:cNvSpPr/>
+          <p:nvPr/>
+        </p:nvSpPr>
+        <p:spPr>
+          <a:xfrm>
+            <a:off x="6675275" y="1921014"/>
+            <a:ext cx="748400" cy="2344679"/>
+          </a:xfrm>
+          <a:custGeom>
+            <a:avLst/>
+            <a:gdLst>
+              <a:gd name="connsiteX0" fmla="*/ 0 w 469900"/>
+              <a:gd name="connsiteY0" fmla="*/ 1028700 h 1028700"/>
+              <a:gd name="connsiteX1" fmla="*/ 469900 w 469900"/>
+              <a:gd name="connsiteY1" fmla="*/ 1028700 h 1028700"/>
+              <a:gd name="connsiteX2" fmla="*/ 469900 w 469900"/>
+              <a:gd name="connsiteY2" fmla="*/ 0 h 1028700"/>
+            </a:gdLst>
+            <a:ahLst/>
+            <a:cxnLst>
+              <a:cxn ang="0">
+                <a:pos x="connsiteX0" y="connsiteY0"/>
+              </a:cxn>
+              <a:cxn ang="0">
+                <a:pos x="connsiteX1" y="connsiteY1"/>
+              </a:cxn>
+              <a:cxn ang="0">
+                <a:pos x="connsiteX2" y="connsiteY2"/>
+              </a:cxn>
+            </a:cxnLst>
+            <a:rect l="l" t="t" r="r" b="b"/>
+            <a:pathLst>
+              <a:path w="469900" h="1028700">
+                <a:moveTo>
+                  <a:pt x="0" y="1028700"/>
+                </a:moveTo>
+                <a:lnTo>
+                  <a:pt x="469900" y="1028700"/>
+                </a:lnTo>
+                <a:lnTo>
+                  <a:pt x="469900" y="0"/>
+                </a:lnTo>
+              </a:path>
+            </a:pathLst>
+          </a:custGeom>
+          <a:noFill/>
+          <a:ln w="28575">
+            <a:solidFill>
+              <a:schemeClr val="tx1"/>
+            </a:solidFill>
+            <a:headEnd type="none" w="med" len="med"/>
+            <a:tailEnd type="triangle" w="med" len="med"/>
+          </a:ln>
+        </p:spPr>
+        <p:style>
+          <a:lnRef idx="2">
+            <a:schemeClr val="accent1">
+              <a:shade val="50000"/>
+            </a:schemeClr>
+          </a:lnRef>
+          <a:fillRef idx="1">
+            <a:schemeClr val="accent1"/>
+          </a:fillRef>
+          <a:effectRef idx="0">
+            <a:schemeClr val="accent1"/>
+          </a:effectRef>
+          <a:fontRef idx="minor">
+            <a:schemeClr val="lt1"/>
+          </a:fontRef>
+        </p:style>
+        <p:txBody>
+          <a:bodyPr rtlCol="0" anchor="ctr"/>
+          <a:lstStyle/>
+          <a:p>
+            <a:pPr algn="ctr"/>
+            <a:endParaRPr lang="zh-CN" altLang="en-US"/>
+          </a:p>
+        </p:txBody>
+      </p:sp>
+      <p:sp>
+        <p:nvSpPr>
+          <p:cNvPr id="187" name="梯形 186">
+            <a:extLst>
+              <a:ext uri="{FF2B5EF4-FFF2-40B4-BE49-F238E27FC236}">
+                <a16:creationId xmlns:a16="http://schemas.microsoft.com/office/drawing/2014/main" id="{5BE6B951-0BC5-4188-904F-B91E4CAB7AA6}"/>
+              </a:ext>
+            </a:extLst>
+          </p:cNvPr>
+          <p:cNvSpPr/>
+          <p:nvPr/>
+        </p:nvSpPr>
+        <p:spPr>
+          <a:xfrm>
+            <a:off x="7258210" y="1741469"/>
+            <a:ext cx="628490" cy="179545"/>
+          </a:xfrm>
+          <a:prstGeom prst="trapezoid">
+            <a:avLst>
+              <a:gd name="adj" fmla="val 43788"/>
+            </a:avLst>
+          </a:prstGeom>
+          <a:solidFill>
+            <a:schemeClr val="accent4">
+              <a:lumMod val="20000"/>
+              <a:lumOff val="80000"/>
+            </a:schemeClr>
+          </a:solidFill>
+          <a:ln w="12700">
+            <a:solidFill>
+              <a:schemeClr val="tx1"/>
+            </a:solidFill>
+          </a:ln>
+        </p:spPr>
+        <p:style>
+          <a:lnRef idx="2">
+            <a:schemeClr val="accent1">
+              <a:shade val="50000"/>
+            </a:schemeClr>
+          </a:lnRef>
+          <a:fillRef idx="1">
+            <a:schemeClr val="accent1"/>
+          </a:fillRef>
+          <a:effectRef idx="0">
+            <a:schemeClr val="accent1"/>
+          </a:effectRef>
+          <a:fontRef idx="minor">
+            <a:schemeClr val="lt1"/>
+          </a:fontRef>
+        </p:style>
+        <p:txBody>
+          <a:bodyPr rot="0" spcFirstLastPara="0" vertOverflow="overflow" horzOverflow="overflow" vert="horz" wrap="square" lIns="91440" tIns="45720" rIns="91440" bIns="45720" numCol="1" spcCol="0" rtlCol="0" fromWordArt="0" anchor="ctr" anchorCtr="0" forceAA="0" compatLnSpc="1">
+            <a:prstTxWarp prst="textNoShape">
+              <a:avLst/>
+            </a:prstTxWarp>
+            <a:noAutofit/>
+          </a:bodyPr>
+          <a:lstStyle/>
+          <a:p>
+            <a:pPr algn="ctr"/>
+            <a:endParaRPr lang="zh-CN" altLang="en-US"/>
+          </a:p>
+        </p:txBody>
+      </p:sp>
+      <p:cxnSp>
+        <p:nvCxnSpPr>
+          <p:cNvPr id="188" name="直接箭头连接符 187">
+            <a:extLst>
+              <a:ext uri="{FF2B5EF4-FFF2-40B4-BE49-F238E27FC236}">
+                <a16:creationId xmlns:a16="http://schemas.microsoft.com/office/drawing/2014/main" id="{7C70F3AE-B23A-4E00-9759-12071106269E}"/>
+              </a:ext>
+            </a:extLst>
+          </p:cNvPr>
+          <p:cNvCxnSpPr>
+            <a:cxnSpLocks/>
+          </p:cNvCxnSpPr>
+          <p:nvPr/>
+        </p:nvCxnSpPr>
+        <p:spPr>
+          <a:xfrm flipV="1">
+            <a:off x="7715250" y="1920671"/>
+            <a:ext cx="0" cy="192677"/>
+          </a:xfrm>
+          <a:prstGeom prst="straightConnector1">
+            <a:avLst/>
+          </a:prstGeom>
+          <a:ln w="28575">
+            <a:solidFill>
+              <a:schemeClr val="tx1"/>
+            </a:solidFill>
+            <a:tailEnd type="triangle"/>
+          </a:ln>
+        </p:spPr>
+        <p:style>
+          <a:lnRef idx="1">
+            <a:schemeClr val="accent1"/>
+          </a:lnRef>
+          <a:fillRef idx="0">
+            <a:schemeClr val="accent1"/>
+          </a:fillRef>
+          <a:effectRef idx="0">
+            <a:schemeClr val="accent1"/>
+          </a:effectRef>
+          <a:fontRef idx="minor">
+            <a:schemeClr val="tx1"/>
+          </a:fontRef>
+        </p:style>
+      </p:cxnSp>
+      <p:sp>
+        <p:nvSpPr>
+          <p:cNvPr id="191" name="文本框 190">
+            <a:extLst>
+              <a:ext uri="{FF2B5EF4-FFF2-40B4-BE49-F238E27FC236}">
+                <a16:creationId xmlns:a16="http://schemas.microsoft.com/office/drawing/2014/main" id="{99CF68EA-E21C-4CA9-A5AA-8012C94201F4}"/>
+              </a:ext>
+            </a:extLst>
+          </p:cNvPr>
+          <p:cNvSpPr txBox="1"/>
+          <p:nvPr/>
+        </p:nvSpPr>
+        <p:spPr>
+          <a:xfrm>
+            <a:off x="7449075" y="2072362"/>
+            <a:ext cx="586603" cy="276999"/>
+          </a:xfrm>
+          <a:prstGeom prst="rect">
+            <a:avLst/>
+          </a:prstGeom>
+          <a:noFill/>
+        </p:spPr>
+        <p:txBody>
+          <a:bodyPr wrap="square" rtlCol="0">
+            <a:spAutoFit/>
+          </a:bodyPr>
+          <a:lstStyle/>
+          <a:p>
+            <a:r>
+              <a:rPr lang="en-US" altLang="zh-CN" sz="1200" b="1" dirty="0">
+                <a:latin typeface="Times New Roman" panose="02020603050405020304" pitchFamily="18" charset="0"/>
+                <a:cs typeface="Times New Roman" panose="02020603050405020304" pitchFamily="18" charset="0"/>
+              </a:rPr>
+              <a:t>32’b0</a:t>
+            </a:r>
+            <a:endParaRPr lang="zh-CN" altLang="en-US" sz="1200" b="1" dirty="0">
+              <a:latin typeface="Times New Roman" panose="02020603050405020304" pitchFamily="18" charset="0"/>
+              <a:cs typeface="Times New Roman" panose="02020603050405020304" pitchFamily="18" charset="0"/>
+            </a:endParaRPr>
+          </a:p>
+        </p:txBody>
+      </p:sp>
+      <p:cxnSp>
+        <p:nvCxnSpPr>
+          <p:cNvPr id="192" name="直接箭头连接符 191">
+            <a:extLst>
+              <a:ext uri="{FF2B5EF4-FFF2-40B4-BE49-F238E27FC236}">
+                <a16:creationId xmlns:a16="http://schemas.microsoft.com/office/drawing/2014/main" id="{AC33375E-C965-4BAE-AE67-966FC06637A0}"/>
+              </a:ext>
+            </a:extLst>
+          </p:cNvPr>
+          <p:cNvCxnSpPr>
+            <a:cxnSpLocks/>
+          </p:cNvCxnSpPr>
+          <p:nvPr/>
+        </p:nvCxnSpPr>
+        <p:spPr>
+          <a:xfrm flipV="1">
+            <a:off x="7566105" y="1371774"/>
+            <a:ext cx="0" cy="369695"/>
+          </a:xfrm>
+          <a:prstGeom prst="straightConnector1">
+            <a:avLst/>
+          </a:prstGeom>
+          <a:ln w="28575">
+            <a:solidFill>
+              <a:schemeClr val="tx1"/>
+            </a:solidFill>
+            <a:tailEnd type="triangle"/>
+          </a:ln>
+        </p:spPr>
+        <p:style>
+          <a:lnRef idx="1">
+            <a:schemeClr val="accent1"/>
+          </a:lnRef>
+          <a:fillRef idx="0">
+            <a:schemeClr val="accent1"/>
+          </a:fillRef>
+          <a:effectRef idx="0">
+            <a:schemeClr val="accent1"/>
+          </a:effectRef>
+          <a:fontRef idx="minor">
+            <a:schemeClr val="tx1"/>
+          </a:fontRef>
+        </p:style>
+      </p:cxnSp>
+      <p:sp>
+        <p:nvSpPr>
+          <p:cNvPr id="193" name="流程图: 终止 192">
+            <a:extLst>
+              <a:ext uri="{FF2B5EF4-FFF2-40B4-BE49-F238E27FC236}">
+                <a16:creationId xmlns:a16="http://schemas.microsoft.com/office/drawing/2014/main" id="{A660BA9F-A24F-448C-BD02-3F6D5A6E7797}"/>
+              </a:ext>
+            </a:extLst>
+          </p:cNvPr>
+          <p:cNvSpPr/>
+          <p:nvPr/>
+        </p:nvSpPr>
+        <p:spPr>
+          <a:xfrm>
+            <a:off x="6881307" y="945616"/>
+            <a:ext cx="948667" cy="421045"/>
+          </a:xfrm>
+          <a:prstGeom prst="flowChartTerminator">
+            <a:avLst/>
+          </a:prstGeom>
+          <a:solidFill>
+            <a:schemeClr val="bg2"/>
+          </a:solidFill>
+          <a:ln>
+            <a:solidFill>
+              <a:schemeClr val="tx1"/>
+            </a:solidFill>
+          </a:ln>
+        </p:spPr>
+        <p:style>
+          <a:lnRef idx="2">
+            <a:schemeClr val="accent1">
+              <a:shade val="50000"/>
+            </a:schemeClr>
+          </a:lnRef>
+          <a:fillRef idx="1">
+            <a:schemeClr val="accent1"/>
+          </a:fillRef>
+          <a:effectRef idx="0">
+            <a:schemeClr val="accent1"/>
+          </a:effectRef>
+          <a:fontRef idx="minor">
+            <a:schemeClr val="lt1"/>
+          </a:fontRef>
+        </p:style>
+        <p:txBody>
+          <a:bodyPr rtlCol="0" anchor="ctr"/>
+          <a:lstStyle/>
+          <a:p>
+            <a:pPr algn="ctr"/>
+            <a:r>
+              <a:rPr lang="en-US" altLang="zh-CN" sz="1000" dirty="0" err="1">
+                <a:solidFill>
+                  <a:schemeClr val="tx1"/>
+                </a:solidFill>
+                <a:latin typeface="Times New Roman" panose="02020603050405020304" pitchFamily="18" charset="0"/>
+                <a:cs typeface="Times New Roman" panose="02020603050405020304" pitchFamily="18" charset="0"/>
+              </a:rPr>
+              <a:t>BranchCond</a:t>
+            </a:r>
+            <a:endParaRPr lang="en-US" altLang="zh-CN" sz="1000" dirty="0">
+              <a:solidFill>
+                <a:schemeClr val="tx1"/>
+              </a:solidFill>
+              <a:latin typeface="Times New Roman" panose="02020603050405020304" pitchFamily="18" charset="0"/>
+              <a:cs typeface="Times New Roman" panose="02020603050405020304" pitchFamily="18" charset="0"/>
+            </a:endParaRPr>
+          </a:p>
+          <a:p>
+            <a:pPr algn="ctr"/>
+            <a:r>
+              <a:rPr lang="en-US" altLang="zh-CN" sz="1000" dirty="0" err="1">
+                <a:solidFill>
+                  <a:schemeClr val="tx1"/>
+                </a:solidFill>
+                <a:latin typeface="Times New Roman" panose="02020603050405020304" pitchFamily="18" charset="0"/>
+                <a:cs typeface="Times New Roman" panose="02020603050405020304" pitchFamily="18" charset="0"/>
+              </a:rPr>
+              <a:t>SelectUnit</a:t>
+            </a:r>
+            <a:endParaRPr lang="zh-CN" altLang="en-US" sz="1000" dirty="0">
+              <a:solidFill>
+                <a:schemeClr val="tx1"/>
+              </a:solidFill>
+              <a:latin typeface="Times New Roman" panose="02020603050405020304" pitchFamily="18" charset="0"/>
+              <a:cs typeface="Times New Roman" panose="02020603050405020304" pitchFamily="18" charset="0"/>
+            </a:endParaRPr>
+          </a:p>
+        </p:txBody>
+      </p:sp>
+      <p:cxnSp>
+        <p:nvCxnSpPr>
+          <p:cNvPr id="195" name="直接箭头连接符 194">
+            <a:extLst>
+              <a:ext uri="{FF2B5EF4-FFF2-40B4-BE49-F238E27FC236}">
+                <a16:creationId xmlns:a16="http://schemas.microsoft.com/office/drawing/2014/main" id="{D116E708-72F4-43C4-9B04-471FB40FC9F9}"/>
+              </a:ext>
+            </a:extLst>
+          </p:cNvPr>
+          <p:cNvCxnSpPr>
+            <a:cxnSpLocks/>
+          </p:cNvCxnSpPr>
+          <p:nvPr/>
+        </p:nvCxnSpPr>
+        <p:spPr>
+          <a:xfrm flipH="1" flipV="1">
+            <a:off x="7353300" y="723900"/>
+            <a:ext cx="917" cy="216603"/>
+          </a:xfrm>
+          <a:prstGeom prst="straightConnector1">
+            <a:avLst/>
+          </a:prstGeom>
+          <a:ln w="12700">
+            <a:solidFill>
+              <a:schemeClr val="tx1"/>
+            </a:solidFill>
+            <a:tailEnd type="triangle"/>
+          </a:ln>
+        </p:spPr>
+        <p:style>
+          <a:lnRef idx="1">
+            <a:schemeClr val="accent1"/>
+          </a:lnRef>
+          <a:fillRef idx="0">
+            <a:schemeClr val="accent1"/>
+          </a:fillRef>
+          <a:effectRef idx="0">
+            <a:schemeClr val="accent1"/>
+          </a:effectRef>
+          <a:fontRef idx="minor">
+            <a:schemeClr val="tx1"/>
+          </a:fontRef>
+        </p:style>
+      </p:cxnSp>
+      <p:sp>
+        <p:nvSpPr>
+          <p:cNvPr id="196" name="矩形: 剪去左右顶角 195">
+            <a:extLst>
+              <a:ext uri="{FF2B5EF4-FFF2-40B4-BE49-F238E27FC236}">
+                <a16:creationId xmlns:a16="http://schemas.microsoft.com/office/drawing/2014/main" id="{6EC973EA-B965-4191-8673-1E3E839B8F26}"/>
+              </a:ext>
+            </a:extLst>
+          </p:cNvPr>
+          <p:cNvSpPr/>
+          <p:nvPr/>
+        </p:nvSpPr>
+        <p:spPr>
+          <a:xfrm>
+            <a:off x="7297069" y="662184"/>
+            <a:ext cx="114295" cy="169710"/>
+          </a:xfrm>
+          <a:prstGeom prst="snip2SameRect">
+            <a:avLst>
+              <a:gd name="adj1" fmla="val 50000"/>
+              <a:gd name="adj2" fmla="val 0"/>
+            </a:avLst>
+          </a:prstGeom>
+          <a:solidFill>
+            <a:srgbClr val="92D050"/>
+          </a:solidFill>
+          <a:ln w="19050">
+            <a:solidFill>
+              <a:schemeClr val="tx1"/>
+            </a:solidFill>
+          </a:ln>
+        </p:spPr>
+        <p:style>
+          <a:lnRef idx="2">
+            <a:schemeClr val="accent1">
+              <a:shade val="50000"/>
+            </a:schemeClr>
+          </a:lnRef>
+          <a:fillRef idx="1">
+            <a:schemeClr val="accent1"/>
+          </a:fillRef>
+          <a:effectRef idx="0">
+            <a:schemeClr val="accent1"/>
+          </a:effectRef>
+          <a:fontRef idx="minor">
+            <a:schemeClr val="lt1"/>
+          </a:fontRef>
+        </p:style>
+        <p:txBody>
+          <a:bodyPr rot="0" spcFirstLastPara="0" vertOverflow="overflow" horzOverflow="overflow" vert="horz" wrap="square" lIns="91440" tIns="45720" rIns="91440" bIns="45720" numCol="1" spcCol="0" rtlCol="0" fromWordArt="0" anchor="ctr" anchorCtr="0" forceAA="0" compatLnSpc="1">
+            <a:prstTxWarp prst="textNoShape">
+              <a:avLst/>
+            </a:prstTxWarp>
+            <a:noAutofit/>
+          </a:bodyPr>
+          <a:lstStyle/>
+          <a:p>
+            <a:pPr algn="ctr"/>
+            <a:endParaRPr lang="zh-CN" altLang="en-US"/>
+          </a:p>
+        </p:txBody>
+      </p:sp>
+      <p:sp>
+        <p:nvSpPr>
+          <p:cNvPr id="200" name="文本框 199">
+            <a:extLst>
+              <a:ext uri="{FF2B5EF4-FFF2-40B4-BE49-F238E27FC236}">
+                <a16:creationId xmlns:a16="http://schemas.microsoft.com/office/drawing/2014/main" id="{1DA1E75A-7D51-4158-A390-38846BC26A99}"/>
+              </a:ext>
+            </a:extLst>
+          </p:cNvPr>
+          <p:cNvSpPr txBox="1"/>
+          <p:nvPr/>
+        </p:nvSpPr>
+        <p:spPr>
+          <a:xfrm>
+            <a:off x="7353300" y="632739"/>
+            <a:ext cx="1078697" cy="276999"/>
+          </a:xfrm>
+          <a:prstGeom prst="rect">
+            <a:avLst/>
+          </a:prstGeom>
+          <a:noFill/>
+        </p:spPr>
+        <p:txBody>
+          <a:bodyPr wrap="square" rtlCol="0">
+            <a:spAutoFit/>
+          </a:bodyPr>
+          <a:lstStyle/>
+          <a:p>
+            <a:r>
+              <a:rPr lang="en-US" altLang="zh-CN" sz="1200" dirty="0" err="1">
+                <a:latin typeface="Times New Roman" panose="02020603050405020304" pitchFamily="18" charset="0"/>
+                <a:cs typeface="Times New Roman" panose="02020603050405020304" pitchFamily="18" charset="0"/>
+              </a:rPr>
+              <a:t>BranchCond</a:t>
+            </a:r>
+            <a:endParaRPr lang="zh-CN" altLang="en-US" sz="1200" dirty="0">
+              <a:latin typeface="Times New Roman" panose="02020603050405020304" pitchFamily="18" charset="0"/>
+              <a:cs typeface="Times New Roman" panose="02020603050405020304" pitchFamily="18" charset="0"/>
+            </a:endParaRPr>
+          </a:p>
+        </p:txBody>
+      </p:sp>
+      <p:cxnSp>
+        <p:nvCxnSpPr>
+          <p:cNvPr id="205" name="直接箭头连接符 204">
+            <a:extLst>
+              <a:ext uri="{FF2B5EF4-FFF2-40B4-BE49-F238E27FC236}">
+                <a16:creationId xmlns:a16="http://schemas.microsoft.com/office/drawing/2014/main" id="{EA1D3565-A0E3-4F45-A166-13D674A4B7F2}"/>
+              </a:ext>
+            </a:extLst>
+          </p:cNvPr>
+          <p:cNvCxnSpPr>
+            <a:cxnSpLocks/>
+          </p:cNvCxnSpPr>
+          <p:nvPr/>
+        </p:nvCxnSpPr>
+        <p:spPr>
+          <a:xfrm>
+            <a:off x="6687975" y="2604562"/>
+            <a:ext cx="1909925" cy="20686"/>
+          </a:xfrm>
+          <a:prstGeom prst="straightConnector1">
+            <a:avLst/>
+          </a:prstGeom>
+          <a:ln w="28575">
+            <a:solidFill>
+              <a:srgbClr val="FF0000"/>
+            </a:solidFill>
+            <a:tailEnd type="triangle"/>
+          </a:ln>
+        </p:spPr>
+        <p:style>
+          <a:lnRef idx="1">
+            <a:schemeClr val="accent1"/>
+          </a:lnRef>
+          <a:fillRef idx="0">
+            <a:schemeClr val="accent1"/>
+          </a:fillRef>
+          <a:effectRef idx="0">
+            <a:schemeClr val="accent1"/>
+          </a:effectRef>
+          <a:fontRef idx="minor">
+            <a:schemeClr val="tx1"/>
+          </a:fontRef>
+        </p:style>
+      </p:cxnSp>
+      <p:cxnSp>
+        <p:nvCxnSpPr>
+          <p:cNvPr id="209" name="直接箭头连接符 208">
+            <a:extLst>
+              <a:ext uri="{FF2B5EF4-FFF2-40B4-BE49-F238E27FC236}">
+                <a16:creationId xmlns:a16="http://schemas.microsoft.com/office/drawing/2014/main" id="{AE16361F-1075-42C1-A7CF-C6A450156B2D}"/>
+              </a:ext>
+            </a:extLst>
+          </p:cNvPr>
+          <p:cNvCxnSpPr>
+            <a:cxnSpLocks/>
+          </p:cNvCxnSpPr>
+          <p:nvPr/>
+        </p:nvCxnSpPr>
+        <p:spPr>
+          <a:xfrm>
+            <a:off x="6678504" y="4263053"/>
+            <a:ext cx="1919396" cy="26088"/>
+          </a:xfrm>
+          <a:prstGeom prst="straightConnector1">
+            <a:avLst/>
+          </a:prstGeom>
+          <a:ln w="28575">
+            <a:solidFill>
+              <a:schemeClr val="tx1"/>
+            </a:solidFill>
+            <a:tailEnd type="triangle"/>
+          </a:ln>
+        </p:spPr>
+        <p:style>
+          <a:lnRef idx="1">
+            <a:schemeClr val="accent1"/>
+          </a:lnRef>
+          <a:fillRef idx="0">
+            <a:schemeClr val="accent1"/>
+          </a:fillRef>
+          <a:effectRef idx="0">
+            <a:schemeClr val="accent1"/>
+          </a:effectRef>
+          <a:fontRef idx="minor">
+            <a:schemeClr val="tx1"/>
+          </a:fontRef>
+        </p:style>
+      </p:cxnSp>
+      <p:sp>
+        <p:nvSpPr>
+          <p:cNvPr id="213" name="任意多边形: 形状 212">
+            <a:extLst>
+              <a:ext uri="{FF2B5EF4-FFF2-40B4-BE49-F238E27FC236}">
+                <a16:creationId xmlns:a16="http://schemas.microsoft.com/office/drawing/2014/main" id="{46217177-BCFE-4AC5-AB88-EA5757EDEC3F}"/>
+              </a:ext>
+            </a:extLst>
+          </p:cNvPr>
+          <p:cNvSpPr/>
+          <p:nvPr/>
+        </p:nvSpPr>
+        <p:spPr>
+          <a:xfrm flipV="1">
+            <a:off x="2548459" y="1644650"/>
+            <a:ext cx="296313" cy="1677584"/>
+          </a:xfrm>
+          <a:custGeom>
+            <a:avLst/>
+            <a:gdLst>
+              <a:gd name="connsiteX0" fmla="*/ 6350 w 133350"/>
+              <a:gd name="connsiteY0" fmla="*/ 0 h 1670050"/>
+              <a:gd name="connsiteX1" fmla="*/ 0 w 133350"/>
+              <a:gd name="connsiteY1" fmla="*/ 1670050 h 1670050"/>
+              <a:gd name="connsiteX2" fmla="*/ 133350 w 133350"/>
+              <a:gd name="connsiteY2" fmla="*/ 1670050 h 1670050"/>
+              <a:gd name="connsiteX0" fmla="*/ 378 w 137038"/>
+              <a:gd name="connsiteY0" fmla="*/ 0 h 1670050"/>
+              <a:gd name="connsiteX1" fmla="*/ 3688 w 137038"/>
+              <a:gd name="connsiteY1" fmla="*/ 1670050 h 1670050"/>
+              <a:gd name="connsiteX2" fmla="*/ 137038 w 137038"/>
+              <a:gd name="connsiteY2" fmla="*/ 1670050 h 1670050"/>
+              <a:gd name="connsiteX0" fmla="*/ 6350 w 133350"/>
+              <a:gd name="connsiteY0" fmla="*/ 0 h 1670050"/>
+              <a:gd name="connsiteX1" fmla="*/ 0 w 133350"/>
+              <a:gd name="connsiteY1" fmla="*/ 1670050 h 1670050"/>
+              <a:gd name="connsiteX2" fmla="*/ 133350 w 133350"/>
+              <a:gd name="connsiteY2" fmla="*/ 1670050 h 1670050"/>
+              <a:gd name="connsiteX0" fmla="*/ 600 w 134040"/>
+              <a:gd name="connsiteY0" fmla="*/ 0 h 1670050"/>
+              <a:gd name="connsiteX1" fmla="*/ 690 w 134040"/>
+              <a:gd name="connsiteY1" fmla="*/ 1670050 h 1670050"/>
+              <a:gd name="connsiteX2" fmla="*/ 134040 w 134040"/>
+              <a:gd name="connsiteY2" fmla="*/ 1670050 h 1670050"/>
+            </a:gdLst>
+            <a:ahLst/>
+            <a:cxnLst>
+              <a:cxn ang="0">
+                <a:pos x="connsiteX0" y="connsiteY0"/>
+              </a:cxn>
+              <a:cxn ang="0">
+                <a:pos x="connsiteX1" y="connsiteY1"/>
+              </a:cxn>
+              <a:cxn ang="0">
+                <a:pos x="connsiteX2" y="connsiteY2"/>
+              </a:cxn>
+            </a:cxnLst>
+            <a:rect l="l" t="t" r="r" b="b"/>
+            <a:pathLst>
+              <a:path w="134040" h="1670050">
+                <a:moveTo>
+                  <a:pt x="600" y="0"/>
+                </a:moveTo>
+                <a:cubicBezTo>
+                  <a:pt x="-1517" y="556683"/>
+                  <a:pt x="2807" y="1113367"/>
+                  <a:pt x="690" y="1670050"/>
+                </a:cubicBezTo>
+                <a:lnTo>
+                  <a:pt x="134040" y="1670050"/>
+                </a:lnTo>
+              </a:path>
+            </a:pathLst>
+          </a:custGeom>
+          <a:noFill/>
+          <a:ln w="19050">
+            <a:solidFill>
+              <a:srgbClr val="00B050"/>
+            </a:solidFill>
+            <a:headEnd type="none" w="med" len="med"/>
+            <a:tailEnd type="triangle" w="med" len="med"/>
+          </a:ln>
+        </p:spPr>
+        <p:style>
+          <a:lnRef idx="2">
+            <a:schemeClr val="accent1">
+              <a:shade val="50000"/>
+            </a:schemeClr>
+          </a:lnRef>
+          <a:fillRef idx="1">
+            <a:schemeClr val="accent1"/>
+          </a:fillRef>
+          <a:effectRef idx="0">
+            <a:schemeClr val="accent1"/>
+          </a:effectRef>
+          <a:fontRef idx="minor">
+            <a:schemeClr val="lt1"/>
+          </a:fontRef>
+        </p:style>
+        <p:txBody>
+          <a:bodyPr rtlCol="0" anchor="ctr"/>
+          <a:lstStyle/>
+          <a:p>
+            <a:pPr algn="ctr"/>
+            <a:endParaRPr lang="zh-CN" altLang="en-US"/>
+          </a:p>
+        </p:txBody>
+      </p:sp>
+      <p:cxnSp>
+        <p:nvCxnSpPr>
+          <p:cNvPr id="214" name="直接箭头连接符 213">
+            <a:extLst>
+              <a:ext uri="{FF2B5EF4-FFF2-40B4-BE49-F238E27FC236}">
+                <a16:creationId xmlns:a16="http://schemas.microsoft.com/office/drawing/2014/main" id="{C2676F34-0D47-4840-A63B-F32C3FAA8EBF}"/>
+              </a:ext>
+            </a:extLst>
+          </p:cNvPr>
+          <p:cNvCxnSpPr>
+            <a:cxnSpLocks/>
+          </p:cNvCxnSpPr>
+          <p:nvPr/>
+        </p:nvCxnSpPr>
+        <p:spPr>
+          <a:xfrm flipV="1">
+            <a:off x="2472178" y="1424323"/>
+            <a:ext cx="372903" cy="25"/>
+          </a:xfrm>
+          <a:prstGeom prst="straightConnector1">
+            <a:avLst/>
+          </a:prstGeom>
+          <a:ln w="19050">
+            <a:solidFill>
+              <a:schemeClr val="tx1"/>
+            </a:solidFill>
+            <a:tailEnd type="triangle"/>
+          </a:ln>
+        </p:spPr>
+        <p:style>
+          <a:lnRef idx="1">
+            <a:schemeClr val="accent1"/>
+          </a:lnRef>
+          <a:fillRef idx="0">
+            <a:schemeClr val="accent1"/>
+          </a:fillRef>
+          <a:effectRef idx="0">
+            <a:schemeClr val="accent1"/>
+          </a:effectRef>
+          <a:fontRef idx="minor">
+            <a:schemeClr val="tx1"/>
+          </a:fontRef>
+        </p:style>
+      </p:cxnSp>
     </p:spTree>
     <p:extLst>
       <p:ext uri="{BB962C8B-B14F-4D97-AF65-F5344CB8AC3E}">

--- a/fig.pptx
+++ b/fig.pptx
@@ -3493,6 +3493,238 @@
       </p:grpSpPr>
       <p:sp>
         <p:nvSpPr>
+          <p:cNvPr id="225" name="梯形 224">
+            <a:extLst>
+              <a:ext uri="{FF2B5EF4-FFF2-40B4-BE49-F238E27FC236}">
+                <a16:creationId xmlns:a16="http://schemas.microsoft.com/office/drawing/2014/main" id="{997ED04F-FDB7-45CF-A19D-C88B5084E3CF}"/>
+              </a:ext>
+            </a:extLst>
+          </p:cNvPr>
+          <p:cNvSpPr/>
+          <p:nvPr/>
+        </p:nvSpPr>
+        <p:spPr>
+          <a:xfrm rot="5400000">
+            <a:off x="3573724" y="1182448"/>
+            <a:ext cx="583848" cy="269130"/>
+          </a:xfrm>
+          <a:prstGeom prst="trapezoid">
+            <a:avLst>
+              <a:gd name="adj" fmla="val 43788"/>
+            </a:avLst>
+          </a:prstGeom>
+          <a:solidFill>
+            <a:schemeClr val="accent4">
+              <a:lumMod val="20000"/>
+              <a:lumOff val="80000"/>
+            </a:schemeClr>
+          </a:solidFill>
+          <a:ln w="12700">
+            <a:solidFill>
+              <a:schemeClr val="tx1"/>
+            </a:solidFill>
+          </a:ln>
+        </p:spPr>
+        <p:style>
+          <a:lnRef idx="2">
+            <a:schemeClr val="accent1">
+              <a:shade val="50000"/>
+            </a:schemeClr>
+          </a:lnRef>
+          <a:fillRef idx="1">
+            <a:schemeClr val="accent1"/>
+          </a:fillRef>
+          <a:effectRef idx="0">
+            <a:schemeClr val="accent1"/>
+          </a:effectRef>
+          <a:fontRef idx="minor">
+            <a:schemeClr val="lt1"/>
+          </a:fontRef>
+        </p:style>
+        <p:txBody>
+          <a:bodyPr rot="0" spcFirstLastPara="0" vertOverflow="overflow" horzOverflow="overflow" vert="horz" wrap="square" lIns="91440" tIns="45720" rIns="91440" bIns="45720" numCol="1" spcCol="0" rtlCol="0" fromWordArt="0" anchor="ctr" anchorCtr="0" forceAA="0" compatLnSpc="1">
+            <a:prstTxWarp prst="textNoShape">
+              <a:avLst/>
+            </a:prstTxWarp>
+            <a:noAutofit/>
+          </a:bodyPr>
+          <a:lstStyle/>
+          <a:p>
+            <a:pPr algn="ctr"/>
+            <a:endParaRPr lang="zh-CN" altLang="en-US"/>
+          </a:p>
+        </p:txBody>
+      </p:sp>
+      <p:sp>
+        <p:nvSpPr>
+          <p:cNvPr id="234" name="文本框 233">
+            <a:extLst>
+              <a:ext uri="{FF2B5EF4-FFF2-40B4-BE49-F238E27FC236}">
+                <a16:creationId xmlns:a16="http://schemas.microsoft.com/office/drawing/2014/main" id="{09A4FC30-40C6-4FCC-A915-F21F90B88C43}"/>
+              </a:ext>
+            </a:extLst>
+          </p:cNvPr>
+          <p:cNvSpPr txBox="1"/>
+          <p:nvPr/>
+        </p:nvSpPr>
+        <p:spPr>
+          <a:xfrm>
+            <a:off x="3731083" y="1292326"/>
+            <a:ext cx="445430" cy="276999"/>
+          </a:xfrm>
+          <a:prstGeom prst="rect">
+            <a:avLst/>
+          </a:prstGeom>
+          <a:noFill/>
+        </p:spPr>
+        <p:txBody>
+          <a:bodyPr wrap="square" rtlCol="0">
+            <a:spAutoFit/>
+          </a:bodyPr>
+          <a:lstStyle/>
+          <a:p>
+            <a:r>
+              <a:rPr lang="en-US" altLang="zh-TW" sz="1200" b="1" dirty="0">
+                <a:latin typeface="Times New Roman" panose="02020603050405020304" pitchFamily="18" charset="0"/>
+                <a:cs typeface="Times New Roman" panose="02020603050405020304" pitchFamily="18" charset="0"/>
+              </a:rPr>
+              <a:t>0</a:t>
+            </a:r>
+            <a:endParaRPr lang="zh-CN" altLang="en-US" sz="1200" b="1" dirty="0">
+              <a:latin typeface="Times New Roman" panose="02020603050405020304" pitchFamily="18" charset="0"/>
+              <a:cs typeface="Times New Roman" panose="02020603050405020304" pitchFamily="18" charset="0"/>
+            </a:endParaRPr>
+          </a:p>
+        </p:txBody>
+      </p:sp>
+      <p:sp>
+        <p:nvSpPr>
+          <p:cNvPr id="235" name="文本框 234">
+            <a:extLst>
+              <a:ext uri="{FF2B5EF4-FFF2-40B4-BE49-F238E27FC236}">
+                <a16:creationId xmlns:a16="http://schemas.microsoft.com/office/drawing/2014/main" id="{9EE45369-E5D5-46F6-B22E-A98253684ED0}"/>
+              </a:ext>
+            </a:extLst>
+          </p:cNvPr>
+          <p:cNvSpPr txBox="1"/>
+          <p:nvPr/>
+        </p:nvSpPr>
+        <p:spPr>
+          <a:xfrm>
+            <a:off x="3738448" y="1052891"/>
+            <a:ext cx="445430" cy="276999"/>
+          </a:xfrm>
+          <a:prstGeom prst="rect">
+            <a:avLst/>
+          </a:prstGeom>
+          <a:noFill/>
+        </p:spPr>
+        <p:txBody>
+          <a:bodyPr wrap="square" rtlCol="0">
+            <a:spAutoFit/>
+          </a:bodyPr>
+          <a:lstStyle/>
+          <a:p>
+            <a:r>
+              <a:rPr lang="en-US" altLang="zh-TW" sz="1200" b="1" dirty="0">
+                <a:latin typeface="Times New Roman" panose="02020603050405020304" pitchFamily="18" charset="0"/>
+                <a:cs typeface="Times New Roman" panose="02020603050405020304" pitchFamily="18" charset="0"/>
+              </a:rPr>
+              <a:t>1</a:t>
+            </a:r>
+            <a:endParaRPr lang="zh-CN" altLang="en-US" sz="1200" b="1" dirty="0">
+              <a:latin typeface="Times New Roman" panose="02020603050405020304" pitchFamily="18" charset="0"/>
+              <a:cs typeface="Times New Roman" panose="02020603050405020304" pitchFamily="18" charset="0"/>
+            </a:endParaRPr>
+          </a:p>
+        </p:txBody>
+      </p:sp>
+      <p:sp>
+        <p:nvSpPr>
+          <p:cNvPr id="222" name="文本框 221">
+            <a:extLst>
+              <a:ext uri="{FF2B5EF4-FFF2-40B4-BE49-F238E27FC236}">
+                <a16:creationId xmlns:a16="http://schemas.microsoft.com/office/drawing/2014/main" id="{96EBAD9E-C1E4-44F5-91CA-8EDAAB86427E}"/>
+              </a:ext>
+            </a:extLst>
+          </p:cNvPr>
+          <p:cNvSpPr txBox="1"/>
+          <p:nvPr/>
+        </p:nvSpPr>
+        <p:spPr>
+          <a:xfrm>
+            <a:off x="2437466" y="1709367"/>
+            <a:ext cx="576217" cy="276999"/>
+          </a:xfrm>
+          <a:prstGeom prst="rect">
+            <a:avLst/>
+          </a:prstGeom>
+          <a:noFill/>
+        </p:spPr>
+        <p:txBody>
+          <a:bodyPr wrap="square" rtlCol="0">
+            <a:spAutoFit/>
+          </a:bodyPr>
+          <a:lstStyle/>
+          <a:p>
+            <a:r>
+              <a:rPr lang="en-US" altLang="zh-TW" sz="1200" b="1" dirty="0">
+                <a:latin typeface="Times New Roman" panose="02020603050405020304" pitchFamily="18" charset="0"/>
+                <a:cs typeface="Times New Roman" panose="02020603050405020304" pitchFamily="18" charset="0"/>
+              </a:rPr>
+              <a:t>5’d31</a:t>
+            </a:r>
+            <a:endParaRPr lang="zh-CN" altLang="en-US" sz="1200" b="1" dirty="0">
+              <a:latin typeface="Times New Roman" panose="02020603050405020304" pitchFamily="18" charset="0"/>
+              <a:cs typeface="Times New Roman" panose="02020603050405020304" pitchFamily="18" charset="0"/>
+            </a:endParaRPr>
+          </a:p>
+        </p:txBody>
+      </p:sp>
+      <p:sp>
+        <p:nvSpPr>
+          <p:cNvPr id="105" name="文本框 104">
+            <a:extLst>
+              <a:ext uri="{FF2B5EF4-FFF2-40B4-BE49-F238E27FC236}">
+                <a16:creationId xmlns:a16="http://schemas.microsoft.com/office/drawing/2014/main" id="{A87664B0-BBEC-46E1-9C1F-ED49FDA8F4C8}"/>
+              </a:ext>
+            </a:extLst>
+          </p:cNvPr>
+          <p:cNvSpPr txBox="1"/>
+          <p:nvPr/>
+        </p:nvSpPr>
+        <p:spPr>
+          <a:xfrm>
+            <a:off x="2497509" y="2766489"/>
+            <a:ext cx="414264" cy="276999"/>
+          </a:xfrm>
+          <a:prstGeom prst="rect">
+            <a:avLst/>
+          </a:prstGeom>
+          <a:noFill/>
+        </p:spPr>
+        <p:txBody>
+          <a:bodyPr wrap="square" rtlCol="0">
+            <a:spAutoFit/>
+          </a:bodyPr>
+          <a:lstStyle/>
+          <a:p>
+            <a:r>
+              <a:rPr lang="en-US" altLang="zh-TW" sz="1200" dirty="0" err="1">
+                <a:latin typeface="Times New Roman" panose="02020603050405020304" pitchFamily="18" charset="0"/>
+                <a:cs typeface="Times New Roman" panose="02020603050405020304" pitchFamily="18" charset="0"/>
+              </a:rPr>
+              <a:t>rs</a:t>
+            </a:r>
+            <a:endParaRPr lang="zh-CN" altLang="en-US" sz="1200" dirty="0">
+              <a:latin typeface="Times New Roman" panose="02020603050405020304" pitchFamily="18" charset="0"/>
+              <a:cs typeface="Times New Roman" panose="02020603050405020304" pitchFamily="18" charset="0"/>
+            </a:endParaRPr>
+          </a:p>
+        </p:txBody>
+      </p:sp>
+      <p:sp>
+        <p:nvSpPr>
           <p:cNvPr id="106" name="文本框 105">
             <a:extLst>
               <a:ext uri="{FF2B5EF4-FFF2-40B4-BE49-F238E27FC236}">
@@ -8460,50 +8692,6 @@
       </p:sp>
       <p:cxnSp>
         <p:nvCxnSpPr>
-          <p:cNvPr id="100" name="直接箭头连接符 99">
-            <a:extLst>
-              <a:ext uri="{FF2B5EF4-FFF2-40B4-BE49-F238E27FC236}">
-                <a16:creationId xmlns:a16="http://schemas.microsoft.com/office/drawing/2014/main" id="{5BE07249-CBB6-4057-AC24-DB82B10FCB66}"/>
-              </a:ext>
-            </a:extLst>
-          </p:cNvPr>
-          <p:cNvCxnSpPr>
-            <a:cxnSpLocks/>
-          </p:cNvCxnSpPr>
-          <p:nvPr/>
-        </p:nvCxnSpPr>
-        <p:spPr>
-          <a:xfrm flipV="1">
-            <a:off x="2471897" y="3035300"/>
-            <a:ext cx="372903" cy="25"/>
-          </a:xfrm>
-          <a:prstGeom prst="straightConnector1">
-            <a:avLst/>
-          </a:prstGeom>
-          <a:ln w="19050">
-            <a:solidFill>
-              <a:schemeClr val="tx1"/>
-            </a:solidFill>
-            <a:tailEnd type="triangle"/>
-          </a:ln>
-        </p:spPr>
-        <p:style>
-          <a:lnRef idx="1">
-            <a:schemeClr val="accent1"/>
-          </a:lnRef>
-          <a:fillRef idx="0">
-            <a:schemeClr val="accent1"/>
-          </a:fillRef>
-          <a:effectRef idx="0">
-            <a:schemeClr val="accent1"/>
-          </a:effectRef>
-          <a:fontRef idx="minor">
-            <a:schemeClr val="tx1"/>
-          </a:fontRef>
-        </p:style>
-      </p:cxnSp>
-      <p:cxnSp>
-        <p:nvCxnSpPr>
           <p:cNvPr id="104" name="直接箭头连接符 103">
             <a:extLst>
               <a:ext uri="{FF2B5EF4-FFF2-40B4-BE49-F238E27FC236}">
@@ -8546,48 +8734,6 @@
           </a:fontRef>
         </p:style>
       </p:cxnSp>
-      <p:sp>
-        <p:nvSpPr>
-          <p:cNvPr id="105" name="文本框 104">
-            <a:extLst>
-              <a:ext uri="{FF2B5EF4-FFF2-40B4-BE49-F238E27FC236}">
-                <a16:creationId xmlns:a16="http://schemas.microsoft.com/office/drawing/2014/main" id="{A87664B0-BBEC-46E1-9C1F-ED49FDA8F4C8}"/>
-              </a:ext>
-            </a:extLst>
-          </p:cNvPr>
-          <p:cNvSpPr txBox="1"/>
-          <p:nvPr/>
-        </p:nvSpPr>
-        <p:spPr>
-          <a:xfrm>
-            <a:off x="2497509" y="2766489"/>
-            <a:ext cx="414264" cy="276999"/>
-          </a:xfrm>
-          <a:prstGeom prst="rect">
-            <a:avLst/>
-          </a:prstGeom>
-          <a:noFill/>
-        </p:spPr>
-        <p:txBody>
-          <a:bodyPr wrap="square" rtlCol="0">
-            <a:spAutoFit/>
-          </a:bodyPr>
-          <a:lstStyle/>
-          <a:p>
-            <a:r>
-              <a:rPr lang="en-US" altLang="zh-TW" sz="1200" dirty="0" err="1">
-                <a:latin typeface="Times New Roman" panose="02020603050405020304" pitchFamily="18" charset="0"/>
-                <a:cs typeface="Times New Roman" panose="02020603050405020304" pitchFamily="18" charset="0"/>
-              </a:rPr>
-              <a:t>rs</a:t>
-            </a:r>
-            <a:endParaRPr lang="zh-CN" altLang="en-US" sz="1200" dirty="0">
-              <a:latin typeface="Times New Roman" panose="02020603050405020304" pitchFamily="18" charset="0"/>
-              <a:cs typeface="Times New Roman" panose="02020603050405020304" pitchFamily="18" charset="0"/>
-            </a:endParaRPr>
-          </a:p>
-        </p:txBody>
-      </p:sp>
       <p:cxnSp>
         <p:nvCxnSpPr>
           <p:cNvPr id="127" name="连接符: 肘形 126">
@@ -9324,12 +9470,56 @@
         </p:nvGrpSpPr>
         <p:grpSpPr>
           <a:xfrm>
-            <a:off x="6101575" y="1505338"/>
-            <a:ext cx="1080800" cy="3259821"/>
-            <a:chOff x="5706410" y="1522593"/>
-            <a:chExt cx="1080800" cy="3259821"/>
+            <a:off x="6103677" y="1639514"/>
+            <a:ext cx="1078698" cy="3125645"/>
+            <a:chOff x="5708512" y="1656769"/>
+            <a:chExt cx="1078698" cy="3125645"/>
           </a:xfrm>
         </p:grpSpPr>
+        <p:cxnSp>
+          <p:nvCxnSpPr>
+            <p:cNvPr id="113" name="直接连接符 112">
+              <a:extLst>
+                <a:ext uri="{FF2B5EF4-FFF2-40B4-BE49-F238E27FC236}">
+                  <a16:creationId xmlns:a16="http://schemas.microsoft.com/office/drawing/2014/main" id="{A4ABC5F0-A730-4E28-BA21-A83D36908456}"/>
+                </a:ext>
+              </a:extLst>
+            </p:cNvPr>
+            <p:cNvCxnSpPr>
+              <a:cxnSpLocks/>
+              <a:endCxn id="108" idx="1"/>
+            </p:cNvCxnSpPr>
+            <p:nvPr/>
+          </p:nvCxnSpPr>
+          <p:spPr>
+            <a:xfrm>
+              <a:off x="6149898" y="2017931"/>
+              <a:ext cx="1" cy="210178"/>
+            </a:xfrm>
+            <a:prstGeom prst="line">
+              <a:avLst/>
+            </a:prstGeom>
+            <a:ln w="9525">
+              <a:solidFill>
+                <a:schemeClr val="tx1"/>
+              </a:solidFill>
+            </a:ln>
+          </p:spPr>
+          <p:style>
+            <a:lnRef idx="1">
+              <a:schemeClr val="accent1"/>
+            </a:lnRef>
+            <a:fillRef idx="0">
+              <a:schemeClr val="accent1"/>
+            </a:fillRef>
+            <a:effectRef idx="0">
+              <a:schemeClr val="accent1"/>
+            </a:effectRef>
+            <a:fontRef idx="minor">
+              <a:schemeClr val="tx1"/>
+            </a:fontRef>
+          </p:style>
+        </p:cxnSp>
         <p:sp>
           <p:nvSpPr>
             <p:cNvPr id="108" name="梯形 107">
@@ -9408,7 +9598,7 @@
           </p:nvSpPr>
           <p:spPr>
             <a:xfrm rot="10800000">
-              <a:off x="6092751" y="1781997"/>
+              <a:off x="6092751" y="1934744"/>
               <a:ext cx="114295" cy="169710"/>
             </a:xfrm>
             <a:prstGeom prst="snip2SameRect">
@@ -9470,7 +9660,7 @@
           </p:nvSpPr>
           <p:spPr>
             <a:xfrm>
-              <a:off x="5706410" y="1522593"/>
+              <a:off x="5708512" y="1656769"/>
               <a:ext cx="1078697" cy="276999"/>
             </a:xfrm>
             <a:prstGeom prst="rect">
@@ -9498,51 +9688,6 @@
             </a:p>
           </p:txBody>
         </p:sp>
-        <p:cxnSp>
-          <p:nvCxnSpPr>
-            <p:cNvPr id="113" name="直接连接符 112">
-              <a:extLst>
-                <a:ext uri="{FF2B5EF4-FFF2-40B4-BE49-F238E27FC236}">
-                  <a16:creationId xmlns:a16="http://schemas.microsoft.com/office/drawing/2014/main" id="{A4ABC5F0-A730-4E28-BA21-A83D36908456}"/>
-                </a:ext>
-              </a:extLst>
-            </p:cNvPr>
-            <p:cNvCxnSpPr>
-              <a:cxnSpLocks/>
-              <a:stCxn id="110" idx="3"/>
-              <a:endCxn id="108" idx="1"/>
-            </p:cNvCxnSpPr>
-            <p:nvPr/>
-          </p:nvCxnSpPr>
-          <p:spPr>
-            <a:xfrm>
-              <a:off x="6149898" y="1951707"/>
-              <a:ext cx="1" cy="276402"/>
-            </a:xfrm>
-            <a:prstGeom prst="line">
-              <a:avLst/>
-            </a:prstGeom>
-            <a:ln w="9525">
-              <a:solidFill>
-                <a:schemeClr val="tx1"/>
-              </a:solidFill>
-            </a:ln>
-          </p:spPr>
-          <p:style>
-            <a:lnRef idx="1">
-              <a:schemeClr val="accent1"/>
-            </a:lnRef>
-            <a:fillRef idx="0">
-              <a:schemeClr val="accent1"/>
-            </a:fillRef>
-            <a:effectRef idx="0">
-              <a:schemeClr val="accent1"/>
-            </a:effectRef>
-            <a:fontRef idx="minor">
-              <a:schemeClr val="tx1"/>
-            </a:fontRef>
-          </p:style>
-        </p:cxnSp>
         <p:sp>
           <p:nvSpPr>
             <p:cNvPr id="118" name="梯形 117">
@@ -10106,9 +10251,9 @@
           <p:nvPr/>
         </p:nvSpPr>
         <p:spPr>
-          <a:xfrm>
-            <a:off x="6687975" y="1371774"/>
-            <a:ext cx="469900" cy="1232717"/>
+          <a:xfrm flipV="1">
+            <a:off x="6687975" y="2604490"/>
+            <a:ext cx="616478" cy="442120"/>
           </a:xfrm>
           <a:custGeom>
             <a:avLst/>
@@ -10195,8 +10340,8 @@
         </p:nvSpPr>
         <p:spPr>
           <a:xfrm>
-            <a:off x="6675275" y="1921014"/>
-            <a:ext cx="748400" cy="2344679"/>
+            <a:off x="6675275" y="3895833"/>
+            <a:ext cx="483667" cy="369860"/>
           </a:xfrm>
           <a:custGeom>
             <a:avLst/>
@@ -10283,7 +10428,7 @@
         </p:nvSpPr>
         <p:spPr>
           <a:xfrm>
-            <a:off x="7258210" y="1741469"/>
+            <a:off x="6970910" y="3736029"/>
             <a:ext cx="628490" cy="179545"/>
           </a:xfrm>
           <a:prstGeom prst="trapezoid">
@@ -10349,8 +10494,8 @@
         </p:nvCxnSpPr>
         <p:spPr>
           <a:xfrm flipV="1">
-            <a:off x="7715250" y="1920671"/>
-            <a:ext cx="0" cy="192677"/>
+            <a:off x="7411364" y="3895833"/>
+            <a:ext cx="0" cy="193780"/>
           </a:xfrm>
           <a:prstGeom prst="straightConnector1">
             <a:avLst/>
@@ -10391,7 +10536,7 @@
         </p:nvSpPr>
         <p:spPr>
           <a:xfrm>
-            <a:off x="7449075" y="2072362"/>
+            <a:off x="7158944" y="4055731"/>
             <a:ext cx="586603" cy="276999"/>
           </a:xfrm>
           <a:prstGeom prst="rect">
@@ -10435,8 +10580,8 @@
         </p:nvCxnSpPr>
         <p:spPr>
           <a:xfrm flipV="1">
-            <a:off x="7566105" y="1371774"/>
-            <a:ext cx="0" cy="369695"/>
+            <a:off x="7284323" y="3473691"/>
+            <a:ext cx="0" cy="243030"/>
           </a:xfrm>
           <a:prstGeom prst="straightConnector1">
             <a:avLst/>
@@ -10477,7 +10622,7 @@
         </p:nvSpPr>
         <p:spPr>
           <a:xfrm>
-            <a:off x="6881307" y="945616"/>
+            <a:off x="7012652" y="3051858"/>
             <a:ext cx="948667" cy="421045"/>
           </a:xfrm>
           <a:prstGeom prst="flowChartTerminator">
@@ -10553,112 +10698,133 @@
           </a:p>
         </p:txBody>
       </p:sp>
-      <p:cxnSp>
-        <p:nvCxnSpPr>
-          <p:cNvPr id="195" name="直接箭头连接符 194">
+      <p:grpSp>
+        <p:nvGrpSpPr>
+          <p:cNvPr id="229" name="组合 228">
             <a:extLst>
               <a:ext uri="{FF2B5EF4-FFF2-40B4-BE49-F238E27FC236}">
-                <a16:creationId xmlns:a16="http://schemas.microsoft.com/office/drawing/2014/main" id="{D116E708-72F4-43C4-9B04-471FB40FC9F9}"/>
+                <a16:creationId xmlns:a16="http://schemas.microsoft.com/office/drawing/2014/main" id="{7F69B5C9-815A-42C0-852B-3E9173FC10F4}"/>
               </a:ext>
             </a:extLst>
           </p:cNvPr>
-          <p:cNvCxnSpPr>
-            <a:cxnSpLocks/>
-          </p:cNvCxnSpPr>
+          <p:cNvGrpSpPr/>
           <p:nvPr/>
-        </p:nvCxnSpPr>
-        <p:spPr>
-          <a:xfrm flipH="1" flipV="1">
-            <a:off x="7353300" y="723900"/>
-            <a:ext cx="917" cy="216603"/>
-          </a:xfrm>
-          <a:prstGeom prst="straightConnector1">
-            <a:avLst/>
-          </a:prstGeom>
-          <a:ln w="12700">
+        </p:nvGrpSpPr>
+        <p:grpSpPr>
+          <a:xfrm rot="5400000">
+            <a:off x="8048305" y="3131089"/>
+            <a:ext cx="114295" cy="278319"/>
+            <a:chOff x="7297069" y="662184"/>
+            <a:chExt cx="114295" cy="278319"/>
+          </a:xfrm>
+        </p:grpSpPr>
+        <p:cxnSp>
+          <p:nvCxnSpPr>
+            <p:cNvPr id="195" name="直接箭头连接符 194">
+              <a:extLst>
+                <a:ext uri="{FF2B5EF4-FFF2-40B4-BE49-F238E27FC236}">
+                  <a16:creationId xmlns:a16="http://schemas.microsoft.com/office/drawing/2014/main" id="{D116E708-72F4-43C4-9B04-471FB40FC9F9}"/>
+                </a:ext>
+              </a:extLst>
+            </p:cNvPr>
+            <p:cNvCxnSpPr>
+              <a:cxnSpLocks/>
+            </p:cNvCxnSpPr>
+            <p:nvPr/>
+          </p:nvCxnSpPr>
+          <p:spPr>
+            <a:xfrm flipH="1" flipV="1">
+              <a:off x="7353300" y="723900"/>
+              <a:ext cx="917" cy="216603"/>
+            </a:xfrm>
+            <a:prstGeom prst="straightConnector1">
+              <a:avLst/>
+            </a:prstGeom>
+            <a:ln w="12700">
+              <a:solidFill>
+                <a:schemeClr val="tx1"/>
+              </a:solidFill>
+              <a:tailEnd type="triangle"/>
+            </a:ln>
+          </p:spPr>
+          <p:style>
+            <a:lnRef idx="1">
+              <a:schemeClr val="accent1"/>
+            </a:lnRef>
+            <a:fillRef idx="0">
+              <a:schemeClr val="accent1"/>
+            </a:fillRef>
+            <a:effectRef idx="0">
+              <a:schemeClr val="accent1"/>
+            </a:effectRef>
+            <a:fontRef idx="minor">
+              <a:schemeClr val="tx1"/>
+            </a:fontRef>
+          </p:style>
+        </p:cxnSp>
+        <p:sp>
+          <p:nvSpPr>
+            <p:cNvPr id="196" name="矩形: 剪去左右顶角 195">
+              <a:extLst>
+                <a:ext uri="{FF2B5EF4-FFF2-40B4-BE49-F238E27FC236}">
+                  <a16:creationId xmlns:a16="http://schemas.microsoft.com/office/drawing/2014/main" id="{6EC973EA-B965-4191-8673-1E3E839B8F26}"/>
+                </a:ext>
+              </a:extLst>
+            </p:cNvPr>
+            <p:cNvSpPr/>
+            <p:nvPr/>
+          </p:nvSpPr>
+          <p:spPr>
+            <a:xfrm>
+              <a:off x="7297069" y="662184"/>
+              <a:ext cx="114295" cy="169710"/>
+            </a:xfrm>
+            <a:prstGeom prst="snip2SameRect">
+              <a:avLst>
+                <a:gd name="adj1" fmla="val 50000"/>
+                <a:gd name="adj2" fmla="val 0"/>
+              </a:avLst>
+            </a:prstGeom>
             <a:solidFill>
-              <a:schemeClr val="tx1"/>
+              <a:srgbClr val="92D050"/>
             </a:solidFill>
-            <a:tailEnd type="triangle"/>
-          </a:ln>
-        </p:spPr>
-        <p:style>
-          <a:lnRef idx="1">
-            <a:schemeClr val="accent1"/>
-          </a:lnRef>
-          <a:fillRef idx="0">
-            <a:schemeClr val="accent1"/>
-          </a:fillRef>
-          <a:effectRef idx="0">
-            <a:schemeClr val="accent1"/>
-          </a:effectRef>
-          <a:fontRef idx="minor">
-            <a:schemeClr val="tx1"/>
-          </a:fontRef>
-        </p:style>
-      </p:cxnSp>
-      <p:sp>
-        <p:nvSpPr>
-          <p:cNvPr id="196" name="矩形: 剪去左右顶角 195">
-            <a:extLst>
-              <a:ext uri="{FF2B5EF4-FFF2-40B4-BE49-F238E27FC236}">
-                <a16:creationId xmlns:a16="http://schemas.microsoft.com/office/drawing/2014/main" id="{6EC973EA-B965-4191-8673-1E3E839B8F26}"/>
-              </a:ext>
-            </a:extLst>
-          </p:cNvPr>
-          <p:cNvSpPr/>
-          <p:nvPr/>
-        </p:nvSpPr>
-        <p:spPr>
-          <a:xfrm>
-            <a:off x="7297069" y="662184"/>
-            <a:ext cx="114295" cy="169710"/>
-          </a:xfrm>
-          <a:prstGeom prst="snip2SameRect">
-            <a:avLst>
-              <a:gd name="adj1" fmla="val 50000"/>
-              <a:gd name="adj2" fmla="val 0"/>
-            </a:avLst>
-          </a:prstGeom>
-          <a:solidFill>
-            <a:srgbClr val="92D050"/>
-          </a:solidFill>
-          <a:ln w="19050">
-            <a:solidFill>
-              <a:schemeClr val="tx1"/>
-            </a:solidFill>
-          </a:ln>
-        </p:spPr>
-        <p:style>
-          <a:lnRef idx="2">
-            <a:schemeClr val="accent1">
-              <a:shade val="50000"/>
-            </a:schemeClr>
-          </a:lnRef>
-          <a:fillRef idx="1">
-            <a:schemeClr val="accent1"/>
-          </a:fillRef>
-          <a:effectRef idx="0">
-            <a:schemeClr val="accent1"/>
-          </a:effectRef>
-          <a:fontRef idx="minor">
-            <a:schemeClr val="lt1"/>
-          </a:fontRef>
-        </p:style>
-        <p:txBody>
-          <a:bodyPr rot="0" spcFirstLastPara="0" vertOverflow="overflow" horzOverflow="overflow" vert="horz" wrap="square" lIns="91440" tIns="45720" rIns="91440" bIns="45720" numCol="1" spcCol="0" rtlCol="0" fromWordArt="0" anchor="ctr" anchorCtr="0" forceAA="0" compatLnSpc="1">
-            <a:prstTxWarp prst="textNoShape">
-              <a:avLst/>
-            </a:prstTxWarp>
-            <a:noAutofit/>
-          </a:bodyPr>
-          <a:lstStyle/>
-          <a:p>
-            <a:pPr algn="ctr"/>
-            <a:endParaRPr lang="zh-CN" altLang="en-US"/>
-          </a:p>
-        </p:txBody>
-      </p:sp>
+            <a:ln w="19050">
+              <a:solidFill>
+                <a:schemeClr val="tx1"/>
+              </a:solidFill>
+            </a:ln>
+          </p:spPr>
+          <p:style>
+            <a:lnRef idx="2">
+              <a:schemeClr val="accent1">
+                <a:shade val="50000"/>
+              </a:schemeClr>
+            </a:lnRef>
+            <a:fillRef idx="1">
+              <a:schemeClr val="accent1"/>
+            </a:fillRef>
+            <a:effectRef idx="0">
+              <a:schemeClr val="accent1"/>
+            </a:effectRef>
+            <a:fontRef idx="minor">
+              <a:schemeClr val="lt1"/>
+            </a:fontRef>
+          </p:style>
+          <p:txBody>
+            <a:bodyPr rot="0" spcFirstLastPara="0" vertOverflow="overflow" horzOverflow="overflow" vert="horz" wrap="square" lIns="91440" tIns="45720" rIns="91440" bIns="45720" numCol="1" spcCol="0" rtlCol="0" fromWordArt="0" anchor="ctr" anchorCtr="0" forceAA="0" compatLnSpc="1">
+              <a:prstTxWarp prst="textNoShape">
+                <a:avLst/>
+              </a:prstTxWarp>
+              <a:noAutofit/>
+            </a:bodyPr>
+            <a:lstStyle/>
+            <a:p>
+              <a:pPr algn="ctr"/>
+              <a:endParaRPr lang="zh-CN" altLang="en-US"/>
+            </a:p>
+          </p:txBody>
+        </p:sp>
+      </p:grpSp>
       <p:sp>
         <p:nvSpPr>
           <p:cNvPr id="200" name="文本框 199">
@@ -10673,8 +10839,8 @@
         </p:nvSpPr>
         <p:spPr>
           <a:xfrm>
-            <a:off x="7353300" y="632739"/>
-            <a:ext cx="1078697" cy="276999"/>
+            <a:off x="8159757" y="3016323"/>
+            <a:ext cx="672578" cy="461665"/>
           </a:xfrm>
           <a:prstGeom prst="rect">
             <a:avLst/>
@@ -10688,11 +10854,20 @@
           <a:lstStyle/>
           <a:p>
             <a:r>
-              <a:rPr lang="en-US" altLang="zh-CN" sz="1200" dirty="0" err="1">
+              <a:rPr lang="en-US" altLang="zh-CN" sz="1200" dirty="0">
                 <a:latin typeface="Times New Roman" panose="02020603050405020304" pitchFamily="18" charset="0"/>
                 <a:cs typeface="Times New Roman" panose="02020603050405020304" pitchFamily="18" charset="0"/>
               </a:rPr>
-              <a:t>BranchCond</a:t>
+              <a:t>Branch</a:t>
+            </a:r>
+          </a:p>
+          <a:p>
+            <a:r>
+              <a:rPr lang="en-US" altLang="zh-CN" sz="1200" dirty="0">
+                <a:latin typeface="Times New Roman" panose="02020603050405020304" pitchFamily="18" charset="0"/>
+                <a:cs typeface="Times New Roman" panose="02020603050405020304" pitchFamily="18" charset="0"/>
+              </a:rPr>
+              <a:t>Cond</a:t>
             </a:r>
             <a:endParaRPr lang="zh-CN" altLang="en-US" sz="1200" dirty="0">
               <a:latin typeface="Times New Roman" panose="02020603050405020304" pitchFamily="18" charset="0"/>
@@ -10803,8 +10978,8 @@
         </p:nvSpPr>
         <p:spPr>
           <a:xfrm flipV="1">
-            <a:off x="2548459" y="1644650"/>
-            <a:ext cx="296313" cy="1677584"/>
+            <a:off x="2519433" y="1644650"/>
+            <a:ext cx="585570" cy="1677584"/>
           </a:xfrm>
           <a:custGeom>
             <a:avLst/>
@@ -10913,8 +11088,8 @@
         </p:nvCxnSpPr>
         <p:spPr>
           <a:xfrm flipV="1">
-            <a:off x="2472178" y="1424323"/>
-            <a:ext cx="372903" cy="25"/>
+            <a:off x="2472178" y="1424350"/>
+            <a:ext cx="628193" cy="1"/>
           </a:xfrm>
           <a:prstGeom prst="straightConnector1">
             <a:avLst/>
@@ -10941,6 +11116,928 @@
           </a:fontRef>
         </p:style>
       </p:cxnSp>
+      <p:cxnSp>
+        <p:nvCxnSpPr>
+          <p:cNvPr id="100" name="直接箭头连接符 99">
+            <a:extLst>
+              <a:ext uri="{FF2B5EF4-FFF2-40B4-BE49-F238E27FC236}">
+                <a16:creationId xmlns:a16="http://schemas.microsoft.com/office/drawing/2014/main" id="{5BE07249-CBB6-4057-AC24-DB82B10FCB66}"/>
+              </a:ext>
+            </a:extLst>
+          </p:cNvPr>
+          <p:cNvCxnSpPr>
+            <a:cxnSpLocks/>
+          </p:cNvCxnSpPr>
+          <p:nvPr/>
+        </p:nvCxnSpPr>
+        <p:spPr>
+          <a:xfrm flipV="1">
+            <a:off x="2471897" y="3035300"/>
+            <a:ext cx="372903" cy="25"/>
+          </a:xfrm>
+          <a:prstGeom prst="straightConnector1">
+            <a:avLst/>
+          </a:prstGeom>
+          <a:ln w="19050">
+            <a:solidFill>
+              <a:schemeClr val="tx1"/>
+            </a:solidFill>
+            <a:tailEnd type="triangle"/>
+          </a:ln>
+        </p:spPr>
+        <p:style>
+          <a:lnRef idx="1">
+            <a:schemeClr val="accent1"/>
+          </a:lnRef>
+          <a:fillRef idx="0">
+            <a:schemeClr val="accent1"/>
+          </a:fillRef>
+          <a:effectRef idx="0">
+            <a:schemeClr val="accent1"/>
+          </a:effectRef>
+          <a:fontRef idx="minor">
+            <a:schemeClr val="tx1"/>
+          </a:fontRef>
+        </p:style>
+      </p:cxnSp>
+      <p:sp>
+        <p:nvSpPr>
+          <p:cNvPr id="215" name="文本框 214">
+            <a:extLst>
+              <a:ext uri="{FF2B5EF4-FFF2-40B4-BE49-F238E27FC236}">
+                <a16:creationId xmlns:a16="http://schemas.microsoft.com/office/drawing/2014/main" id="{4F6354FA-7647-484C-BDB9-9EFB4330221D}"/>
+              </a:ext>
+            </a:extLst>
+          </p:cNvPr>
+          <p:cNvSpPr txBox="1"/>
+          <p:nvPr/>
+        </p:nvSpPr>
+        <p:spPr>
+          <a:xfrm>
+            <a:off x="7575453" y="2358339"/>
+            <a:ext cx="1078697" cy="276999"/>
+          </a:xfrm>
+          <a:prstGeom prst="rect">
+            <a:avLst/>
+          </a:prstGeom>
+          <a:noFill/>
+        </p:spPr>
+        <p:txBody>
+          <a:bodyPr wrap="square" rtlCol="0">
+            <a:spAutoFit/>
+          </a:bodyPr>
+          <a:lstStyle/>
+          <a:p>
+            <a:r>
+              <a:rPr lang="en-US" altLang="zh-CN" sz="1200" dirty="0" err="1">
+                <a:latin typeface="Times New Roman" panose="02020603050405020304" pitchFamily="18" charset="0"/>
+                <a:cs typeface="Times New Roman" panose="02020603050405020304" pitchFamily="18" charset="0"/>
+              </a:rPr>
+              <a:t>branchCmpA</a:t>
+            </a:r>
+            <a:endParaRPr lang="zh-CN" altLang="en-US" sz="1200" dirty="0">
+              <a:latin typeface="Times New Roman" panose="02020603050405020304" pitchFamily="18" charset="0"/>
+              <a:cs typeface="Times New Roman" panose="02020603050405020304" pitchFamily="18" charset="0"/>
+            </a:endParaRPr>
+          </a:p>
+        </p:txBody>
+      </p:sp>
+      <p:sp>
+        <p:nvSpPr>
+          <p:cNvPr id="216" name="文本框 215">
+            <a:extLst>
+              <a:ext uri="{FF2B5EF4-FFF2-40B4-BE49-F238E27FC236}">
+                <a16:creationId xmlns:a16="http://schemas.microsoft.com/office/drawing/2014/main" id="{377A569B-FDDA-4E6B-92B8-6099F7FF3243}"/>
+              </a:ext>
+            </a:extLst>
+          </p:cNvPr>
+          <p:cNvSpPr txBox="1"/>
+          <p:nvPr/>
+        </p:nvSpPr>
+        <p:spPr>
+          <a:xfrm>
+            <a:off x="7566105" y="3999927"/>
+            <a:ext cx="1078697" cy="276999"/>
+          </a:xfrm>
+          <a:prstGeom prst="rect">
+            <a:avLst/>
+          </a:prstGeom>
+          <a:noFill/>
+        </p:spPr>
+        <p:txBody>
+          <a:bodyPr wrap="square" rtlCol="0">
+            <a:spAutoFit/>
+          </a:bodyPr>
+          <a:lstStyle/>
+          <a:p>
+            <a:r>
+              <a:rPr lang="en-US" altLang="zh-CN" sz="1200" dirty="0" err="1">
+                <a:latin typeface="Times New Roman" panose="02020603050405020304" pitchFamily="18" charset="0"/>
+                <a:cs typeface="Times New Roman" panose="02020603050405020304" pitchFamily="18" charset="0"/>
+              </a:rPr>
+              <a:t>branchCmpB</a:t>
+            </a:r>
+            <a:endParaRPr lang="zh-CN" altLang="en-US" sz="1200" dirty="0">
+              <a:latin typeface="Times New Roman" panose="02020603050405020304" pitchFamily="18" charset="0"/>
+              <a:cs typeface="Times New Roman" panose="02020603050405020304" pitchFamily="18" charset="0"/>
+            </a:endParaRPr>
+          </a:p>
+        </p:txBody>
+      </p:sp>
+      <p:sp>
+        <p:nvSpPr>
+          <p:cNvPr id="217" name="梯形 216">
+            <a:extLst>
+              <a:ext uri="{FF2B5EF4-FFF2-40B4-BE49-F238E27FC236}">
+                <a16:creationId xmlns:a16="http://schemas.microsoft.com/office/drawing/2014/main" id="{5DE00EFC-B261-4A22-99C7-D6DF269B452D}"/>
+              </a:ext>
+            </a:extLst>
+          </p:cNvPr>
+          <p:cNvSpPr/>
+          <p:nvPr/>
+        </p:nvSpPr>
+        <p:spPr>
+          <a:xfrm rot="5400000">
+            <a:off x="2819173" y="1585971"/>
+            <a:ext cx="755380" cy="192983"/>
+          </a:xfrm>
+          <a:prstGeom prst="trapezoid">
+            <a:avLst>
+              <a:gd name="adj" fmla="val 43788"/>
+            </a:avLst>
+          </a:prstGeom>
+          <a:solidFill>
+            <a:schemeClr val="accent4">
+              <a:lumMod val="20000"/>
+              <a:lumOff val="80000"/>
+            </a:schemeClr>
+          </a:solidFill>
+          <a:ln w="12700">
+            <a:solidFill>
+              <a:schemeClr val="tx1"/>
+            </a:solidFill>
+          </a:ln>
+        </p:spPr>
+        <p:style>
+          <a:lnRef idx="2">
+            <a:schemeClr val="accent1">
+              <a:shade val="50000"/>
+            </a:schemeClr>
+          </a:lnRef>
+          <a:fillRef idx="1">
+            <a:schemeClr val="accent1"/>
+          </a:fillRef>
+          <a:effectRef idx="0">
+            <a:schemeClr val="accent1"/>
+          </a:effectRef>
+          <a:fontRef idx="minor">
+            <a:schemeClr val="lt1"/>
+          </a:fontRef>
+        </p:style>
+        <p:txBody>
+          <a:bodyPr rot="0" spcFirstLastPara="0" vertOverflow="overflow" horzOverflow="overflow" vert="horz" wrap="square" lIns="91440" tIns="45720" rIns="91440" bIns="45720" numCol="1" spcCol="0" rtlCol="0" fromWordArt="0" anchor="ctr" anchorCtr="0" forceAA="0" compatLnSpc="1">
+            <a:prstTxWarp prst="textNoShape">
+              <a:avLst/>
+            </a:prstTxWarp>
+            <a:noAutofit/>
+          </a:bodyPr>
+          <a:lstStyle/>
+          <a:p>
+            <a:pPr algn="ctr"/>
+            <a:endParaRPr lang="zh-CN" altLang="en-US"/>
+          </a:p>
+        </p:txBody>
+      </p:sp>
+      <p:cxnSp>
+        <p:nvCxnSpPr>
+          <p:cNvPr id="220" name="直接箭头连接符 219">
+            <a:extLst>
+              <a:ext uri="{FF2B5EF4-FFF2-40B4-BE49-F238E27FC236}">
+                <a16:creationId xmlns:a16="http://schemas.microsoft.com/office/drawing/2014/main" id="{D9ECC42D-9EA3-4EFA-ACAF-1A4DB850E716}"/>
+              </a:ext>
+            </a:extLst>
+          </p:cNvPr>
+          <p:cNvCxnSpPr>
+            <a:cxnSpLocks/>
+          </p:cNvCxnSpPr>
+          <p:nvPr/>
+        </p:nvCxnSpPr>
+        <p:spPr>
+          <a:xfrm>
+            <a:off x="2875511" y="1857216"/>
+            <a:ext cx="224860" cy="0"/>
+          </a:xfrm>
+          <a:prstGeom prst="straightConnector1">
+            <a:avLst/>
+          </a:prstGeom>
+          <a:ln w="19050">
+            <a:solidFill>
+              <a:schemeClr val="tx1"/>
+            </a:solidFill>
+            <a:tailEnd type="triangle"/>
+          </a:ln>
+        </p:spPr>
+        <p:style>
+          <a:lnRef idx="1">
+            <a:schemeClr val="accent1"/>
+          </a:lnRef>
+          <a:fillRef idx="0">
+            <a:schemeClr val="accent1"/>
+          </a:fillRef>
+          <a:effectRef idx="0">
+            <a:schemeClr val="accent1"/>
+          </a:effectRef>
+          <a:fontRef idx="minor">
+            <a:schemeClr val="tx1"/>
+          </a:fontRef>
+        </p:style>
+      </p:cxnSp>
+      <p:sp>
+        <p:nvSpPr>
+          <p:cNvPr id="224" name="文本框 223">
+            <a:extLst>
+              <a:ext uri="{FF2B5EF4-FFF2-40B4-BE49-F238E27FC236}">
+                <a16:creationId xmlns:a16="http://schemas.microsoft.com/office/drawing/2014/main" id="{130B5A4F-178D-4405-9B67-50D5EED65CA3}"/>
+              </a:ext>
+            </a:extLst>
+          </p:cNvPr>
+          <p:cNvSpPr txBox="1"/>
+          <p:nvPr/>
+        </p:nvSpPr>
+        <p:spPr>
+          <a:xfrm>
+            <a:off x="2613115" y="1196726"/>
+            <a:ext cx="390590" cy="276999"/>
+          </a:xfrm>
+          <a:prstGeom prst="rect">
+            <a:avLst/>
+          </a:prstGeom>
+          <a:noFill/>
+        </p:spPr>
+        <p:txBody>
+          <a:bodyPr wrap="square" rtlCol="0">
+            <a:spAutoFit/>
+          </a:bodyPr>
+          <a:lstStyle/>
+          <a:p>
+            <a:r>
+              <a:rPr lang="en-US" altLang="zh-TW" sz="1200" dirty="0" err="1">
+                <a:latin typeface="Times New Roman" panose="02020603050405020304" pitchFamily="18" charset="0"/>
+                <a:cs typeface="Times New Roman" panose="02020603050405020304" pitchFamily="18" charset="0"/>
+              </a:rPr>
+              <a:t>rd</a:t>
+            </a:r>
+            <a:endParaRPr lang="zh-CN" altLang="en-US" sz="1200" dirty="0">
+              <a:latin typeface="Times New Roman" panose="02020603050405020304" pitchFamily="18" charset="0"/>
+              <a:cs typeface="Times New Roman" panose="02020603050405020304" pitchFamily="18" charset="0"/>
+            </a:endParaRPr>
+          </a:p>
+        </p:txBody>
+      </p:sp>
+      <p:sp>
+        <p:nvSpPr>
+          <p:cNvPr id="231" name="文本框 230">
+            <a:extLst>
+              <a:ext uri="{FF2B5EF4-FFF2-40B4-BE49-F238E27FC236}">
+                <a16:creationId xmlns:a16="http://schemas.microsoft.com/office/drawing/2014/main" id="{BFFB4B93-A54D-44E4-8453-F73FD49ADFC5}"/>
+              </a:ext>
+            </a:extLst>
+          </p:cNvPr>
+          <p:cNvSpPr txBox="1"/>
+          <p:nvPr/>
+        </p:nvSpPr>
+        <p:spPr>
+          <a:xfrm>
+            <a:off x="3034889" y="1285847"/>
+            <a:ext cx="445430" cy="276999"/>
+          </a:xfrm>
+          <a:prstGeom prst="rect">
+            <a:avLst/>
+          </a:prstGeom>
+          <a:noFill/>
+        </p:spPr>
+        <p:txBody>
+          <a:bodyPr wrap="square" rtlCol="0">
+            <a:spAutoFit/>
+          </a:bodyPr>
+          <a:lstStyle/>
+          <a:p>
+            <a:r>
+              <a:rPr lang="en-US" altLang="zh-TW" sz="1200" b="1" dirty="0">
+                <a:latin typeface="Times New Roman" panose="02020603050405020304" pitchFamily="18" charset="0"/>
+                <a:cs typeface="Times New Roman" panose="02020603050405020304" pitchFamily="18" charset="0"/>
+              </a:rPr>
+              <a:t>0</a:t>
+            </a:r>
+            <a:endParaRPr lang="zh-CN" altLang="en-US" sz="1200" b="1" dirty="0">
+              <a:latin typeface="Times New Roman" panose="02020603050405020304" pitchFamily="18" charset="0"/>
+              <a:cs typeface="Times New Roman" panose="02020603050405020304" pitchFamily="18" charset="0"/>
+            </a:endParaRPr>
+          </a:p>
+        </p:txBody>
+      </p:sp>
+      <p:sp>
+        <p:nvSpPr>
+          <p:cNvPr id="232" name="文本框 231">
+            <a:extLst>
+              <a:ext uri="{FF2B5EF4-FFF2-40B4-BE49-F238E27FC236}">
+                <a16:creationId xmlns:a16="http://schemas.microsoft.com/office/drawing/2014/main" id="{B6F0BCDB-C5BB-45B7-94D7-DA3A34705113}"/>
+              </a:ext>
+            </a:extLst>
+          </p:cNvPr>
+          <p:cNvSpPr txBox="1"/>
+          <p:nvPr/>
+        </p:nvSpPr>
+        <p:spPr>
+          <a:xfrm>
+            <a:off x="3034889" y="1508124"/>
+            <a:ext cx="445430" cy="276999"/>
+          </a:xfrm>
+          <a:prstGeom prst="rect">
+            <a:avLst/>
+          </a:prstGeom>
+          <a:noFill/>
+        </p:spPr>
+        <p:txBody>
+          <a:bodyPr wrap="square" rtlCol="0">
+            <a:spAutoFit/>
+          </a:bodyPr>
+          <a:lstStyle/>
+          <a:p>
+            <a:r>
+              <a:rPr lang="en-US" altLang="zh-TW" sz="1200" b="1" dirty="0">
+                <a:latin typeface="Times New Roman" panose="02020603050405020304" pitchFamily="18" charset="0"/>
+                <a:cs typeface="Times New Roman" panose="02020603050405020304" pitchFamily="18" charset="0"/>
+              </a:rPr>
+              <a:t>1</a:t>
+            </a:r>
+            <a:endParaRPr lang="zh-CN" altLang="en-US" sz="1200" b="1" dirty="0">
+              <a:latin typeface="Times New Roman" panose="02020603050405020304" pitchFamily="18" charset="0"/>
+              <a:cs typeface="Times New Roman" panose="02020603050405020304" pitchFamily="18" charset="0"/>
+            </a:endParaRPr>
+          </a:p>
+        </p:txBody>
+      </p:sp>
+      <p:sp>
+        <p:nvSpPr>
+          <p:cNvPr id="233" name="文本框 232">
+            <a:extLst>
+              <a:ext uri="{FF2B5EF4-FFF2-40B4-BE49-F238E27FC236}">
+                <a16:creationId xmlns:a16="http://schemas.microsoft.com/office/drawing/2014/main" id="{82372B96-1D71-42A2-9C72-FDE717EA245C}"/>
+              </a:ext>
+            </a:extLst>
+          </p:cNvPr>
+          <p:cNvSpPr txBox="1"/>
+          <p:nvPr/>
+        </p:nvSpPr>
+        <p:spPr>
+          <a:xfrm>
+            <a:off x="3034889" y="1730641"/>
+            <a:ext cx="445430" cy="276999"/>
+          </a:xfrm>
+          <a:prstGeom prst="rect">
+            <a:avLst/>
+          </a:prstGeom>
+          <a:noFill/>
+        </p:spPr>
+        <p:txBody>
+          <a:bodyPr wrap="square" rtlCol="0">
+            <a:spAutoFit/>
+          </a:bodyPr>
+          <a:lstStyle/>
+          <a:p>
+            <a:r>
+              <a:rPr lang="en-US" altLang="zh-TW" sz="1200" b="1" dirty="0">
+                <a:latin typeface="Times New Roman" panose="02020603050405020304" pitchFamily="18" charset="0"/>
+                <a:cs typeface="Times New Roman" panose="02020603050405020304" pitchFamily="18" charset="0"/>
+              </a:rPr>
+              <a:t>2</a:t>
+            </a:r>
+            <a:endParaRPr lang="zh-CN" altLang="en-US" sz="1200" b="1" dirty="0">
+              <a:latin typeface="Times New Roman" panose="02020603050405020304" pitchFamily="18" charset="0"/>
+              <a:cs typeface="Times New Roman" panose="02020603050405020304" pitchFamily="18" charset="0"/>
+            </a:endParaRPr>
+          </a:p>
+        </p:txBody>
+      </p:sp>
+      <p:sp>
+        <p:nvSpPr>
+          <p:cNvPr id="236" name="文本框 235">
+            <a:extLst>
+              <a:ext uri="{FF2B5EF4-FFF2-40B4-BE49-F238E27FC236}">
+                <a16:creationId xmlns:a16="http://schemas.microsoft.com/office/drawing/2014/main" id="{85AF8DA3-6DEB-4DCF-8A99-4A09E2E12C50}"/>
+              </a:ext>
+            </a:extLst>
+          </p:cNvPr>
+          <p:cNvSpPr txBox="1"/>
+          <p:nvPr/>
+        </p:nvSpPr>
+        <p:spPr>
+          <a:xfrm>
+            <a:off x="3147132" y="1055920"/>
+            <a:ext cx="557166" cy="276999"/>
+          </a:xfrm>
+          <a:prstGeom prst="rect">
+            <a:avLst/>
+          </a:prstGeom>
+          <a:noFill/>
+        </p:spPr>
+        <p:txBody>
+          <a:bodyPr wrap="square" rtlCol="0">
+            <a:spAutoFit/>
+          </a:bodyPr>
+          <a:lstStyle/>
+          <a:p>
+            <a:r>
+              <a:rPr lang="en-US" altLang="zh-TW" sz="1200" b="1" dirty="0">
+                <a:latin typeface="Times New Roman" panose="02020603050405020304" pitchFamily="18" charset="0"/>
+                <a:cs typeface="Times New Roman" panose="02020603050405020304" pitchFamily="18" charset="0"/>
+              </a:rPr>
+              <a:t>5’d26</a:t>
+            </a:r>
+            <a:endParaRPr lang="zh-CN" altLang="en-US" sz="1200" b="1" dirty="0">
+              <a:latin typeface="Times New Roman" panose="02020603050405020304" pitchFamily="18" charset="0"/>
+              <a:cs typeface="Times New Roman" panose="02020603050405020304" pitchFamily="18" charset="0"/>
+            </a:endParaRPr>
+          </a:p>
+        </p:txBody>
+      </p:sp>
+      <p:cxnSp>
+        <p:nvCxnSpPr>
+          <p:cNvPr id="237" name="直接箭头连接符 236">
+            <a:extLst>
+              <a:ext uri="{FF2B5EF4-FFF2-40B4-BE49-F238E27FC236}">
+                <a16:creationId xmlns:a16="http://schemas.microsoft.com/office/drawing/2014/main" id="{883010DA-DC45-4366-AC99-A4406E9DBF7F}"/>
+              </a:ext>
+            </a:extLst>
+          </p:cNvPr>
+          <p:cNvCxnSpPr>
+            <a:cxnSpLocks/>
+            <a:endCxn id="235" idx="1"/>
+          </p:cNvCxnSpPr>
+          <p:nvPr/>
+        </p:nvCxnSpPr>
+        <p:spPr>
+          <a:xfrm>
+            <a:off x="3580532" y="1191391"/>
+            <a:ext cx="157916" cy="0"/>
+          </a:xfrm>
+          <a:prstGeom prst="straightConnector1">
+            <a:avLst/>
+          </a:prstGeom>
+          <a:ln w="19050">
+            <a:solidFill>
+              <a:schemeClr val="tx1"/>
+            </a:solidFill>
+            <a:tailEnd type="triangle"/>
+          </a:ln>
+        </p:spPr>
+        <p:style>
+          <a:lnRef idx="1">
+            <a:schemeClr val="accent1"/>
+          </a:lnRef>
+          <a:fillRef idx="0">
+            <a:schemeClr val="accent1"/>
+          </a:fillRef>
+          <a:effectRef idx="0">
+            <a:schemeClr val="accent1"/>
+          </a:effectRef>
+          <a:fontRef idx="minor">
+            <a:schemeClr val="tx1"/>
+          </a:fontRef>
+        </p:style>
+      </p:cxnSp>
+      <p:cxnSp>
+        <p:nvCxnSpPr>
+          <p:cNvPr id="238" name="连接符: 肘形 237">
+            <a:extLst>
+              <a:ext uri="{FF2B5EF4-FFF2-40B4-BE49-F238E27FC236}">
+                <a16:creationId xmlns:a16="http://schemas.microsoft.com/office/drawing/2014/main" id="{1937CA0D-75DC-4855-AA86-D5664E1600CD}"/>
+              </a:ext>
+            </a:extLst>
+          </p:cNvPr>
+          <p:cNvCxnSpPr>
+            <a:cxnSpLocks/>
+            <a:endCxn id="234" idx="1"/>
+          </p:cNvCxnSpPr>
+          <p:nvPr/>
+        </p:nvCxnSpPr>
+        <p:spPr>
+          <a:xfrm flipV="1">
+            <a:off x="3298397" y="1430826"/>
+            <a:ext cx="432686" cy="240604"/>
+          </a:xfrm>
+          <a:prstGeom prst="bentConnector3">
+            <a:avLst>
+              <a:gd name="adj1" fmla="val 50000"/>
+            </a:avLst>
+          </a:prstGeom>
+          <a:ln w="19050">
+            <a:solidFill>
+              <a:schemeClr val="tx1"/>
+            </a:solidFill>
+            <a:headEnd type="none" w="med" len="med"/>
+            <a:tailEnd type="triangle" w="med" len="med"/>
+          </a:ln>
+        </p:spPr>
+        <p:style>
+          <a:lnRef idx="1">
+            <a:schemeClr val="accent1"/>
+          </a:lnRef>
+          <a:fillRef idx="0">
+            <a:schemeClr val="accent1"/>
+          </a:fillRef>
+          <a:effectRef idx="0">
+            <a:schemeClr val="accent1"/>
+          </a:effectRef>
+          <a:fontRef idx="minor">
+            <a:schemeClr val="tx1"/>
+          </a:fontRef>
+        </p:style>
+      </p:cxnSp>
+      <p:cxnSp>
+        <p:nvCxnSpPr>
+          <p:cNvPr id="247" name="直接箭头连接符 246">
+            <a:extLst>
+              <a:ext uri="{FF2B5EF4-FFF2-40B4-BE49-F238E27FC236}">
+                <a16:creationId xmlns:a16="http://schemas.microsoft.com/office/drawing/2014/main" id="{D9D9E13F-FA63-42EF-A10F-97FECB263569}"/>
+              </a:ext>
+            </a:extLst>
+          </p:cNvPr>
+          <p:cNvCxnSpPr>
+            <a:cxnSpLocks/>
+          </p:cNvCxnSpPr>
+          <p:nvPr/>
+        </p:nvCxnSpPr>
+        <p:spPr>
+          <a:xfrm flipV="1">
+            <a:off x="3995792" y="1289975"/>
+            <a:ext cx="4649010" cy="1288"/>
+          </a:xfrm>
+          <a:prstGeom prst="straightConnector1">
+            <a:avLst/>
+          </a:prstGeom>
+          <a:ln w="19050">
+            <a:solidFill>
+              <a:schemeClr val="tx1"/>
+            </a:solidFill>
+            <a:tailEnd type="triangle"/>
+          </a:ln>
+        </p:spPr>
+        <p:style>
+          <a:lnRef idx="1">
+            <a:schemeClr val="accent1"/>
+          </a:lnRef>
+          <a:fillRef idx="0">
+            <a:schemeClr val="accent1"/>
+          </a:fillRef>
+          <a:effectRef idx="0">
+            <a:schemeClr val="accent1"/>
+          </a:effectRef>
+          <a:fontRef idx="minor">
+            <a:schemeClr val="tx1"/>
+          </a:fontRef>
+        </p:style>
+      </p:cxnSp>
+      <p:sp>
+        <p:nvSpPr>
+          <p:cNvPr id="249" name="文本框 248">
+            <a:extLst>
+              <a:ext uri="{FF2B5EF4-FFF2-40B4-BE49-F238E27FC236}">
+                <a16:creationId xmlns:a16="http://schemas.microsoft.com/office/drawing/2014/main" id="{A4DC091A-AE39-4ABC-BB23-41A791CB5EDB}"/>
+              </a:ext>
+            </a:extLst>
+          </p:cNvPr>
+          <p:cNvSpPr txBox="1"/>
+          <p:nvPr/>
+        </p:nvSpPr>
+        <p:spPr>
+          <a:xfrm>
+            <a:off x="7614058" y="1037358"/>
+            <a:ext cx="1078697" cy="276999"/>
+          </a:xfrm>
+          <a:prstGeom prst="rect">
+            <a:avLst/>
+          </a:prstGeom>
+          <a:noFill/>
+        </p:spPr>
+        <p:txBody>
+          <a:bodyPr wrap="square" rtlCol="0">
+            <a:spAutoFit/>
+          </a:bodyPr>
+          <a:lstStyle/>
+          <a:p>
+            <a:r>
+              <a:rPr lang="en-US" altLang="zh-CN" sz="1200" dirty="0" err="1">
+                <a:latin typeface="Times New Roman" panose="02020603050405020304" pitchFamily="18" charset="0"/>
+                <a:cs typeface="Times New Roman" panose="02020603050405020304" pitchFamily="18" charset="0"/>
+              </a:rPr>
+              <a:t>RegDest</a:t>
+            </a:r>
+            <a:endParaRPr lang="zh-CN" altLang="en-US" sz="1200" dirty="0">
+              <a:latin typeface="Times New Roman" panose="02020603050405020304" pitchFamily="18" charset="0"/>
+              <a:cs typeface="Times New Roman" panose="02020603050405020304" pitchFamily="18" charset="0"/>
+            </a:endParaRPr>
+          </a:p>
+        </p:txBody>
+      </p:sp>
+      <p:sp>
+        <p:nvSpPr>
+          <p:cNvPr id="250" name="文本框 249">
+            <a:extLst>
+              <a:ext uri="{FF2B5EF4-FFF2-40B4-BE49-F238E27FC236}">
+                <a16:creationId xmlns:a16="http://schemas.microsoft.com/office/drawing/2014/main" id="{EB6201EB-2DAF-434F-B76F-A395396C8CCC}"/>
+              </a:ext>
+            </a:extLst>
+          </p:cNvPr>
+          <p:cNvSpPr txBox="1"/>
+          <p:nvPr/>
+        </p:nvSpPr>
+        <p:spPr>
+          <a:xfrm>
+            <a:off x="2438400" y="266512"/>
+            <a:ext cx="872467" cy="276999"/>
+          </a:xfrm>
+          <a:prstGeom prst="rect">
+            <a:avLst/>
+          </a:prstGeom>
+          <a:noFill/>
+        </p:spPr>
+        <p:txBody>
+          <a:bodyPr wrap="square" rtlCol="0">
+            <a:spAutoFit/>
+          </a:bodyPr>
+          <a:lstStyle/>
+          <a:p>
+            <a:r>
+              <a:rPr lang="en-US" altLang="zh-TW" sz="1200" dirty="0">
+                <a:latin typeface="Times New Roman" panose="02020603050405020304" pitchFamily="18" charset="0"/>
+                <a:cs typeface="Times New Roman" panose="02020603050405020304" pitchFamily="18" charset="0"/>
+              </a:rPr>
+              <a:t>Instruction</a:t>
+            </a:r>
+            <a:endParaRPr lang="zh-CN" altLang="en-US" sz="1200" dirty="0">
+              <a:latin typeface="Times New Roman" panose="02020603050405020304" pitchFamily="18" charset="0"/>
+              <a:cs typeface="Times New Roman" panose="02020603050405020304" pitchFamily="18" charset="0"/>
+            </a:endParaRPr>
+          </a:p>
+        </p:txBody>
+      </p:sp>
+      <p:cxnSp>
+        <p:nvCxnSpPr>
+          <p:cNvPr id="251" name="直接箭头连接符 250">
+            <a:extLst>
+              <a:ext uri="{FF2B5EF4-FFF2-40B4-BE49-F238E27FC236}">
+                <a16:creationId xmlns:a16="http://schemas.microsoft.com/office/drawing/2014/main" id="{63EF4071-26E5-46FF-80AD-74F3AFAD7082}"/>
+              </a:ext>
+            </a:extLst>
+          </p:cNvPr>
+          <p:cNvCxnSpPr>
+            <a:cxnSpLocks/>
+          </p:cNvCxnSpPr>
+          <p:nvPr/>
+        </p:nvCxnSpPr>
+        <p:spPr>
+          <a:xfrm>
+            <a:off x="2476499" y="550361"/>
+            <a:ext cx="781051" cy="0"/>
+          </a:xfrm>
+          <a:prstGeom prst="straightConnector1">
+            <a:avLst/>
+          </a:prstGeom>
+          <a:ln w="28575">
+            <a:solidFill>
+              <a:schemeClr val="tx1"/>
+            </a:solidFill>
+            <a:tailEnd type="triangle"/>
+          </a:ln>
+        </p:spPr>
+        <p:style>
+          <a:lnRef idx="1">
+            <a:schemeClr val="accent1"/>
+          </a:lnRef>
+          <a:fillRef idx="0">
+            <a:schemeClr val="accent1"/>
+          </a:fillRef>
+          <a:effectRef idx="0">
+            <a:schemeClr val="accent1"/>
+          </a:effectRef>
+          <a:fontRef idx="minor">
+            <a:schemeClr val="tx1"/>
+          </a:fontRef>
+        </p:style>
+      </p:cxnSp>
+      <p:sp>
+        <p:nvSpPr>
+          <p:cNvPr id="252" name="流程图: 终止 251">
+            <a:extLst>
+              <a:ext uri="{FF2B5EF4-FFF2-40B4-BE49-F238E27FC236}">
+                <a16:creationId xmlns:a16="http://schemas.microsoft.com/office/drawing/2014/main" id="{B907DBBA-2885-43F7-97F3-566209BBF2D1}"/>
+              </a:ext>
+            </a:extLst>
+          </p:cNvPr>
+          <p:cNvSpPr/>
+          <p:nvPr/>
+        </p:nvSpPr>
+        <p:spPr>
+          <a:xfrm>
+            <a:off x="3261310" y="80743"/>
+            <a:ext cx="1039824" cy="853473"/>
+          </a:xfrm>
+          <a:prstGeom prst="flowChartTerminator">
+            <a:avLst/>
+          </a:prstGeom>
+          <a:solidFill>
+            <a:schemeClr val="bg2"/>
+          </a:solidFill>
+          <a:ln>
+            <a:solidFill>
+              <a:schemeClr val="tx1"/>
+            </a:solidFill>
+          </a:ln>
+        </p:spPr>
+        <p:style>
+          <a:lnRef idx="2">
+            <a:schemeClr val="accent1">
+              <a:shade val="50000"/>
+            </a:schemeClr>
+          </a:lnRef>
+          <a:fillRef idx="1">
+            <a:schemeClr val="accent1"/>
+          </a:fillRef>
+          <a:effectRef idx="0">
+            <a:schemeClr val="accent1"/>
+          </a:effectRef>
+          <a:fontRef idx="minor">
+            <a:schemeClr val="lt1"/>
+          </a:fontRef>
+        </p:style>
+        <p:txBody>
+          <a:bodyPr rtlCol="0" anchor="ctr"/>
+          <a:lstStyle/>
+          <a:p>
+            <a:pPr algn="ctr"/>
+            <a:r>
+              <a:rPr lang="en-US" altLang="zh-CN" sz="1100" b="1" dirty="0">
+                <a:solidFill>
+                  <a:schemeClr val="tx1"/>
+                </a:solidFill>
+                <a:latin typeface="Times New Roman" panose="02020603050405020304" pitchFamily="18" charset="0"/>
+                <a:cs typeface="Times New Roman" panose="02020603050405020304" pitchFamily="18" charset="0"/>
+              </a:rPr>
+              <a:t>CONTROL</a:t>
+            </a:r>
+          </a:p>
+          <a:p>
+            <a:pPr algn="ctr"/>
+            <a:r>
+              <a:rPr lang="en-US" altLang="zh-CN" sz="1100" b="1" dirty="0">
+                <a:solidFill>
+                  <a:schemeClr val="tx1"/>
+                </a:solidFill>
+                <a:latin typeface="Times New Roman" panose="02020603050405020304" pitchFamily="18" charset="0"/>
+                <a:cs typeface="Times New Roman" panose="02020603050405020304" pitchFamily="18" charset="0"/>
+              </a:rPr>
+              <a:t>UNIT</a:t>
+            </a:r>
+            <a:endParaRPr lang="zh-CN" altLang="en-US" sz="1100" b="1" dirty="0">
+              <a:solidFill>
+                <a:schemeClr val="tx1"/>
+              </a:solidFill>
+              <a:latin typeface="Times New Roman" panose="02020603050405020304" pitchFamily="18" charset="0"/>
+              <a:cs typeface="Times New Roman" panose="02020603050405020304" pitchFamily="18" charset="0"/>
+            </a:endParaRPr>
+          </a:p>
+        </p:txBody>
+      </p:sp>
+      <p:cxnSp>
+        <p:nvCxnSpPr>
+          <p:cNvPr id="258" name="直接箭头连接符 257">
+            <a:extLst>
+              <a:ext uri="{FF2B5EF4-FFF2-40B4-BE49-F238E27FC236}">
+                <a16:creationId xmlns:a16="http://schemas.microsoft.com/office/drawing/2014/main" id="{F7A7C0B3-EA3E-473F-9D0B-132776596362}"/>
+              </a:ext>
+            </a:extLst>
+          </p:cNvPr>
+          <p:cNvCxnSpPr>
+            <a:cxnSpLocks/>
+          </p:cNvCxnSpPr>
+          <p:nvPr/>
+        </p:nvCxnSpPr>
+        <p:spPr>
+          <a:xfrm>
+            <a:off x="4292105" y="345772"/>
+            <a:ext cx="4391621" cy="0"/>
+          </a:xfrm>
+          <a:prstGeom prst="straightConnector1">
+            <a:avLst/>
+          </a:prstGeom>
+          <a:ln w="28575">
+            <a:solidFill>
+              <a:schemeClr val="tx1"/>
+            </a:solidFill>
+            <a:tailEnd type="triangle"/>
+          </a:ln>
+        </p:spPr>
+        <p:style>
+          <a:lnRef idx="1">
+            <a:schemeClr val="accent1"/>
+          </a:lnRef>
+          <a:fillRef idx="0">
+            <a:schemeClr val="accent1"/>
+          </a:fillRef>
+          <a:effectRef idx="0">
+            <a:schemeClr val="accent1"/>
+          </a:effectRef>
+          <a:fontRef idx="minor">
+            <a:schemeClr val="tx1"/>
+          </a:fontRef>
+        </p:style>
+      </p:cxnSp>
+      <p:sp>
+        <p:nvSpPr>
+          <p:cNvPr id="260" name="文本框 259">
+            <a:extLst>
+              <a:ext uri="{FF2B5EF4-FFF2-40B4-BE49-F238E27FC236}">
+                <a16:creationId xmlns:a16="http://schemas.microsoft.com/office/drawing/2014/main" id="{E1DD2A6A-328A-4178-B1F8-22B0C695BC89}"/>
+              </a:ext>
+            </a:extLst>
+          </p:cNvPr>
+          <p:cNvSpPr txBox="1"/>
+          <p:nvPr/>
+        </p:nvSpPr>
+        <p:spPr>
+          <a:xfrm>
+            <a:off x="4310821" y="92680"/>
+            <a:ext cx="4381934" cy="276999"/>
+          </a:xfrm>
+          <a:prstGeom prst="rect">
+            <a:avLst/>
+          </a:prstGeom>
+          <a:noFill/>
+        </p:spPr>
+        <p:txBody>
+          <a:bodyPr wrap="square" rtlCol="0">
+            <a:spAutoFit/>
+          </a:bodyPr>
+          <a:lstStyle/>
+          <a:p>
+            <a:r>
+              <a:rPr lang="en-US" altLang="zh-TW" sz="1200" dirty="0" err="1">
+                <a:latin typeface="Times New Roman" panose="02020603050405020304" pitchFamily="18" charset="0"/>
+                <a:cs typeface="Times New Roman" panose="02020603050405020304" pitchFamily="18" charset="0"/>
+              </a:rPr>
+              <a:t>RegWrite</a:t>
+            </a:r>
+            <a:r>
+              <a:rPr lang="en-US" altLang="zh-TW" sz="1200" dirty="0">
+                <a:latin typeface="Times New Roman" panose="02020603050405020304" pitchFamily="18" charset="0"/>
+                <a:cs typeface="Times New Roman" panose="02020603050405020304" pitchFamily="18" charset="0"/>
+              </a:rPr>
+              <a:t>, </a:t>
+            </a:r>
+            <a:r>
+              <a:rPr lang="en-US" altLang="zh-TW" sz="1200" dirty="0" err="1">
+                <a:latin typeface="Times New Roman" panose="02020603050405020304" pitchFamily="18" charset="0"/>
+                <a:cs typeface="Times New Roman" panose="02020603050405020304" pitchFamily="18" charset="0"/>
+              </a:rPr>
+              <a:t>MemRead</a:t>
+            </a:r>
+            <a:r>
+              <a:rPr lang="en-US" altLang="zh-TW" sz="1200" dirty="0">
+                <a:latin typeface="Times New Roman" panose="02020603050405020304" pitchFamily="18" charset="0"/>
+                <a:cs typeface="Times New Roman" panose="02020603050405020304" pitchFamily="18" charset="0"/>
+              </a:rPr>
+              <a:t>, </a:t>
+            </a:r>
+            <a:r>
+              <a:rPr lang="en-US" altLang="zh-TW" sz="1200" dirty="0" err="1">
+                <a:latin typeface="Times New Roman" panose="02020603050405020304" pitchFamily="18" charset="0"/>
+                <a:cs typeface="Times New Roman" panose="02020603050405020304" pitchFamily="18" charset="0"/>
+              </a:rPr>
+              <a:t>MemWrite</a:t>
+            </a:r>
+            <a:r>
+              <a:rPr lang="en-US" altLang="zh-TW" sz="1200" dirty="0">
+                <a:latin typeface="Times New Roman" panose="02020603050405020304" pitchFamily="18" charset="0"/>
+                <a:cs typeface="Times New Roman" panose="02020603050405020304" pitchFamily="18" charset="0"/>
+              </a:rPr>
+              <a:t>, </a:t>
+            </a:r>
+            <a:r>
+              <a:rPr lang="en-US" altLang="zh-TW" sz="1200">
+                <a:latin typeface="Times New Roman" panose="02020603050405020304" pitchFamily="18" charset="0"/>
+                <a:cs typeface="Times New Roman" panose="02020603050405020304" pitchFamily="18" charset="0"/>
+              </a:rPr>
+              <a:t>MemtoReg</a:t>
+            </a:r>
+            <a:endParaRPr lang="zh-CN" altLang="en-US" sz="1200" dirty="0">
+              <a:latin typeface="Times New Roman" panose="02020603050405020304" pitchFamily="18" charset="0"/>
+              <a:cs typeface="Times New Roman" panose="02020603050405020304" pitchFamily="18" charset="0"/>
+            </a:endParaRPr>
+          </a:p>
+        </p:txBody>
+      </p:sp>
     </p:spTree>
     <p:extLst>
       <p:ext uri="{BB962C8B-B14F-4D97-AF65-F5344CB8AC3E}">

--- a/fig.pptx
+++ b/fig.pptx
@@ -7,8 +7,7 @@
   <p:sldIdLst>
     <p:sldId id="256" r:id="rId2"/>
     <p:sldId id="257" r:id="rId3"/>
-    <p:sldId id="258" r:id="rId4"/>
-    <p:sldId id="259" r:id="rId5"/>
+    <p:sldId id="259" r:id="rId4"/>
   </p:sldIdLst>
   <p:sldSz cx="9144000" cy="6858000" type="screen4x3"/>
   <p:notesSz cx="6858000" cy="9144000"/>
@@ -7235,7 +7234,7 @@
         </p:nvSpPr>
         <p:spPr>
           <a:xfrm>
-            <a:off x="4850267" y="4661591"/>
+            <a:off x="7790098" y="4626659"/>
             <a:ext cx="872467" cy="276999"/>
           </a:xfrm>
           <a:prstGeom prst="rect">
@@ -14713,818 +14712,500 @@
           <a:chExt cx="0" cy="0"/>
         </a:xfrm>
       </p:grpSpPr>
-      <p:grpSp>
-        <p:nvGrpSpPr>
-          <p:cNvPr id="194" name="组合 193">
+      <p:cxnSp>
+        <p:nvCxnSpPr>
+          <p:cNvPr id="323" name="直接箭头连接符 322">
             <a:extLst>
               <a:ext uri="{FF2B5EF4-FFF2-40B4-BE49-F238E27FC236}">
-                <a16:creationId xmlns:a16="http://schemas.microsoft.com/office/drawing/2014/main" id="{E9DD50E4-FE37-407D-AA9B-B6149BE083A7}"/>
+                <a16:creationId xmlns:a16="http://schemas.microsoft.com/office/drawing/2014/main" id="{3419B1FF-8D94-4AD2-81D1-089966EDA2D1}"/>
               </a:ext>
             </a:extLst>
           </p:cNvPr>
-          <p:cNvGrpSpPr/>
+          <p:cNvCxnSpPr>
+            <a:cxnSpLocks/>
+          </p:cNvCxnSpPr>
           <p:nvPr/>
-        </p:nvGrpSpPr>
-        <p:grpSpPr>
+        </p:nvCxnSpPr>
+        <p:spPr>
           <a:xfrm>
-            <a:off x="862139" y="2163747"/>
-            <a:ext cx="1078698" cy="3125645"/>
-            <a:chOff x="5708512" y="1656769"/>
-            <a:chExt cx="1078698" cy="3125645"/>
+            <a:off x="4272476" y="421246"/>
+            <a:ext cx="1497" cy="3534381"/>
           </a:xfrm>
-        </p:grpSpPr>
-        <p:cxnSp>
-          <p:nvCxnSpPr>
-            <p:cNvPr id="195" name="直接连接符 194">
-              <a:extLst>
-                <a:ext uri="{FF2B5EF4-FFF2-40B4-BE49-F238E27FC236}">
-                  <a16:creationId xmlns:a16="http://schemas.microsoft.com/office/drawing/2014/main" id="{1115715D-66AB-41A2-8DB4-60327F1B6E58}"/>
-                </a:ext>
-              </a:extLst>
-            </p:cNvPr>
-            <p:cNvCxnSpPr>
-              <a:cxnSpLocks/>
-              <a:endCxn id="196" idx="1"/>
-            </p:cNvCxnSpPr>
-            <p:nvPr/>
-          </p:nvCxnSpPr>
-          <p:spPr>
-            <a:xfrm>
-              <a:off x="6149898" y="2017931"/>
-              <a:ext cx="1" cy="210178"/>
-            </a:xfrm>
-            <a:prstGeom prst="line">
+          <a:prstGeom prst="straightConnector1">
+            <a:avLst/>
+          </a:prstGeom>
+          <a:ln w="28575">
+            <a:solidFill>
+              <a:srgbClr val="FF0000"/>
+            </a:solidFill>
+            <a:headEnd type="none" w="med" len="med"/>
+            <a:tailEnd type="triangle" w="med" len="med"/>
+          </a:ln>
+        </p:spPr>
+        <p:style>
+          <a:lnRef idx="1">
+            <a:schemeClr val="accent1"/>
+          </a:lnRef>
+          <a:fillRef idx="0">
+            <a:schemeClr val="accent1"/>
+          </a:fillRef>
+          <a:effectRef idx="0">
+            <a:schemeClr val="accent1"/>
+          </a:effectRef>
+          <a:fontRef idx="minor">
+            <a:schemeClr val="tx1"/>
+          </a:fontRef>
+        </p:style>
+      </p:cxnSp>
+      <p:cxnSp>
+        <p:nvCxnSpPr>
+          <p:cNvPr id="286" name="直接箭头连接符 285">
+            <a:extLst>
+              <a:ext uri="{FF2B5EF4-FFF2-40B4-BE49-F238E27FC236}">
+                <a16:creationId xmlns:a16="http://schemas.microsoft.com/office/drawing/2014/main" id="{12F4E53F-F11C-4262-AA5B-38FE82DFF2A2}"/>
+              </a:ext>
+            </a:extLst>
+          </p:cNvPr>
+          <p:cNvCxnSpPr>
+            <a:cxnSpLocks/>
+          </p:cNvCxnSpPr>
+          <p:nvPr/>
+        </p:nvCxnSpPr>
+        <p:spPr>
+          <a:xfrm flipH="1">
+            <a:off x="2729580" y="791423"/>
+            <a:ext cx="8042" cy="3651884"/>
+          </a:xfrm>
+          <a:prstGeom prst="straightConnector1">
+            <a:avLst/>
+          </a:prstGeom>
+          <a:ln w="28575">
+            <a:solidFill>
+              <a:srgbClr val="FF0000"/>
+            </a:solidFill>
+            <a:tailEnd type="triangle"/>
+          </a:ln>
+        </p:spPr>
+        <p:style>
+          <a:lnRef idx="1">
+            <a:schemeClr val="accent1"/>
+          </a:lnRef>
+          <a:fillRef idx="0">
+            <a:schemeClr val="accent1"/>
+          </a:fillRef>
+          <a:effectRef idx="0">
+            <a:schemeClr val="accent1"/>
+          </a:effectRef>
+          <a:fontRef idx="minor">
+            <a:schemeClr val="tx1"/>
+          </a:fontRef>
+        </p:style>
+      </p:cxnSp>
+      <p:cxnSp>
+        <p:nvCxnSpPr>
+          <p:cNvPr id="282" name="直接箭头连接符 281">
+            <a:extLst>
+              <a:ext uri="{FF2B5EF4-FFF2-40B4-BE49-F238E27FC236}">
+                <a16:creationId xmlns:a16="http://schemas.microsoft.com/office/drawing/2014/main" id="{8A3E8CA4-E6C3-40C7-94FE-3AB33519CC13}"/>
+              </a:ext>
+            </a:extLst>
+          </p:cNvPr>
+          <p:cNvCxnSpPr>
+            <a:cxnSpLocks/>
+          </p:cNvCxnSpPr>
+          <p:nvPr/>
+        </p:nvCxnSpPr>
+        <p:spPr>
+          <a:xfrm flipH="1">
+            <a:off x="2523596" y="807830"/>
+            <a:ext cx="4570" cy="1948391"/>
+          </a:xfrm>
+          <a:prstGeom prst="straightConnector1">
+            <a:avLst/>
+          </a:prstGeom>
+          <a:ln w="28575">
+            <a:solidFill>
+              <a:srgbClr val="FF0000"/>
+            </a:solidFill>
+            <a:tailEnd type="triangle"/>
+          </a:ln>
+        </p:spPr>
+        <p:style>
+          <a:lnRef idx="1">
+            <a:schemeClr val="accent1"/>
+          </a:lnRef>
+          <a:fillRef idx="0">
+            <a:schemeClr val="accent1"/>
+          </a:fillRef>
+          <a:effectRef idx="0">
+            <a:schemeClr val="accent1"/>
+          </a:effectRef>
+          <a:fontRef idx="minor">
+            <a:schemeClr val="tx1"/>
+          </a:fontRef>
+        </p:style>
+      </p:cxnSp>
+      <p:cxnSp>
+        <p:nvCxnSpPr>
+          <p:cNvPr id="273" name="直接箭头连接符 272">
+            <a:extLst>
+              <a:ext uri="{FF2B5EF4-FFF2-40B4-BE49-F238E27FC236}">
+                <a16:creationId xmlns:a16="http://schemas.microsoft.com/office/drawing/2014/main" id="{BD2DA596-2F0C-425A-A2A3-C2D58CA1AD23}"/>
+              </a:ext>
+            </a:extLst>
+          </p:cNvPr>
+          <p:cNvCxnSpPr>
+            <a:cxnSpLocks/>
+          </p:cNvCxnSpPr>
+          <p:nvPr/>
+        </p:nvCxnSpPr>
+        <p:spPr>
+          <a:xfrm flipH="1" flipV="1">
+            <a:off x="2201333" y="3129280"/>
+            <a:ext cx="5133" cy="3005124"/>
+          </a:xfrm>
+          <a:prstGeom prst="straightConnector1">
+            <a:avLst/>
+          </a:prstGeom>
+          <a:ln w="28575">
+            <a:solidFill>
+              <a:srgbClr val="FF0000"/>
+            </a:solidFill>
+            <a:headEnd type="none" w="med" len="med"/>
+            <a:tailEnd type="none" w="med" len="med"/>
+          </a:ln>
+        </p:spPr>
+        <p:style>
+          <a:lnRef idx="1">
+            <a:schemeClr val="accent1"/>
+          </a:lnRef>
+          <a:fillRef idx="0">
+            <a:schemeClr val="accent1"/>
+          </a:fillRef>
+          <a:effectRef idx="0">
+            <a:schemeClr val="accent1"/>
+          </a:effectRef>
+          <a:fontRef idx="minor">
+            <a:schemeClr val="tx1"/>
+          </a:fontRef>
+        </p:style>
+      </p:cxnSp>
+      <p:sp>
+        <p:nvSpPr>
+          <p:cNvPr id="249" name="梯形 248">
+            <a:extLst>
+              <a:ext uri="{FF2B5EF4-FFF2-40B4-BE49-F238E27FC236}">
+                <a16:creationId xmlns:a16="http://schemas.microsoft.com/office/drawing/2014/main" id="{B564A4DB-4E1F-4910-A56F-4F9BBB8F11F7}"/>
+              </a:ext>
+            </a:extLst>
+          </p:cNvPr>
+          <p:cNvSpPr/>
+          <p:nvPr/>
+        </p:nvSpPr>
+        <p:spPr>
+          <a:xfrm rot="5400000">
+            <a:off x="2166086" y="4583688"/>
+            <a:ext cx="881892" cy="328819"/>
+          </a:xfrm>
+          <a:prstGeom prst="trapezoid">
+            <a:avLst>
+              <a:gd name="adj" fmla="val 43788"/>
+            </a:avLst>
+          </a:prstGeom>
+          <a:solidFill>
+            <a:schemeClr val="accent4">
+              <a:lumMod val="20000"/>
+              <a:lumOff val="80000"/>
+            </a:schemeClr>
+          </a:solidFill>
+          <a:ln w="12700">
+            <a:solidFill>
+              <a:schemeClr val="tx1"/>
+            </a:solidFill>
+          </a:ln>
+        </p:spPr>
+        <p:style>
+          <a:lnRef idx="2">
+            <a:schemeClr val="accent1">
+              <a:shade val="50000"/>
+            </a:schemeClr>
+          </a:lnRef>
+          <a:fillRef idx="1">
+            <a:schemeClr val="accent1"/>
+          </a:fillRef>
+          <a:effectRef idx="0">
+            <a:schemeClr val="accent1"/>
+          </a:effectRef>
+          <a:fontRef idx="minor">
+            <a:schemeClr val="lt1"/>
+          </a:fontRef>
+        </p:style>
+        <p:txBody>
+          <a:bodyPr rot="0" spcFirstLastPara="0" vertOverflow="overflow" horzOverflow="overflow" vert="horz" wrap="square" lIns="91440" tIns="45720" rIns="91440" bIns="45720" numCol="1" spcCol="0" rtlCol="0" fromWordArt="0" anchor="ctr" anchorCtr="0" forceAA="0" compatLnSpc="1">
+            <a:prstTxWarp prst="textNoShape">
               <a:avLst/>
-            </a:prstGeom>
-            <a:ln w="9525">
-              <a:solidFill>
-                <a:schemeClr val="tx1"/>
-              </a:solidFill>
-            </a:ln>
-          </p:spPr>
-          <p:style>
-            <a:lnRef idx="1">
-              <a:schemeClr val="accent1"/>
-            </a:lnRef>
-            <a:fillRef idx="0">
-              <a:schemeClr val="accent1"/>
-            </a:fillRef>
-            <a:effectRef idx="0">
-              <a:schemeClr val="accent1"/>
-            </a:effectRef>
-            <a:fontRef idx="minor">
-              <a:schemeClr val="tx1"/>
-            </a:fontRef>
-          </p:style>
-        </p:cxnSp>
-        <p:sp>
-          <p:nvSpPr>
-            <p:cNvPr id="196" name="梯形 195">
-              <a:extLst>
-                <a:ext uri="{FF2B5EF4-FFF2-40B4-BE49-F238E27FC236}">
-                  <a16:creationId xmlns:a16="http://schemas.microsoft.com/office/drawing/2014/main" id="{38283C1B-64AA-4133-A797-B94060B678BE}"/>
-                </a:ext>
-              </a:extLst>
-            </p:cNvPr>
-            <p:cNvSpPr/>
-            <p:nvPr/>
-          </p:nvSpPr>
-          <p:spPr>
-            <a:xfrm rot="5400000">
-              <a:off x="5621645" y="2492635"/>
-              <a:ext cx="1056508" cy="252007"/>
-            </a:xfrm>
-            <a:prstGeom prst="trapezoid">
-              <a:avLst>
-                <a:gd name="adj" fmla="val 109302"/>
-              </a:avLst>
-            </a:prstGeom>
+            </a:prstTxWarp>
+            <a:noAutofit/>
+          </a:bodyPr>
+          <a:lstStyle/>
+          <a:p>
+            <a:pPr algn="ctr"/>
+            <a:endParaRPr lang="zh-CN" altLang="en-US"/>
+          </a:p>
+        </p:txBody>
+      </p:sp>
+      <p:sp>
+        <p:nvSpPr>
+          <p:cNvPr id="243" name="任意多边形: 形状 242">
+            <a:extLst>
+              <a:ext uri="{FF2B5EF4-FFF2-40B4-BE49-F238E27FC236}">
+                <a16:creationId xmlns:a16="http://schemas.microsoft.com/office/drawing/2014/main" id="{786A797D-0BAB-4C5E-B854-35BB43078DD3}"/>
+              </a:ext>
+            </a:extLst>
+          </p:cNvPr>
+          <p:cNvSpPr/>
+          <p:nvPr/>
+        </p:nvSpPr>
+        <p:spPr>
+          <a:xfrm>
+            <a:off x="1443400" y="3127890"/>
+            <a:ext cx="264335" cy="1637805"/>
+          </a:xfrm>
+          <a:custGeom>
+            <a:avLst/>
+            <a:gdLst>
+              <a:gd name="connsiteX0" fmla="*/ 6350 w 133350"/>
+              <a:gd name="connsiteY0" fmla="*/ 0 h 1670050"/>
+              <a:gd name="connsiteX1" fmla="*/ 0 w 133350"/>
+              <a:gd name="connsiteY1" fmla="*/ 1670050 h 1670050"/>
+              <a:gd name="connsiteX2" fmla="*/ 133350 w 133350"/>
+              <a:gd name="connsiteY2" fmla="*/ 1670050 h 1670050"/>
+              <a:gd name="connsiteX0" fmla="*/ 378 w 137038"/>
+              <a:gd name="connsiteY0" fmla="*/ 0 h 1670050"/>
+              <a:gd name="connsiteX1" fmla="*/ 3688 w 137038"/>
+              <a:gd name="connsiteY1" fmla="*/ 1670050 h 1670050"/>
+              <a:gd name="connsiteX2" fmla="*/ 137038 w 137038"/>
+              <a:gd name="connsiteY2" fmla="*/ 1670050 h 1670050"/>
+              <a:gd name="connsiteX0" fmla="*/ 6350 w 133350"/>
+              <a:gd name="connsiteY0" fmla="*/ 0 h 1670050"/>
+              <a:gd name="connsiteX1" fmla="*/ 0 w 133350"/>
+              <a:gd name="connsiteY1" fmla="*/ 1670050 h 1670050"/>
+              <a:gd name="connsiteX2" fmla="*/ 133350 w 133350"/>
+              <a:gd name="connsiteY2" fmla="*/ 1670050 h 1670050"/>
+              <a:gd name="connsiteX0" fmla="*/ 600 w 134040"/>
+              <a:gd name="connsiteY0" fmla="*/ 0 h 1670050"/>
+              <a:gd name="connsiteX1" fmla="*/ 690 w 134040"/>
+              <a:gd name="connsiteY1" fmla="*/ 1670050 h 1670050"/>
+              <a:gd name="connsiteX2" fmla="*/ 134040 w 134040"/>
+              <a:gd name="connsiteY2" fmla="*/ 1670050 h 1670050"/>
+            </a:gdLst>
+            <a:ahLst/>
+            <a:cxnLst>
+              <a:cxn ang="0">
+                <a:pos x="connsiteX0" y="connsiteY0"/>
+              </a:cxn>
+              <a:cxn ang="0">
+                <a:pos x="connsiteX1" y="connsiteY1"/>
+              </a:cxn>
+              <a:cxn ang="0">
+                <a:pos x="connsiteX2" y="connsiteY2"/>
+              </a:cxn>
+            </a:cxnLst>
+            <a:rect l="l" t="t" r="r" b="b"/>
+            <a:pathLst>
+              <a:path w="134040" h="1670050">
+                <a:moveTo>
+                  <a:pt x="600" y="0"/>
+                </a:moveTo>
+                <a:cubicBezTo>
+                  <a:pt x="-1517" y="556683"/>
+                  <a:pt x="2807" y="1113367"/>
+                  <a:pt x="690" y="1670050"/>
+                </a:cubicBezTo>
+                <a:lnTo>
+                  <a:pt x="134040" y="1670050"/>
+                </a:lnTo>
+              </a:path>
+            </a:pathLst>
+          </a:custGeom>
+          <a:noFill/>
+          <a:ln w="28575">
             <a:solidFill>
-              <a:schemeClr val="accent4">
-                <a:lumMod val="20000"/>
-                <a:lumOff val="80000"/>
+              <a:schemeClr val="accent5">
+                <a:lumMod val="60000"/>
+                <a:lumOff val="40000"/>
               </a:schemeClr>
             </a:solidFill>
-            <a:ln w="12700">
-              <a:solidFill>
-                <a:schemeClr val="tx1"/>
-              </a:solidFill>
-            </a:ln>
-          </p:spPr>
-          <p:style>
-            <a:lnRef idx="2">
-              <a:schemeClr val="accent1">
-                <a:shade val="50000"/>
+            <a:headEnd type="none" w="med" len="med"/>
+            <a:tailEnd type="triangle" w="med" len="med"/>
+          </a:ln>
+        </p:spPr>
+        <p:style>
+          <a:lnRef idx="2">
+            <a:schemeClr val="accent1">
+              <a:shade val="50000"/>
+            </a:schemeClr>
+          </a:lnRef>
+          <a:fillRef idx="1">
+            <a:schemeClr val="accent1"/>
+          </a:fillRef>
+          <a:effectRef idx="0">
+            <a:schemeClr val="accent1"/>
+          </a:effectRef>
+          <a:fontRef idx="minor">
+            <a:schemeClr val="lt1"/>
+          </a:fontRef>
+        </p:style>
+        <p:txBody>
+          <a:bodyPr rtlCol="0" anchor="ctr"/>
+          <a:lstStyle/>
+          <a:p>
+            <a:pPr algn="ctr"/>
+            <a:endParaRPr lang="zh-CN" altLang="en-US"/>
+          </a:p>
+        </p:txBody>
+      </p:sp>
+      <p:sp>
+        <p:nvSpPr>
+          <p:cNvPr id="242" name="任意多边形: 形状 241">
+            <a:extLst>
+              <a:ext uri="{FF2B5EF4-FFF2-40B4-BE49-F238E27FC236}">
+                <a16:creationId xmlns:a16="http://schemas.microsoft.com/office/drawing/2014/main" id="{0813AB2D-FB68-4906-B467-DAF662CAAC1F}"/>
+              </a:ext>
+            </a:extLst>
+          </p:cNvPr>
+          <p:cNvSpPr/>
+          <p:nvPr/>
+        </p:nvSpPr>
+        <p:spPr>
+          <a:xfrm>
+            <a:off x="1547141" y="2865194"/>
+            <a:ext cx="168541" cy="1696137"/>
+          </a:xfrm>
+          <a:custGeom>
+            <a:avLst/>
+            <a:gdLst>
+              <a:gd name="connsiteX0" fmla="*/ 6350 w 133350"/>
+              <a:gd name="connsiteY0" fmla="*/ 0 h 1670050"/>
+              <a:gd name="connsiteX1" fmla="*/ 0 w 133350"/>
+              <a:gd name="connsiteY1" fmla="*/ 1670050 h 1670050"/>
+              <a:gd name="connsiteX2" fmla="*/ 133350 w 133350"/>
+              <a:gd name="connsiteY2" fmla="*/ 1670050 h 1670050"/>
+              <a:gd name="connsiteX0" fmla="*/ 1170 w 133350"/>
+              <a:gd name="connsiteY0" fmla="*/ 0 h 1670050"/>
+              <a:gd name="connsiteX1" fmla="*/ 0 w 133350"/>
+              <a:gd name="connsiteY1" fmla="*/ 1670050 h 1670050"/>
+              <a:gd name="connsiteX2" fmla="*/ 133350 w 133350"/>
+              <a:gd name="connsiteY2" fmla="*/ 1670050 h 1670050"/>
+            </a:gdLst>
+            <a:ahLst/>
+            <a:cxnLst>
+              <a:cxn ang="0">
+                <a:pos x="connsiteX0" y="connsiteY0"/>
+              </a:cxn>
+              <a:cxn ang="0">
+                <a:pos x="connsiteX1" y="connsiteY1"/>
+              </a:cxn>
+              <a:cxn ang="0">
+                <a:pos x="connsiteX2" y="connsiteY2"/>
+              </a:cxn>
+            </a:cxnLst>
+            <a:rect l="l" t="t" r="r" b="b"/>
+            <a:pathLst>
+              <a:path w="133350" h="1670050">
+                <a:moveTo>
+                  <a:pt x="1170" y="0"/>
+                </a:moveTo>
+                <a:cubicBezTo>
+                  <a:pt x="-947" y="556683"/>
+                  <a:pt x="2117" y="1113367"/>
+                  <a:pt x="0" y="1670050"/>
+                </a:cubicBezTo>
+                <a:lnTo>
+                  <a:pt x="133350" y="1670050"/>
+                </a:lnTo>
+              </a:path>
+            </a:pathLst>
+          </a:custGeom>
+          <a:noFill/>
+          <a:ln w="28575">
+            <a:solidFill>
+              <a:schemeClr val="accent5">
+                <a:lumMod val="40000"/>
+                <a:lumOff val="60000"/>
               </a:schemeClr>
-            </a:lnRef>
-            <a:fillRef idx="1">
-              <a:schemeClr val="accent1"/>
-            </a:fillRef>
-            <a:effectRef idx="0">
-              <a:schemeClr val="accent1"/>
-            </a:effectRef>
-            <a:fontRef idx="minor">
-              <a:schemeClr val="lt1"/>
-            </a:fontRef>
-          </p:style>
-          <p:txBody>
-            <a:bodyPr rot="0" spcFirstLastPara="0" vertOverflow="overflow" horzOverflow="overflow" vert="horz" wrap="square" lIns="91440" tIns="45720" rIns="91440" bIns="45720" numCol="1" spcCol="0" rtlCol="0" fromWordArt="0" anchor="ctr" anchorCtr="0" forceAA="0" compatLnSpc="1">
-              <a:prstTxWarp prst="textNoShape">
-                <a:avLst/>
-              </a:prstTxWarp>
-              <a:noAutofit/>
-            </a:bodyPr>
-            <a:lstStyle/>
-            <a:p>
-              <a:pPr algn="ctr"/>
-              <a:endParaRPr lang="zh-CN" altLang="en-US"/>
-            </a:p>
-          </p:txBody>
-        </p:sp>
-        <p:sp>
-          <p:nvSpPr>
-            <p:cNvPr id="197" name="矩形: 剪去左右顶角 196">
-              <a:extLst>
-                <a:ext uri="{FF2B5EF4-FFF2-40B4-BE49-F238E27FC236}">
-                  <a16:creationId xmlns:a16="http://schemas.microsoft.com/office/drawing/2014/main" id="{EB11A031-DAAE-4273-A376-897F30973071}"/>
-                </a:ext>
-              </a:extLst>
-            </p:cNvPr>
-            <p:cNvSpPr/>
-            <p:nvPr/>
-          </p:nvSpPr>
-          <p:spPr>
-            <a:xfrm rot="10800000">
-              <a:off x="6092751" y="1934744"/>
-              <a:ext cx="114295" cy="169710"/>
-            </a:xfrm>
-            <a:prstGeom prst="snip2SameRect">
-              <a:avLst>
-                <a:gd name="adj1" fmla="val 50000"/>
-                <a:gd name="adj2" fmla="val 0"/>
-              </a:avLst>
-            </a:prstGeom>
-            <a:solidFill>
-              <a:srgbClr val="FFFF00"/>
             </a:solidFill>
-            <a:ln w="19050">
-              <a:solidFill>
-                <a:schemeClr val="tx1"/>
-              </a:solidFill>
-            </a:ln>
-          </p:spPr>
-          <p:style>
-            <a:lnRef idx="2">
-              <a:schemeClr val="accent1">
-                <a:shade val="50000"/>
-              </a:schemeClr>
-            </a:lnRef>
-            <a:fillRef idx="1">
-              <a:schemeClr val="accent1"/>
-            </a:fillRef>
-            <a:effectRef idx="0">
-              <a:schemeClr val="accent1"/>
-            </a:effectRef>
-            <a:fontRef idx="minor">
-              <a:schemeClr val="lt1"/>
-            </a:fontRef>
-          </p:style>
-          <p:txBody>
-            <a:bodyPr rot="0" spcFirstLastPara="0" vertOverflow="overflow" horzOverflow="overflow" vert="horz" wrap="square" lIns="91440" tIns="45720" rIns="91440" bIns="45720" numCol="1" spcCol="0" rtlCol="0" fromWordArt="0" anchor="ctr" anchorCtr="0" forceAA="0" compatLnSpc="1">
-              <a:prstTxWarp prst="textNoShape">
-                <a:avLst/>
-              </a:prstTxWarp>
-              <a:noAutofit/>
-            </a:bodyPr>
-            <a:lstStyle/>
-            <a:p>
-              <a:pPr algn="ctr"/>
-              <a:endParaRPr lang="zh-CN" altLang="en-US"/>
-            </a:p>
-          </p:txBody>
-        </p:sp>
-        <p:sp>
-          <p:nvSpPr>
-            <p:cNvPr id="198" name="文本框 197">
-              <a:extLst>
-                <a:ext uri="{FF2B5EF4-FFF2-40B4-BE49-F238E27FC236}">
-                  <a16:creationId xmlns:a16="http://schemas.microsoft.com/office/drawing/2014/main" id="{59C436F0-EE58-455F-8D1B-E24736CA748B}"/>
-                </a:ext>
-              </a:extLst>
-            </p:cNvPr>
-            <p:cNvSpPr txBox="1"/>
-            <p:nvPr/>
-          </p:nvSpPr>
-          <p:spPr>
-            <a:xfrm>
-              <a:off x="5708512" y="1656769"/>
-              <a:ext cx="1078697" cy="276999"/>
-            </a:xfrm>
-            <a:prstGeom prst="rect">
-              <a:avLst/>
-            </a:prstGeom>
-            <a:noFill/>
-          </p:spPr>
-          <p:txBody>
-            <a:bodyPr wrap="square" rtlCol="0">
-              <a:spAutoFit/>
-            </a:bodyPr>
-            <a:lstStyle/>
-            <a:p>
-              <a:r>
-                <a:rPr lang="en-US" altLang="zh-CN" sz="1200" dirty="0" err="1">
-                  <a:latin typeface="Times New Roman" panose="02020603050405020304" pitchFamily="18" charset="0"/>
-                  <a:cs typeface="Times New Roman" panose="02020603050405020304" pitchFamily="18" charset="0"/>
-                </a:rPr>
-                <a:t>BranchSrcA</a:t>
-              </a:r>
-              <a:endParaRPr lang="zh-CN" altLang="en-US" sz="1200" dirty="0">
+            <a:headEnd type="none" w="med" len="med"/>
+            <a:tailEnd type="triangle" w="med" len="med"/>
+          </a:ln>
+        </p:spPr>
+        <p:style>
+          <a:lnRef idx="2">
+            <a:schemeClr val="accent1">
+              <a:shade val="50000"/>
+            </a:schemeClr>
+          </a:lnRef>
+          <a:fillRef idx="1">
+            <a:schemeClr val="accent1"/>
+          </a:fillRef>
+          <a:effectRef idx="0">
+            <a:schemeClr val="accent1"/>
+          </a:effectRef>
+          <a:fontRef idx="minor">
+            <a:schemeClr val="lt1"/>
+          </a:fontRef>
+        </p:style>
+        <p:txBody>
+          <a:bodyPr rtlCol="0" anchor="ctr"/>
+          <a:lstStyle/>
+          <a:p>
+            <a:pPr algn="ctr"/>
+            <a:endParaRPr lang="zh-CN" altLang="en-US"/>
+          </a:p>
+        </p:txBody>
+      </p:sp>
+      <p:sp>
+        <p:nvSpPr>
+          <p:cNvPr id="229" name="文本框 228">
+            <a:extLst>
+              <a:ext uri="{FF2B5EF4-FFF2-40B4-BE49-F238E27FC236}">
+                <a16:creationId xmlns:a16="http://schemas.microsoft.com/office/drawing/2014/main" id="{290C54D1-7219-4AC5-AD6F-8ABBD3A057E7}"/>
+              </a:ext>
+            </a:extLst>
+          </p:cNvPr>
+          <p:cNvSpPr txBox="1"/>
+          <p:nvPr/>
+        </p:nvSpPr>
+        <p:spPr>
+          <a:xfrm>
+            <a:off x="376583" y="4071079"/>
+            <a:ext cx="1078697" cy="276999"/>
+          </a:xfrm>
+          <a:prstGeom prst="rect">
+            <a:avLst/>
+          </a:prstGeom>
+          <a:noFill/>
+        </p:spPr>
+        <p:txBody>
+          <a:bodyPr wrap="square" rtlCol="0">
+            <a:spAutoFit/>
+          </a:bodyPr>
+          <a:lstStyle/>
+          <a:p>
+            <a:r>
+              <a:rPr lang="en-US" altLang="zh-CN" sz="1200" dirty="0" err="1">
                 <a:latin typeface="Times New Roman" panose="02020603050405020304" pitchFamily="18" charset="0"/>
                 <a:cs typeface="Times New Roman" panose="02020603050405020304" pitchFamily="18" charset="0"/>
-              </a:endParaRPr>
-            </a:p>
-          </p:txBody>
-        </p:sp>
-        <p:sp>
-          <p:nvSpPr>
-            <p:cNvPr id="199" name="梯形 198">
-              <a:extLst>
-                <a:ext uri="{FF2B5EF4-FFF2-40B4-BE49-F238E27FC236}">
-                  <a16:creationId xmlns:a16="http://schemas.microsoft.com/office/drawing/2014/main" id="{4C5B7A5A-5A92-437E-A7B8-2AB3AFFA08CC}"/>
-                </a:ext>
-              </a:extLst>
-            </p:cNvPr>
-            <p:cNvSpPr/>
-            <p:nvPr/>
-          </p:nvSpPr>
-          <p:spPr>
-            <a:xfrm rot="5400000">
-              <a:off x="5623748" y="4128156"/>
-              <a:ext cx="1056508" cy="252007"/>
-            </a:xfrm>
-            <a:prstGeom prst="trapezoid">
-              <a:avLst>
-                <a:gd name="adj" fmla="val 109302"/>
-              </a:avLst>
-            </a:prstGeom>
-            <a:solidFill>
-              <a:schemeClr val="accent4">
-                <a:lumMod val="20000"/>
-                <a:lumOff val="80000"/>
-              </a:schemeClr>
-            </a:solidFill>
-            <a:ln w="12700">
-              <a:solidFill>
-                <a:schemeClr val="tx1"/>
-              </a:solidFill>
-            </a:ln>
-          </p:spPr>
-          <p:style>
-            <a:lnRef idx="2">
-              <a:schemeClr val="accent1">
-                <a:shade val="50000"/>
-              </a:schemeClr>
-            </a:lnRef>
-            <a:fillRef idx="1">
-              <a:schemeClr val="accent1"/>
-            </a:fillRef>
-            <a:effectRef idx="0">
-              <a:schemeClr val="accent1"/>
-            </a:effectRef>
-            <a:fontRef idx="minor">
-              <a:schemeClr val="lt1"/>
-            </a:fontRef>
-          </p:style>
-          <p:txBody>
-            <a:bodyPr rot="0" spcFirstLastPara="0" vertOverflow="overflow" horzOverflow="overflow" vert="horz" wrap="square" lIns="91440" tIns="45720" rIns="91440" bIns="45720" numCol="1" spcCol="0" rtlCol="0" fromWordArt="0" anchor="ctr" anchorCtr="0" forceAA="0" compatLnSpc="1">
-              <a:prstTxWarp prst="textNoShape">
-                <a:avLst/>
-              </a:prstTxWarp>
-              <a:noAutofit/>
-            </a:bodyPr>
-            <a:lstStyle/>
-            <a:p>
-              <a:pPr algn="ctr"/>
-              <a:endParaRPr lang="zh-CN" altLang="en-US"/>
-            </a:p>
-          </p:txBody>
-        </p:sp>
-        <p:sp>
-          <p:nvSpPr>
-            <p:cNvPr id="200" name="矩形: 剪去左右顶角 199">
-              <a:extLst>
-                <a:ext uri="{FF2B5EF4-FFF2-40B4-BE49-F238E27FC236}">
-                  <a16:creationId xmlns:a16="http://schemas.microsoft.com/office/drawing/2014/main" id="{15491C2F-A980-42A5-AA18-F7C1FB9CCCE2}"/>
-                </a:ext>
-              </a:extLst>
-            </p:cNvPr>
-            <p:cNvSpPr/>
-            <p:nvPr/>
-          </p:nvSpPr>
-          <p:spPr>
-            <a:xfrm rot="10800000">
-              <a:off x="6094854" y="3417518"/>
-              <a:ext cx="114295" cy="169710"/>
-            </a:xfrm>
-            <a:prstGeom prst="snip2SameRect">
-              <a:avLst>
-                <a:gd name="adj1" fmla="val 50000"/>
-                <a:gd name="adj2" fmla="val 0"/>
-              </a:avLst>
-            </a:prstGeom>
-            <a:solidFill>
-              <a:srgbClr val="FFFF00"/>
-            </a:solidFill>
-            <a:ln w="19050">
-              <a:solidFill>
-                <a:schemeClr val="tx1"/>
-              </a:solidFill>
-            </a:ln>
-          </p:spPr>
-          <p:style>
-            <a:lnRef idx="2">
-              <a:schemeClr val="accent1">
-                <a:shade val="50000"/>
-              </a:schemeClr>
-            </a:lnRef>
-            <a:fillRef idx="1">
-              <a:schemeClr val="accent1"/>
-            </a:fillRef>
-            <a:effectRef idx="0">
-              <a:schemeClr val="accent1"/>
-            </a:effectRef>
-            <a:fontRef idx="minor">
-              <a:schemeClr val="lt1"/>
-            </a:fontRef>
-          </p:style>
-          <p:txBody>
-            <a:bodyPr rot="0" spcFirstLastPara="0" vertOverflow="overflow" horzOverflow="overflow" vert="horz" wrap="square" lIns="91440" tIns="45720" rIns="91440" bIns="45720" numCol="1" spcCol="0" rtlCol="0" fromWordArt="0" anchor="ctr" anchorCtr="0" forceAA="0" compatLnSpc="1">
-              <a:prstTxWarp prst="textNoShape">
-                <a:avLst/>
-              </a:prstTxWarp>
-              <a:noAutofit/>
-            </a:bodyPr>
-            <a:lstStyle/>
-            <a:p>
-              <a:pPr algn="ctr"/>
-              <a:endParaRPr lang="zh-CN" altLang="en-US"/>
-            </a:p>
-          </p:txBody>
-        </p:sp>
-        <p:cxnSp>
-          <p:nvCxnSpPr>
-            <p:cNvPr id="201" name="直接连接符 200">
-              <a:extLst>
-                <a:ext uri="{FF2B5EF4-FFF2-40B4-BE49-F238E27FC236}">
-                  <a16:creationId xmlns:a16="http://schemas.microsoft.com/office/drawing/2014/main" id="{BD3FBCEB-2F1D-462B-97E6-B376AB25CB9D}"/>
-                </a:ext>
-              </a:extLst>
-            </p:cNvPr>
-            <p:cNvCxnSpPr>
-              <a:cxnSpLocks/>
-              <a:stCxn id="200" idx="3"/>
-              <a:endCxn id="199" idx="1"/>
-            </p:cNvCxnSpPr>
-            <p:nvPr/>
-          </p:nvCxnSpPr>
-          <p:spPr>
-            <a:xfrm>
-              <a:off x="6152001" y="3587228"/>
-              <a:ext cx="1" cy="276402"/>
-            </a:xfrm>
-            <a:prstGeom prst="line">
-              <a:avLst/>
-            </a:prstGeom>
-            <a:ln w="9525">
-              <a:solidFill>
-                <a:schemeClr val="tx1"/>
-              </a:solidFill>
-            </a:ln>
-          </p:spPr>
-          <p:style>
-            <a:lnRef idx="1">
-              <a:schemeClr val="accent1"/>
-            </a:lnRef>
-            <a:fillRef idx="0">
-              <a:schemeClr val="accent1"/>
-            </a:fillRef>
-            <a:effectRef idx="0">
-              <a:schemeClr val="accent1"/>
-            </a:effectRef>
-            <a:fontRef idx="minor">
-              <a:schemeClr val="tx1"/>
-            </a:fontRef>
-          </p:style>
-        </p:cxnSp>
-        <p:sp>
-          <p:nvSpPr>
-            <p:cNvPr id="202" name="文本框 201">
-              <a:extLst>
-                <a:ext uri="{FF2B5EF4-FFF2-40B4-BE49-F238E27FC236}">
-                  <a16:creationId xmlns:a16="http://schemas.microsoft.com/office/drawing/2014/main" id="{15D58D88-55FA-4F69-AA27-9C34119C7A8B}"/>
-                </a:ext>
-              </a:extLst>
-            </p:cNvPr>
-            <p:cNvSpPr txBox="1"/>
-            <p:nvPr/>
-          </p:nvSpPr>
-          <p:spPr>
-            <a:xfrm>
-              <a:off x="5984331" y="2175911"/>
-              <a:ext cx="445430" cy="276999"/>
-            </a:xfrm>
-            <a:prstGeom prst="rect">
-              <a:avLst/>
-            </a:prstGeom>
-            <a:noFill/>
-          </p:spPr>
-          <p:txBody>
-            <a:bodyPr wrap="square" rtlCol="0">
-              <a:spAutoFit/>
-            </a:bodyPr>
-            <a:lstStyle/>
-            <a:p>
-              <a:r>
-                <a:rPr lang="en-US" altLang="zh-TW" sz="1200" b="1" dirty="0">
-                  <a:latin typeface="Times New Roman" panose="02020603050405020304" pitchFamily="18" charset="0"/>
-                  <a:cs typeface="Times New Roman" panose="02020603050405020304" pitchFamily="18" charset="0"/>
-                </a:rPr>
-                <a:t>0</a:t>
-              </a:r>
-              <a:endParaRPr lang="zh-CN" altLang="en-US" sz="1200" b="1" dirty="0">
-                <a:latin typeface="Times New Roman" panose="02020603050405020304" pitchFamily="18" charset="0"/>
-                <a:cs typeface="Times New Roman" panose="02020603050405020304" pitchFamily="18" charset="0"/>
-              </a:endParaRPr>
-            </a:p>
-          </p:txBody>
-        </p:sp>
-        <p:sp>
-          <p:nvSpPr>
-            <p:cNvPr id="203" name="文本框 202">
-              <a:extLst>
-                <a:ext uri="{FF2B5EF4-FFF2-40B4-BE49-F238E27FC236}">
-                  <a16:creationId xmlns:a16="http://schemas.microsoft.com/office/drawing/2014/main" id="{022F5F9A-9DC1-4303-8BEB-75F06EE6B99E}"/>
-                </a:ext>
-              </a:extLst>
-            </p:cNvPr>
-            <p:cNvSpPr txBox="1"/>
-            <p:nvPr/>
-          </p:nvSpPr>
-          <p:spPr>
-            <a:xfrm>
-              <a:off x="5984331" y="2398188"/>
-              <a:ext cx="445430" cy="276999"/>
-            </a:xfrm>
-            <a:prstGeom prst="rect">
-              <a:avLst/>
-            </a:prstGeom>
-            <a:noFill/>
-          </p:spPr>
-          <p:txBody>
-            <a:bodyPr wrap="square" rtlCol="0">
-              <a:spAutoFit/>
-            </a:bodyPr>
-            <a:lstStyle/>
-            <a:p>
-              <a:r>
-                <a:rPr lang="en-US" altLang="zh-TW" sz="1200" b="1" dirty="0">
-                  <a:latin typeface="Times New Roman" panose="02020603050405020304" pitchFamily="18" charset="0"/>
-                  <a:cs typeface="Times New Roman" panose="02020603050405020304" pitchFamily="18" charset="0"/>
-                </a:rPr>
-                <a:t>1</a:t>
-              </a:r>
-              <a:endParaRPr lang="zh-CN" altLang="en-US" sz="1200" b="1" dirty="0">
-                <a:latin typeface="Times New Roman" panose="02020603050405020304" pitchFamily="18" charset="0"/>
-                <a:cs typeface="Times New Roman" panose="02020603050405020304" pitchFamily="18" charset="0"/>
-              </a:endParaRPr>
-            </a:p>
-          </p:txBody>
-        </p:sp>
-        <p:sp>
-          <p:nvSpPr>
-            <p:cNvPr id="204" name="文本框 203">
-              <a:extLst>
-                <a:ext uri="{FF2B5EF4-FFF2-40B4-BE49-F238E27FC236}">
-                  <a16:creationId xmlns:a16="http://schemas.microsoft.com/office/drawing/2014/main" id="{7CE63761-2B0C-485A-B544-12248BD4013C}"/>
-                </a:ext>
-              </a:extLst>
-            </p:cNvPr>
-            <p:cNvSpPr txBox="1"/>
-            <p:nvPr/>
-          </p:nvSpPr>
-          <p:spPr>
-            <a:xfrm>
-              <a:off x="5984331" y="2620705"/>
-              <a:ext cx="445430" cy="276999"/>
-            </a:xfrm>
-            <a:prstGeom prst="rect">
-              <a:avLst/>
-            </a:prstGeom>
-            <a:noFill/>
-          </p:spPr>
-          <p:txBody>
-            <a:bodyPr wrap="square" rtlCol="0">
-              <a:spAutoFit/>
-            </a:bodyPr>
-            <a:lstStyle/>
-            <a:p>
-              <a:r>
-                <a:rPr lang="en-US" altLang="zh-TW" sz="1200" b="1" dirty="0">
-                  <a:latin typeface="Times New Roman" panose="02020603050405020304" pitchFamily="18" charset="0"/>
-                  <a:cs typeface="Times New Roman" panose="02020603050405020304" pitchFamily="18" charset="0"/>
-                </a:rPr>
-                <a:t>2</a:t>
-              </a:r>
-              <a:endParaRPr lang="zh-CN" altLang="en-US" sz="1200" b="1" dirty="0">
-                <a:latin typeface="Times New Roman" panose="02020603050405020304" pitchFamily="18" charset="0"/>
-                <a:cs typeface="Times New Roman" panose="02020603050405020304" pitchFamily="18" charset="0"/>
-              </a:endParaRPr>
-            </a:p>
-          </p:txBody>
-        </p:sp>
-        <p:sp>
-          <p:nvSpPr>
-            <p:cNvPr id="205" name="文本框 204">
-              <a:extLst>
-                <a:ext uri="{FF2B5EF4-FFF2-40B4-BE49-F238E27FC236}">
-                  <a16:creationId xmlns:a16="http://schemas.microsoft.com/office/drawing/2014/main" id="{C2FAF397-7513-45E0-8EB0-163A9C267AE2}"/>
-                </a:ext>
-              </a:extLst>
-            </p:cNvPr>
-            <p:cNvSpPr txBox="1"/>
-            <p:nvPr/>
-          </p:nvSpPr>
-          <p:spPr>
-            <a:xfrm>
-              <a:off x="5984331" y="2836961"/>
-              <a:ext cx="445430" cy="276999"/>
-            </a:xfrm>
-            <a:prstGeom prst="rect">
-              <a:avLst/>
-            </a:prstGeom>
-            <a:noFill/>
-          </p:spPr>
-          <p:txBody>
-            <a:bodyPr wrap="square" rtlCol="0">
-              <a:spAutoFit/>
-            </a:bodyPr>
-            <a:lstStyle/>
-            <a:p>
-              <a:r>
-                <a:rPr lang="en-US" altLang="zh-TW" sz="1200" b="1" dirty="0">
-                  <a:latin typeface="Times New Roman" panose="02020603050405020304" pitchFamily="18" charset="0"/>
-                  <a:cs typeface="Times New Roman" panose="02020603050405020304" pitchFamily="18" charset="0"/>
-                </a:rPr>
-                <a:t>3</a:t>
-              </a:r>
-              <a:endParaRPr lang="zh-CN" altLang="en-US" sz="1200" b="1" dirty="0">
-                <a:latin typeface="Times New Roman" panose="02020603050405020304" pitchFamily="18" charset="0"/>
-                <a:cs typeface="Times New Roman" panose="02020603050405020304" pitchFamily="18" charset="0"/>
-              </a:endParaRPr>
-            </a:p>
-          </p:txBody>
-        </p:sp>
-        <p:sp>
-          <p:nvSpPr>
-            <p:cNvPr id="206" name="文本框 205">
-              <a:extLst>
-                <a:ext uri="{FF2B5EF4-FFF2-40B4-BE49-F238E27FC236}">
-                  <a16:creationId xmlns:a16="http://schemas.microsoft.com/office/drawing/2014/main" id="{59524ADE-B1B0-46AF-B3AB-97BF1E15596D}"/>
-                </a:ext>
-              </a:extLst>
-            </p:cNvPr>
-            <p:cNvSpPr txBox="1"/>
-            <p:nvPr/>
-          </p:nvSpPr>
-          <p:spPr>
-            <a:xfrm>
-              <a:off x="5975590" y="3804808"/>
-              <a:ext cx="445430" cy="276999"/>
-            </a:xfrm>
-            <a:prstGeom prst="rect">
-              <a:avLst/>
-            </a:prstGeom>
-            <a:noFill/>
-          </p:spPr>
-          <p:txBody>
-            <a:bodyPr wrap="square" rtlCol="0">
-              <a:spAutoFit/>
-            </a:bodyPr>
-            <a:lstStyle/>
-            <a:p>
-              <a:r>
-                <a:rPr lang="en-US" altLang="zh-TW" sz="1200" b="1" dirty="0">
-                  <a:latin typeface="Times New Roman" panose="02020603050405020304" pitchFamily="18" charset="0"/>
-                  <a:cs typeface="Times New Roman" panose="02020603050405020304" pitchFamily="18" charset="0"/>
-                </a:rPr>
-                <a:t>0</a:t>
-              </a:r>
-              <a:endParaRPr lang="zh-CN" altLang="en-US" sz="1200" b="1" dirty="0">
-                <a:latin typeface="Times New Roman" panose="02020603050405020304" pitchFamily="18" charset="0"/>
-                <a:cs typeface="Times New Roman" panose="02020603050405020304" pitchFamily="18" charset="0"/>
-              </a:endParaRPr>
-            </a:p>
-          </p:txBody>
-        </p:sp>
-        <p:sp>
-          <p:nvSpPr>
-            <p:cNvPr id="207" name="文本框 206">
-              <a:extLst>
-                <a:ext uri="{FF2B5EF4-FFF2-40B4-BE49-F238E27FC236}">
-                  <a16:creationId xmlns:a16="http://schemas.microsoft.com/office/drawing/2014/main" id="{8B24A06C-759A-40D5-8FAA-9AA6F144013B}"/>
-                </a:ext>
-              </a:extLst>
-            </p:cNvPr>
-            <p:cNvSpPr txBox="1"/>
-            <p:nvPr/>
-          </p:nvSpPr>
-          <p:spPr>
-            <a:xfrm>
-              <a:off x="5975590" y="4027085"/>
-              <a:ext cx="445430" cy="276999"/>
-            </a:xfrm>
-            <a:prstGeom prst="rect">
-              <a:avLst/>
-            </a:prstGeom>
-            <a:noFill/>
-          </p:spPr>
-          <p:txBody>
-            <a:bodyPr wrap="square" rtlCol="0">
-              <a:spAutoFit/>
-            </a:bodyPr>
-            <a:lstStyle/>
-            <a:p>
-              <a:r>
-                <a:rPr lang="en-US" altLang="zh-TW" sz="1200" b="1" dirty="0">
-                  <a:latin typeface="Times New Roman" panose="02020603050405020304" pitchFamily="18" charset="0"/>
-                  <a:cs typeface="Times New Roman" panose="02020603050405020304" pitchFamily="18" charset="0"/>
-                </a:rPr>
-                <a:t>1</a:t>
-              </a:r>
-              <a:endParaRPr lang="zh-CN" altLang="en-US" sz="1200" b="1" dirty="0">
-                <a:latin typeface="Times New Roman" panose="02020603050405020304" pitchFamily="18" charset="0"/>
-                <a:cs typeface="Times New Roman" panose="02020603050405020304" pitchFamily="18" charset="0"/>
-              </a:endParaRPr>
-            </a:p>
-          </p:txBody>
-        </p:sp>
-        <p:sp>
-          <p:nvSpPr>
-            <p:cNvPr id="208" name="文本框 207">
-              <a:extLst>
-                <a:ext uri="{FF2B5EF4-FFF2-40B4-BE49-F238E27FC236}">
-                  <a16:creationId xmlns:a16="http://schemas.microsoft.com/office/drawing/2014/main" id="{D15DC75A-9146-4D61-B4AA-73B4729630B7}"/>
-                </a:ext>
-              </a:extLst>
-            </p:cNvPr>
-            <p:cNvSpPr txBox="1"/>
-            <p:nvPr/>
-          </p:nvSpPr>
-          <p:spPr>
-            <a:xfrm>
-              <a:off x="5975590" y="4249602"/>
-              <a:ext cx="445430" cy="276999"/>
-            </a:xfrm>
-            <a:prstGeom prst="rect">
-              <a:avLst/>
-            </a:prstGeom>
-            <a:noFill/>
-          </p:spPr>
-          <p:txBody>
-            <a:bodyPr wrap="square" rtlCol="0">
-              <a:spAutoFit/>
-            </a:bodyPr>
-            <a:lstStyle/>
-            <a:p>
-              <a:r>
-                <a:rPr lang="en-US" altLang="zh-TW" sz="1200" b="1" dirty="0">
-                  <a:latin typeface="Times New Roman" panose="02020603050405020304" pitchFamily="18" charset="0"/>
-                  <a:cs typeface="Times New Roman" panose="02020603050405020304" pitchFamily="18" charset="0"/>
-                </a:rPr>
-                <a:t>2</a:t>
-              </a:r>
-              <a:endParaRPr lang="zh-CN" altLang="en-US" sz="1200" b="1" dirty="0">
-                <a:latin typeface="Times New Roman" panose="02020603050405020304" pitchFamily="18" charset="0"/>
-                <a:cs typeface="Times New Roman" panose="02020603050405020304" pitchFamily="18" charset="0"/>
-              </a:endParaRPr>
-            </a:p>
-          </p:txBody>
-        </p:sp>
-        <p:sp>
-          <p:nvSpPr>
-            <p:cNvPr id="209" name="文本框 208">
-              <a:extLst>
-                <a:ext uri="{FF2B5EF4-FFF2-40B4-BE49-F238E27FC236}">
-                  <a16:creationId xmlns:a16="http://schemas.microsoft.com/office/drawing/2014/main" id="{C3FDAC78-E37C-4B1F-8875-B4D7E572D255}"/>
-                </a:ext>
-              </a:extLst>
-            </p:cNvPr>
-            <p:cNvSpPr txBox="1"/>
-            <p:nvPr/>
-          </p:nvSpPr>
-          <p:spPr>
-            <a:xfrm>
-              <a:off x="5975590" y="4465858"/>
-              <a:ext cx="445430" cy="276999"/>
-            </a:xfrm>
-            <a:prstGeom prst="rect">
-              <a:avLst/>
-            </a:prstGeom>
-            <a:noFill/>
-          </p:spPr>
-          <p:txBody>
-            <a:bodyPr wrap="square" rtlCol="0">
-              <a:spAutoFit/>
-            </a:bodyPr>
-            <a:lstStyle/>
-            <a:p>
-              <a:r>
-                <a:rPr lang="en-US" altLang="zh-TW" sz="1200" b="1" dirty="0">
-                  <a:latin typeface="Times New Roman" panose="02020603050405020304" pitchFamily="18" charset="0"/>
-                  <a:cs typeface="Times New Roman" panose="02020603050405020304" pitchFamily="18" charset="0"/>
-                </a:rPr>
-                <a:t>3</a:t>
-              </a:r>
-              <a:endParaRPr lang="zh-CN" altLang="en-US" sz="1200" b="1" dirty="0">
-                <a:latin typeface="Times New Roman" panose="02020603050405020304" pitchFamily="18" charset="0"/>
-                <a:cs typeface="Times New Roman" panose="02020603050405020304" pitchFamily="18" charset="0"/>
-              </a:endParaRPr>
-            </a:p>
-          </p:txBody>
-        </p:sp>
-        <p:sp>
-          <p:nvSpPr>
-            <p:cNvPr id="210" name="文本框 209">
-              <a:extLst>
-                <a:ext uri="{FF2B5EF4-FFF2-40B4-BE49-F238E27FC236}">
-                  <a16:creationId xmlns:a16="http://schemas.microsoft.com/office/drawing/2014/main" id="{66E230CA-BB4A-465D-BAE5-045F508C175F}"/>
-                </a:ext>
-              </a:extLst>
-            </p:cNvPr>
-            <p:cNvSpPr txBox="1"/>
-            <p:nvPr/>
-          </p:nvSpPr>
-          <p:spPr>
-            <a:xfrm>
-              <a:off x="5708513" y="3158114"/>
-              <a:ext cx="1078697" cy="276999"/>
-            </a:xfrm>
-            <a:prstGeom prst="rect">
-              <a:avLst/>
-            </a:prstGeom>
-            <a:noFill/>
-          </p:spPr>
-          <p:txBody>
-            <a:bodyPr wrap="square" rtlCol="0">
-              <a:spAutoFit/>
-            </a:bodyPr>
-            <a:lstStyle/>
-            <a:p>
-              <a:r>
-                <a:rPr lang="en-US" altLang="zh-CN" sz="1200" dirty="0" err="1">
-                  <a:latin typeface="Times New Roman" panose="02020603050405020304" pitchFamily="18" charset="0"/>
-                  <a:cs typeface="Times New Roman" panose="02020603050405020304" pitchFamily="18" charset="0"/>
-                </a:rPr>
-                <a:t>BranchSrcB</a:t>
-              </a:r>
-              <a:endParaRPr lang="zh-CN" altLang="en-US" sz="1200" dirty="0">
-                <a:latin typeface="Times New Roman" panose="02020603050405020304" pitchFamily="18" charset="0"/>
-                <a:cs typeface="Times New Roman" panose="02020603050405020304" pitchFamily="18" charset="0"/>
-              </a:endParaRPr>
-            </a:p>
-          </p:txBody>
-        </p:sp>
-      </p:grpSp>
-    </p:spTree>
-    <p:extLst>
-      <p:ext uri="{BB962C8B-B14F-4D97-AF65-F5344CB8AC3E}">
-        <p14:creationId xmlns:p14="http://schemas.microsoft.com/office/powerpoint/2010/main" val="2579515982"/>
-      </p:ext>
-    </p:extLst>
-  </p:cSld>
-  <p:clrMapOvr>
-    <a:masterClrMapping/>
-  </p:clrMapOvr>
-</p:sld>
-</file>
-
-<file path=ppt/slides/slide4.xml><?xml version="1.0" encoding="utf-8"?>
-<p:sld xmlns:a="http://schemas.openxmlformats.org/drawingml/2006/main" xmlns:r="http://schemas.openxmlformats.org/officeDocument/2006/relationships" xmlns:p="http://schemas.openxmlformats.org/presentationml/2006/main">
-  <p:cSld>
-    <p:spTree>
-      <p:nvGrpSpPr>
-        <p:cNvPr id="1" name=""/>
-        <p:cNvGrpSpPr/>
-        <p:nvPr/>
-      </p:nvGrpSpPr>
-      <p:grpSpPr>
-        <a:xfrm>
-          <a:off x="0" y="0"/>
-          <a:ext cx="0" cy="0"/>
-          <a:chOff x="0" y="0"/>
-          <a:chExt cx="0" cy="0"/>
-        </a:xfrm>
-      </p:grpSpPr>
+              </a:rPr>
+              <a:t>branchCmpB</a:t>
+            </a:r>
+            <a:endParaRPr lang="zh-CN" altLang="en-US" sz="1200" dirty="0">
+              <a:latin typeface="Times New Roman" panose="02020603050405020304" pitchFamily="18" charset="0"/>
+              <a:cs typeface="Times New Roman" panose="02020603050405020304" pitchFamily="18" charset="0"/>
+            </a:endParaRPr>
+          </a:p>
+        </p:txBody>
+      </p:sp>
       <p:grpSp>
         <p:nvGrpSpPr>
           <p:cNvPr id="198" name="组合 197">
@@ -15539,12 +15220,110 @@
         </p:nvGrpSpPr>
         <p:grpSpPr>
           <a:xfrm>
-            <a:off x="177800" y="31750"/>
+            <a:off x="-9013613" y="113030"/>
             <a:ext cx="9318463" cy="6810034"/>
             <a:chOff x="177800" y="31750"/>
             <a:chExt cx="9318463" cy="6810034"/>
           </a:xfrm>
         </p:grpSpPr>
+        <p:sp>
+          <p:nvSpPr>
+            <p:cNvPr id="144" name="文本框 143">
+              <a:extLst>
+                <a:ext uri="{FF2B5EF4-FFF2-40B4-BE49-F238E27FC236}">
+                  <a16:creationId xmlns:a16="http://schemas.microsoft.com/office/drawing/2014/main" id="{20D1AFB6-9929-4C14-82C8-17FAF38E0D33}"/>
+                </a:ext>
+              </a:extLst>
+            </p:cNvPr>
+            <p:cNvSpPr txBox="1"/>
+            <p:nvPr/>
+          </p:nvSpPr>
+          <p:spPr>
+            <a:xfrm>
+              <a:off x="4301134" y="67152"/>
+              <a:ext cx="5195129" cy="276999"/>
+            </a:xfrm>
+            <a:prstGeom prst="rect">
+              <a:avLst/>
+            </a:prstGeom>
+            <a:noFill/>
+          </p:spPr>
+          <p:txBody>
+            <a:bodyPr wrap="square" rtlCol="0">
+              <a:spAutoFit/>
+            </a:bodyPr>
+            <a:lstStyle/>
+            <a:p>
+              <a:r>
+                <a:rPr lang="en-US" altLang="zh-TW" sz="1200" dirty="0" err="1">
+                  <a:latin typeface="Times New Roman" panose="02020603050405020304" pitchFamily="18" charset="0"/>
+                  <a:cs typeface="Times New Roman" panose="02020603050405020304" pitchFamily="18" charset="0"/>
+                </a:rPr>
+                <a:t>RegWrite</a:t>
+              </a:r>
+              <a:r>
+                <a:rPr lang="en-US" altLang="zh-TW" sz="1200" dirty="0">
+                  <a:latin typeface="Times New Roman" panose="02020603050405020304" pitchFamily="18" charset="0"/>
+                  <a:cs typeface="Times New Roman" panose="02020603050405020304" pitchFamily="18" charset="0"/>
+                </a:rPr>
+                <a:t>, </a:t>
+              </a:r>
+              <a:r>
+                <a:rPr lang="en-US" altLang="zh-TW" sz="1200" dirty="0" err="1">
+                  <a:latin typeface="Times New Roman" panose="02020603050405020304" pitchFamily="18" charset="0"/>
+                  <a:cs typeface="Times New Roman" panose="02020603050405020304" pitchFamily="18" charset="0"/>
+                </a:rPr>
+                <a:t>MemRead</a:t>
+              </a:r>
+              <a:r>
+                <a:rPr lang="en-US" altLang="zh-TW" sz="1200" dirty="0">
+                  <a:latin typeface="Times New Roman" panose="02020603050405020304" pitchFamily="18" charset="0"/>
+                  <a:cs typeface="Times New Roman" panose="02020603050405020304" pitchFamily="18" charset="0"/>
+                </a:rPr>
+                <a:t>, </a:t>
+              </a:r>
+              <a:r>
+                <a:rPr lang="en-US" altLang="zh-TW" sz="1200" dirty="0" err="1">
+                  <a:latin typeface="Times New Roman" panose="02020603050405020304" pitchFamily="18" charset="0"/>
+                  <a:cs typeface="Times New Roman" panose="02020603050405020304" pitchFamily="18" charset="0"/>
+                </a:rPr>
+                <a:t>MemWrite</a:t>
+              </a:r>
+              <a:r>
+                <a:rPr lang="en-US" altLang="zh-TW" sz="1200" dirty="0">
+                  <a:latin typeface="Times New Roman" panose="02020603050405020304" pitchFamily="18" charset="0"/>
+                  <a:cs typeface="Times New Roman" panose="02020603050405020304" pitchFamily="18" charset="0"/>
+                </a:rPr>
+                <a:t>, </a:t>
+              </a:r>
+              <a:r>
+                <a:rPr lang="en-US" altLang="zh-TW" sz="1200" dirty="0" err="1">
+                  <a:latin typeface="Times New Roman" panose="02020603050405020304" pitchFamily="18" charset="0"/>
+                  <a:cs typeface="Times New Roman" panose="02020603050405020304" pitchFamily="18" charset="0"/>
+                </a:rPr>
+                <a:t>MemtoReg</a:t>
+              </a:r>
+              <a:r>
+                <a:rPr lang="en-US" altLang="zh-TW" sz="1200" dirty="0">
+                  <a:latin typeface="Times New Roman" panose="02020603050405020304" pitchFamily="18" charset="0"/>
+                  <a:cs typeface="Times New Roman" panose="02020603050405020304" pitchFamily="18" charset="0"/>
+                </a:rPr>
+                <a:t>, ALUSrc1, ALUSrc2, </a:t>
+              </a:r>
+              <a:r>
+                <a:rPr lang="en-US" altLang="zh-TW" sz="1200" dirty="0" err="1">
+                  <a:latin typeface="Times New Roman" panose="02020603050405020304" pitchFamily="18" charset="0"/>
+                  <a:cs typeface="Times New Roman" panose="02020603050405020304" pitchFamily="18" charset="0"/>
+                </a:rPr>
+                <a:t>ALUOp</a:t>
+              </a:r>
+              <a:endParaRPr lang="zh-CN" altLang="en-US" sz="1200" dirty="0">
+                <a:latin typeface="Times New Roman" panose="02020603050405020304" pitchFamily="18" charset="0"/>
+                <a:cs typeface="Times New Roman" panose="02020603050405020304" pitchFamily="18" charset="0"/>
+              </a:endParaRPr>
+            </a:p>
+          </p:txBody>
+        </p:sp>
         <p:cxnSp>
           <p:nvCxnSpPr>
             <p:cNvPr id="4" name="直接箭头连接符 3">
@@ -19287,7 +19066,7 @@
           </p:nvSpPr>
           <p:spPr>
             <a:xfrm>
-              <a:off x="4850267" y="4661591"/>
+              <a:off x="7518920" y="4600542"/>
               <a:ext cx="872467" cy="276999"/>
             </a:xfrm>
             <a:prstGeom prst="rect">
@@ -24210,104 +23989,6 @@
         </p:cxnSp>
         <p:sp>
           <p:nvSpPr>
-            <p:cNvPr id="144" name="文本框 143">
-              <a:extLst>
-                <a:ext uri="{FF2B5EF4-FFF2-40B4-BE49-F238E27FC236}">
-                  <a16:creationId xmlns:a16="http://schemas.microsoft.com/office/drawing/2014/main" id="{20D1AFB6-9929-4C14-82C8-17FAF38E0D33}"/>
-                </a:ext>
-              </a:extLst>
-            </p:cNvPr>
-            <p:cNvSpPr txBox="1"/>
-            <p:nvPr/>
-          </p:nvSpPr>
-          <p:spPr>
-            <a:xfrm>
-              <a:off x="4301134" y="67152"/>
-              <a:ext cx="5195129" cy="276999"/>
-            </a:xfrm>
-            <a:prstGeom prst="rect">
-              <a:avLst/>
-            </a:prstGeom>
-            <a:noFill/>
-          </p:spPr>
-          <p:txBody>
-            <a:bodyPr wrap="square" rtlCol="0">
-              <a:spAutoFit/>
-            </a:bodyPr>
-            <a:lstStyle/>
-            <a:p>
-              <a:r>
-                <a:rPr lang="en-US" altLang="zh-TW" sz="1200" dirty="0" err="1">
-                  <a:latin typeface="Times New Roman" panose="02020603050405020304" pitchFamily="18" charset="0"/>
-                  <a:cs typeface="Times New Roman" panose="02020603050405020304" pitchFamily="18" charset="0"/>
-                </a:rPr>
-                <a:t>RegWrite</a:t>
-              </a:r>
-              <a:r>
-                <a:rPr lang="en-US" altLang="zh-TW" sz="1200" dirty="0">
-                  <a:latin typeface="Times New Roman" panose="02020603050405020304" pitchFamily="18" charset="0"/>
-                  <a:cs typeface="Times New Roman" panose="02020603050405020304" pitchFamily="18" charset="0"/>
-                </a:rPr>
-                <a:t>, </a:t>
-              </a:r>
-              <a:r>
-                <a:rPr lang="en-US" altLang="zh-TW" sz="1200" dirty="0" err="1">
-                  <a:latin typeface="Times New Roman" panose="02020603050405020304" pitchFamily="18" charset="0"/>
-                  <a:cs typeface="Times New Roman" panose="02020603050405020304" pitchFamily="18" charset="0"/>
-                </a:rPr>
-                <a:t>MemRead</a:t>
-              </a:r>
-              <a:r>
-                <a:rPr lang="en-US" altLang="zh-TW" sz="1200" dirty="0">
-                  <a:latin typeface="Times New Roman" panose="02020603050405020304" pitchFamily="18" charset="0"/>
-                  <a:cs typeface="Times New Roman" panose="02020603050405020304" pitchFamily="18" charset="0"/>
-                </a:rPr>
-                <a:t>, </a:t>
-              </a:r>
-              <a:r>
-                <a:rPr lang="en-US" altLang="zh-TW" sz="1200" dirty="0" err="1">
-                  <a:latin typeface="Times New Roman" panose="02020603050405020304" pitchFamily="18" charset="0"/>
-                  <a:cs typeface="Times New Roman" panose="02020603050405020304" pitchFamily="18" charset="0"/>
-                </a:rPr>
-                <a:t>MemWrite</a:t>
-              </a:r>
-              <a:r>
-                <a:rPr lang="en-US" altLang="zh-TW" sz="1200" dirty="0">
-                  <a:latin typeface="Times New Roman" panose="02020603050405020304" pitchFamily="18" charset="0"/>
-                  <a:cs typeface="Times New Roman" panose="02020603050405020304" pitchFamily="18" charset="0"/>
-                </a:rPr>
-                <a:t>, </a:t>
-              </a:r>
-              <a:r>
-                <a:rPr lang="en-US" altLang="zh-TW" sz="1200" dirty="0" err="1">
-                  <a:latin typeface="Times New Roman" panose="02020603050405020304" pitchFamily="18" charset="0"/>
-                  <a:cs typeface="Times New Roman" panose="02020603050405020304" pitchFamily="18" charset="0"/>
-                </a:rPr>
-                <a:t>MemtoReg</a:t>
-              </a:r>
-              <a:r>
-                <a:rPr lang="en-US" altLang="zh-TW" sz="1200" dirty="0">
-                  <a:latin typeface="Times New Roman" panose="02020603050405020304" pitchFamily="18" charset="0"/>
-                  <a:cs typeface="Times New Roman" panose="02020603050405020304" pitchFamily="18" charset="0"/>
-                </a:rPr>
-                <a:t>, ALUSrc1, ALUSrc2, </a:t>
-              </a:r>
-              <a:r>
-                <a:rPr lang="en-US" altLang="zh-TW" sz="1200" dirty="0" err="1">
-                  <a:latin typeface="Times New Roman" panose="02020603050405020304" pitchFamily="18" charset="0"/>
-                  <a:cs typeface="Times New Roman" panose="02020603050405020304" pitchFamily="18" charset="0"/>
-                </a:rPr>
-                <a:t>ALUOp</a:t>
-              </a:r>
-              <a:endParaRPr lang="zh-CN" altLang="en-US" sz="1200" dirty="0">
-                <a:latin typeface="Times New Roman" panose="02020603050405020304" pitchFamily="18" charset="0"/>
-                <a:cs typeface="Times New Roman" panose="02020603050405020304" pitchFamily="18" charset="0"/>
-              </a:endParaRPr>
-            </a:p>
-          </p:txBody>
-        </p:sp>
-        <p:sp>
-          <p:nvSpPr>
             <p:cNvPr id="145" name="文本框 144">
               <a:extLst>
                 <a:ext uri="{FF2B5EF4-FFF2-40B4-BE49-F238E27FC236}">
@@ -26736,6 +26417,5043 @@
           </p:txBody>
         </p:sp>
       </p:grpSp>
+      <p:grpSp>
+        <p:nvGrpSpPr>
+          <p:cNvPr id="234" name="组合 233">
+            <a:extLst>
+              <a:ext uri="{FF2B5EF4-FFF2-40B4-BE49-F238E27FC236}">
+                <a16:creationId xmlns:a16="http://schemas.microsoft.com/office/drawing/2014/main" id="{45944736-91D1-497F-B32E-FE4B9FE0FA89}"/>
+              </a:ext>
+            </a:extLst>
+          </p:cNvPr>
+          <p:cNvGrpSpPr/>
+          <p:nvPr/>
+        </p:nvGrpSpPr>
+        <p:grpSpPr>
+          <a:xfrm>
+            <a:off x="1500134" y="1996955"/>
+            <a:ext cx="1078697" cy="1330513"/>
+            <a:chOff x="906084" y="2002933"/>
+            <a:chExt cx="1078697" cy="1330513"/>
+          </a:xfrm>
+        </p:grpSpPr>
+        <p:cxnSp>
+          <p:nvCxnSpPr>
+            <p:cNvPr id="200" name="直接连接符 199">
+              <a:extLst>
+                <a:ext uri="{FF2B5EF4-FFF2-40B4-BE49-F238E27FC236}">
+                  <a16:creationId xmlns:a16="http://schemas.microsoft.com/office/drawing/2014/main" id="{926AA6C6-8FA2-4F3E-A612-E78545F8814B}"/>
+                </a:ext>
+              </a:extLst>
+            </p:cNvPr>
+            <p:cNvCxnSpPr>
+              <a:cxnSpLocks/>
+              <a:endCxn id="201" idx="1"/>
+            </p:cNvCxnSpPr>
+            <p:nvPr/>
+          </p:nvCxnSpPr>
+          <p:spPr>
+            <a:xfrm flipH="1">
+              <a:off x="1222995" y="2364736"/>
+              <a:ext cx="6612" cy="202951"/>
+            </a:xfrm>
+            <a:prstGeom prst="line">
+              <a:avLst/>
+            </a:prstGeom>
+            <a:ln w="9525">
+              <a:solidFill>
+                <a:schemeClr val="tx1"/>
+              </a:solidFill>
+            </a:ln>
+          </p:spPr>
+          <p:style>
+            <a:lnRef idx="1">
+              <a:schemeClr val="accent1"/>
+            </a:lnRef>
+            <a:fillRef idx="0">
+              <a:schemeClr val="accent1"/>
+            </a:fillRef>
+            <a:effectRef idx="0">
+              <a:schemeClr val="accent1"/>
+            </a:effectRef>
+            <a:fontRef idx="minor">
+              <a:schemeClr val="tx1"/>
+            </a:fontRef>
+          </p:style>
+        </p:cxnSp>
+        <p:sp>
+          <p:nvSpPr>
+            <p:cNvPr id="201" name="梯形 200">
+              <a:extLst>
+                <a:ext uri="{FF2B5EF4-FFF2-40B4-BE49-F238E27FC236}">
+                  <a16:creationId xmlns:a16="http://schemas.microsoft.com/office/drawing/2014/main" id="{6235C32D-A1A7-40E1-94FE-F82B224A2960}"/>
+                </a:ext>
+              </a:extLst>
+            </p:cNvPr>
+            <p:cNvSpPr/>
+            <p:nvPr/>
+          </p:nvSpPr>
+          <p:spPr>
+            <a:xfrm rot="5400000">
+              <a:off x="774867" y="2765926"/>
+              <a:ext cx="896256" cy="238783"/>
+            </a:xfrm>
+            <a:prstGeom prst="trapezoid">
+              <a:avLst>
+                <a:gd name="adj" fmla="val 109302"/>
+              </a:avLst>
+            </a:prstGeom>
+            <a:solidFill>
+              <a:schemeClr val="accent4">
+                <a:lumMod val="20000"/>
+                <a:lumOff val="80000"/>
+              </a:schemeClr>
+            </a:solidFill>
+            <a:ln w="12700">
+              <a:solidFill>
+                <a:schemeClr val="tx1"/>
+              </a:solidFill>
+            </a:ln>
+          </p:spPr>
+          <p:style>
+            <a:lnRef idx="2">
+              <a:schemeClr val="accent1">
+                <a:shade val="50000"/>
+              </a:schemeClr>
+            </a:lnRef>
+            <a:fillRef idx="1">
+              <a:schemeClr val="accent1"/>
+            </a:fillRef>
+            <a:effectRef idx="0">
+              <a:schemeClr val="accent1"/>
+            </a:effectRef>
+            <a:fontRef idx="minor">
+              <a:schemeClr val="lt1"/>
+            </a:fontRef>
+          </p:style>
+          <p:txBody>
+            <a:bodyPr rot="0" spcFirstLastPara="0" vertOverflow="overflow" horzOverflow="overflow" vert="horz" wrap="square" lIns="91440" tIns="45720" rIns="91440" bIns="45720" numCol="1" spcCol="0" rtlCol="0" fromWordArt="0" anchor="ctr" anchorCtr="0" forceAA="0" compatLnSpc="1">
+              <a:prstTxWarp prst="textNoShape">
+                <a:avLst/>
+              </a:prstTxWarp>
+              <a:noAutofit/>
+            </a:bodyPr>
+            <a:lstStyle/>
+            <a:p>
+              <a:pPr algn="ctr"/>
+              <a:endParaRPr lang="zh-CN" altLang="en-US"/>
+            </a:p>
+          </p:txBody>
+        </p:sp>
+        <p:sp>
+          <p:nvSpPr>
+            <p:cNvPr id="202" name="矩形: 剪去左右顶角 201">
+              <a:extLst>
+                <a:ext uri="{FF2B5EF4-FFF2-40B4-BE49-F238E27FC236}">
+                  <a16:creationId xmlns:a16="http://schemas.microsoft.com/office/drawing/2014/main" id="{F540A4E0-2A34-4B09-8616-1E23AC461232}"/>
+                </a:ext>
+              </a:extLst>
+            </p:cNvPr>
+            <p:cNvSpPr/>
+            <p:nvPr/>
+          </p:nvSpPr>
+          <p:spPr>
+            <a:xfrm rot="10800000">
+              <a:off x="1172459" y="2281549"/>
+              <a:ext cx="114295" cy="169710"/>
+            </a:xfrm>
+            <a:prstGeom prst="snip2SameRect">
+              <a:avLst>
+                <a:gd name="adj1" fmla="val 50000"/>
+                <a:gd name="adj2" fmla="val 0"/>
+              </a:avLst>
+            </a:prstGeom>
+            <a:solidFill>
+              <a:srgbClr val="FFFF00"/>
+            </a:solidFill>
+            <a:ln w="19050">
+              <a:solidFill>
+                <a:schemeClr val="tx1"/>
+              </a:solidFill>
+            </a:ln>
+          </p:spPr>
+          <p:style>
+            <a:lnRef idx="2">
+              <a:schemeClr val="accent1">
+                <a:shade val="50000"/>
+              </a:schemeClr>
+            </a:lnRef>
+            <a:fillRef idx="1">
+              <a:schemeClr val="accent1"/>
+            </a:fillRef>
+            <a:effectRef idx="0">
+              <a:schemeClr val="accent1"/>
+            </a:effectRef>
+            <a:fontRef idx="minor">
+              <a:schemeClr val="lt1"/>
+            </a:fontRef>
+          </p:style>
+          <p:txBody>
+            <a:bodyPr rot="0" spcFirstLastPara="0" vertOverflow="overflow" horzOverflow="overflow" vert="horz" wrap="square" lIns="91440" tIns="45720" rIns="91440" bIns="45720" numCol="1" spcCol="0" rtlCol="0" fromWordArt="0" anchor="ctr" anchorCtr="0" forceAA="0" compatLnSpc="1">
+              <a:prstTxWarp prst="textNoShape">
+                <a:avLst/>
+              </a:prstTxWarp>
+              <a:noAutofit/>
+            </a:bodyPr>
+            <a:lstStyle/>
+            <a:p>
+              <a:pPr algn="ctr"/>
+              <a:endParaRPr lang="zh-CN" altLang="en-US"/>
+            </a:p>
+          </p:txBody>
+        </p:sp>
+        <p:sp>
+          <p:nvSpPr>
+            <p:cNvPr id="203" name="文本框 202">
+              <a:extLst>
+                <a:ext uri="{FF2B5EF4-FFF2-40B4-BE49-F238E27FC236}">
+                  <a16:creationId xmlns:a16="http://schemas.microsoft.com/office/drawing/2014/main" id="{4313C587-8783-4A68-839D-DF32074D6A1F}"/>
+                </a:ext>
+              </a:extLst>
+            </p:cNvPr>
+            <p:cNvSpPr txBox="1"/>
+            <p:nvPr/>
+          </p:nvSpPr>
+          <p:spPr>
+            <a:xfrm>
+              <a:off x="906084" y="2002933"/>
+              <a:ext cx="1078697" cy="276999"/>
+            </a:xfrm>
+            <a:prstGeom prst="rect">
+              <a:avLst/>
+            </a:prstGeom>
+            <a:noFill/>
+          </p:spPr>
+          <p:txBody>
+            <a:bodyPr wrap="square" rtlCol="0">
+              <a:spAutoFit/>
+            </a:bodyPr>
+            <a:lstStyle/>
+            <a:p>
+              <a:r>
+                <a:rPr lang="en-US" altLang="zh-CN" sz="1200" dirty="0">
+                  <a:latin typeface="Times New Roman" panose="02020603050405020304" pitchFamily="18" charset="0"/>
+                  <a:cs typeface="Times New Roman" panose="02020603050405020304" pitchFamily="18" charset="0"/>
+                </a:rPr>
+                <a:t>Forward1</a:t>
+              </a:r>
+              <a:endParaRPr lang="zh-CN" altLang="en-US" sz="1200" dirty="0">
+                <a:latin typeface="Times New Roman" panose="02020603050405020304" pitchFamily="18" charset="0"/>
+                <a:cs typeface="Times New Roman" panose="02020603050405020304" pitchFamily="18" charset="0"/>
+              </a:endParaRPr>
+            </a:p>
+          </p:txBody>
+        </p:sp>
+        <p:sp>
+          <p:nvSpPr>
+            <p:cNvPr id="207" name="文本框 206">
+              <a:extLst>
+                <a:ext uri="{FF2B5EF4-FFF2-40B4-BE49-F238E27FC236}">
+                  <a16:creationId xmlns:a16="http://schemas.microsoft.com/office/drawing/2014/main" id="{232DC1D7-D698-4EB5-BC91-C67E7B8C4740}"/>
+                </a:ext>
+              </a:extLst>
+            </p:cNvPr>
+            <p:cNvSpPr txBox="1"/>
+            <p:nvPr/>
+          </p:nvSpPr>
+          <p:spPr>
+            <a:xfrm>
+              <a:off x="1064039" y="2522716"/>
+              <a:ext cx="445430" cy="276999"/>
+            </a:xfrm>
+            <a:prstGeom prst="rect">
+              <a:avLst/>
+            </a:prstGeom>
+            <a:noFill/>
+          </p:spPr>
+          <p:txBody>
+            <a:bodyPr wrap="square" rtlCol="0">
+              <a:spAutoFit/>
+            </a:bodyPr>
+            <a:lstStyle/>
+            <a:p>
+              <a:r>
+                <a:rPr lang="en-US" altLang="zh-TW" sz="1200" b="1" dirty="0">
+                  <a:latin typeface="Times New Roman" panose="02020603050405020304" pitchFamily="18" charset="0"/>
+                  <a:cs typeface="Times New Roman" panose="02020603050405020304" pitchFamily="18" charset="0"/>
+                </a:rPr>
+                <a:t>0</a:t>
+              </a:r>
+              <a:endParaRPr lang="zh-CN" altLang="en-US" sz="1200" b="1" dirty="0">
+                <a:latin typeface="Times New Roman" panose="02020603050405020304" pitchFamily="18" charset="0"/>
+                <a:cs typeface="Times New Roman" panose="02020603050405020304" pitchFamily="18" charset="0"/>
+              </a:endParaRPr>
+            </a:p>
+          </p:txBody>
+        </p:sp>
+        <p:sp>
+          <p:nvSpPr>
+            <p:cNvPr id="208" name="文本框 207">
+              <a:extLst>
+                <a:ext uri="{FF2B5EF4-FFF2-40B4-BE49-F238E27FC236}">
+                  <a16:creationId xmlns:a16="http://schemas.microsoft.com/office/drawing/2014/main" id="{B75BC7AF-10AC-40B7-B691-98D4892C8927}"/>
+                </a:ext>
+              </a:extLst>
+            </p:cNvPr>
+            <p:cNvSpPr txBox="1"/>
+            <p:nvPr/>
+          </p:nvSpPr>
+          <p:spPr>
+            <a:xfrm>
+              <a:off x="1064039" y="2744993"/>
+              <a:ext cx="445430" cy="276999"/>
+            </a:xfrm>
+            <a:prstGeom prst="rect">
+              <a:avLst/>
+            </a:prstGeom>
+            <a:noFill/>
+          </p:spPr>
+          <p:txBody>
+            <a:bodyPr wrap="square" rtlCol="0">
+              <a:spAutoFit/>
+            </a:bodyPr>
+            <a:lstStyle/>
+            <a:p>
+              <a:r>
+                <a:rPr lang="en-US" altLang="zh-TW" sz="1200" b="1" dirty="0">
+                  <a:latin typeface="Times New Roman" panose="02020603050405020304" pitchFamily="18" charset="0"/>
+                  <a:cs typeface="Times New Roman" panose="02020603050405020304" pitchFamily="18" charset="0"/>
+                </a:rPr>
+                <a:t>1</a:t>
+              </a:r>
+              <a:endParaRPr lang="zh-CN" altLang="en-US" sz="1200" b="1" dirty="0">
+                <a:latin typeface="Times New Roman" panose="02020603050405020304" pitchFamily="18" charset="0"/>
+                <a:cs typeface="Times New Roman" panose="02020603050405020304" pitchFamily="18" charset="0"/>
+              </a:endParaRPr>
+            </a:p>
+          </p:txBody>
+        </p:sp>
+        <p:sp>
+          <p:nvSpPr>
+            <p:cNvPr id="209" name="文本框 208">
+              <a:extLst>
+                <a:ext uri="{FF2B5EF4-FFF2-40B4-BE49-F238E27FC236}">
+                  <a16:creationId xmlns:a16="http://schemas.microsoft.com/office/drawing/2014/main" id="{9D4BAD45-D517-4E9B-9035-D411CD3ACAD2}"/>
+                </a:ext>
+              </a:extLst>
+            </p:cNvPr>
+            <p:cNvSpPr txBox="1"/>
+            <p:nvPr/>
+          </p:nvSpPr>
+          <p:spPr>
+            <a:xfrm>
+              <a:off x="1064039" y="2967510"/>
+              <a:ext cx="445430" cy="276999"/>
+            </a:xfrm>
+            <a:prstGeom prst="rect">
+              <a:avLst/>
+            </a:prstGeom>
+            <a:noFill/>
+          </p:spPr>
+          <p:txBody>
+            <a:bodyPr wrap="square" rtlCol="0">
+              <a:spAutoFit/>
+            </a:bodyPr>
+            <a:lstStyle/>
+            <a:p>
+              <a:r>
+                <a:rPr lang="en-US" altLang="zh-TW" sz="1200" b="1" dirty="0">
+                  <a:latin typeface="Times New Roman" panose="02020603050405020304" pitchFamily="18" charset="0"/>
+                  <a:cs typeface="Times New Roman" panose="02020603050405020304" pitchFamily="18" charset="0"/>
+                </a:rPr>
+                <a:t>2</a:t>
+              </a:r>
+              <a:endParaRPr lang="zh-CN" altLang="en-US" sz="1200" b="1" dirty="0">
+                <a:latin typeface="Times New Roman" panose="02020603050405020304" pitchFamily="18" charset="0"/>
+                <a:cs typeface="Times New Roman" panose="02020603050405020304" pitchFamily="18" charset="0"/>
+              </a:endParaRPr>
+            </a:p>
+          </p:txBody>
+        </p:sp>
+      </p:grpSp>
+      <p:grpSp>
+        <p:nvGrpSpPr>
+          <p:cNvPr id="240" name="组合 239">
+            <a:extLst>
+              <a:ext uri="{FF2B5EF4-FFF2-40B4-BE49-F238E27FC236}">
+                <a16:creationId xmlns:a16="http://schemas.microsoft.com/office/drawing/2014/main" id="{B6CD5A30-265D-4F92-9C3F-FD689D0286E5}"/>
+              </a:ext>
+            </a:extLst>
+          </p:cNvPr>
+          <p:cNvGrpSpPr/>
+          <p:nvPr/>
+        </p:nvGrpSpPr>
+        <p:grpSpPr>
+          <a:xfrm>
+            <a:off x="1501304" y="3523739"/>
+            <a:ext cx="888816" cy="1394069"/>
+            <a:chOff x="902345" y="3497386"/>
+            <a:chExt cx="888816" cy="1467501"/>
+          </a:xfrm>
+        </p:grpSpPr>
+        <p:sp>
+          <p:nvSpPr>
+            <p:cNvPr id="204" name="梯形 203">
+              <a:extLst>
+                <a:ext uri="{FF2B5EF4-FFF2-40B4-BE49-F238E27FC236}">
+                  <a16:creationId xmlns:a16="http://schemas.microsoft.com/office/drawing/2014/main" id="{B1E2C1D4-2AEA-4C8F-9302-B8D48050A05B}"/>
+                </a:ext>
+              </a:extLst>
+            </p:cNvPr>
+            <p:cNvSpPr/>
+            <p:nvPr/>
+          </p:nvSpPr>
+          <p:spPr>
+            <a:xfrm rot="5400000">
+              <a:off x="777273" y="4401144"/>
+              <a:ext cx="892176" cy="235309"/>
+            </a:xfrm>
+            <a:prstGeom prst="trapezoid">
+              <a:avLst>
+                <a:gd name="adj" fmla="val 109302"/>
+              </a:avLst>
+            </a:prstGeom>
+            <a:solidFill>
+              <a:schemeClr val="accent4">
+                <a:lumMod val="20000"/>
+                <a:lumOff val="80000"/>
+              </a:schemeClr>
+            </a:solidFill>
+            <a:ln w="12700">
+              <a:solidFill>
+                <a:schemeClr val="tx1"/>
+              </a:solidFill>
+            </a:ln>
+          </p:spPr>
+          <p:style>
+            <a:lnRef idx="2">
+              <a:schemeClr val="accent1">
+                <a:shade val="50000"/>
+              </a:schemeClr>
+            </a:lnRef>
+            <a:fillRef idx="1">
+              <a:schemeClr val="accent1"/>
+            </a:fillRef>
+            <a:effectRef idx="0">
+              <a:schemeClr val="accent1"/>
+            </a:effectRef>
+            <a:fontRef idx="minor">
+              <a:schemeClr val="lt1"/>
+            </a:fontRef>
+          </p:style>
+          <p:txBody>
+            <a:bodyPr rot="0" spcFirstLastPara="0" vertOverflow="overflow" horzOverflow="overflow" vert="horz" wrap="square" lIns="91440" tIns="45720" rIns="91440" bIns="45720" numCol="1" spcCol="0" rtlCol="0" fromWordArt="0" anchor="ctr" anchorCtr="0" forceAA="0" compatLnSpc="1">
+              <a:prstTxWarp prst="textNoShape">
+                <a:avLst/>
+              </a:prstTxWarp>
+              <a:noAutofit/>
+            </a:bodyPr>
+            <a:lstStyle/>
+            <a:p>
+              <a:pPr algn="ctr"/>
+              <a:endParaRPr lang="zh-CN" altLang="en-US"/>
+            </a:p>
+          </p:txBody>
+        </p:sp>
+        <p:sp>
+          <p:nvSpPr>
+            <p:cNvPr id="205" name="矩形: 剪去左右顶角 204">
+              <a:extLst>
+                <a:ext uri="{FF2B5EF4-FFF2-40B4-BE49-F238E27FC236}">
+                  <a16:creationId xmlns:a16="http://schemas.microsoft.com/office/drawing/2014/main" id="{B0964F90-43B0-4BDE-A8A3-44C697986BEE}"/>
+                </a:ext>
+              </a:extLst>
+            </p:cNvPr>
+            <p:cNvSpPr/>
+            <p:nvPr/>
+          </p:nvSpPr>
+          <p:spPr>
+            <a:xfrm rot="10800000">
+              <a:off x="1174562" y="3764323"/>
+              <a:ext cx="114295" cy="169710"/>
+            </a:xfrm>
+            <a:prstGeom prst="snip2SameRect">
+              <a:avLst>
+                <a:gd name="adj1" fmla="val 50000"/>
+                <a:gd name="adj2" fmla="val 0"/>
+              </a:avLst>
+            </a:prstGeom>
+            <a:solidFill>
+              <a:srgbClr val="FFFF00"/>
+            </a:solidFill>
+            <a:ln w="19050">
+              <a:solidFill>
+                <a:schemeClr val="tx1"/>
+              </a:solidFill>
+            </a:ln>
+          </p:spPr>
+          <p:style>
+            <a:lnRef idx="2">
+              <a:schemeClr val="accent1">
+                <a:shade val="50000"/>
+              </a:schemeClr>
+            </a:lnRef>
+            <a:fillRef idx="1">
+              <a:schemeClr val="accent1"/>
+            </a:fillRef>
+            <a:effectRef idx="0">
+              <a:schemeClr val="accent1"/>
+            </a:effectRef>
+            <a:fontRef idx="minor">
+              <a:schemeClr val="lt1"/>
+            </a:fontRef>
+          </p:style>
+          <p:txBody>
+            <a:bodyPr rot="0" spcFirstLastPara="0" vertOverflow="overflow" horzOverflow="overflow" vert="horz" wrap="square" lIns="91440" tIns="45720" rIns="91440" bIns="45720" numCol="1" spcCol="0" rtlCol="0" fromWordArt="0" anchor="ctr" anchorCtr="0" forceAA="0" compatLnSpc="1">
+              <a:prstTxWarp prst="textNoShape">
+                <a:avLst/>
+              </a:prstTxWarp>
+              <a:noAutofit/>
+            </a:bodyPr>
+            <a:lstStyle/>
+            <a:p>
+              <a:pPr algn="ctr"/>
+              <a:endParaRPr lang="zh-CN" altLang="en-US"/>
+            </a:p>
+          </p:txBody>
+        </p:sp>
+        <p:cxnSp>
+          <p:nvCxnSpPr>
+            <p:cNvPr id="206" name="直接连接符 205">
+              <a:extLst>
+                <a:ext uri="{FF2B5EF4-FFF2-40B4-BE49-F238E27FC236}">
+                  <a16:creationId xmlns:a16="http://schemas.microsoft.com/office/drawing/2014/main" id="{2EB103B4-7303-48D7-8DF8-B84D3BB24AD6}"/>
+                </a:ext>
+              </a:extLst>
+            </p:cNvPr>
+            <p:cNvCxnSpPr>
+              <a:cxnSpLocks/>
+              <a:stCxn id="205" idx="3"/>
+              <a:endCxn id="204" idx="1"/>
+            </p:cNvCxnSpPr>
+            <p:nvPr/>
+          </p:nvCxnSpPr>
+          <p:spPr>
+            <a:xfrm flipH="1">
+              <a:off x="1223361" y="3934033"/>
+              <a:ext cx="8348" cy="267277"/>
+            </a:xfrm>
+            <a:prstGeom prst="line">
+              <a:avLst/>
+            </a:prstGeom>
+            <a:ln w="9525">
+              <a:solidFill>
+                <a:schemeClr val="tx1"/>
+              </a:solidFill>
+            </a:ln>
+          </p:spPr>
+          <p:style>
+            <a:lnRef idx="1">
+              <a:schemeClr val="accent1"/>
+            </a:lnRef>
+            <a:fillRef idx="0">
+              <a:schemeClr val="accent1"/>
+            </a:fillRef>
+            <a:effectRef idx="0">
+              <a:schemeClr val="accent1"/>
+            </a:effectRef>
+            <a:fontRef idx="minor">
+              <a:schemeClr val="tx1"/>
+            </a:fontRef>
+          </p:style>
+        </p:cxnSp>
+        <p:sp>
+          <p:nvSpPr>
+            <p:cNvPr id="211" name="文本框 210">
+              <a:extLst>
+                <a:ext uri="{FF2B5EF4-FFF2-40B4-BE49-F238E27FC236}">
+                  <a16:creationId xmlns:a16="http://schemas.microsoft.com/office/drawing/2014/main" id="{DDEBC7AC-6A06-4910-9102-CA72762B8A36}"/>
+                </a:ext>
+              </a:extLst>
+            </p:cNvPr>
+            <p:cNvSpPr txBox="1"/>
+            <p:nvPr/>
+          </p:nvSpPr>
+          <p:spPr>
+            <a:xfrm>
+              <a:off x="1055298" y="4151613"/>
+              <a:ext cx="445430" cy="276999"/>
+            </a:xfrm>
+            <a:prstGeom prst="rect">
+              <a:avLst/>
+            </a:prstGeom>
+            <a:noFill/>
+          </p:spPr>
+          <p:txBody>
+            <a:bodyPr wrap="square" rtlCol="0">
+              <a:spAutoFit/>
+            </a:bodyPr>
+            <a:lstStyle/>
+            <a:p>
+              <a:r>
+                <a:rPr lang="en-US" altLang="zh-TW" sz="1200" b="1" dirty="0">
+                  <a:latin typeface="Times New Roman" panose="02020603050405020304" pitchFamily="18" charset="0"/>
+                  <a:cs typeface="Times New Roman" panose="02020603050405020304" pitchFamily="18" charset="0"/>
+                </a:rPr>
+                <a:t>0</a:t>
+              </a:r>
+              <a:endParaRPr lang="zh-CN" altLang="en-US" sz="1200" b="1" dirty="0">
+                <a:latin typeface="Times New Roman" panose="02020603050405020304" pitchFamily="18" charset="0"/>
+                <a:cs typeface="Times New Roman" panose="02020603050405020304" pitchFamily="18" charset="0"/>
+              </a:endParaRPr>
+            </a:p>
+          </p:txBody>
+        </p:sp>
+        <p:sp>
+          <p:nvSpPr>
+            <p:cNvPr id="212" name="文本框 211">
+              <a:extLst>
+                <a:ext uri="{FF2B5EF4-FFF2-40B4-BE49-F238E27FC236}">
+                  <a16:creationId xmlns:a16="http://schemas.microsoft.com/office/drawing/2014/main" id="{EA4D838E-D307-49DE-8A95-47878E00C42E}"/>
+                </a:ext>
+              </a:extLst>
+            </p:cNvPr>
+            <p:cNvSpPr txBox="1"/>
+            <p:nvPr/>
+          </p:nvSpPr>
+          <p:spPr>
+            <a:xfrm>
+              <a:off x="1055298" y="4373890"/>
+              <a:ext cx="445430" cy="276999"/>
+            </a:xfrm>
+            <a:prstGeom prst="rect">
+              <a:avLst/>
+            </a:prstGeom>
+            <a:noFill/>
+          </p:spPr>
+          <p:txBody>
+            <a:bodyPr wrap="square" rtlCol="0">
+              <a:spAutoFit/>
+            </a:bodyPr>
+            <a:lstStyle/>
+            <a:p>
+              <a:r>
+                <a:rPr lang="en-US" altLang="zh-TW" sz="1200" b="1" dirty="0">
+                  <a:latin typeface="Times New Roman" panose="02020603050405020304" pitchFamily="18" charset="0"/>
+                  <a:cs typeface="Times New Roman" panose="02020603050405020304" pitchFamily="18" charset="0"/>
+                </a:rPr>
+                <a:t>1</a:t>
+              </a:r>
+              <a:endParaRPr lang="zh-CN" altLang="en-US" sz="1200" b="1" dirty="0">
+                <a:latin typeface="Times New Roman" panose="02020603050405020304" pitchFamily="18" charset="0"/>
+                <a:cs typeface="Times New Roman" panose="02020603050405020304" pitchFamily="18" charset="0"/>
+              </a:endParaRPr>
+            </a:p>
+          </p:txBody>
+        </p:sp>
+        <p:sp>
+          <p:nvSpPr>
+            <p:cNvPr id="213" name="文本框 212">
+              <a:extLst>
+                <a:ext uri="{FF2B5EF4-FFF2-40B4-BE49-F238E27FC236}">
+                  <a16:creationId xmlns:a16="http://schemas.microsoft.com/office/drawing/2014/main" id="{BC69F8A2-E71C-4B02-AF3E-E611E05167E9}"/>
+                </a:ext>
+              </a:extLst>
+            </p:cNvPr>
+            <p:cNvSpPr txBox="1"/>
+            <p:nvPr/>
+          </p:nvSpPr>
+          <p:spPr>
+            <a:xfrm>
+              <a:off x="1055298" y="4596407"/>
+              <a:ext cx="445430" cy="276999"/>
+            </a:xfrm>
+            <a:prstGeom prst="rect">
+              <a:avLst/>
+            </a:prstGeom>
+            <a:noFill/>
+          </p:spPr>
+          <p:txBody>
+            <a:bodyPr wrap="square" rtlCol="0">
+              <a:spAutoFit/>
+            </a:bodyPr>
+            <a:lstStyle/>
+            <a:p>
+              <a:r>
+                <a:rPr lang="en-US" altLang="zh-TW" sz="1200" b="1" dirty="0">
+                  <a:latin typeface="Times New Roman" panose="02020603050405020304" pitchFamily="18" charset="0"/>
+                  <a:cs typeface="Times New Roman" panose="02020603050405020304" pitchFamily="18" charset="0"/>
+                </a:rPr>
+                <a:t>2</a:t>
+              </a:r>
+              <a:endParaRPr lang="zh-CN" altLang="en-US" sz="1200" b="1" dirty="0">
+                <a:latin typeface="Times New Roman" panose="02020603050405020304" pitchFamily="18" charset="0"/>
+                <a:cs typeface="Times New Roman" panose="02020603050405020304" pitchFamily="18" charset="0"/>
+              </a:endParaRPr>
+            </a:p>
+          </p:txBody>
+        </p:sp>
+        <p:sp>
+          <p:nvSpPr>
+            <p:cNvPr id="215" name="文本框 214">
+              <a:extLst>
+                <a:ext uri="{FF2B5EF4-FFF2-40B4-BE49-F238E27FC236}">
+                  <a16:creationId xmlns:a16="http://schemas.microsoft.com/office/drawing/2014/main" id="{D017EFDF-F824-4234-BF68-CA0ABAAA5249}"/>
+                </a:ext>
+              </a:extLst>
+            </p:cNvPr>
+            <p:cNvSpPr txBox="1"/>
+            <p:nvPr/>
+          </p:nvSpPr>
+          <p:spPr>
+            <a:xfrm>
+              <a:off x="902345" y="3497386"/>
+              <a:ext cx="888816" cy="276999"/>
+            </a:xfrm>
+            <a:prstGeom prst="rect">
+              <a:avLst/>
+            </a:prstGeom>
+            <a:noFill/>
+          </p:spPr>
+          <p:txBody>
+            <a:bodyPr wrap="square" rtlCol="0">
+              <a:spAutoFit/>
+            </a:bodyPr>
+            <a:lstStyle/>
+            <a:p>
+              <a:r>
+                <a:rPr lang="en-US" altLang="zh-CN" sz="1200" dirty="0">
+                  <a:latin typeface="Times New Roman" panose="02020603050405020304" pitchFamily="18" charset="0"/>
+                  <a:cs typeface="Times New Roman" panose="02020603050405020304" pitchFamily="18" charset="0"/>
+                </a:rPr>
+                <a:t>Forward2</a:t>
+              </a:r>
+              <a:endParaRPr lang="zh-CN" altLang="en-US" sz="1200" dirty="0">
+                <a:latin typeface="Times New Roman" panose="02020603050405020304" pitchFamily="18" charset="0"/>
+                <a:cs typeface="Times New Roman" panose="02020603050405020304" pitchFamily="18" charset="0"/>
+              </a:endParaRPr>
+            </a:p>
+          </p:txBody>
+        </p:sp>
+      </p:grpSp>
+      <p:sp>
+        <p:nvSpPr>
+          <p:cNvPr id="216" name="文本框 215">
+            <a:extLst>
+              <a:ext uri="{FF2B5EF4-FFF2-40B4-BE49-F238E27FC236}">
+                <a16:creationId xmlns:a16="http://schemas.microsoft.com/office/drawing/2014/main" id="{F4547368-0D86-479A-951C-60EAC5188C16}"/>
+              </a:ext>
+            </a:extLst>
+          </p:cNvPr>
+          <p:cNvSpPr txBox="1"/>
+          <p:nvPr/>
+        </p:nvSpPr>
+        <p:spPr>
+          <a:xfrm>
+            <a:off x="246013" y="144247"/>
+            <a:ext cx="3100573" cy="276999"/>
+          </a:xfrm>
+          <a:prstGeom prst="rect">
+            <a:avLst/>
+          </a:prstGeom>
+          <a:noFill/>
+        </p:spPr>
+        <p:txBody>
+          <a:bodyPr wrap="square" rtlCol="0">
+            <a:spAutoFit/>
+          </a:bodyPr>
+          <a:lstStyle/>
+          <a:p>
+            <a:r>
+              <a:rPr lang="en-US" altLang="zh-TW" sz="1200" dirty="0" err="1">
+                <a:latin typeface="Times New Roman" panose="02020603050405020304" pitchFamily="18" charset="0"/>
+                <a:cs typeface="Times New Roman" panose="02020603050405020304" pitchFamily="18" charset="0"/>
+              </a:rPr>
+              <a:t>RegWrite</a:t>
+            </a:r>
+            <a:r>
+              <a:rPr lang="en-US" altLang="zh-TW" sz="1200" dirty="0">
+                <a:latin typeface="Times New Roman" panose="02020603050405020304" pitchFamily="18" charset="0"/>
+                <a:cs typeface="Times New Roman" panose="02020603050405020304" pitchFamily="18" charset="0"/>
+              </a:rPr>
+              <a:t>, </a:t>
+            </a:r>
+            <a:r>
+              <a:rPr lang="en-US" altLang="zh-TW" sz="1200" dirty="0" err="1">
+                <a:latin typeface="Times New Roman" panose="02020603050405020304" pitchFamily="18" charset="0"/>
+                <a:cs typeface="Times New Roman" panose="02020603050405020304" pitchFamily="18" charset="0"/>
+              </a:rPr>
+              <a:t>MemRead</a:t>
+            </a:r>
+            <a:r>
+              <a:rPr lang="en-US" altLang="zh-TW" sz="1200" dirty="0">
+                <a:latin typeface="Times New Roman" panose="02020603050405020304" pitchFamily="18" charset="0"/>
+                <a:cs typeface="Times New Roman" panose="02020603050405020304" pitchFamily="18" charset="0"/>
+              </a:rPr>
+              <a:t>, </a:t>
+            </a:r>
+            <a:r>
+              <a:rPr lang="en-US" altLang="zh-TW" sz="1200" dirty="0" err="1">
+                <a:latin typeface="Times New Roman" panose="02020603050405020304" pitchFamily="18" charset="0"/>
+                <a:cs typeface="Times New Roman" panose="02020603050405020304" pitchFamily="18" charset="0"/>
+              </a:rPr>
+              <a:t>MemWrite</a:t>
+            </a:r>
+            <a:r>
+              <a:rPr lang="en-US" altLang="zh-TW" sz="1200" dirty="0">
+                <a:latin typeface="Times New Roman" panose="02020603050405020304" pitchFamily="18" charset="0"/>
+                <a:cs typeface="Times New Roman" panose="02020603050405020304" pitchFamily="18" charset="0"/>
+              </a:rPr>
+              <a:t>, </a:t>
+            </a:r>
+            <a:r>
+              <a:rPr lang="en-US" altLang="zh-TW" sz="1200" dirty="0" err="1">
+                <a:latin typeface="Times New Roman" panose="02020603050405020304" pitchFamily="18" charset="0"/>
+                <a:cs typeface="Times New Roman" panose="02020603050405020304" pitchFamily="18" charset="0"/>
+              </a:rPr>
+              <a:t>MemtoReg</a:t>
+            </a:r>
+            <a:endParaRPr lang="zh-CN" altLang="en-US" sz="1200" dirty="0">
+              <a:latin typeface="Times New Roman" panose="02020603050405020304" pitchFamily="18" charset="0"/>
+              <a:cs typeface="Times New Roman" panose="02020603050405020304" pitchFamily="18" charset="0"/>
+            </a:endParaRPr>
+          </a:p>
+        </p:txBody>
+      </p:sp>
+      <p:cxnSp>
+        <p:nvCxnSpPr>
+          <p:cNvPr id="217" name="直接箭头连接符 216">
+            <a:extLst>
+              <a:ext uri="{FF2B5EF4-FFF2-40B4-BE49-F238E27FC236}">
+                <a16:creationId xmlns:a16="http://schemas.microsoft.com/office/drawing/2014/main" id="{A2CC11FD-5548-49A8-9AFF-256D26660813}"/>
+              </a:ext>
+            </a:extLst>
+          </p:cNvPr>
+          <p:cNvCxnSpPr>
+            <a:cxnSpLocks/>
+          </p:cNvCxnSpPr>
+          <p:nvPr/>
+        </p:nvCxnSpPr>
+        <p:spPr>
+          <a:xfrm>
+            <a:off x="236984" y="422868"/>
+            <a:ext cx="4726048" cy="920"/>
+          </a:xfrm>
+          <a:prstGeom prst="straightConnector1">
+            <a:avLst/>
+          </a:prstGeom>
+          <a:ln w="28575">
+            <a:solidFill>
+              <a:schemeClr val="tx1"/>
+            </a:solidFill>
+            <a:tailEnd type="triangle"/>
+          </a:ln>
+        </p:spPr>
+        <p:style>
+          <a:lnRef idx="1">
+            <a:schemeClr val="accent1"/>
+          </a:lnRef>
+          <a:fillRef idx="0">
+            <a:schemeClr val="accent1"/>
+          </a:fillRef>
+          <a:effectRef idx="0">
+            <a:schemeClr val="accent1"/>
+          </a:effectRef>
+          <a:fontRef idx="minor">
+            <a:schemeClr val="tx1"/>
+          </a:fontRef>
+        </p:style>
+      </p:cxnSp>
+      <p:cxnSp>
+        <p:nvCxnSpPr>
+          <p:cNvPr id="218" name="直接箭头连接符 217">
+            <a:extLst>
+              <a:ext uri="{FF2B5EF4-FFF2-40B4-BE49-F238E27FC236}">
+                <a16:creationId xmlns:a16="http://schemas.microsoft.com/office/drawing/2014/main" id="{5BB861C4-7BBB-42B2-AE46-43162CDC888B}"/>
+              </a:ext>
+            </a:extLst>
+          </p:cNvPr>
+          <p:cNvCxnSpPr>
+            <a:cxnSpLocks/>
+          </p:cNvCxnSpPr>
+          <p:nvPr/>
+        </p:nvCxnSpPr>
+        <p:spPr>
+          <a:xfrm flipV="1">
+            <a:off x="239423" y="1360924"/>
+            <a:ext cx="4708336" cy="10260"/>
+          </a:xfrm>
+          <a:prstGeom prst="straightConnector1">
+            <a:avLst/>
+          </a:prstGeom>
+          <a:ln w="19050">
+            <a:solidFill>
+              <a:schemeClr val="tx1"/>
+            </a:solidFill>
+            <a:tailEnd type="triangle"/>
+          </a:ln>
+        </p:spPr>
+        <p:style>
+          <a:lnRef idx="1">
+            <a:schemeClr val="accent1"/>
+          </a:lnRef>
+          <a:fillRef idx="0">
+            <a:schemeClr val="accent1"/>
+          </a:fillRef>
+          <a:effectRef idx="0">
+            <a:schemeClr val="accent1"/>
+          </a:effectRef>
+          <a:fontRef idx="minor">
+            <a:schemeClr val="tx1"/>
+          </a:fontRef>
+        </p:style>
+      </p:cxnSp>
+      <p:sp>
+        <p:nvSpPr>
+          <p:cNvPr id="219" name="文本框 218">
+            <a:extLst>
+              <a:ext uri="{FF2B5EF4-FFF2-40B4-BE49-F238E27FC236}">
+                <a16:creationId xmlns:a16="http://schemas.microsoft.com/office/drawing/2014/main" id="{99E09DD4-3952-463C-8BBE-525FCB462493}"/>
+              </a:ext>
+            </a:extLst>
+          </p:cNvPr>
+          <p:cNvSpPr txBox="1"/>
+          <p:nvPr/>
+        </p:nvSpPr>
+        <p:spPr>
+          <a:xfrm>
+            <a:off x="263690" y="1074544"/>
+            <a:ext cx="1078697" cy="276999"/>
+          </a:xfrm>
+          <a:prstGeom prst="rect">
+            <a:avLst/>
+          </a:prstGeom>
+          <a:noFill/>
+        </p:spPr>
+        <p:txBody>
+          <a:bodyPr wrap="square" rtlCol="0">
+            <a:spAutoFit/>
+          </a:bodyPr>
+          <a:lstStyle/>
+          <a:p>
+            <a:r>
+              <a:rPr lang="en-US" altLang="zh-CN" sz="1200" dirty="0" err="1">
+                <a:latin typeface="Times New Roman" panose="02020603050405020304" pitchFamily="18" charset="0"/>
+                <a:cs typeface="Times New Roman" panose="02020603050405020304" pitchFamily="18" charset="0"/>
+              </a:rPr>
+              <a:t>RegDest</a:t>
+            </a:r>
+            <a:endParaRPr lang="zh-CN" altLang="en-US" sz="1200" dirty="0">
+              <a:latin typeface="Times New Roman" panose="02020603050405020304" pitchFamily="18" charset="0"/>
+              <a:cs typeface="Times New Roman" panose="02020603050405020304" pitchFamily="18" charset="0"/>
+            </a:endParaRPr>
+          </a:p>
+        </p:txBody>
+      </p:sp>
+      <p:cxnSp>
+        <p:nvCxnSpPr>
+          <p:cNvPr id="220" name="直接箭头连接符 219">
+            <a:extLst>
+              <a:ext uri="{FF2B5EF4-FFF2-40B4-BE49-F238E27FC236}">
+                <a16:creationId xmlns:a16="http://schemas.microsoft.com/office/drawing/2014/main" id="{666635AF-D631-491D-BAF4-B74E90685215}"/>
+              </a:ext>
+            </a:extLst>
+          </p:cNvPr>
+          <p:cNvCxnSpPr>
+            <a:cxnSpLocks/>
+          </p:cNvCxnSpPr>
+          <p:nvPr/>
+        </p:nvCxnSpPr>
+        <p:spPr>
+          <a:xfrm flipV="1">
+            <a:off x="236984" y="2668693"/>
+            <a:ext cx="1463123" cy="5853"/>
+          </a:xfrm>
+          <a:prstGeom prst="straightConnector1">
+            <a:avLst/>
+          </a:prstGeom>
+          <a:ln w="28575">
+            <a:solidFill>
+              <a:schemeClr val="tx1"/>
+            </a:solidFill>
+            <a:tailEnd type="triangle"/>
+          </a:ln>
+        </p:spPr>
+        <p:style>
+          <a:lnRef idx="1">
+            <a:schemeClr val="accent1"/>
+          </a:lnRef>
+          <a:fillRef idx="0">
+            <a:schemeClr val="accent1"/>
+          </a:fillRef>
+          <a:effectRef idx="0">
+            <a:schemeClr val="accent1"/>
+          </a:effectRef>
+          <a:fontRef idx="minor">
+            <a:schemeClr val="tx1"/>
+          </a:fontRef>
+        </p:style>
+      </p:cxnSp>
+      <p:sp>
+        <p:nvSpPr>
+          <p:cNvPr id="224" name="文本框 223">
+            <a:extLst>
+              <a:ext uri="{FF2B5EF4-FFF2-40B4-BE49-F238E27FC236}">
+                <a16:creationId xmlns:a16="http://schemas.microsoft.com/office/drawing/2014/main" id="{0AE856A9-7277-46B0-9752-264E3FFCD447}"/>
+              </a:ext>
+            </a:extLst>
+          </p:cNvPr>
+          <p:cNvSpPr txBox="1"/>
+          <p:nvPr/>
+        </p:nvSpPr>
+        <p:spPr>
+          <a:xfrm>
+            <a:off x="382626" y="2419374"/>
+            <a:ext cx="1078697" cy="276999"/>
+          </a:xfrm>
+          <a:prstGeom prst="rect">
+            <a:avLst/>
+          </a:prstGeom>
+          <a:noFill/>
+        </p:spPr>
+        <p:txBody>
+          <a:bodyPr wrap="square" rtlCol="0">
+            <a:spAutoFit/>
+          </a:bodyPr>
+          <a:lstStyle/>
+          <a:p>
+            <a:r>
+              <a:rPr lang="en-US" altLang="zh-CN" sz="1200" dirty="0" err="1">
+                <a:latin typeface="Times New Roman" panose="02020603050405020304" pitchFamily="18" charset="0"/>
+                <a:cs typeface="Times New Roman" panose="02020603050405020304" pitchFamily="18" charset="0"/>
+              </a:rPr>
+              <a:t>branchCmpA</a:t>
+            </a:r>
+            <a:endParaRPr lang="zh-CN" altLang="en-US" sz="1200" dirty="0">
+              <a:latin typeface="Times New Roman" panose="02020603050405020304" pitchFamily="18" charset="0"/>
+              <a:cs typeface="Times New Roman" panose="02020603050405020304" pitchFamily="18" charset="0"/>
+            </a:endParaRPr>
+          </a:p>
+        </p:txBody>
+      </p:sp>
+      <p:cxnSp>
+        <p:nvCxnSpPr>
+          <p:cNvPr id="225" name="直接箭头连接符 224">
+            <a:extLst>
+              <a:ext uri="{FF2B5EF4-FFF2-40B4-BE49-F238E27FC236}">
+                <a16:creationId xmlns:a16="http://schemas.microsoft.com/office/drawing/2014/main" id="{714983AF-DC90-482A-B80C-9021EB508141}"/>
+              </a:ext>
+            </a:extLst>
+          </p:cNvPr>
+          <p:cNvCxnSpPr>
+            <a:cxnSpLocks/>
+          </p:cNvCxnSpPr>
+          <p:nvPr/>
+        </p:nvCxnSpPr>
+        <p:spPr>
+          <a:xfrm flipV="1">
+            <a:off x="246013" y="4328160"/>
+            <a:ext cx="1454094" cy="4168"/>
+          </a:xfrm>
+          <a:prstGeom prst="straightConnector1">
+            <a:avLst/>
+          </a:prstGeom>
+          <a:ln w="28575">
+            <a:solidFill>
+              <a:schemeClr val="tx1"/>
+            </a:solidFill>
+            <a:tailEnd type="triangle"/>
+          </a:ln>
+        </p:spPr>
+        <p:style>
+          <a:lnRef idx="1">
+            <a:schemeClr val="accent1"/>
+          </a:lnRef>
+          <a:fillRef idx="0">
+            <a:schemeClr val="accent1"/>
+          </a:fillRef>
+          <a:effectRef idx="0">
+            <a:schemeClr val="accent1"/>
+          </a:effectRef>
+          <a:fontRef idx="minor">
+            <a:schemeClr val="tx1"/>
+          </a:fontRef>
+        </p:style>
+      </p:cxnSp>
+      <p:grpSp>
+        <p:nvGrpSpPr>
+          <p:cNvPr id="235" name="组合 234">
+            <a:extLst>
+              <a:ext uri="{FF2B5EF4-FFF2-40B4-BE49-F238E27FC236}">
+                <a16:creationId xmlns:a16="http://schemas.microsoft.com/office/drawing/2014/main" id="{27166C71-AA45-40E9-8A3E-7F711236F059}"/>
+              </a:ext>
+            </a:extLst>
+          </p:cNvPr>
+          <p:cNvGrpSpPr/>
+          <p:nvPr/>
+        </p:nvGrpSpPr>
+        <p:grpSpPr>
+          <a:xfrm>
+            <a:off x="171327" y="2746007"/>
+            <a:ext cx="1534532" cy="261610"/>
+            <a:chOff x="2792642" y="3214375"/>
+            <a:chExt cx="1534532" cy="261610"/>
+          </a:xfrm>
+        </p:grpSpPr>
+        <p:sp>
+          <p:nvSpPr>
+            <p:cNvPr id="231" name="文本框 230">
+              <a:extLst>
+                <a:ext uri="{FF2B5EF4-FFF2-40B4-BE49-F238E27FC236}">
+                  <a16:creationId xmlns:a16="http://schemas.microsoft.com/office/drawing/2014/main" id="{C9096BCE-BF70-45B4-BC44-5C0A29648ACC}"/>
+                </a:ext>
+              </a:extLst>
+            </p:cNvPr>
+            <p:cNvSpPr txBox="1"/>
+            <p:nvPr/>
+          </p:nvSpPr>
+          <p:spPr>
+            <a:xfrm>
+              <a:off x="2792642" y="3214375"/>
+              <a:ext cx="1254342" cy="261610"/>
+            </a:xfrm>
+            <a:prstGeom prst="rect">
+              <a:avLst/>
+            </a:prstGeom>
+            <a:noFill/>
+          </p:spPr>
+          <p:txBody>
+            <a:bodyPr wrap="square" rtlCol="0">
+              <a:spAutoFit/>
+            </a:bodyPr>
+            <a:lstStyle/>
+            <a:p>
+              <a:r>
+                <a:rPr lang="en-US" altLang="zh-CN" sz="1100" dirty="0" err="1">
+                  <a:latin typeface="Times New Roman" panose="02020603050405020304" pitchFamily="18" charset="0"/>
+                  <a:cs typeface="Times New Roman" panose="02020603050405020304" pitchFamily="18" charset="0"/>
+                </a:rPr>
+                <a:t>MEMForwardSrc</a:t>
+              </a:r>
+              <a:endParaRPr lang="zh-CN" altLang="en-US" sz="1100" dirty="0">
+                <a:latin typeface="Times New Roman" panose="02020603050405020304" pitchFamily="18" charset="0"/>
+                <a:cs typeface="Times New Roman" panose="02020603050405020304" pitchFamily="18" charset="0"/>
+              </a:endParaRPr>
+            </a:p>
+          </p:txBody>
+        </p:sp>
+        <p:sp>
+          <p:nvSpPr>
+            <p:cNvPr id="232" name="矩形: 剪去左右顶角 231">
+              <a:extLst>
+                <a:ext uri="{FF2B5EF4-FFF2-40B4-BE49-F238E27FC236}">
+                  <a16:creationId xmlns:a16="http://schemas.microsoft.com/office/drawing/2014/main" id="{D0F52B0C-306B-4737-B380-00CEE81B80EC}"/>
+                </a:ext>
+              </a:extLst>
+            </p:cNvPr>
+            <p:cNvSpPr/>
+            <p:nvPr/>
+          </p:nvSpPr>
+          <p:spPr>
+            <a:xfrm rot="5400000">
+              <a:off x="3975773" y="3256908"/>
+              <a:ext cx="114295" cy="169710"/>
+            </a:xfrm>
+            <a:prstGeom prst="snip2SameRect">
+              <a:avLst>
+                <a:gd name="adj1" fmla="val 50000"/>
+                <a:gd name="adj2" fmla="val 0"/>
+              </a:avLst>
+            </a:prstGeom>
+            <a:solidFill>
+              <a:schemeClr val="accent1">
+                <a:lumMod val="20000"/>
+                <a:lumOff val="80000"/>
+              </a:schemeClr>
+            </a:solidFill>
+            <a:ln w="19050">
+              <a:solidFill>
+                <a:schemeClr val="tx1"/>
+              </a:solidFill>
+            </a:ln>
+          </p:spPr>
+          <p:style>
+            <a:lnRef idx="2">
+              <a:schemeClr val="accent1">
+                <a:shade val="50000"/>
+              </a:schemeClr>
+            </a:lnRef>
+            <a:fillRef idx="1">
+              <a:schemeClr val="accent1"/>
+            </a:fillRef>
+            <a:effectRef idx="0">
+              <a:schemeClr val="accent1"/>
+            </a:effectRef>
+            <a:fontRef idx="minor">
+              <a:schemeClr val="lt1"/>
+            </a:fontRef>
+          </p:style>
+          <p:txBody>
+            <a:bodyPr rot="0" spcFirstLastPara="0" vertOverflow="overflow" horzOverflow="overflow" vert="horz" wrap="square" lIns="91440" tIns="45720" rIns="91440" bIns="45720" numCol="1" spcCol="0" rtlCol="0" fromWordArt="0" anchor="ctr" anchorCtr="0" forceAA="0" compatLnSpc="1">
+              <a:prstTxWarp prst="textNoShape">
+                <a:avLst/>
+              </a:prstTxWarp>
+              <a:noAutofit/>
+            </a:bodyPr>
+            <a:lstStyle/>
+            <a:p>
+              <a:pPr algn="ctr"/>
+              <a:endParaRPr lang="zh-CN" altLang="en-US"/>
+            </a:p>
+          </p:txBody>
+        </p:sp>
+        <p:cxnSp>
+          <p:nvCxnSpPr>
+            <p:cNvPr id="233" name="直接箭头连接符 232">
+              <a:extLst>
+                <a:ext uri="{FF2B5EF4-FFF2-40B4-BE49-F238E27FC236}">
+                  <a16:creationId xmlns:a16="http://schemas.microsoft.com/office/drawing/2014/main" id="{831C27F2-34D5-4BF8-88B4-88CE0F8920EA}"/>
+                </a:ext>
+              </a:extLst>
+            </p:cNvPr>
+            <p:cNvCxnSpPr>
+              <a:cxnSpLocks/>
+            </p:cNvCxnSpPr>
+            <p:nvPr/>
+          </p:nvCxnSpPr>
+          <p:spPr>
+            <a:xfrm>
+              <a:off x="4091738" y="3339185"/>
+              <a:ext cx="235436" cy="798"/>
+            </a:xfrm>
+            <a:prstGeom prst="straightConnector1">
+              <a:avLst/>
+            </a:prstGeom>
+            <a:ln w="28575">
+              <a:solidFill>
+                <a:schemeClr val="accent5">
+                  <a:lumMod val="40000"/>
+                  <a:lumOff val="60000"/>
+                </a:schemeClr>
+              </a:solidFill>
+              <a:tailEnd type="triangle"/>
+            </a:ln>
+          </p:spPr>
+          <p:style>
+            <a:lnRef idx="1">
+              <a:schemeClr val="accent1"/>
+            </a:lnRef>
+            <a:fillRef idx="0">
+              <a:schemeClr val="accent1"/>
+            </a:fillRef>
+            <a:effectRef idx="0">
+              <a:schemeClr val="accent1"/>
+            </a:effectRef>
+            <a:fontRef idx="minor">
+              <a:schemeClr val="tx1"/>
+            </a:fontRef>
+          </p:style>
+        </p:cxnSp>
+      </p:grpSp>
+      <p:sp>
+        <p:nvSpPr>
+          <p:cNvPr id="237" name="矩形: 剪去左右顶角 236">
+            <a:extLst>
+              <a:ext uri="{FF2B5EF4-FFF2-40B4-BE49-F238E27FC236}">
+                <a16:creationId xmlns:a16="http://schemas.microsoft.com/office/drawing/2014/main" id="{A673A5EE-3E74-4B4C-8F30-8A5FFA23FF11}"/>
+              </a:ext>
+            </a:extLst>
+          </p:cNvPr>
+          <p:cNvSpPr/>
+          <p:nvPr/>
+        </p:nvSpPr>
+        <p:spPr>
+          <a:xfrm rot="5400000">
+            <a:off x="1205711" y="3045132"/>
+            <a:ext cx="114295" cy="169710"/>
+          </a:xfrm>
+          <a:prstGeom prst="snip2SameRect">
+            <a:avLst>
+              <a:gd name="adj1" fmla="val 50000"/>
+              <a:gd name="adj2" fmla="val 0"/>
+            </a:avLst>
+          </a:prstGeom>
+          <a:solidFill>
+            <a:schemeClr val="accent1">
+              <a:lumMod val="20000"/>
+              <a:lumOff val="80000"/>
+            </a:schemeClr>
+          </a:solidFill>
+          <a:ln w="19050">
+            <a:solidFill>
+              <a:schemeClr val="tx1"/>
+            </a:solidFill>
+          </a:ln>
+        </p:spPr>
+        <p:style>
+          <a:lnRef idx="2">
+            <a:schemeClr val="accent1">
+              <a:shade val="50000"/>
+            </a:schemeClr>
+          </a:lnRef>
+          <a:fillRef idx="1">
+            <a:schemeClr val="accent1"/>
+          </a:fillRef>
+          <a:effectRef idx="0">
+            <a:schemeClr val="accent1"/>
+          </a:effectRef>
+          <a:fontRef idx="minor">
+            <a:schemeClr val="lt1"/>
+          </a:fontRef>
+        </p:style>
+        <p:txBody>
+          <a:bodyPr rot="0" spcFirstLastPara="0" vertOverflow="overflow" horzOverflow="overflow" vert="horz" wrap="square" lIns="91440" tIns="45720" rIns="91440" bIns="45720" numCol="1" spcCol="0" rtlCol="0" fromWordArt="0" anchor="ctr" anchorCtr="0" forceAA="0" compatLnSpc="1">
+            <a:prstTxWarp prst="textNoShape">
+              <a:avLst/>
+            </a:prstTxWarp>
+            <a:noAutofit/>
+          </a:bodyPr>
+          <a:lstStyle/>
+          <a:p>
+            <a:pPr algn="ctr"/>
+            <a:endParaRPr lang="zh-CN" altLang="en-US"/>
+          </a:p>
+        </p:txBody>
+      </p:sp>
+      <p:sp>
+        <p:nvSpPr>
+          <p:cNvPr id="238" name="文本框 237">
+            <a:extLst>
+              <a:ext uri="{FF2B5EF4-FFF2-40B4-BE49-F238E27FC236}">
+                <a16:creationId xmlns:a16="http://schemas.microsoft.com/office/drawing/2014/main" id="{5CD0C8DE-80AF-4E35-9A6D-F1DDCE0ED942}"/>
+              </a:ext>
+            </a:extLst>
+          </p:cNvPr>
+          <p:cNvSpPr txBox="1"/>
+          <p:nvPr/>
+        </p:nvSpPr>
+        <p:spPr>
+          <a:xfrm>
+            <a:off x="164039" y="3001637"/>
+            <a:ext cx="1101717" cy="261610"/>
+          </a:xfrm>
+          <a:prstGeom prst="rect">
+            <a:avLst/>
+          </a:prstGeom>
+          <a:noFill/>
+        </p:spPr>
+        <p:txBody>
+          <a:bodyPr wrap="square" rtlCol="0">
+            <a:spAutoFit/>
+          </a:bodyPr>
+          <a:lstStyle/>
+          <a:p>
+            <a:r>
+              <a:rPr lang="en-US" altLang="zh-CN" sz="1100" dirty="0" err="1">
+                <a:latin typeface="Times New Roman" panose="02020603050405020304" pitchFamily="18" charset="0"/>
+                <a:cs typeface="Times New Roman" panose="02020603050405020304" pitchFamily="18" charset="0"/>
+              </a:rPr>
+              <a:t>WBForwardSrc</a:t>
+            </a:r>
+            <a:endParaRPr lang="zh-CN" altLang="en-US" sz="1100" dirty="0">
+              <a:latin typeface="Times New Roman" panose="02020603050405020304" pitchFamily="18" charset="0"/>
+              <a:cs typeface="Times New Roman" panose="02020603050405020304" pitchFamily="18" charset="0"/>
+            </a:endParaRPr>
+          </a:p>
+        </p:txBody>
+      </p:sp>
+      <p:cxnSp>
+        <p:nvCxnSpPr>
+          <p:cNvPr id="239" name="直接箭头连接符 238">
+            <a:extLst>
+              <a:ext uri="{FF2B5EF4-FFF2-40B4-BE49-F238E27FC236}">
+                <a16:creationId xmlns:a16="http://schemas.microsoft.com/office/drawing/2014/main" id="{B738E354-1F6A-4B6B-ACD6-9645C184BCD8}"/>
+              </a:ext>
+            </a:extLst>
+          </p:cNvPr>
+          <p:cNvCxnSpPr>
+            <a:cxnSpLocks/>
+            <a:stCxn id="237" idx="3"/>
+          </p:cNvCxnSpPr>
+          <p:nvPr/>
+        </p:nvCxnSpPr>
+        <p:spPr>
+          <a:xfrm flipV="1">
+            <a:off x="1347714" y="3128544"/>
+            <a:ext cx="340116" cy="1444"/>
+          </a:xfrm>
+          <a:prstGeom prst="straightConnector1">
+            <a:avLst/>
+          </a:prstGeom>
+          <a:ln w="28575">
+            <a:solidFill>
+              <a:schemeClr val="accent5">
+                <a:lumMod val="60000"/>
+                <a:lumOff val="40000"/>
+              </a:schemeClr>
+            </a:solidFill>
+            <a:tailEnd type="triangle"/>
+          </a:ln>
+        </p:spPr>
+        <p:style>
+          <a:lnRef idx="1">
+            <a:schemeClr val="accent1"/>
+          </a:lnRef>
+          <a:fillRef idx="0">
+            <a:schemeClr val="accent1"/>
+          </a:fillRef>
+          <a:effectRef idx="0">
+            <a:schemeClr val="accent1"/>
+          </a:effectRef>
+          <a:fontRef idx="minor">
+            <a:schemeClr val="tx1"/>
+          </a:fontRef>
+        </p:style>
+      </p:cxnSp>
+      <p:sp>
+        <p:nvSpPr>
+          <p:cNvPr id="244" name="梯形 243">
+            <a:extLst>
+              <a:ext uri="{FF2B5EF4-FFF2-40B4-BE49-F238E27FC236}">
+                <a16:creationId xmlns:a16="http://schemas.microsoft.com/office/drawing/2014/main" id="{3856D804-B28C-4F6F-8309-94424D6CD126}"/>
+              </a:ext>
+            </a:extLst>
+          </p:cNvPr>
+          <p:cNvSpPr/>
+          <p:nvPr/>
+        </p:nvSpPr>
+        <p:spPr>
+          <a:xfrm rot="5400000">
+            <a:off x="2322785" y="2841476"/>
+            <a:ext cx="580753" cy="328819"/>
+          </a:xfrm>
+          <a:prstGeom prst="trapezoid">
+            <a:avLst>
+              <a:gd name="adj" fmla="val 43788"/>
+            </a:avLst>
+          </a:prstGeom>
+          <a:solidFill>
+            <a:schemeClr val="accent4">
+              <a:lumMod val="20000"/>
+              <a:lumOff val="80000"/>
+            </a:schemeClr>
+          </a:solidFill>
+          <a:ln w="12700">
+            <a:solidFill>
+              <a:schemeClr val="tx1"/>
+            </a:solidFill>
+          </a:ln>
+        </p:spPr>
+        <p:style>
+          <a:lnRef idx="2">
+            <a:schemeClr val="accent1">
+              <a:shade val="50000"/>
+            </a:schemeClr>
+          </a:lnRef>
+          <a:fillRef idx="1">
+            <a:schemeClr val="accent1"/>
+          </a:fillRef>
+          <a:effectRef idx="0">
+            <a:schemeClr val="accent1"/>
+          </a:effectRef>
+          <a:fontRef idx="minor">
+            <a:schemeClr val="lt1"/>
+          </a:fontRef>
+        </p:style>
+        <p:txBody>
+          <a:bodyPr rot="0" spcFirstLastPara="0" vertOverflow="overflow" horzOverflow="overflow" vert="horz" wrap="square" lIns="91440" tIns="45720" rIns="91440" bIns="45720" numCol="1" spcCol="0" rtlCol="0" fromWordArt="0" anchor="ctr" anchorCtr="0" forceAA="0" compatLnSpc="1">
+            <a:prstTxWarp prst="textNoShape">
+              <a:avLst/>
+            </a:prstTxWarp>
+            <a:noAutofit/>
+          </a:bodyPr>
+          <a:lstStyle/>
+          <a:p>
+            <a:pPr algn="ctr"/>
+            <a:endParaRPr lang="zh-CN" altLang="en-US"/>
+          </a:p>
+        </p:txBody>
+      </p:sp>
+      <p:sp>
+        <p:nvSpPr>
+          <p:cNvPr id="245" name="文本框 244">
+            <a:extLst>
+              <a:ext uri="{FF2B5EF4-FFF2-40B4-BE49-F238E27FC236}">
+                <a16:creationId xmlns:a16="http://schemas.microsoft.com/office/drawing/2014/main" id="{AF313B95-7D96-47C1-9DCA-083C08521460}"/>
+              </a:ext>
+            </a:extLst>
+          </p:cNvPr>
+          <p:cNvSpPr txBox="1"/>
+          <p:nvPr/>
+        </p:nvSpPr>
+        <p:spPr>
+          <a:xfrm>
+            <a:off x="2422150" y="2769719"/>
+            <a:ext cx="445430" cy="276999"/>
+          </a:xfrm>
+          <a:prstGeom prst="rect">
+            <a:avLst/>
+          </a:prstGeom>
+          <a:noFill/>
+        </p:spPr>
+        <p:txBody>
+          <a:bodyPr wrap="square" rtlCol="0">
+            <a:spAutoFit/>
+          </a:bodyPr>
+          <a:lstStyle/>
+          <a:p>
+            <a:r>
+              <a:rPr lang="en-US" altLang="zh-TW" sz="1200" b="1" dirty="0">
+                <a:latin typeface="Times New Roman" panose="02020603050405020304" pitchFamily="18" charset="0"/>
+                <a:cs typeface="Times New Roman" panose="02020603050405020304" pitchFamily="18" charset="0"/>
+              </a:rPr>
+              <a:t>0</a:t>
+            </a:r>
+            <a:endParaRPr lang="zh-CN" altLang="en-US" sz="1200" b="1" dirty="0">
+              <a:latin typeface="Times New Roman" panose="02020603050405020304" pitchFamily="18" charset="0"/>
+              <a:cs typeface="Times New Roman" panose="02020603050405020304" pitchFamily="18" charset="0"/>
+            </a:endParaRPr>
+          </a:p>
+        </p:txBody>
+      </p:sp>
+      <p:sp>
+        <p:nvSpPr>
+          <p:cNvPr id="246" name="文本框 245">
+            <a:extLst>
+              <a:ext uri="{FF2B5EF4-FFF2-40B4-BE49-F238E27FC236}">
+                <a16:creationId xmlns:a16="http://schemas.microsoft.com/office/drawing/2014/main" id="{E4CA73C6-9BD0-40BC-99F1-A5B66F18AFC1}"/>
+              </a:ext>
+            </a:extLst>
+          </p:cNvPr>
+          <p:cNvSpPr txBox="1"/>
+          <p:nvPr/>
+        </p:nvSpPr>
+        <p:spPr>
+          <a:xfrm>
+            <a:off x="2422150" y="2999795"/>
+            <a:ext cx="445430" cy="276999"/>
+          </a:xfrm>
+          <a:prstGeom prst="rect">
+            <a:avLst/>
+          </a:prstGeom>
+          <a:noFill/>
+        </p:spPr>
+        <p:txBody>
+          <a:bodyPr wrap="square" rtlCol="0">
+            <a:spAutoFit/>
+          </a:bodyPr>
+          <a:lstStyle/>
+          <a:p>
+            <a:r>
+              <a:rPr lang="en-US" altLang="zh-TW" sz="1200" b="1" dirty="0">
+                <a:latin typeface="Times New Roman" panose="02020603050405020304" pitchFamily="18" charset="0"/>
+                <a:cs typeface="Times New Roman" panose="02020603050405020304" pitchFamily="18" charset="0"/>
+              </a:rPr>
+              <a:t>1</a:t>
+            </a:r>
+            <a:endParaRPr lang="zh-CN" altLang="en-US" sz="1200" b="1" dirty="0">
+              <a:latin typeface="Times New Roman" panose="02020603050405020304" pitchFamily="18" charset="0"/>
+              <a:cs typeface="Times New Roman" panose="02020603050405020304" pitchFamily="18" charset="0"/>
+            </a:endParaRPr>
+          </a:p>
+        </p:txBody>
+      </p:sp>
+      <p:cxnSp>
+        <p:nvCxnSpPr>
+          <p:cNvPr id="247" name="直接箭头连接符 246">
+            <a:extLst>
+              <a:ext uri="{FF2B5EF4-FFF2-40B4-BE49-F238E27FC236}">
+                <a16:creationId xmlns:a16="http://schemas.microsoft.com/office/drawing/2014/main" id="{3B912555-A458-4F6F-A64A-65AEF546E053}"/>
+              </a:ext>
+            </a:extLst>
+          </p:cNvPr>
+          <p:cNvCxnSpPr>
+            <a:cxnSpLocks/>
+          </p:cNvCxnSpPr>
+          <p:nvPr/>
+        </p:nvCxnSpPr>
+        <p:spPr>
+          <a:xfrm>
+            <a:off x="1936437" y="2894800"/>
+            <a:ext cx="515510" cy="4187"/>
+          </a:xfrm>
+          <a:prstGeom prst="straightConnector1">
+            <a:avLst/>
+          </a:prstGeom>
+          <a:ln w="28575">
+            <a:solidFill>
+              <a:schemeClr val="tx1"/>
+            </a:solidFill>
+            <a:tailEnd type="triangle"/>
+          </a:ln>
+        </p:spPr>
+        <p:style>
+          <a:lnRef idx="1">
+            <a:schemeClr val="accent1"/>
+          </a:lnRef>
+          <a:fillRef idx="0">
+            <a:schemeClr val="accent1"/>
+          </a:fillRef>
+          <a:effectRef idx="0">
+            <a:schemeClr val="accent1"/>
+          </a:effectRef>
+          <a:fontRef idx="minor">
+            <a:schemeClr val="tx1"/>
+          </a:fontRef>
+        </p:style>
+      </p:cxnSp>
+      <p:sp>
+        <p:nvSpPr>
+          <p:cNvPr id="250" name="文本框 249">
+            <a:extLst>
+              <a:ext uri="{FF2B5EF4-FFF2-40B4-BE49-F238E27FC236}">
+                <a16:creationId xmlns:a16="http://schemas.microsoft.com/office/drawing/2014/main" id="{7D7CE8C7-31B4-47E6-90C8-3928273E1120}"/>
+              </a:ext>
+            </a:extLst>
+          </p:cNvPr>
+          <p:cNvSpPr txBox="1"/>
+          <p:nvPr/>
+        </p:nvSpPr>
+        <p:spPr>
+          <a:xfrm>
+            <a:off x="2416004" y="4351863"/>
+            <a:ext cx="445430" cy="276999"/>
+          </a:xfrm>
+          <a:prstGeom prst="rect">
+            <a:avLst/>
+          </a:prstGeom>
+          <a:noFill/>
+        </p:spPr>
+        <p:txBody>
+          <a:bodyPr wrap="square" rtlCol="0">
+            <a:spAutoFit/>
+          </a:bodyPr>
+          <a:lstStyle/>
+          <a:p>
+            <a:r>
+              <a:rPr lang="en-US" altLang="zh-TW" sz="1200" b="1" dirty="0">
+                <a:latin typeface="Times New Roman" panose="02020603050405020304" pitchFamily="18" charset="0"/>
+                <a:cs typeface="Times New Roman" panose="02020603050405020304" pitchFamily="18" charset="0"/>
+              </a:rPr>
+              <a:t>0</a:t>
+            </a:r>
+            <a:endParaRPr lang="zh-CN" altLang="en-US" sz="1200" b="1" dirty="0">
+              <a:latin typeface="Times New Roman" panose="02020603050405020304" pitchFamily="18" charset="0"/>
+              <a:cs typeface="Times New Roman" panose="02020603050405020304" pitchFamily="18" charset="0"/>
+            </a:endParaRPr>
+          </a:p>
+        </p:txBody>
+      </p:sp>
+      <p:sp>
+        <p:nvSpPr>
+          <p:cNvPr id="251" name="文本框 250">
+            <a:extLst>
+              <a:ext uri="{FF2B5EF4-FFF2-40B4-BE49-F238E27FC236}">
+                <a16:creationId xmlns:a16="http://schemas.microsoft.com/office/drawing/2014/main" id="{07779596-B90E-40A3-B56F-71FD8985D23B}"/>
+              </a:ext>
+            </a:extLst>
+          </p:cNvPr>
+          <p:cNvSpPr txBox="1"/>
+          <p:nvPr/>
+        </p:nvSpPr>
+        <p:spPr>
+          <a:xfrm>
+            <a:off x="2416004" y="4806882"/>
+            <a:ext cx="445430" cy="276999"/>
+          </a:xfrm>
+          <a:prstGeom prst="rect">
+            <a:avLst/>
+          </a:prstGeom>
+          <a:noFill/>
+        </p:spPr>
+        <p:txBody>
+          <a:bodyPr wrap="square" rtlCol="0">
+            <a:spAutoFit/>
+          </a:bodyPr>
+          <a:lstStyle/>
+          <a:p>
+            <a:r>
+              <a:rPr lang="en-US" altLang="zh-TW" sz="1200" b="1" dirty="0">
+                <a:latin typeface="Times New Roman" panose="02020603050405020304" pitchFamily="18" charset="0"/>
+                <a:cs typeface="Times New Roman" panose="02020603050405020304" pitchFamily="18" charset="0"/>
+              </a:rPr>
+              <a:t>1</a:t>
+            </a:r>
+            <a:endParaRPr lang="zh-CN" altLang="en-US" sz="1200" b="1" dirty="0">
+              <a:latin typeface="Times New Roman" panose="02020603050405020304" pitchFamily="18" charset="0"/>
+              <a:cs typeface="Times New Roman" panose="02020603050405020304" pitchFamily="18" charset="0"/>
+            </a:endParaRPr>
+          </a:p>
+        </p:txBody>
+      </p:sp>
+      <p:cxnSp>
+        <p:nvCxnSpPr>
+          <p:cNvPr id="252" name="直接箭头连接符 251">
+            <a:extLst>
+              <a:ext uri="{FF2B5EF4-FFF2-40B4-BE49-F238E27FC236}">
+                <a16:creationId xmlns:a16="http://schemas.microsoft.com/office/drawing/2014/main" id="{1D1F416A-F707-46A2-8AAA-16CAC760AE3B}"/>
+              </a:ext>
+            </a:extLst>
+          </p:cNvPr>
+          <p:cNvCxnSpPr>
+            <a:cxnSpLocks/>
+          </p:cNvCxnSpPr>
+          <p:nvPr/>
+        </p:nvCxnSpPr>
+        <p:spPr>
+          <a:xfrm>
+            <a:off x="1936437" y="4497935"/>
+            <a:ext cx="515510" cy="4187"/>
+          </a:xfrm>
+          <a:prstGeom prst="straightConnector1">
+            <a:avLst/>
+          </a:prstGeom>
+          <a:ln w="28575">
+            <a:solidFill>
+              <a:schemeClr val="tx1"/>
+            </a:solidFill>
+            <a:tailEnd type="triangle"/>
+          </a:ln>
+        </p:spPr>
+        <p:style>
+          <a:lnRef idx="1">
+            <a:schemeClr val="accent1"/>
+          </a:lnRef>
+          <a:fillRef idx="0">
+            <a:schemeClr val="accent1"/>
+          </a:fillRef>
+          <a:effectRef idx="0">
+            <a:schemeClr val="accent1"/>
+          </a:effectRef>
+          <a:fontRef idx="minor">
+            <a:schemeClr val="tx1"/>
+          </a:fontRef>
+        </p:style>
+      </p:cxnSp>
+      <p:cxnSp>
+        <p:nvCxnSpPr>
+          <p:cNvPr id="253" name="直接箭头连接符 252">
+            <a:extLst>
+              <a:ext uri="{FF2B5EF4-FFF2-40B4-BE49-F238E27FC236}">
+                <a16:creationId xmlns:a16="http://schemas.microsoft.com/office/drawing/2014/main" id="{DA39E6CE-83EF-4D1B-B469-B94B15E80EC3}"/>
+              </a:ext>
+            </a:extLst>
+          </p:cNvPr>
+          <p:cNvCxnSpPr>
+            <a:cxnSpLocks/>
+          </p:cNvCxnSpPr>
+          <p:nvPr/>
+        </p:nvCxnSpPr>
+        <p:spPr>
+          <a:xfrm flipV="1">
+            <a:off x="240427" y="4944533"/>
+            <a:ext cx="2204746" cy="17117"/>
+          </a:xfrm>
+          <a:prstGeom prst="straightConnector1">
+            <a:avLst/>
+          </a:prstGeom>
+          <a:ln w="28575">
+            <a:solidFill>
+              <a:schemeClr val="tx1"/>
+            </a:solidFill>
+            <a:tailEnd type="triangle"/>
+          </a:ln>
+        </p:spPr>
+        <p:style>
+          <a:lnRef idx="1">
+            <a:schemeClr val="accent1"/>
+          </a:lnRef>
+          <a:fillRef idx="0">
+            <a:schemeClr val="accent1"/>
+          </a:fillRef>
+          <a:effectRef idx="0">
+            <a:schemeClr val="accent1"/>
+          </a:effectRef>
+          <a:fontRef idx="minor">
+            <a:schemeClr val="tx1"/>
+          </a:fontRef>
+        </p:style>
+      </p:cxnSp>
+      <p:sp>
+        <p:nvSpPr>
+          <p:cNvPr id="255" name="文本框 254">
+            <a:extLst>
+              <a:ext uri="{FF2B5EF4-FFF2-40B4-BE49-F238E27FC236}">
+                <a16:creationId xmlns:a16="http://schemas.microsoft.com/office/drawing/2014/main" id="{7E977932-3E34-4017-B24F-28E91FCF6CB5}"/>
+              </a:ext>
+            </a:extLst>
+          </p:cNvPr>
+          <p:cNvSpPr txBox="1"/>
+          <p:nvPr/>
+        </p:nvSpPr>
+        <p:spPr>
+          <a:xfrm>
+            <a:off x="394510" y="4718123"/>
+            <a:ext cx="872467" cy="276999"/>
+          </a:xfrm>
+          <a:prstGeom prst="rect">
+            <a:avLst/>
+          </a:prstGeom>
+          <a:noFill/>
+        </p:spPr>
+        <p:txBody>
+          <a:bodyPr wrap="square" rtlCol="0">
+            <a:spAutoFit/>
+          </a:bodyPr>
+          <a:lstStyle/>
+          <a:p>
+            <a:r>
+              <a:rPr lang="en-US" altLang="zh-TW" sz="1200" dirty="0">
+                <a:latin typeface="Times New Roman" panose="02020603050405020304" pitchFamily="18" charset="0"/>
+                <a:cs typeface="Times New Roman" panose="02020603050405020304" pitchFamily="18" charset="0"/>
+              </a:rPr>
+              <a:t>Imm32</a:t>
+            </a:r>
+            <a:endParaRPr lang="zh-CN" altLang="en-US" sz="1200" dirty="0">
+              <a:latin typeface="Times New Roman" panose="02020603050405020304" pitchFamily="18" charset="0"/>
+              <a:cs typeface="Times New Roman" panose="02020603050405020304" pitchFamily="18" charset="0"/>
+            </a:endParaRPr>
+          </a:p>
+        </p:txBody>
+      </p:sp>
+      <p:sp>
+        <p:nvSpPr>
+          <p:cNvPr id="259" name="矩形 258">
+            <a:extLst>
+              <a:ext uri="{FF2B5EF4-FFF2-40B4-BE49-F238E27FC236}">
+                <a16:creationId xmlns:a16="http://schemas.microsoft.com/office/drawing/2014/main" id="{AFF98F88-29C7-4B0C-8520-8C06AB04A26C}"/>
+              </a:ext>
+            </a:extLst>
+          </p:cNvPr>
+          <p:cNvSpPr/>
+          <p:nvPr/>
+        </p:nvSpPr>
+        <p:spPr>
+          <a:xfrm>
+            <a:off x="266756" y="506215"/>
+            <a:ext cx="2020810" cy="276999"/>
+          </a:xfrm>
+          <a:prstGeom prst="rect">
+            <a:avLst/>
+          </a:prstGeom>
+        </p:spPr>
+        <p:txBody>
+          <a:bodyPr wrap="none">
+            <a:spAutoFit/>
+          </a:bodyPr>
+          <a:lstStyle/>
+          <a:p>
+            <a:r>
+              <a:rPr lang="en-US" altLang="zh-TW" sz="1200" dirty="0">
+                <a:latin typeface="Times New Roman" panose="02020603050405020304" pitchFamily="18" charset="0"/>
+                <a:cs typeface="Times New Roman" panose="02020603050405020304" pitchFamily="18" charset="0"/>
+              </a:rPr>
+              <a:t>ALUSrc1, ALUSrc2, </a:t>
+            </a:r>
+            <a:r>
+              <a:rPr lang="en-US" altLang="zh-TW" sz="1200" dirty="0" err="1">
+                <a:latin typeface="Times New Roman" panose="02020603050405020304" pitchFamily="18" charset="0"/>
+                <a:cs typeface="Times New Roman" panose="02020603050405020304" pitchFamily="18" charset="0"/>
+              </a:rPr>
+              <a:t>ALUOp</a:t>
+            </a:r>
+            <a:endParaRPr lang="zh-CN" altLang="en-US" sz="1200" dirty="0"/>
+          </a:p>
+        </p:txBody>
+      </p:sp>
+      <p:cxnSp>
+        <p:nvCxnSpPr>
+          <p:cNvPr id="260" name="直接箭头连接符 259">
+            <a:extLst>
+              <a:ext uri="{FF2B5EF4-FFF2-40B4-BE49-F238E27FC236}">
+                <a16:creationId xmlns:a16="http://schemas.microsoft.com/office/drawing/2014/main" id="{EB1BC475-D960-4852-8FC5-1C0992254A52}"/>
+              </a:ext>
+            </a:extLst>
+          </p:cNvPr>
+          <p:cNvCxnSpPr>
+            <a:cxnSpLocks/>
+          </p:cNvCxnSpPr>
+          <p:nvPr/>
+        </p:nvCxnSpPr>
+        <p:spPr>
+          <a:xfrm flipV="1">
+            <a:off x="236984" y="797084"/>
+            <a:ext cx="3104243" cy="4311"/>
+          </a:xfrm>
+          <a:prstGeom prst="straightConnector1">
+            <a:avLst/>
+          </a:prstGeom>
+          <a:ln w="28575">
+            <a:solidFill>
+              <a:srgbClr val="FF0000"/>
+            </a:solidFill>
+            <a:headEnd type="none" w="med" len="med"/>
+            <a:tailEnd type="none" w="med" len="med"/>
+          </a:ln>
+        </p:spPr>
+        <p:style>
+          <a:lnRef idx="1">
+            <a:schemeClr val="accent1"/>
+          </a:lnRef>
+          <a:fillRef idx="0">
+            <a:schemeClr val="accent1"/>
+          </a:fillRef>
+          <a:effectRef idx="0">
+            <a:schemeClr val="accent1"/>
+          </a:effectRef>
+          <a:fontRef idx="minor">
+            <a:schemeClr val="tx1"/>
+          </a:fontRef>
+        </p:style>
+      </p:cxnSp>
+      <p:sp>
+        <p:nvSpPr>
+          <p:cNvPr id="261" name="Freeform 53">
+            <a:extLst>
+              <a:ext uri="{FF2B5EF4-FFF2-40B4-BE49-F238E27FC236}">
+                <a16:creationId xmlns:a16="http://schemas.microsoft.com/office/drawing/2014/main" id="{8777BF01-2651-4967-B54F-7F213D175F7A}"/>
+              </a:ext>
+            </a:extLst>
+          </p:cNvPr>
+          <p:cNvSpPr>
+            <a:spLocks/>
+          </p:cNvSpPr>
+          <p:nvPr/>
+        </p:nvSpPr>
+        <p:spPr bwMode="auto">
+          <a:xfrm>
+            <a:off x="3112543" y="2871615"/>
+            <a:ext cx="457368" cy="2014803"/>
+          </a:xfrm>
+          <a:custGeom>
+            <a:avLst/>
+            <a:gdLst>
+              <a:gd name="T0" fmla="*/ 0 w 388"/>
+              <a:gd name="T1" fmla="*/ 0 h 1099"/>
+              <a:gd name="T2" fmla="*/ 0 w 388"/>
+              <a:gd name="T3" fmla="*/ 593253124 h 1099"/>
+              <a:gd name="T4" fmla="*/ 209780171 w 388"/>
+              <a:gd name="T5" fmla="*/ 768311288 h 1099"/>
+              <a:gd name="T6" fmla="*/ 0 w 388"/>
+              <a:gd name="T7" fmla="*/ 932255414 h 1099"/>
+              <a:gd name="T8" fmla="*/ 0 w 388"/>
+              <a:gd name="T9" fmla="*/ 1525508538 h 1099"/>
+              <a:gd name="T10" fmla="*/ 731397255 w 388"/>
+              <a:gd name="T11" fmla="*/ 1097588059 h 1099"/>
+              <a:gd name="T12" fmla="*/ 731397255 w 388"/>
+              <a:gd name="T13" fmla="*/ 427920479 h 1099"/>
+              <a:gd name="T14" fmla="*/ 0 w 388"/>
+              <a:gd name="T15" fmla="*/ 0 h 1099"/>
+              <a:gd name="T16" fmla="*/ 0 60000 65536"/>
+              <a:gd name="T17" fmla="*/ 0 60000 65536"/>
+              <a:gd name="T18" fmla="*/ 0 60000 65536"/>
+              <a:gd name="T19" fmla="*/ 0 60000 65536"/>
+              <a:gd name="T20" fmla="*/ 0 60000 65536"/>
+              <a:gd name="T21" fmla="*/ 0 60000 65536"/>
+              <a:gd name="T22" fmla="*/ 0 60000 65536"/>
+              <a:gd name="T23" fmla="*/ 0 60000 65536"/>
+            </a:gdLst>
+            <a:ahLst/>
+            <a:cxnLst>
+              <a:cxn ang="T16">
+                <a:pos x="T0" y="T1"/>
+              </a:cxn>
+              <a:cxn ang="T17">
+                <a:pos x="T2" y="T3"/>
+              </a:cxn>
+              <a:cxn ang="T18">
+                <a:pos x="T4" y="T5"/>
+              </a:cxn>
+              <a:cxn ang="T19">
+                <a:pos x="T6" y="T7"/>
+              </a:cxn>
+              <a:cxn ang="T20">
+                <a:pos x="T8" y="T9"/>
+              </a:cxn>
+              <a:cxn ang="T21">
+                <a:pos x="T10" y="T11"/>
+              </a:cxn>
+              <a:cxn ang="T22">
+                <a:pos x="T12" y="T13"/>
+              </a:cxn>
+              <a:cxn ang="T23">
+                <a:pos x="T14" y="T15"/>
+              </a:cxn>
+            </a:cxnLst>
+            <a:rect l="0" t="0" r="r" b="b"/>
+            <a:pathLst>
+              <a:path w="388" h="1099">
+                <a:moveTo>
+                  <a:pt x="0" y="0"/>
+                </a:moveTo>
+                <a:lnTo>
+                  <a:pt x="0" y="427"/>
+                </a:lnTo>
+                <a:lnTo>
+                  <a:pt x="111" y="553"/>
+                </a:lnTo>
+                <a:lnTo>
+                  <a:pt x="0" y="671"/>
+                </a:lnTo>
+                <a:lnTo>
+                  <a:pt x="0" y="1098"/>
+                </a:lnTo>
+                <a:lnTo>
+                  <a:pt x="387" y="790"/>
+                </a:lnTo>
+                <a:lnTo>
+                  <a:pt x="387" y="308"/>
+                </a:lnTo>
+                <a:lnTo>
+                  <a:pt x="0" y="0"/>
+                </a:lnTo>
+              </a:path>
+            </a:pathLst>
+          </a:custGeom>
+          <a:solidFill>
+            <a:schemeClr val="accent2">
+              <a:lumMod val="20000"/>
+              <a:lumOff val="80000"/>
+            </a:schemeClr>
+          </a:solidFill>
+          <a:ln w="28575" cap="rnd" cmpd="sng">
+            <a:solidFill>
+              <a:schemeClr val="tx1"/>
+            </a:solidFill>
+            <a:prstDash val="solid"/>
+            <a:round/>
+            <a:headEnd type="none" w="med" len="med"/>
+            <a:tailEnd type="none" w="med" len="med"/>
+          </a:ln>
+          <a:effectLst/>
+        </p:spPr>
+        <p:txBody>
+          <a:bodyPr/>
+          <a:lstStyle/>
+          <a:p>
+            <a:endParaRPr lang="zh-CN" altLang="en-US"/>
+          </a:p>
+        </p:txBody>
+      </p:sp>
+      <p:cxnSp>
+        <p:nvCxnSpPr>
+          <p:cNvPr id="262" name="直接箭头连接符 261">
+            <a:extLst>
+              <a:ext uri="{FF2B5EF4-FFF2-40B4-BE49-F238E27FC236}">
+                <a16:creationId xmlns:a16="http://schemas.microsoft.com/office/drawing/2014/main" id="{ADF18A73-F34B-4CCF-8A1B-B2ACB1C00D84}"/>
+              </a:ext>
+            </a:extLst>
+          </p:cNvPr>
+          <p:cNvCxnSpPr>
+            <a:cxnSpLocks/>
+          </p:cNvCxnSpPr>
+          <p:nvPr/>
+        </p:nvCxnSpPr>
+        <p:spPr>
+          <a:xfrm>
+            <a:off x="2777311" y="3067002"/>
+            <a:ext cx="339064" cy="0"/>
+          </a:xfrm>
+          <a:prstGeom prst="straightConnector1">
+            <a:avLst/>
+          </a:prstGeom>
+          <a:ln w="28575">
+            <a:solidFill>
+              <a:schemeClr val="tx1"/>
+            </a:solidFill>
+            <a:tailEnd type="triangle"/>
+          </a:ln>
+        </p:spPr>
+        <p:style>
+          <a:lnRef idx="1">
+            <a:schemeClr val="accent1"/>
+          </a:lnRef>
+          <a:fillRef idx="0">
+            <a:schemeClr val="accent1"/>
+          </a:fillRef>
+          <a:effectRef idx="0">
+            <a:schemeClr val="accent1"/>
+          </a:effectRef>
+          <a:fontRef idx="minor">
+            <a:schemeClr val="tx1"/>
+          </a:fontRef>
+        </p:style>
+      </p:cxnSp>
+      <p:cxnSp>
+        <p:nvCxnSpPr>
+          <p:cNvPr id="264" name="直接箭头连接符 263">
+            <a:extLst>
+              <a:ext uri="{FF2B5EF4-FFF2-40B4-BE49-F238E27FC236}">
+                <a16:creationId xmlns:a16="http://schemas.microsoft.com/office/drawing/2014/main" id="{7C82B67F-4BA6-4D24-A8E8-74ED33F9A73A}"/>
+              </a:ext>
+            </a:extLst>
+          </p:cNvPr>
+          <p:cNvCxnSpPr>
+            <a:cxnSpLocks/>
+          </p:cNvCxnSpPr>
+          <p:nvPr/>
+        </p:nvCxnSpPr>
+        <p:spPr>
+          <a:xfrm>
+            <a:off x="2771442" y="4688202"/>
+            <a:ext cx="339064" cy="0"/>
+          </a:xfrm>
+          <a:prstGeom prst="straightConnector1">
+            <a:avLst/>
+          </a:prstGeom>
+          <a:ln w="28575">
+            <a:solidFill>
+              <a:schemeClr val="tx1"/>
+            </a:solidFill>
+            <a:tailEnd type="triangle"/>
+          </a:ln>
+        </p:spPr>
+        <p:style>
+          <a:lnRef idx="1">
+            <a:schemeClr val="accent1"/>
+          </a:lnRef>
+          <a:fillRef idx="0">
+            <a:schemeClr val="accent1"/>
+          </a:fillRef>
+          <a:effectRef idx="0">
+            <a:schemeClr val="accent1"/>
+          </a:effectRef>
+          <a:fontRef idx="minor">
+            <a:schemeClr val="tx1"/>
+          </a:fontRef>
+        </p:style>
+      </p:cxnSp>
+      <p:cxnSp>
+        <p:nvCxnSpPr>
+          <p:cNvPr id="265" name="直接箭头连接符 264">
+            <a:extLst>
+              <a:ext uri="{FF2B5EF4-FFF2-40B4-BE49-F238E27FC236}">
+                <a16:creationId xmlns:a16="http://schemas.microsoft.com/office/drawing/2014/main" id="{D229DBA7-8F3E-415B-BFA4-24DA7F044227}"/>
+              </a:ext>
+            </a:extLst>
+          </p:cNvPr>
+          <p:cNvCxnSpPr>
+            <a:cxnSpLocks/>
+            <a:endCxn id="271" idx="1"/>
+          </p:cNvCxnSpPr>
+          <p:nvPr/>
+        </p:nvCxnSpPr>
+        <p:spPr>
+          <a:xfrm flipV="1">
+            <a:off x="246013" y="6285266"/>
+            <a:ext cx="1435700" cy="2912"/>
+          </a:xfrm>
+          <a:prstGeom prst="straightConnector1">
+            <a:avLst/>
+          </a:prstGeom>
+          <a:ln w="28575">
+            <a:solidFill>
+              <a:schemeClr val="tx1"/>
+            </a:solidFill>
+            <a:tailEnd type="triangle"/>
+          </a:ln>
+        </p:spPr>
+        <p:style>
+          <a:lnRef idx="1">
+            <a:schemeClr val="accent1"/>
+          </a:lnRef>
+          <a:fillRef idx="0">
+            <a:schemeClr val="accent1"/>
+          </a:fillRef>
+          <a:effectRef idx="0">
+            <a:schemeClr val="accent1"/>
+          </a:effectRef>
+          <a:fontRef idx="minor">
+            <a:schemeClr val="tx1"/>
+          </a:fontRef>
+        </p:style>
+      </p:cxnSp>
+      <p:sp>
+        <p:nvSpPr>
+          <p:cNvPr id="266" name="文本框 265">
+            <a:extLst>
+              <a:ext uri="{FF2B5EF4-FFF2-40B4-BE49-F238E27FC236}">
+                <a16:creationId xmlns:a16="http://schemas.microsoft.com/office/drawing/2014/main" id="{10D023B0-E97C-4852-BA39-56ECEFB315BE}"/>
+              </a:ext>
+            </a:extLst>
+          </p:cNvPr>
+          <p:cNvSpPr txBox="1"/>
+          <p:nvPr/>
+        </p:nvSpPr>
+        <p:spPr>
+          <a:xfrm>
+            <a:off x="382602" y="6024876"/>
+            <a:ext cx="872467" cy="276999"/>
+          </a:xfrm>
+          <a:prstGeom prst="rect">
+            <a:avLst/>
+          </a:prstGeom>
+          <a:noFill/>
+        </p:spPr>
+        <p:txBody>
+          <a:bodyPr wrap="square" rtlCol="0">
+            <a:spAutoFit/>
+          </a:bodyPr>
+          <a:lstStyle/>
+          <a:p>
+            <a:r>
+              <a:rPr lang="en-US" altLang="zh-TW" sz="1200" dirty="0" err="1">
+                <a:latin typeface="Times New Roman" panose="02020603050405020304" pitchFamily="18" charset="0"/>
+                <a:cs typeface="Times New Roman" panose="02020603050405020304" pitchFamily="18" charset="0"/>
+              </a:rPr>
+              <a:t>shamt</a:t>
+            </a:r>
+            <a:endParaRPr lang="zh-CN" altLang="en-US" sz="1200" dirty="0">
+              <a:latin typeface="Times New Roman" panose="02020603050405020304" pitchFamily="18" charset="0"/>
+              <a:cs typeface="Times New Roman" panose="02020603050405020304" pitchFamily="18" charset="0"/>
+            </a:endParaRPr>
+          </a:p>
+        </p:txBody>
+      </p:sp>
+      <p:cxnSp>
+        <p:nvCxnSpPr>
+          <p:cNvPr id="267" name="直接箭头连接符 266">
+            <a:extLst>
+              <a:ext uri="{FF2B5EF4-FFF2-40B4-BE49-F238E27FC236}">
+                <a16:creationId xmlns:a16="http://schemas.microsoft.com/office/drawing/2014/main" id="{2415D30B-8CFC-49C5-ABF8-1F3D5911BE84}"/>
+              </a:ext>
+            </a:extLst>
+          </p:cNvPr>
+          <p:cNvCxnSpPr>
+            <a:cxnSpLocks/>
+            <a:endCxn id="309" idx="1"/>
+          </p:cNvCxnSpPr>
+          <p:nvPr/>
+        </p:nvCxnSpPr>
+        <p:spPr>
+          <a:xfrm>
+            <a:off x="246013" y="6026380"/>
+            <a:ext cx="3368991" cy="0"/>
+          </a:xfrm>
+          <a:prstGeom prst="straightConnector1">
+            <a:avLst/>
+          </a:prstGeom>
+          <a:ln w="28575">
+            <a:solidFill>
+              <a:schemeClr val="tx1"/>
+            </a:solidFill>
+            <a:tailEnd type="triangle"/>
+          </a:ln>
+        </p:spPr>
+        <p:style>
+          <a:lnRef idx="1">
+            <a:schemeClr val="accent1"/>
+          </a:lnRef>
+          <a:fillRef idx="0">
+            <a:schemeClr val="accent1"/>
+          </a:fillRef>
+          <a:effectRef idx="0">
+            <a:schemeClr val="accent1"/>
+          </a:effectRef>
+          <a:fontRef idx="minor">
+            <a:schemeClr val="tx1"/>
+          </a:fontRef>
+        </p:style>
+      </p:cxnSp>
+      <p:sp>
+        <p:nvSpPr>
+          <p:cNvPr id="268" name="文本框 267">
+            <a:extLst>
+              <a:ext uri="{FF2B5EF4-FFF2-40B4-BE49-F238E27FC236}">
+                <a16:creationId xmlns:a16="http://schemas.microsoft.com/office/drawing/2014/main" id="{732C6E0B-1CA2-476B-893B-C31E156ED21E}"/>
+              </a:ext>
+            </a:extLst>
+          </p:cNvPr>
+          <p:cNvSpPr txBox="1"/>
+          <p:nvPr/>
+        </p:nvSpPr>
+        <p:spPr>
+          <a:xfrm>
+            <a:off x="382601" y="5775740"/>
+            <a:ext cx="872467" cy="276999"/>
+          </a:xfrm>
+          <a:prstGeom prst="rect">
+            <a:avLst/>
+          </a:prstGeom>
+          <a:noFill/>
+        </p:spPr>
+        <p:txBody>
+          <a:bodyPr wrap="square" rtlCol="0">
+            <a:spAutoFit/>
+          </a:bodyPr>
+          <a:lstStyle/>
+          <a:p>
+            <a:r>
+              <a:rPr lang="en-US" altLang="zh-TW" sz="1200" dirty="0">
+                <a:latin typeface="Times New Roman" panose="02020603050405020304" pitchFamily="18" charset="0"/>
+                <a:cs typeface="Times New Roman" panose="02020603050405020304" pitchFamily="18" charset="0"/>
+              </a:rPr>
+              <a:t>PC</a:t>
+            </a:r>
+            <a:endParaRPr lang="zh-CN" altLang="en-US" sz="1200" dirty="0">
+              <a:latin typeface="Times New Roman" panose="02020603050405020304" pitchFamily="18" charset="0"/>
+              <a:cs typeface="Times New Roman" panose="02020603050405020304" pitchFamily="18" charset="0"/>
+            </a:endParaRPr>
+          </a:p>
+        </p:txBody>
+      </p:sp>
+      <p:sp>
+        <p:nvSpPr>
+          <p:cNvPr id="271" name="矩形 270">
+            <a:extLst>
+              <a:ext uri="{FF2B5EF4-FFF2-40B4-BE49-F238E27FC236}">
+                <a16:creationId xmlns:a16="http://schemas.microsoft.com/office/drawing/2014/main" id="{AC5CF4BE-3298-451B-8361-1C00F206085B}"/>
+              </a:ext>
+            </a:extLst>
+          </p:cNvPr>
+          <p:cNvSpPr/>
+          <p:nvPr/>
+        </p:nvSpPr>
+        <p:spPr>
+          <a:xfrm>
+            <a:off x="1681713" y="6126904"/>
+            <a:ext cx="669267" cy="316724"/>
+          </a:xfrm>
+          <a:prstGeom prst="rect">
+            <a:avLst/>
+          </a:prstGeom>
+          <a:noFill/>
+          <a:ln>
+            <a:solidFill>
+              <a:schemeClr val="tx1"/>
+            </a:solidFill>
+          </a:ln>
+        </p:spPr>
+        <p:style>
+          <a:lnRef idx="2">
+            <a:schemeClr val="accent1">
+              <a:shade val="50000"/>
+            </a:schemeClr>
+          </a:lnRef>
+          <a:fillRef idx="1">
+            <a:schemeClr val="accent1"/>
+          </a:fillRef>
+          <a:effectRef idx="0">
+            <a:schemeClr val="accent1"/>
+          </a:effectRef>
+          <a:fontRef idx="minor">
+            <a:schemeClr val="lt1"/>
+          </a:fontRef>
+        </p:style>
+        <p:txBody>
+          <a:bodyPr rtlCol="0" anchor="ctr"/>
+          <a:lstStyle/>
+          <a:p>
+            <a:pPr algn="ctr"/>
+            <a:r>
+              <a:rPr lang="en-US" altLang="zh-CN" sz="1100" dirty="0" err="1">
+                <a:solidFill>
+                  <a:schemeClr val="tx1"/>
+                </a:solidFill>
+                <a:latin typeface="Times New Roman" panose="02020603050405020304" pitchFamily="18" charset="0"/>
+                <a:ea typeface="Ebrima" panose="02000000000000000000" pitchFamily="2" charset="0"/>
+                <a:cs typeface="Times New Roman" panose="02020603050405020304" pitchFamily="18" charset="0"/>
+              </a:rPr>
+              <a:t>ExtUnit</a:t>
+            </a:r>
+            <a:endParaRPr lang="zh-CN" altLang="en-US" sz="1100" dirty="0">
+              <a:solidFill>
+                <a:schemeClr val="tx1"/>
+              </a:solidFill>
+              <a:latin typeface="Times New Roman" panose="02020603050405020304" pitchFamily="18" charset="0"/>
+              <a:cs typeface="Times New Roman" panose="02020603050405020304" pitchFamily="18" charset="0"/>
+            </a:endParaRPr>
+          </a:p>
+        </p:txBody>
+      </p:sp>
+      <p:cxnSp>
+        <p:nvCxnSpPr>
+          <p:cNvPr id="275" name="直接箭头连接符 274">
+            <a:extLst>
+              <a:ext uri="{FF2B5EF4-FFF2-40B4-BE49-F238E27FC236}">
+                <a16:creationId xmlns:a16="http://schemas.microsoft.com/office/drawing/2014/main" id="{DE3F33A6-110F-49F5-B13F-4199B0A1CF70}"/>
+              </a:ext>
+            </a:extLst>
+          </p:cNvPr>
+          <p:cNvCxnSpPr>
+            <a:cxnSpLocks/>
+          </p:cNvCxnSpPr>
+          <p:nvPr/>
+        </p:nvCxnSpPr>
+        <p:spPr>
+          <a:xfrm>
+            <a:off x="2194560" y="3136053"/>
+            <a:ext cx="250613" cy="0"/>
+          </a:xfrm>
+          <a:prstGeom prst="straightConnector1">
+            <a:avLst/>
+          </a:prstGeom>
+          <a:ln w="28575">
+            <a:solidFill>
+              <a:srgbClr val="FF0000"/>
+            </a:solidFill>
+            <a:tailEnd type="triangle"/>
+          </a:ln>
+        </p:spPr>
+        <p:style>
+          <a:lnRef idx="1">
+            <a:schemeClr val="accent1"/>
+          </a:lnRef>
+          <a:fillRef idx="0">
+            <a:schemeClr val="accent1"/>
+          </a:fillRef>
+          <a:effectRef idx="0">
+            <a:schemeClr val="accent1"/>
+          </a:effectRef>
+          <a:fontRef idx="minor">
+            <a:schemeClr val="tx1"/>
+          </a:fontRef>
+        </p:style>
+      </p:cxnSp>
+      <p:sp>
+        <p:nvSpPr>
+          <p:cNvPr id="290" name="矩形 289">
+            <a:extLst>
+              <a:ext uri="{FF2B5EF4-FFF2-40B4-BE49-F238E27FC236}">
+                <a16:creationId xmlns:a16="http://schemas.microsoft.com/office/drawing/2014/main" id="{D6388F7D-7E4F-4322-A527-FEC169DEE283}"/>
+              </a:ext>
+            </a:extLst>
+          </p:cNvPr>
+          <p:cNvSpPr/>
+          <p:nvPr/>
+        </p:nvSpPr>
+        <p:spPr>
+          <a:xfrm rot="5400000">
+            <a:off x="2202239" y="1758375"/>
+            <a:ext cx="782587" cy="276999"/>
+          </a:xfrm>
+          <a:prstGeom prst="rect">
+            <a:avLst/>
+          </a:prstGeom>
+        </p:spPr>
+        <p:txBody>
+          <a:bodyPr wrap="none">
+            <a:spAutoFit/>
+          </a:bodyPr>
+          <a:lstStyle/>
+          <a:p>
+            <a:r>
+              <a:rPr lang="en-US" altLang="zh-TW" sz="1200" dirty="0">
+                <a:latin typeface="Times New Roman" panose="02020603050405020304" pitchFamily="18" charset="0"/>
+                <a:cs typeface="Times New Roman" panose="02020603050405020304" pitchFamily="18" charset="0"/>
+              </a:rPr>
+              <a:t>ALUSrc1</a:t>
+            </a:r>
+            <a:endParaRPr lang="zh-CN" altLang="en-US" sz="1200" dirty="0"/>
+          </a:p>
+        </p:txBody>
+      </p:sp>
+      <p:sp>
+        <p:nvSpPr>
+          <p:cNvPr id="291" name="矩形 290">
+            <a:extLst>
+              <a:ext uri="{FF2B5EF4-FFF2-40B4-BE49-F238E27FC236}">
+                <a16:creationId xmlns:a16="http://schemas.microsoft.com/office/drawing/2014/main" id="{0C68B283-18F7-405F-8116-DB7BC98E3D92}"/>
+              </a:ext>
+            </a:extLst>
+          </p:cNvPr>
+          <p:cNvSpPr/>
+          <p:nvPr/>
+        </p:nvSpPr>
+        <p:spPr>
+          <a:xfrm rot="5400000">
+            <a:off x="2418450" y="1775466"/>
+            <a:ext cx="782587" cy="276999"/>
+          </a:xfrm>
+          <a:prstGeom prst="rect">
+            <a:avLst/>
+          </a:prstGeom>
+        </p:spPr>
+        <p:txBody>
+          <a:bodyPr wrap="none">
+            <a:spAutoFit/>
+          </a:bodyPr>
+          <a:lstStyle/>
+          <a:p>
+            <a:r>
+              <a:rPr lang="en-US" altLang="zh-TW" sz="1200" dirty="0">
+                <a:latin typeface="Times New Roman" panose="02020603050405020304" pitchFamily="18" charset="0"/>
+                <a:cs typeface="Times New Roman" panose="02020603050405020304" pitchFamily="18" charset="0"/>
+              </a:rPr>
+              <a:t>ALUSrc2</a:t>
+            </a:r>
+            <a:endParaRPr lang="zh-CN" altLang="en-US" sz="1200" dirty="0"/>
+          </a:p>
+        </p:txBody>
+      </p:sp>
+      <p:cxnSp>
+        <p:nvCxnSpPr>
+          <p:cNvPr id="292" name="直接箭头连接符 291">
+            <a:extLst>
+              <a:ext uri="{FF2B5EF4-FFF2-40B4-BE49-F238E27FC236}">
+                <a16:creationId xmlns:a16="http://schemas.microsoft.com/office/drawing/2014/main" id="{F3FA4168-9741-46CE-9F12-4B8F311EBD07}"/>
+              </a:ext>
+            </a:extLst>
+          </p:cNvPr>
+          <p:cNvCxnSpPr>
+            <a:cxnSpLocks/>
+          </p:cNvCxnSpPr>
+          <p:nvPr/>
+        </p:nvCxnSpPr>
+        <p:spPr>
+          <a:xfrm flipH="1">
+            <a:off x="3340324" y="791423"/>
+            <a:ext cx="904" cy="2363257"/>
+          </a:xfrm>
+          <a:prstGeom prst="straightConnector1">
+            <a:avLst/>
+          </a:prstGeom>
+          <a:ln w="28575">
+            <a:solidFill>
+              <a:srgbClr val="FF0000"/>
+            </a:solidFill>
+            <a:headEnd type="none" w="med" len="med"/>
+            <a:tailEnd type="triangle" w="med" len="med"/>
+          </a:ln>
+        </p:spPr>
+        <p:style>
+          <a:lnRef idx="1">
+            <a:schemeClr val="accent1"/>
+          </a:lnRef>
+          <a:fillRef idx="0">
+            <a:schemeClr val="accent1"/>
+          </a:fillRef>
+          <a:effectRef idx="0">
+            <a:schemeClr val="accent1"/>
+          </a:effectRef>
+          <a:fontRef idx="minor">
+            <a:schemeClr val="tx1"/>
+          </a:fontRef>
+        </p:style>
+      </p:cxnSp>
+      <p:sp>
+        <p:nvSpPr>
+          <p:cNvPr id="296" name="矩形 295">
+            <a:extLst>
+              <a:ext uri="{FF2B5EF4-FFF2-40B4-BE49-F238E27FC236}">
+                <a16:creationId xmlns:a16="http://schemas.microsoft.com/office/drawing/2014/main" id="{4308FFD8-0B33-451D-86CB-81BEA6ECA23F}"/>
+              </a:ext>
+            </a:extLst>
+          </p:cNvPr>
+          <p:cNvSpPr/>
+          <p:nvPr/>
+        </p:nvSpPr>
+        <p:spPr>
+          <a:xfrm rot="5400000">
+            <a:off x="3099006" y="1780144"/>
+            <a:ext cx="688009" cy="276999"/>
+          </a:xfrm>
+          <a:prstGeom prst="rect">
+            <a:avLst/>
+          </a:prstGeom>
+        </p:spPr>
+        <p:txBody>
+          <a:bodyPr wrap="none">
+            <a:spAutoFit/>
+          </a:bodyPr>
+          <a:lstStyle/>
+          <a:p>
+            <a:r>
+              <a:rPr lang="en-US" altLang="zh-TW" sz="1200" dirty="0" err="1">
+                <a:latin typeface="Times New Roman" panose="02020603050405020304" pitchFamily="18" charset="0"/>
+                <a:cs typeface="Times New Roman" panose="02020603050405020304" pitchFamily="18" charset="0"/>
+              </a:rPr>
+              <a:t>ALUOp</a:t>
+            </a:r>
+            <a:endParaRPr lang="zh-CN" altLang="en-US" sz="1200" dirty="0"/>
+          </a:p>
+        </p:txBody>
+      </p:sp>
+      <p:sp>
+        <p:nvSpPr>
+          <p:cNvPr id="297" name="文本框 296">
+            <a:extLst>
+              <a:ext uri="{FF2B5EF4-FFF2-40B4-BE49-F238E27FC236}">
+                <a16:creationId xmlns:a16="http://schemas.microsoft.com/office/drawing/2014/main" id="{EDD0849D-2663-41FE-AE17-5BDAA261873D}"/>
+              </a:ext>
+            </a:extLst>
+          </p:cNvPr>
+          <p:cNvSpPr txBox="1"/>
+          <p:nvPr/>
+        </p:nvSpPr>
+        <p:spPr>
+          <a:xfrm>
+            <a:off x="3067177" y="4017812"/>
+            <a:ext cx="696127" cy="307777"/>
+          </a:xfrm>
+          <a:prstGeom prst="rect">
+            <a:avLst/>
+          </a:prstGeom>
+          <a:noFill/>
+        </p:spPr>
+        <p:txBody>
+          <a:bodyPr wrap="square" rtlCol="0">
+            <a:spAutoFit/>
+          </a:bodyPr>
+          <a:lstStyle/>
+          <a:p>
+            <a:r>
+              <a:rPr lang="en-US" altLang="zh-CN" sz="1400" b="1" dirty="0">
+                <a:latin typeface="Times New Roman" panose="02020603050405020304" pitchFamily="18" charset="0"/>
+                <a:cs typeface="Times New Roman" panose="02020603050405020304" pitchFamily="18" charset="0"/>
+              </a:rPr>
+              <a:t>ALU</a:t>
+            </a:r>
+            <a:endParaRPr lang="zh-CN" altLang="en-US" sz="1400" b="1" dirty="0">
+              <a:latin typeface="Times New Roman" panose="02020603050405020304" pitchFamily="18" charset="0"/>
+              <a:cs typeface="Times New Roman" panose="02020603050405020304" pitchFamily="18" charset="0"/>
+            </a:endParaRPr>
+          </a:p>
+        </p:txBody>
+      </p:sp>
+      <p:grpSp>
+        <p:nvGrpSpPr>
+          <p:cNvPr id="307" name="组合 306">
+            <a:extLst>
+              <a:ext uri="{FF2B5EF4-FFF2-40B4-BE49-F238E27FC236}">
+                <a16:creationId xmlns:a16="http://schemas.microsoft.com/office/drawing/2014/main" id="{DA4B2E77-3F8A-4041-9772-1180CF2A78B1}"/>
+              </a:ext>
+            </a:extLst>
+          </p:cNvPr>
+          <p:cNvGrpSpPr/>
+          <p:nvPr/>
+        </p:nvGrpSpPr>
+        <p:grpSpPr>
+          <a:xfrm>
+            <a:off x="4008263" y="3732210"/>
+            <a:ext cx="660817" cy="1329637"/>
+            <a:chOff x="3778275" y="3700544"/>
+            <a:chExt cx="445431" cy="896256"/>
+          </a:xfrm>
+        </p:grpSpPr>
+        <p:sp>
+          <p:nvSpPr>
+            <p:cNvPr id="300" name="梯形 299">
+              <a:extLst>
+                <a:ext uri="{FF2B5EF4-FFF2-40B4-BE49-F238E27FC236}">
+                  <a16:creationId xmlns:a16="http://schemas.microsoft.com/office/drawing/2014/main" id="{BA948714-4EE5-49C6-9D2D-1A3F1631F6C0}"/>
+                </a:ext>
+              </a:extLst>
+            </p:cNvPr>
+            <p:cNvSpPr/>
+            <p:nvPr/>
+          </p:nvSpPr>
+          <p:spPr>
+            <a:xfrm rot="5400000">
+              <a:off x="3489147" y="4029280"/>
+              <a:ext cx="896256" cy="238783"/>
+            </a:xfrm>
+            <a:prstGeom prst="trapezoid">
+              <a:avLst>
+                <a:gd name="adj" fmla="val 109302"/>
+              </a:avLst>
+            </a:prstGeom>
+            <a:solidFill>
+              <a:schemeClr val="accent4">
+                <a:lumMod val="20000"/>
+                <a:lumOff val="80000"/>
+              </a:schemeClr>
+            </a:solidFill>
+            <a:ln w="12700">
+              <a:solidFill>
+                <a:schemeClr val="tx1"/>
+              </a:solidFill>
+            </a:ln>
+          </p:spPr>
+          <p:style>
+            <a:lnRef idx="2">
+              <a:schemeClr val="accent1">
+                <a:shade val="50000"/>
+              </a:schemeClr>
+            </a:lnRef>
+            <a:fillRef idx="1">
+              <a:schemeClr val="accent1"/>
+            </a:fillRef>
+            <a:effectRef idx="0">
+              <a:schemeClr val="accent1"/>
+            </a:effectRef>
+            <a:fontRef idx="minor">
+              <a:schemeClr val="lt1"/>
+            </a:fontRef>
+          </p:style>
+          <p:txBody>
+            <a:bodyPr rot="0" spcFirstLastPara="0" vertOverflow="overflow" horzOverflow="overflow" vert="horz" wrap="square" lIns="91440" tIns="45720" rIns="91440" bIns="45720" numCol="1" spcCol="0" rtlCol="0" fromWordArt="0" anchor="ctr" anchorCtr="0" forceAA="0" compatLnSpc="1">
+              <a:prstTxWarp prst="textNoShape">
+                <a:avLst/>
+              </a:prstTxWarp>
+              <a:noAutofit/>
+            </a:bodyPr>
+            <a:lstStyle/>
+            <a:p>
+              <a:pPr algn="ctr"/>
+              <a:endParaRPr lang="zh-CN" altLang="en-US"/>
+            </a:p>
+          </p:txBody>
+        </p:sp>
+        <p:sp>
+          <p:nvSpPr>
+            <p:cNvPr id="303" name="文本框 302">
+              <a:extLst>
+                <a:ext uri="{FF2B5EF4-FFF2-40B4-BE49-F238E27FC236}">
+                  <a16:creationId xmlns:a16="http://schemas.microsoft.com/office/drawing/2014/main" id="{9F24A519-8023-4F4D-9323-4350769E100B}"/>
+                </a:ext>
+              </a:extLst>
+            </p:cNvPr>
+            <p:cNvSpPr txBox="1"/>
+            <p:nvPr/>
+          </p:nvSpPr>
+          <p:spPr>
+            <a:xfrm>
+              <a:off x="3778275" y="3808553"/>
+              <a:ext cx="445430" cy="228206"/>
+            </a:xfrm>
+            <a:prstGeom prst="rect">
+              <a:avLst/>
+            </a:prstGeom>
+            <a:noFill/>
+          </p:spPr>
+          <p:txBody>
+            <a:bodyPr wrap="square" rtlCol="0">
+              <a:spAutoFit/>
+            </a:bodyPr>
+            <a:lstStyle/>
+            <a:p>
+              <a:r>
+                <a:rPr lang="en-US" altLang="zh-TW" sz="1600" b="1" dirty="0">
+                  <a:latin typeface="Times New Roman" panose="02020603050405020304" pitchFamily="18" charset="0"/>
+                  <a:cs typeface="Times New Roman" panose="02020603050405020304" pitchFamily="18" charset="0"/>
+                </a:rPr>
+                <a:t>0</a:t>
+              </a:r>
+              <a:endParaRPr lang="zh-CN" altLang="en-US" sz="1600" b="1" dirty="0">
+                <a:latin typeface="Times New Roman" panose="02020603050405020304" pitchFamily="18" charset="0"/>
+                <a:cs typeface="Times New Roman" panose="02020603050405020304" pitchFamily="18" charset="0"/>
+              </a:endParaRPr>
+            </a:p>
+          </p:txBody>
+        </p:sp>
+        <p:sp>
+          <p:nvSpPr>
+            <p:cNvPr id="304" name="文本框 303">
+              <a:extLst>
+                <a:ext uri="{FF2B5EF4-FFF2-40B4-BE49-F238E27FC236}">
+                  <a16:creationId xmlns:a16="http://schemas.microsoft.com/office/drawing/2014/main" id="{6D6E244F-4E95-424D-A15B-79553310A612}"/>
+                </a:ext>
+              </a:extLst>
+            </p:cNvPr>
+            <p:cNvSpPr txBox="1"/>
+            <p:nvPr/>
+          </p:nvSpPr>
+          <p:spPr>
+            <a:xfrm>
+              <a:off x="3778276" y="4030830"/>
+              <a:ext cx="445430" cy="228206"/>
+            </a:xfrm>
+            <a:prstGeom prst="rect">
+              <a:avLst/>
+            </a:prstGeom>
+            <a:noFill/>
+          </p:spPr>
+          <p:txBody>
+            <a:bodyPr wrap="square" rtlCol="0">
+              <a:spAutoFit/>
+            </a:bodyPr>
+            <a:lstStyle/>
+            <a:p>
+              <a:r>
+                <a:rPr lang="en-US" altLang="zh-TW" sz="1600" b="1" dirty="0">
+                  <a:latin typeface="Times New Roman" panose="02020603050405020304" pitchFamily="18" charset="0"/>
+                  <a:cs typeface="Times New Roman" panose="02020603050405020304" pitchFamily="18" charset="0"/>
+                </a:rPr>
+                <a:t>2</a:t>
+              </a:r>
+              <a:endParaRPr lang="zh-CN" altLang="en-US" sz="1600" b="1" dirty="0">
+                <a:latin typeface="Times New Roman" panose="02020603050405020304" pitchFamily="18" charset="0"/>
+                <a:cs typeface="Times New Roman" panose="02020603050405020304" pitchFamily="18" charset="0"/>
+              </a:endParaRPr>
+            </a:p>
+          </p:txBody>
+        </p:sp>
+        <p:sp>
+          <p:nvSpPr>
+            <p:cNvPr id="305" name="文本框 304">
+              <a:extLst>
+                <a:ext uri="{FF2B5EF4-FFF2-40B4-BE49-F238E27FC236}">
+                  <a16:creationId xmlns:a16="http://schemas.microsoft.com/office/drawing/2014/main" id="{282663CB-4558-46D3-990B-01F8DC389167}"/>
+                </a:ext>
+              </a:extLst>
+            </p:cNvPr>
+            <p:cNvSpPr txBox="1"/>
+            <p:nvPr/>
+          </p:nvSpPr>
+          <p:spPr>
+            <a:xfrm>
+              <a:off x="3778276" y="4253347"/>
+              <a:ext cx="445430" cy="228206"/>
+            </a:xfrm>
+            <a:prstGeom prst="rect">
+              <a:avLst/>
+            </a:prstGeom>
+            <a:noFill/>
+          </p:spPr>
+          <p:txBody>
+            <a:bodyPr wrap="square" rtlCol="0">
+              <a:spAutoFit/>
+            </a:bodyPr>
+            <a:lstStyle/>
+            <a:p>
+              <a:r>
+                <a:rPr lang="en-US" altLang="zh-TW" sz="1600" b="1" dirty="0">
+                  <a:latin typeface="Times New Roman" panose="02020603050405020304" pitchFamily="18" charset="0"/>
+                  <a:cs typeface="Times New Roman" panose="02020603050405020304" pitchFamily="18" charset="0"/>
+                </a:rPr>
+                <a:t>3</a:t>
+              </a:r>
+              <a:endParaRPr lang="zh-CN" altLang="en-US" sz="1600" b="1" dirty="0">
+                <a:latin typeface="Times New Roman" panose="02020603050405020304" pitchFamily="18" charset="0"/>
+                <a:cs typeface="Times New Roman" panose="02020603050405020304" pitchFamily="18" charset="0"/>
+              </a:endParaRPr>
+            </a:p>
+          </p:txBody>
+        </p:sp>
+      </p:grpSp>
+      <p:sp>
+        <p:nvSpPr>
+          <p:cNvPr id="309" name="矩形 308">
+            <a:extLst>
+              <a:ext uri="{FF2B5EF4-FFF2-40B4-BE49-F238E27FC236}">
+                <a16:creationId xmlns:a16="http://schemas.microsoft.com/office/drawing/2014/main" id="{DB65A840-5273-4A9A-B24F-6E14F20AC001}"/>
+              </a:ext>
+            </a:extLst>
+          </p:cNvPr>
+          <p:cNvSpPr/>
+          <p:nvPr/>
+        </p:nvSpPr>
+        <p:spPr>
+          <a:xfrm>
+            <a:off x="3615004" y="5868018"/>
+            <a:ext cx="452020" cy="316724"/>
+          </a:xfrm>
+          <a:prstGeom prst="rect">
+            <a:avLst/>
+          </a:prstGeom>
+          <a:noFill/>
+          <a:ln>
+            <a:solidFill>
+              <a:schemeClr val="tx1"/>
+            </a:solidFill>
+          </a:ln>
+        </p:spPr>
+        <p:style>
+          <a:lnRef idx="2">
+            <a:schemeClr val="accent1">
+              <a:shade val="50000"/>
+            </a:schemeClr>
+          </a:lnRef>
+          <a:fillRef idx="1">
+            <a:schemeClr val="accent1"/>
+          </a:fillRef>
+          <a:effectRef idx="0">
+            <a:schemeClr val="accent1"/>
+          </a:effectRef>
+          <a:fontRef idx="minor">
+            <a:schemeClr val="lt1"/>
+          </a:fontRef>
+        </p:style>
+        <p:txBody>
+          <a:bodyPr rtlCol="0" anchor="ctr"/>
+          <a:lstStyle/>
+          <a:p>
+            <a:pPr algn="ctr"/>
+            <a:r>
+              <a:rPr lang="en-US" altLang="zh-CN" sz="1100" dirty="0">
+                <a:solidFill>
+                  <a:schemeClr val="tx1"/>
+                </a:solidFill>
+                <a:latin typeface="Times New Roman" panose="02020603050405020304" pitchFamily="18" charset="0"/>
+                <a:ea typeface="Ebrima" panose="02000000000000000000" pitchFamily="2" charset="0"/>
+                <a:cs typeface="Times New Roman" panose="02020603050405020304" pitchFamily="18" charset="0"/>
+              </a:rPr>
+              <a:t>+4</a:t>
+            </a:r>
+            <a:endParaRPr lang="zh-CN" altLang="en-US" sz="1100" dirty="0">
+              <a:solidFill>
+                <a:schemeClr val="tx1"/>
+              </a:solidFill>
+              <a:latin typeface="Times New Roman" panose="02020603050405020304" pitchFamily="18" charset="0"/>
+              <a:cs typeface="Times New Roman" panose="02020603050405020304" pitchFamily="18" charset="0"/>
+            </a:endParaRPr>
+          </a:p>
+        </p:txBody>
+      </p:sp>
+      <p:cxnSp>
+        <p:nvCxnSpPr>
+          <p:cNvPr id="310" name="直接箭头连接符 309">
+            <a:extLst>
+              <a:ext uri="{FF2B5EF4-FFF2-40B4-BE49-F238E27FC236}">
+                <a16:creationId xmlns:a16="http://schemas.microsoft.com/office/drawing/2014/main" id="{AC1EE1A7-438A-45D8-BAA5-BB5D1B0F1D0D}"/>
+              </a:ext>
+            </a:extLst>
+          </p:cNvPr>
+          <p:cNvCxnSpPr>
+            <a:cxnSpLocks/>
+          </p:cNvCxnSpPr>
+          <p:nvPr/>
+        </p:nvCxnSpPr>
+        <p:spPr>
+          <a:xfrm>
+            <a:off x="3581510" y="4073338"/>
+            <a:ext cx="475717" cy="4209"/>
+          </a:xfrm>
+          <a:prstGeom prst="straightConnector1">
+            <a:avLst/>
+          </a:prstGeom>
+          <a:ln w="28575">
+            <a:solidFill>
+              <a:schemeClr val="tx1"/>
+            </a:solidFill>
+            <a:tailEnd type="triangle"/>
+          </a:ln>
+        </p:spPr>
+        <p:style>
+          <a:lnRef idx="1">
+            <a:schemeClr val="accent1"/>
+          </a:lnRef>
+          <a:fillRef idx="0">
+            <a:schemeClr val="accent1"/>
+          </a:fillRef>
+          <a:effectRef idx="0">
+            <a:schemeClr val="accent1"/>
+          </a:effectRef>
+          <a:fontRef idx="minor">
+            <a:schemeClr val="tx1"/>
+          </a:fontRef>
+        </p:style>
+      </p:cxnSp>
+      <p:sp>
+        <p:nvSpPr>
+          <p:cNvPr id="313" name="任意多边形: 形状 312">
+            <a:extLst>
+              <a:ext uri="{FF2B5EF4-FFF2-40B4-BE49-F238E27FC236}">
+                <a16:creationId xmlns:a16="http://schemas.microsoft.com/office/drawing/2014/main" id="{3FA1DD6D-6F23-4622-A47D-3E9D03A8BEF8}"/>
+              </a:ext>
+            </a:extLst>
+          </p:cNvPr>
+          <p:cNvSpPr/>
+          <p:nvPr/>
+        </p:nvSpPr>
+        <p:spPr>
+          <a:xfrm>
+            <a:off x="2919307" y="4429760"/>
+            <a:ext cx="1137920" cy="1591733"/>
+          </a:xfrm>
+          <a:custGeom>
+            <a:avLst/>
+            <a:gdLst>
+              <a:gd name="connsiteX0" fmla="*/ 1137920 w 1137920"/>
+              <a:gd name="connsiteY0" fmla="*/ 0 h 1591733"/>
+              <a:gd name="connsiteX1" fmla="*/ 670560 w 1137920"/>
+              <a:gd name="connsiteY1" fmla="*/ 6773 h 1591733"/>
+              <a:gd name="connsiteX2" fmla="*/ 677333 w 1137920"/>
+              <a:gd name="connsiteY2" fmla="*/ 1124373 h 1591733"/>
+              <a:gd name="connsiteX3" fmla="*/ 0 w 1137920"/>
+              <a:gd name="connsiteY3" fmla="*/ 1131147 h 1591733"/>
+              <a:gd name="connsiteX4" fmla="*/ 0 w 1137920"/>
+              <a:gd name="connsiteY4" fmla="*/ 1591733 h 1591733"/>
+            </a:gdLst>
+            <a:ahLst/>
+            <a:cxnLst>
+              <a:cxn ang="0">
+                <a:pos x="connsiteX0" y="connsiteY0"/>
+              </a:cxn>
+              <a:cxn ang="0">
+                <a:pos x="connsiteX1" y="connsiteY1"/>
+              </a:cxn>
+              <a:cxn ang="0">
+                <a:pos x="connsiteX2" y="connsiteY2"/>
+              </a:cxn>
+              <a:cxn ang="0">
+                <a:pos x="connsiteX3" y="connsiteY3"/>
+              </a:cxn>
+              <a:cxn ang="0">
+                <a:pos x="connsiteX4" y="connsiteY4"/>
+              </a:cxn>
+            </a:cxnLst>
+            <a:rect l="l" t="t" r="r" b="b"/>
+            <a:pathLst>
+              <a:path w="1137920" h="1591733">
+                <a:moveTo>
+                  <a:pt x="1137920" y="0"/>
+                </a:moveTo>
+                <a:lnTo>
+                  <a:pt x="670560" y="6773"/>
+                </a:lnTo>
+                <a:cubicBezTo>
+                  <a:pt x="672818" y="379306"/>
+                  <a:pt x="675075" y="751840"/>
+                  <a:pt x="677333" y="1124373"/>
+                </a:cubicBezTo>
+                <a:lnTo>
+                  <a:pt x="0" y="1131147"/>
+                </a:lnTo>
+                <a:lnTo>
+                  <a:pt x="0" y="1591733"/>
+                </a:lnTo>
+              </a:path>
+            </a:pathLst>
+          </a:custGeom>
+          <a:noFill/>
+          <a:ln w="28575">
+            <a:solidFill>
+              <a:schemeClr val="tx1"/>
+            </a:solidFill>
+            <a:headEnd type="triangle" w="med" len="med"/>
+            <a:tailEnd type="none" w="med" len="med"/>
+          </a:ln>
+        </p:spPr>
+        <p:style>
+          <a:lnRef idx="2">
+            <a:schemeClr val="accent1">
+              <a:shade val="50000"/>
+            </a:schemeClr>
+          </a:lnRef>
+          <a:fillRef idx="1">
+            <a:schemeClr val="accent1"/>
+          </a:fillRef>
+          <a:effectRef idx="0">
+            <a:schemeClr val="accent1"/>
+          </a:effectRef>
+          <a:fontRef idx="minor">
+            <a:schemeClr val="lt1"/>
+          </a:fontRef>
+        </p:style>
+        <p:txBody>
+          <a:bodyPr rtlCol="0" anchor="ctr"/>
+          <a:lstStyle/>
+          <a:p>
+            <a:pPr algn="ctr"/>
+            <a:endParaRPr lang="zh-CN" altLang="en-US"/>
+          </a:p>
+        </p:txBody>
+      </p:sp>
+      <p:sp>
+        <p:nvSpPr>
+          <p:cNvPr id="315" name="任意多边形: 形状 314">
+            <a:extLst>
+              <a:ext uri="{FF2B5EF4-FFF2-40B4-BE49-F238E27FC236}">
+                <a16:creationId xmlns:a16="http://schemas.microsoft.com/office/drawing/2014/main" id="{8629638D-D3D7-4520-AC86-52EC4B3560D7}"/>
+              </a:ext>
+            </a:extLst>
+          </p:cNvPr>
+          <p:cNvSpPr/>
+          <p:nvPr/>
+        </p:nvSpPr>
+        <p:spPr>
+          <a:xfrm flipV="1">
+            <a:off x="3807378" y="4759710"/>
+            <a:ext cx="249849" cy="1108308"/>
+          </a:xfrm>
+          <a:custGeom>
+            <a:avLst/>
+            <a:gdLst>
+              <a:gd name="connsiteX0" fmla="*/ 6350 w 133350"/>
+              <a:gd name="connsiteY0" fmla="*/ 0 h 1670050"/>
+              <a:gd name="connsiteX1" fmla="*/ 0 w 133350"/>
+              <a:gd name="connsiteY1" fmla="*/ 1670050 h 1670050"/>
+              <a:gd name="connsiteX2" fmla="*/ 133350 w 133350"/>
+              <a:gd name="connsiteY2" fmla="*/ 1670050 h 1670050"/>
+              <a:gd name="connsiteX0" fmla="*/ 378 w 137038"/>
+              <a:gd name="connsiteY0" fmla="*/ 0 h 1670050"/>
+              <a:gd name="connsiteX1" fmla="*/ 3688 w 137038"/>
+              <a:gd name="connsiteY1" fmla="*/ 1670050 h 1670050"/>
+              <a:gd name="connsiteX2" fmla="*/ 137038 w 137038"/>
+              <a:gd name="connsiteY2" fmla="*/ 1670050 h 1670050"/>
+              <a:gd name="connsiteX0" fmla="*/ 6350 w 133350"/>
+              <a:gd name="connsiteY0" fmla="*/ 0 h 1670050"/>
+              <a:gd name="connsiteX1" fmla="*/ 0 w 133350"/>
+              <a:gd name="connsiteY1" fmla="*/ 1670050 h 1670050"/>
+              <a:gd name="connsiteX2" fmla="*/ 133350 w 133350"/>
+              <a:gd name="connsiteY2" fmla="*/ 1670050 h 1670050"/>
+              <a:gd name="connsiteX0" fmla="*/ 600 w 134040"/>
+              <a:gd name="connsiteY0" fmla="*/ 0 h 1670050"/>
+              <a:gd name="connsiteX1" fmla="*/ 690 w 134040"/>
+              <a:gd name="connsiteY1" fmla="*/ 1670050 h 1670050"/>
+              <a:gd name="connsiteX2" fmla="*/ 134040 w 134040"/>
+              <a:gd name="connsiteY2" fmla="*/ 1670050 h 1670050"/>
+            </a:gdLst>
+            <a:ahLst/>
+            <a:cxnLst>
+              <a:cxn ang="0">
+                <a:pos x="connsiteX0" y="connsiteY0"/>
+              </a:cxn>
+              <a:cxn ang="0">
+                <a:pos x="connsiteX1" y="connsiteY1"/>
+              </a:cxn>
+              <a:cxn ang="0">
+                <a:pos x="connsiteX2" y="connsiteY2"/>
+              </a:cxn>
+            </a:cxnLst>
+            <a:rect l="l" t="t" r="r" b="b"/>
+            <a:pathLst>
+              <a:path w="134040" h="1670050">
+                <a:moveTo>
+                  <a:pt x="600" y="0"/>
+                </a:moveTo>
+                <a:cubicBezTo>
+                  <a:pt x="-1517" y="556683"/>
+                  <a:pt x="2807" y="1113367"/>
+                  <a:pt x="690" y="1670050"/>
+                </a:cubicBezTo>
+                <a:lnTo>
+                  <a:pt x="134040" y="1670050"/>
+                </a:lnTo>
+              </a:path>
+            </a:pathLst>
+          </a:custGeom>
+          <a:noFill/>
+          <a:ln w="28575">
+            <a:solidFill>
+              <a:schemeClr val="tx1"/>
+            </a:solidFill>
+            <a:headEnd type="none" w="med" len="med"/>
+            <a:tailEnd type="triangle" w="med" len="med"/>
+          </a:ln>
+        </p:spPr>
+        <p:style>
+          <a:lnRef idx="2">
+            <a:schemeClr val="accent1">
+              <a:shade val="50000"/>
+            </a:schemeClr>
+          </a:lnRef>
+          <a:fillRef idx="1">
+            <a:schemeClr val="accent1"/>
+          </a:fillRef>
+          <a:effectRef idx="0">
+            <a:schemeClr val="accent1"/>
+          </a:effectRef>
+          <a:fontRef idx="minor">
+            <a:schemeClr val="lt1"/>
+          </a:fontRef>
+        </p:style>
+        <p:txBody>
+          <a:bodyPr rtlCol="0" anchor="ctr"/>
+          <a:lstStyle/>
+          <a:p>
+            <a:pPr algn="ctr"/>
+            <a:endParaRPr lang="zh-CN" altLang="en-US"/>
+          </a:p>
+        </p:txBody>
+      </p:sp>
+      <p:sp>
+        <p:nvSpPr>
+          <p:cNvPr id="316" name="矩形 315">
+            <a:extLst>
+              <a:ext uri="{FF2B5EF4-FFF2-40B4-BE49-F238E27FC236}">
+                <a16:creationId xmlns:a16="http://schemas.microsoft.com/office/drawing/2014/main" id="{AB9D2FE5-7C61-4768-89D0-D61538E6DC57}"/>
+              </a:ext>
+            </a:extLst>
+          </p:cNvPr>
+          <p:cNvSpPr/>
+          <p:nvPr/>
+        </p:nvSpPr>
+        <p:spPr>
+          <a:xfrm>
+            <a:off x="4971074" y="114200"/>
+            <a:ext cx="148492" cy="2901814"/>
+          </a:xfrm>
+          <a:prstGeom prst="rect">
+            <a:avLst/>
+          </a:prstGeom>
+          <a:noFill/>
+          <a:ln>
+            <a:solidFill>
+              <a:schemeClr val="tx1"/>
+            </a:solidFill>
+          </a:ln>
+        </p:spPr>
+        <p:style>
+          <a:lnRef idx="2">
+            <a:schemeClr val="accent1">
+              <a:shade val="50000"/>
+            </a:schemeClr>
+          </a:lnRef>
+          <a:fillRef idx="1">
+            <a:schemeClr val="accent1"/>
+          </a:fillRef>
+          <a:effectRef idx="0">
+            <a:schemeClr val="accent1"/>
+          </a:effectRef>
+          <a:fontRef idx="minor">
+            <a:schemeClr val="lt1"/>
+          </a:fontRef>
+        </p:style>
+        <p:txBody>
+          <a:bodyPr rtlCol="0" anchor="ctr"/>
+          <a:lstStyle/>
+          <a:p>
+            <a:pPr algn="ctr"/>
+            <a:endParaRPr lang="zh-CN" altLang="en-US"/>
+          </a:p>
+        </p:txBody>
+      </p:sp>
+      <p:sp>
+        <p:nvSpPr>
+          <p:cNvPr id="317" name="等腰三角形 316">
+            <a:extLst>
+              <a:ext uri="{FF2B5EF4-FFF2-40B4-BE49-F238E27FC236}">
+                <a16:creationId xmlns:a16="http://schemas.microsoft.com/office/drawing/2014/main" id="{0C55F839-3B49-4B39-BEB5-844FEB8308D5}"/>
+              </a:ext>
+            </a:extLst>
+          </p:cNvPr>
+          <p:cNvSpPr/>
+          <p:nvPr/>
+        </p:nvSpPr>
+        <p:spPr>
+          <a:xfrm rot="10800000">
+            <a:off x="4971074" y="120550"/>
+            <a:ext cx="139699" cy="139696"/>
+          </a:xfrm>
+          <a:prstGeom prst="triangle">
+            <a:avLst/>
+          </a:prstGeom>
+          <a:solidFill>
+            <a:srgbClr val="FFFF00"/>
+          </a:solidFill>
+          <a:ln w="12700">
+            <a:solidFill>
+              <a:schemeClr val="tx1"/>
+            </a:solidFill>
+          </a:ln>
+        </p:spPr>
+        <p:style>
+          <a:lnRef idx="2">
+            <a:schemeClr val="accent1">
+              <a:shade val="50000"/>
+            </a:schemeClr>
+          </a:lnRef>
+          <a:fillRef idx="1">
+            <a:schemeClr val="accent1"/>
+          </a:fillRef>
+          <a:effectRef idx="0">
+            <a:schemeClr val="accent1"/>
+          </a:effectRef>
+          <a:fontRef idx="minor">
+            <a:schemeClr val="lt1"/>
+          </a:fontRef>
+        </p:style>
+        <p:txBody>
+          <a:bodyPr rtlCol="0" anchor="ctr"/>
+          <a:lstStyle/>
+          <a:p>
+            <a:pPr algn="ctr"/>
+            <a:endParaRPr lang="zh-CN" altLang="en-US"/>
+          </a:p>
+        </p:txBody>
+      </p:sp>
+      <p:sp>
+        <p:nvSpPr>
+          <p:cNvPr id="325" name="矩形 324">
+            <a:extLst>
+              <a:ext uri="{FF2B5EF4-FFF2-40B4-BE49-F238E27FC236}">
+                <a16:creationId xmlns:a16="http://schemas.microsoft.com/office/drawing/2014/main" id="{4F3149CE-CBFE-44B2-8955-7022E95B716B}"/>
+              </a:ext>
+            </a:extLst>
+          </p:cNvPr>
+          <p:cNvSpPr/>
+          <p:nvPr/>
+        </p:nvSpPr>
+        <p:spPr>
+          <a:xfrm rot="5400000">
+            <a:off x="3966002" y="2176747"/>
+            <a:ext cx="878767" cy="276999"/>
+          </a:xfrm>
+          <a:prstGeom prst="rect">
+            <a:avLst/>
+          </a:prstGeom>
+        </p:spPr>
+        <p:txBody>
+          <a:bodyPr wrap="none">
+            <a:spAutoFit/>
+          </a:bodyPr>
+          <a:lstStyle/>
+          <a:p>
+            <a:r>
+              <a:rPr lang="en-US" altLang="zh-TW" sz="1200" dirty="0" err="1">
+                <a:latin typeface="Times New Roman" panose="02020603050405020304" pitchFamily="18" charset="0"/>
+                <a:cs typeface="Times New Roman" panose="02020603050405020304" pitchFamily="18" charset="0"/>
+              </a:rPr>
+              <a:t>MemtoReg</a:t>
+            </a:r>
+            <a:endParaRPr lang="zh-CN" altLang="en-US" sz="1200" dirty="0"/>
+          </a:p>
+        </p:txBody>
+      </p:sp>
+      <p:cxnSp>
+        <p:nvCxnSpPr>
+          <p:cNvPr id="326" name="直接箭头连接符 325">
+            <a:extLst>
+              <a:ext uri="{FF2B5EF4-FFF2-40B4-BE49-F238E27FC236}">
+                <a16:creationId xmlns:a16="http://schemas.microsoft.com/office/drawing/2014/main" id="{0E2E3CE0-46CE-4DFF-9259-3587667CC8DD}"/>
+              </a:ext>
+            </a:extLst>
+          </p:cNvPr>
+          <p:cNvCxnSpPr>
+            <a:cxnSpLocks/>
+          </p:cNvCxnSpPr>
+          <p:nvPr/>
+        </p:nvCxnSpPr>
+        <p:spPr>
+          <a:xfrm>
+            <a:off x="4421269" y="4423720"/>
+            <a:ext cx="1010944" cy="0"/>
+          </a:xfrm>
+          <a:prstGeom prst="straightConnector1">
+            <a:avLst/>
+          </a:prstGeom>
+          <a:ln w="28575">
+            <a:solidFill>
+              <a:schemeClr val="tx1"/>
+            </a:solidFill>
+            <a:tailEnd type="triangle"/>
+          </a:ln>
+        </p:spPr>
+        <p:style>
+          <a:lnRef idx="1">
+            <a:schemeClr val="accent1"/>
+          </a:lnRef>
+          <a:fillRef idx="0">
+            <a:schemeClr val="accent1"/>
+          </a:fillRef>
+          <a:effectRef idx="0">
+            <a:schemeClr val="accent1"/>
+          </a:effectRef>
+          <a:fontRef idx="minor">
+            <a:schemeClr val="tx1"/>
+          </a:fontRef>
+        </p:style>
+      </p:cxnSp>
+      <p:sp>
+        <p:nvSpPr>
+          <p:cNvPr id="328" name="文本框 327">
+            <a:extLst>
+              <a:ext uri="{FF2B5EF4-FFF2-40B4-BE49-F238E27FC236}">
+                <a16:creationId xmlns:a16="http://schemas.microsoft.com/office/drawing/2014/main" id="{345165E2-2848-4D99-8410-8F341B9B62E7}"/>
+              </a:ext>
+            </a:extLst>
+          </p:cNvPr>
+          <p:cNvSpPr txBox="1"/>
+          <p:nvPr/>
+        </p:nvSpPr>
+        <p:spPr>
+          <a:xfrm>
+            <a:off x="4773760" y="4126783"/>
+            <a:ext cx="821897" cy="276999"/>
+          </a:xfrm>
+          <a:prstGeom prst="rect">
+            <a:avLst/>
+          </a:prstGeom>
+          <a:noFill/>
+        </p:spPr>
+        <p:txBody>
+          <a:bodyPr wrap="square" rtlCol="0">
+            <a:spAutoFit/>
+          </a:bodyPr>
+          <a:lstStyle/>
+          <a:p>
+            <a:r>
+              <a:rPr lang="en-US" altLang="zh-CN" sz="1200" dirty="0" err="1">
+                <a:latin typeface="Times New Roman" panose="02020603050405020304" pitchFamily="18" charset="0"/>
+                <a:cs typeface="Times New Roman" panose="02020603050405020304" pitchFamily="18" charset="0"/>
+              </a:rPr>
+              <a:t>ALUOut</a:t>
+            </a:r>
+            <a:endParaRPr lang="zh-CN" altLang="en-US" sz="1200" dirty="0">
+              <a:latin typeface="Times New Roman" panose="02020603050405020304" pitchFamily="18" charset="0"/>
+              <a:cs typeface="Times New Roman" panose="02020603050405020304" pitchFamily="18" charset="0"/>
+            </a:endParaRPr>
+          </a:p>
+        </p:txBody>
+      </p:sp>
+      <p:sp>
+        <p:nvSpPr>
+          <p:cNvPr id="329" name="任意多边形: 形状 328">
+            <a:extLst>
+              <a:ext uri="{FF2B5EF4-FFF2-40B4-BE49-F238E27FC236}">
+                <a16:creationId xmlns:a16="http://schemas.microsoft.com/office/drawing/2014/main" id="{C9387463-8FFB-4C60-9530-F42036EF2E5C}"/>
+              </a:ext>
+            </a:extLst>
+          </p:cNvPr>
+          <p:cNvSpPr/>
+          <p:nvPr/>
+        </p:nvSpPr>
+        <p:spPr>
+          <a:xfrm flipV="1">
+            <a:off x="4749338" y="1640290"/>
+            <a:ext cx="210496" cy="2781447"/>
+          </a:xfrm>
+          <a:custGeom>
+            <a:avLst/>
+            <a:gdLst>
+              <a:gd name="connsiteX0" fmla="*/ 6350 w 133350"/>
+              <a:gd name="connsiteY0" fmla="*/ 0 h 1670050"/>
+              <a:gd name="connsiteX1" fmla="*/ 0 w 133350"/>
+              <a:gd name="connsiteY1" fmla="*/ 1670050 h 1670050"/>
+              <a:gd name="connsiteX2" fmla="*/ 133350 w 133350"/>
+              <a:gd name="connsiteY2" fmla="*/ 1670050 h 1670050"/>
+              <a:gd name="connsiteX0" fmla="*/ 378 w 137038"/>
+              <a:gd name="connsiteY0" fmla="*/ 0 h 1670050"/>
+              <a:gd name="connsiteX1" fmla="*/ 3688 w 137038"/>
+              <a:gd name="connsiteY1" fmla="*/ 1670050 h 1670050"/>
+              <a:gd name="connsiteX2" fmla="*/ 137038 w 137038"/>
+              <a:gd name="connsiteY2" fmla="*/ 1670050 h 1670050"/>
+              <a:gd name="connsiteX0" fmla="*/ 6350 w 133350"/>
+              <a:gd name="connsiteY0" fmla="*/ 0 h 1670050"/>
+              <a:gd name="connsiteX1" fmla="*/ 0 w 133350"/>
+              <a:gd name="connsiteY1" fmla="*/ 1670050 h 1670050"/>
+              <a:gd name="connsiteX2" fmla="*/ 133350 w 133350"/>
+              <a:gd name="connsiteY2" fmla="*/ 1670050 h 1670050"/>
+              <a:gd name="connsiteX0" fmla="*/ 600 w 134040"/>
+              <a:gd name="connsiteY0" fmla="*/ 0 h 1670050"/>
+              <a:gd name="connsiteX1" fmla="*/ 690 w 134040"/>
+              <a:gd name="connsiteY1" fmla="*/ 1670050 h 1670050"/>
+              <a:gd name="connsiteX2" fmla="*/ 134040 w 134040"/>
+              <a:gd name="connsiteY2" fmla="*/ 1670050 h 1670050"/>
+            </a:gdLst>
+            <a:ahLst/>
+            <a:cxnLst>
+              <a:cxn ang="0">
+                <a:pos x="connsiteX0" y="connsiteY0"/>
+              </a:cxn>
+              <a:cxn ang="0">
+                <a:pos x="connsiteX1" y="connsiteY1"/>
+              </a:cxn>
+              <a:cxn ang="0">
+                <a:pos x="connsiteX2" y="connsiteY2"/>
+              </a:cxn>
+            </a:cxnLst>
+            <a:rect l="l" t="t" r="r" b="b"/>
+            <a:pathLst>
+              <a:path w="134040" h="1670050">
+                <a:moveTo>
+                  <a:pt x="600" y="0"/>
+                </a:moveTo>
+                <a:cubicBezTo>
+                  <a:pt x="-1517" y="556683"/>
+                  <a:pt x="2807" y="1113367"/>
+                  <a:pt x="690" y="1670050"/>
+                </a:cubicBezTo>
+                <a:lnTo>
+                  <a:pt x="134040" y="1670050"/>
+                </a:lnTo>
+              </a:path>
+            </a:pathLst>
+          </a:custGeom>
+          <a:noFill/>
+          <a:ln w="28575">
+            <a:solidFill>
+              <a:schemeClr val="tx1"/>
+            </a:solidFill>
+            <a:headEnd type="none" w="med" len="med"/>
+            <a:tailEnd type="triangle" w="med" len="med"/>
+          </a:ln>
+        </p:spPr>
+        <p:style>
+          <a:lnRef idx="2">
+            <a:schemeClr val="accent1">
+              <a:shade val="50000"/>
+            </a:schemeClr>
+          </a:lnRef>
+          <a:fillRef idx="1">
+            <a:schemeClr val="accent1"/>
+          </a:fillRef>
+          <a:effectRef idx="0">
+            <a:schemeClr val="accent1"/>
+          </a:effectRef>
+          <a:fontRef idx="minor">
+            <a:schemeClr val="lt1"/>
+          </a:fontRef>
+        </p:style>
+        <p:txBody>
+          <a:bodyPr rtlCol="0" anchor="ctr"/>
+          <a:lstStyle/>
+          <a:p>
+            <a:pPr algn="ctr"/>
+            <a:endParaRPr lang="zh-CN" altLang="en-US"/>
+          </a:p>
+        </p:txBody>
+      </p:sp>
+      <p:sp>
+        <p:nvSpPr>
+          <p:cNvPr id="330" name="Rectangle 12">
+            <a:extLst>
+              <a:ext uri="{FF2B5EF4-FFF2-40B4-BE49-F238E27FC236}">
+                <a16:creationId xmlns:a16="http://schemas.microsoft.com/office/drawing/2014/main" id="{5FE88F43-7F20-4E0C-9281-F667BA0B4067}"/>
+              </a:ext>
+            </a:extLst>
+          </p:cNvPr>
+          <p:cNvSpPr>
+            <a:spLocks noChangeArrowheads="1"/>
+          </p:cNvSpPr>
+          <p:nvPr/>
+        </p:nvSpPr>
+        <p:spPr bwMode="auto">
+          <a:xfrm>
+            <a:off x="5455528" y="2945041"/>
+            <a:ext cx="1966316" cy="1723341"/>
+          </a:xfrm>
+          <a:prstGeom prst="rect">
+            <a:avLst/>
+          </a:prstGeom>
+          <a:solidFill>
+            <a:schemeClr val="bg1"/>
+          </a:solidFill>
+          <a:ln w="12700">
+            <a:solidFill>
+              <a:schemeClr val="tx1"/>
+            </a:solidFill>
+            <a:miter lim="800000"/>
+            <a:headEnd/>
+            <a:tailEnd/>
+          </a:ln>
+          <a:effectLst/>
+        </p:spPr>
+        <p:txBody>
+          <a:bodyPr wrap="none" anchor="ctr"/>
+          <a:lstStyle/>
+          <a:p>
+            <a:endParaRPr lang="zh-CN" altLang="en-US">
+              <a:latin typeface="Times New Roman" panose="02020603050405020304" pitchFamily="18" charset="0"/>
+              <a:cs typeface="Times New Roman" panose="02020603050405020304" pitchFamily="18" charset="0"/>
+            </a:endParaRPr>
+          </a:p>
+        </p:txBody>
+      </p:sp>
+      <p:sp>
+        <p:nvSpPr>
+          <p:cNvPr id="331" name="Text Box 18">
+            <a:extLst>
+              <a:ext uri="{FF2B5EF4-FFF2-40B4-BE49-F238E27FC236}">
+                <a16:creationId xmlns:a16="http://schemas.microsoft.com/office/drawing/2014/main" id="{656EB7D6-440C-4B2B-84AE-8FB90E5E0215}"/>
+              </a:ext>
+            </a:extLst>
+          </p:cNvPr>
+          <p:cNvSpPr txBox="1">
+            <a:spLocks noChangeArrowheads="1"/>
+          </p:cNvSpPr>
+          <p:nvPr/>
+        </p:nvSpPr>
+        <p:spPr bwMode="auto">
+          <a:xfrm>
+            <a:off x="6016951" y="2957610"/>
+            <a:ext cx="843470" cy="523206"/>
+          </a:xfrm>
+          <a:prstGeom prst="rect">
+            <a:avLst/>
+          </a:prstGeom>
+          <a:noFill/>
+          <a:ln>
+            <a:noFill/>
+          </a:ln>
+          <a:effectLst/>
+          <a:extLst>
+            <a:ext uri="{909E8E84-426E-40DD-AFC4-6F175D3DCCD1}">
+              <a14:hiddenFill xmlns:a14="http://schemas.microsoft.com/office/drawing/2010/main">
+                <a:solidFill>
+                  <a:schemeClr val="accent1"/>
+                </a:solidFill>
+              </a14:hiddenFill>
+            </a:ext>
+            <a:ext uri="{91240B29-F687-4F45-9708-019B960494DF}">
+              <a14:hiddenLine xmlns:a14="http://schemas.microsoft.com/office/drawing/2010/main" w="12700">
+                <a:solidFill>
+                  <a:schemeClr val="tx1"/>
+                </a:solidFill>
+                <a:miter lim="800000"/>
+                <a:headEnd/>
+                <a:tailEnd/>
+              </a14:hiddenLine>
+            </a:ext>
+            <a:ext uri="{AF507438-7753-43E0-B8FC-AC1667EBCBE1}">
+              <a14:hiddenEffects xmlns:a14="http://schemas.microsoft.com/office/drawing/2010/main">
+                <a:effectLst>
+                  <a:outerShdw dist="35921" dir="2700000" algn="ctr" rotWithShape="0">
+                    <a:schemeClr val="bg2"/>
+                  </a:outerShdw>
+                </a:effectLst>
+              </a14:hiddenEffects>
+            </a:ext>
+          </a:extLst>
+        </p:spPr>
+        <p:txBody>
+          <a:bodyPr wrap="none" lIns="91425" tIns="45713" rIns="91425" bIns="45713">
+            <a:spAutoFit/>
+          </a:bodyPr>
+          <a:lstStyle>
+            <a:lvl1pPr eaLnBrk="0" hangingPunct="0">
+              <a:defRPr b="1">
+                <a:solidFill>
+                  <a:schemeClr val="tx1"/>
+                </a:solidFill>
+                <a:latin typeface="Tahoma" pitchFamily="34" charset="0"/>
+                <a:ea typeface="宋体" pitchFamily="2" charset="-122"/>
+              </a:defRPr>
+            </a:lvl1pPr>
+            <a:lvl2pPr marL="742950" indent="-285750" eaLnBrk="0" hangingPunct="0">
+              <a:defRPr b="1">
+                <a:solidFill>
+                  <a:schemeClr val="tx1"/>
+                </a:solidFill>
+                <a:latin typeface="Tahoma" pitchFamily="34" charset="0"/>
+                <a:ea typeface="宋体" pitchFamily="2" charset="-122"/>
+              </a:defRPr>
+            </a:lvl2pPr>
+            <a:lvl3pPr marL="1143000" indent="-228600" eaLnBrk="0" hangingPunct="0">
+              <a:defRPr b="1">
+                <a:solidFill>
+                  <a:schemeClr val="tx1"/>
+                </a:solidFill>
+                <a:latin typeface="Tahoma" pitchFamily="34" charset="0"/>
+                <a:ea typeface="宋体" pitchFamily="2" charset="-122"/>
+              </a:defRPr>
+            </a:lvl3pPr>
+            <a:lvl4pPr marL="1600200" indent="-228600" eaLnBrk="0" hangingPunct="0">
+              <a:defRPr b="1">
+                <a:solidFill>
+                  <a:schemeClr val="tx1"/>
+                </a:solidFill>
+                <a:latin typeface="Tahoma" pitchFamily="34" charset="0"/>
+                <a:ea typeface="宋体" pitchFamily="2" charset="-122"/>
+              </a:defRPr>
+            </a:lvl4pPr>
+            <a:lvl5pPr marL="2057400" indent="-228600" eaLnBrk="0" hangingPunct="0">
+              <a:defRPr b="1">
+                <a:solidFill>
+                  <a:schemeClr val="tx1"/>
+                </a:solidFill>
+                <a:latin typeface="Tahoma" pitchFamily="34" charset="0"/>
+                <a:ea typeface="宋体" pitchFamily="2" charset="-122"/>
+              </a:defRPr>
+            </a:lvl5pPr>
+            <a:lvl6pPr marL="2514600" indent="-228600" eaLnBrk="0" fontAlgn="base" hangingPunct="0">
+              <a:spcBef>
+                <a:spcPct val="0"/>
+              </a:spcBef>
+              <a:spcAft>
+                <a:spcPct val="0"/>
+              </a:spcAft>
+              <a:defRPr b="1">
+                <a:solidFill>
+                  <a:schemeClr val="tx1"/>
+                </a:solidFill>
+                <a:latin typeface="Tahoma" pitchFamily="34" charset="0"/>
+                <a:ea typeface="宋体" pitchFamily="2" charset="-122"/>
+              </a:defRPr>
+            </a:lvl6pPr>
+            <a:lvl7pPr marL="2971800" indent="-228600" eaLnBrk="0" fontAlgn="base" hangingPunct="0">
+              <a:spcBef>
+                <a:spcPct val="0"/>
+              </a:spcBef>
+              <a:spcAft>
+                <a:spcPct val="0"/>
+              </a:spcAft>
+              <a:defRPr b="1">
+                <a:solidFill>
+                  <a:schemeClr val="tx1"/>
+                </a:solidFill>
+                <a:latin typeface="Tahoma" pitchFamily="34" charset="0"/>
+                <a:ea typeface="宋体" pitchFamily="2" charset="-122"/>
+              </a:defRPr>
+            </a:lvl7pPr>
+            <a:lvl8pPr marL="3429000" indent="-228600" eaLnBrk="0" fontAlgn="base" hangingPunct="0">
+              <a:spcBef>
+                <a:spcPct val="0"/>
+              </a:spcBef>
+              <a:spcAft>
+                <a:spcPct val="0"/>
+              </a:spcAft>
+              <a:defRPr b="1">
+                <a:solidFill>
+                  <a:schemeClr val="tx1"/>
+                </a:solidFill>
+                <a:latin typeface="Tahoma" pitchFamily="34" charset="0"/>
+                <a:ea typeface="宋体" pitchFamily="2" charset="-122"/>
+              </a:defRPr>
+            </a:lvl8pPr>
+            <a:lvl9pPr marL="3886200" indent="-228600" eaLnBrk="0" fontAlgn="base" hangingPunct="0">
+              <a:spcBef>
+                <a:spcPct val="0"/>
+              </a:spcBef>
+              <a:spcAft>
+                <a:spcPct val="0"/>
+              </a:spcAft>
+              <a:defRPr b="1">
+                <a:solidFill>
+                  <a:schemeClr val="tx1"/>
+                </a:solidFill>
+                <a:latin typeface="Tahoma" pitchFamily="34" charset="0"/>
+                <a:ea typeface="宋体" pitchFamily="2" charset="-122"/>
+              </a:defRPr>
+            </a:lvl9pPr>
+          </a:lstStyle>
+          <a:p>
+            <a:pPr algn="ctr"/>
+            <a:r>
+              <a:rPr lang="en-US" altLang="zh-CN" sz="1400" dirty="0">
+                <a:latin typeface="Times New Roman" panose="02020603050405020304" pitchFamily="18" charset="0"/>
+                <a:cs typeface="Times New Roman" panose="02020603050405020304" pitchFamily="18" charset="0"/>
+              </a:rPr>
+              <a:t>Data</a:t>
+            </a:r>
+          </a:p>
+          <a:p>
+            <a:pPr algn="ctr"/>
+            <a:r>
+              <a:rPr lang="en-US" altLang="zh-CN" sz="1400" dirty="0">
+                <a:latin typeface="Times New Roman" panose="02020603050405020304" pitchFamily="18" charset="0"/>
+                <a:cs typeface="Times New Roman" panose="02020603050405020304" pitchFamily="18" charset="0"/>
+              </a:rPr>
+              <a:t>Memory</a:t>
+            </a:r>
+          </a:p>
+        </p:txBody>
+      </p:sp>
+      <p:sp>
+        <p:nvSpPr>
+          <p:cNvPr id="332" name="Text Box 17">
+            <a:extLst>
+              <a:ext uri="{FF2B5EF4-FFF2-40B4-BE49-F238E27FC236}">
+                <a16:creationId xmlns:a16="http://schemas.microsoft.com/office/drawing/2014/main" id="{7C48C2F5-887D-4872-8A53-243BD1A8E614}"/>
+              </a:ext>
+            </a:extLst>
+          </p:cNvPr>
+          <p:cNvSpPr txBox="1">
+            <a:spLocks noChangeArrowheads="1"/>
+          </p:cNvSpPr>
+          <p:nvPr/>
+        </p:nvSpPr>
+        <p:spPr bwMode="auto">
+          <a:xfrm>
+            <a:off x="5562900" y="4249129"/>
+            <a:ext cx="687979" cy="276985"/>
+          </a:xfrm>
+          <a:prstGeom prst="rect">
+            <a:avLst/>
+          </a:prstGeom>
+          <a:noFill/>
+          <a:ln>
+            <a:noFill/>
+          </a:ln>
+          <a:effectLst/>
+          <a:extLst>
+            <a:ext uri="{909E8E84-426E-40DD-AFC4-6F175D3DCCD1}">
+              <a14:hiddenFill xmlns:a14="http://schemas.microsoft.com/office/drawing/2010/main">
+                <a:solidFill>
+                  <a:schemeClr val="accent1"/>
+                </a:solidFill>
+              </a14:hiddenFill>
+            </a:ext>
+            <a:ext uri="{91240B29-F687-4F45-9708-019B960494DF}">
+              <a14:hiddenLine xmlns:a14="http://schemas.microsoft.com/office/drawing/2010/main" w="12700">
+                <a:solidFill>
+                  <a:schemeClr val="tx1"/>
+                </a:solidFill>
+                <a:miter lim="800000"/>
+                <a:headEnd/>
+                <a:tailEnd/>
+              </a14:hiddenLine>
+            </a:ext>
+            <a:ext uri="{AF507438-7753-43E0-B8FC-AC1667EBCBE1}">
+              <a14:hiddenEffects xmlns:a14="http://schemas.microsoft.com/office/drawing/2010/main">
+                <a:effectLst>
+                  <a:outerShdw dist="35921" dir="2700000" algn="ctr" rotWithShape="0">
+                    <a:schemeClr val="bg2"/>
+                  </a:outerShdw>
+                </a:effectLst>
+              </a14:hiddenEffects>
+            </a:ext>
+          </a:extLst>
+        </p:spPr>
+        <p:txBody>
+          <a:bodyPr wrap="none" lIns="91425" tIns="45713" rIns="91425" bIns="45713">
+            <a:spAutoFit/>
+          </a:bodyPr>
+          <a:lstStyle>
+            <a:lvl1pPr eaLnBrk="0" hangingPunct="0">
+              <a:defRPr b="1">
+                <a:solidFill>
+                  <a:schemeClr val="tx1"/>
+                </a:solidFill>
+                <a:latin typeface="Tahoma" pitchFamily="34" charset="0"/>
+                <a:ea typeface="宋体" pitchFamily="2" charset="-122"/>
+              </a:defRPr>
+            </a:lvl1pPr>
+            <a:lvl2pPr marL="742950" indent="-285750" eaLnBrk="0" hangingPunct="0">
+              <a:defRPr b="1">
+                <a:solidFill>
+                  <a:schemeClr val="tx1"/>
+                </a:solidFill>
+                <a:latin typeface="Tahoma" pitchFamily="34" charset="0"/>
+                <a:ea typeface="宋体" pitchFamily="2" charset="-122"/>
+              </a:defRPr>
+            </a:lvl2pPr>
+            <a:lvl3pPr marL="1143000" indent="-228600" eaLnBrk="0" hangingPunct="0">
+              <a:defRPr b="1">
+                <a:solidFill>
+                  <a:schemeClr val="tx1"/>
+                </a:solidFill>
+                <a:latin typeface="Tahoma" pitchFamily="34" charset="0"/>
+                <a:ea typeface="宋体" pitchFamily="2" charset="-122"/>
+              </a:defRPr>
+            </a:lvl3pPr>
+            <a:lvl4pPr marL="1600200" indent="-228600" eaLnBrk="0" hangingPunct="0">
+              <a:defRPr b="1">
+                <a:solidFill>
+                  <a:schemeClr val="tx1"/>
+                </a:solidFill>
+                <a:latin typeface="Tahoma" pitchFamily="34" charset="0"/>
+                <a:ea typeface="宋体" pitchFamily="2" charset="-122"/>
+              </a:defRPr>
+            </a:lvl4pPr>
+            <a:lvl5pPr marL="2057400" indent="-228600" eaLnBrk="0" hangingPunct="0">
+              <a:defRPr b="1">
+                <a:solidFill>
+                  <a:schemeClr val="tx1"/>
+                </a:solidFill>
+                <a:latin typeface="Tahoma" pitchFamily="34" charset="0"/>
+                <a:ea typeface="宋体" pitchFamily="2" charset="-122"/>
+              </a:defRPr>
+            </a:lvl5pPr>
+            <a:lvl6pPr marL="2514600" indent="-228600" eaLnBrk="0" fontAlgn="base" hangingPunct="0">
+              <a:spcBef>
+                <a:spcPct val="0"/>
+              </a:spcBef>
+              <a:spcAft>
+                <a:spcPct val="0"/>
+              </a:spcAft>
+              <a:defRPr b="1">
+                <a:solidFill>
+                  <a:schemeClr val="tx1"/>
+                </a:solidFill>
+                <a:latin typeface="Tahoma" pitchFamily="34" charset="0"/>
+                <a:ea typeface="宋体" pitchFamily="2" charset="-122"/>
+              </a:defRPr>
+            </a:lvl6pPr>
+            <a:lvl7pPr marL="2971800" indent="-228600" eaLnBrk="0" fontAlgn="base" hangingPunct="0">
+              <a:spcBef>
+                <a:spcPct val="0"/>
+              </a:spcBef>
+              <a:spcAft>
+                <a:spcPct val="0"/>
+              </a:spcAft>
+              <a:defRPr b="1">
+                <a:solidFill>
+                  <a:schemeClr val="tx1"/>
+                </a:solidFill>
+                <a:latin typeface="Tahoma" pitchFamily="34" charset="0"/>
+                <a:ea typeface="宋体" pitchFamily="2" charset="-122"/>
+              </a:defRPr>
+            </a:lvl7pPr>
+            <a:lvl8pPr marL="3429000" indent="-228600" eaLnBrk="0" fontAlgn="base" hangingPunct="0">
+              <a:spcBef>
+                <a:spcPct val="0"/>
+              </a:spcBef>
+              <a:spcAft>
+                <a:spcPct val="0"/>
+              </a:spcAft>
+              <a:defRPr b="1">
+                <a:solidFill>
+                  <a:schemeClr val="tx1"/>
+                </a:solidFill>
+                <a:latin typeface="Tahoma" pitchFamily="34" charset="0"/>
+                <a:ea typeface="宋体" pitchFamily="2" charset="-122"/>
+              </a:defRPr>
+            </a:lvl8pPr>
+            <a:lvl9pPr marL="3886200" indent="-228600" eaLnBrk="0" fontAlgn="base" hangingPunct="0">
+              <a:spcBef>
+                <a:spcPct val="0"/>
+              </a:spcBef>
+              <a:spcAft>
+                <a:spcPct val="0"/>
+              </a:spcAft>
+              <a:defRPr b="1">
+                <a:solidFill>
+                  <a:schemeClr val="tx1"/>
+                </a:solidFill>
+                <a:latin typeface="Tahoma" pitchFamily="34" charset="0"/>
+                <a:ea typeface="宋体" pitchFamily="2" charset="-122"/>
+              </a:defRPr>
+            </a:lvl9pPr>
+          </a:lstStyle>
+          <a:p>
+            <a:r>
+              <a:rPr lang="en-US" altLang="zh-CN" sz="1200" b="0" dirty="0">
+                <a:latin typeface="Times New Roman" panose="02020603050405020304" pitchFamily="18" charset="0"/>
+                <a:cs typeface="Times New Roman" panose="02020603050405020304" pitchFamily="18" charset="0"/>
+              </a:rPr>
+              <a:t>Address</a:t>
+            </a:r>
+          </a:p>
+        </p:txBody>
+      </p:sp>
+      <p:sp>
+        <p:nvSpPr>
+          <p:cNvPr id="333" name="Text Box 17">
+            <a:extLst>
+              <a:ext uri="{FF2B5EF4-FFF2-40B4-BE49-F238E27FC236}">
+                <a16:creationId xmlns:a16="http://schemas.microsoft.com/office/drawing/2014/main" id="{676C02AD-6D47-419C-800A-F0AAEF6C92BD}"/>
+              </a:ext>
+            </a:extLst>
+          </p:cNvPr>
+          <p:cNvSpPr txBox="1">
+            <a:spLocks noChangeArrowheads="1"/>
+          </p:cNvSpPr>
+          <p:nvPr/>
+        </p:nvSpPr>
+        <p:spPr bwMode="auto">
+          <a:xfrm>
+            <a:off x="5540980" y="3397420"/>
+            <a:ext cx="535694" cy="276985"/>
+          </a:xfrm>
+          <a:prstGeom prst="rect">
+            <a:avLst/>
+          </a:prstGeom>
+          <a:noFill/>
+          <a:ln>
+            <a:noFill/>
+          </a:ln>
+          <a:effectLst/>
+          <a:extLst>
+            <a:ext uri="{909E8E84-426E-40DD-AFC4-6F175D3DCCD1}">
+              <a14:hiddenFill xmlns:a14="http://schemas.microsoft.com/office/drawing/2010/main">
+                <a:solidFill>
+                  <a:schemeClr val="accent1"/>
+                </a:solidFill>
+              </a14:hiddenFill>
+            </a:ext>
+            <a:ext uri="{91240B29-F687-4F45-9708-019B960494DF}">
+              <a14:hiddenLine xmlns:a14="http://schemas.microsoft.com/office/drawing/2010/main" w="12700">
+                <a:solidFill>
+                  <a:schemeClr val="tx1"/>
+                </a:solidFill>
+                <a:miter lim="800000"/>
+                <a:headEnd/>
+                <a:tailEnd/>
+              </a14:hiddenLine>
+            </a:ext>
+            <a:ext uri="{AF507438-7753-43E0-B8FC-AC1667EBCBE1}">
+              <a14:hiddenEffects xmlns:a14="http://schemas.microsoft.com/office/drawing/2010/main">
+                <a:effectLst>
+                  <a:outerShdw dist="35921" dir="2700000" algn="ctr" rotWithShape="0">
+                    <a:schemeClr val="bg2"/>
+                  </a:outerShdw>
+                </a:effectLst>
+              </a14:hiddenEffects>
+            </a:ext>
+          </a:extLst>
+        </p:spPr>
+        <p:txBody>
+          <a:bodyPr wrap="none" lIns="91425" tIns="45713" rIns="91425" bIns="45713">
+            <a:spAutoFit/>
+          </a:bodyPr>
+          <a:lstStyle>
+            <a:lvl1pPr eaLnBrk="0" hangingPunct="0">
+              <a:defRPr b="1">
+                <a:solidFill>
+                  <a:schemeClr val="tx1"/>
+                </a:solidFill>
+                <a:latin typeface="Tahoma" pitchFamily="34" charset="0"/>
+                <a:ea typeface="宋体" pitchFamily="2" charset="-122"/>
+              </a:defRPr>
+            </a:lvl1pPr>
+            <a:lvl2pPr marL="742950" indent="-285750" eaLnBrk="0" hangingPunct="0">
+              <a:defRPr b="1">
+                <a:solidFill>
+                  <a:schemeClr val="tx1"/>
+                </a:solidFill>
+                <a:latin typeface="Tahoma" pitchFamily="34" charset="0"/>
+                <a:ea typeface="宋体" pitchFamily="2" charset="-122"/>
+              </a:defRPr>
+            </a:lvl2pPr>
+            <a:lvl3pPr marL="1143000" indent="-228600" eaLnBrk="0" hangingPunct="0">
+              <a:defRPr b="1">
+                <a:solidFill>
+                  <a:schemeClr val="tx1"/>
+                </a:solidFill>
+                <a:latin typeface="Tahoma" pitchFamily="34" charset="0"/>
+                <a:ea typeface="宋体" pitchFamily="2" charset="-122"/>
+              </a:defRPr>
+            </a:lvl3pPr>
+            <a:lvl4pPr marL="1600200" indent="-228600" eaLnBrk="0" hangingPunct="0">
+              <a:defRPr b="1">
+                <a:solidFill>
+                  <a:schemeClr val="tx1"/>
+                </a:solidFill>
+                <a:latin typeface="Tahoma" pitchFamily="34" charset="0"/>
+                <a:ea typeface="宋体" pitchFamily="2" charset="-122"/>
+              </a:defRPr>
+            </a:lvl4pPr>
+            <a:lvl5pPr marL="2057400" indent="-228600" eaLnBrk="0" hangingPunct="0">
+              <a:defRPr b="1">
+                <a:solidFill>
+                  <a:schemeClr val="tx1"/>
+                </a:solidFill>
+                <a:latin typeface="Tahoma" pitchFamily="34" charset="0"/>
+                <a:ea typeface="宋体" pitchFamily="2" charset="-122"/>
+              </a:defRPr>
+            </a:lvl5pPr>
+            <a:lvl6pPr marL="2514600" indent="-228600" eaLnBrk="0" fontAlgn="base" hangingPunct="0">
+              <a:spcBef>
+                <a:spcPct val="0"/>
+              </a:spcBef>
+              <a:spcAft>
+                <a:spcPct val="0"/>
+              </a:spcAft>
+              <a:defRPr b="1">
+                <a:solidFill>
+                  <a:schemeClr val="tx1"/>
+                </a:solidFill>
+                <a:latin typeface="Tahoma" pitchFamily="34" charset="0"/>
+                <a:ea typeface="宋体" pitchFamily="2" charset="-122"/>
+              </a:defRPr>
+            </a:lvl6pPr>
+            <a:lvl7pPr marL="2971800" indent="-228600" eaLnBrk="0" fontAlgn="base" hangingPunct="0">
+              <a:spcBef>
+                <a:spcPct val="0"/>
+              </a:spcBef>
+              <a:spcAft>
+                <a:spcPct val="0"/>
+              </a:spcAft>
+              <a:defRPr b="1">
+                <a:solidFill>
+                  <a:schemeClr val="tx1"/>
+                </a:solidFill>
+                <a:latin typeface="Tahoma" pitchFamily="34" charset="0"/>
+                <a:ea typeface="宋体" pitchFamily="2" charset="-122"/>
+              </a:defRPr>
+            </a:lvl7pPr>
+            <a:lvl8pPr marL="3429000" indent="-228600" eaLnBrk="0" fontAlgn="base" hangingPunct="0">
+              <a:spcBef>
+                <a:spcPct val="0"/>
+              </a:spcBef>
+              <a:spcAft>
+                <a:spcPct val="0"/>
+              </a:spcAft>
+              <a:defRPr b="1">
+                <a:solidFill>
+                  <a:schemeClr val="tx1"/>
+                </a:solidFill>
+                <a:latin typeface="Tahoma" pitchFamily="34" charset="0"/>
+                <a:ea typeface="宋体" pitchFamily="2" charset="-122"/>
+              </a:defRPr>
+            </a:lvl8pPr>
+            <a:lvl9pPr marL="3886200" indent="-228600" eaLnBrk="0" fontAlgn="base" hangingPunct="0">
+              <a:spcBef>
+                <a:spcPct val="0"/>
+              </a:spcBef>
+              <a:spcAft>
+                <a:spcPct val="0"/>
+              </a:spcAft>
+              <a:defRPr b="1">
+                <a:solidFill>
+                  <a:schemeClr val="tx1"/>
+                </a:solidFill>
+                <a:latin typeface="Tahoma" pitchFamily="34" charset="0"/>
+                <a:ea typeface="宋体" pitchFamily="2" charset="-122"/>
+              </a:defRPr>
+            </a:lvl9pPr>
+          </a:lstStyle>
+          <a:p>
+            <a:r>
+              <a:rPr lang="en-US" altLang="zh-CN" sz="1200" b="0" dirty="0" err="1">
+                <a:latin typeface="Times New Roman" panose="02020603050405020304" pitchFamily="18" charset="0"/>
+                <a:cs typeface="Times New Roman" panose="02020603050405020304" pitchFamily="18" charset="0"/>
+              </a:rPr>
+              <a:t>RdEn</a:t>
+            </a:r>
+            <a:endParaRPr lang="en-US" altLang="zh-CN" sz="1200" b="0" dirty="0">
+              <a:latin typeface="Times New Roman" panose="02020603050405020304" pitchFamily="18" charset="0"/>
+              <a:cs typeface="Times New Roman" panose="02020603050405020304" pitchFamily="18" charset="0"/>
+            </a:endParaRPr>
+          </a:p>
+        </p:txBody>
+      </p:sp>
+      <p:sp>
+        <p:nvSpPr>
+          <p:cNvPr id="337" name="Text Box 17">
+            <a:extLst>
+              <a:ext uri="{FF2B5EF4-FFF2-40B4-BE49-F238E27FC236}">
+                <a16:creationId xmlns:a16="http://schemas.microsoft.com/office/drawing/2014/main" id="{1A8E202D-B048-48C3-B8C7-EDDAD85E442A}"/>
+              </a:ext>
+            </a:extLst>
+          </p:cNvPr>
+          <p:cNvSpPr txBox="1">
+            <a:spLocks noChangeArrowheads="1"/>
+          </p:cNvSpPr>
+          <p:nvPr/>
+        </p:nvSpPr>
+        <p:spPr bwMode="auto">
+          <a:xfrm>
+            <a:off x="6858808" y="3562845"/>
+            <a:ext cx="502030" cy="461651"/>
+          </a:xfrm>
+          <a:prstGeom prst="rect">
+            <a:avLst/>
+          </a:prstGeom>
+          <a:noFill/>
+          <a:ln>
+            <a:noFill/>
+          </a:ln>
+          <a:effectLst/>
+          <a:extLst>
+            <a:ext uri="{909E8E84-426E-40DD-AFC4-6F175D3DCCD1}">
+              <a14:hiddenFill xmlns:a14="http://schemas.microsoft.com/office/drawing/2010/main">
+                <a:solidFill>
+                  <a:schemeClr val="accent1"/>
+                </a:solidFill>
+              </a14:hiddenFill>
+            </a:ext>
+            <a:ext uri="{91240B29-F687-4F45-9708-019B960494DF}">
+              <a14:hiddenLine xmlns:a14="http://schemas.microsoft.com/office/drawing/2010/main" w="12700">
+                <a:solidFill>
+                  <a:schemeClr val="tx1"/>
+                </a:solidFill>
+                <a:miter lim="800000"/>
+                <a:headEnd/>
+                <a:tailEnd/>
+              </a14:hiddenLine>
+            </a:ext>
+            <a:ext uri="{AF507438-7753-43E0-B8FC-AC1667EBCBE1}">
+              <a14:hiddenEffects xmlns:a14="http://schemas.microsoft.com/office/drawing/2010/main">
+                <a:effectLst>
+                  <a:outerShdw dist="35921" dir="2700000" algn="ctr" rotWithShape="0">
+                    <a:schemeClr val="bg2"/>
+                  </a:outerShdw>
+                </a:effectLst>
+              </a14:hiddenEffects>
+            </a:ext>
+          </a:extLst>
+        </p:spPr>
+        <p:txBody>
+          <a:bodyPr wrap="none" lIns="91425" tIns="45713" rIns="91425" bIns="45713">
+            <a:spAutoFit/>
+          </a:bodyPr>
+          <a:lstStyle>
+            <a:lvl1pPr eaLnBrk="0" hangingPunct="0">
+              <a:defRPr b="1">
+                <a:solidFill>
+                  <a:schemeClr val="tx1"/>
+                </a:solidFill>
+                <a:latin typeface="Tahoma" pitchFamily="34" charset="0"/>
+                <a:ea typeface="宋体" pitchFamily="2" charset="-122"/>
+              </a:defRPr>
+            </a:lvl1pPr>
+            <a:lvl2pPr marL="742950" indent="-285750" eaLnBrk="0" hangingPunct="0">
+              <a:defRPr b="1">
+                <a:solidFill>
+                  <a:schemeClr val="tx1"/>
+                </a:solidFill>
+                <a:latin typeface="Tahoma" pitchFamily="34" charset="0"/>
+                <a:ea typeface="宋体" pitchFamily="2" charset="-122"/>
+              </a:defRPr>
+            </a:lvl2pPr>
+            <a:lvl3pPr marL="1143000" indent="-228600" eaLnBrk="0" hangingPunct="0">
+              <a:defRPr b="1">
+                <a:solidFill>
+                  <a:schemeClr val="tx1"/>
+                </a:solidFill>
+                <a:latin typeface="Tahoma" pitchFamily="34" charset="0"/>
+                <a:ea typeface="宋体" pitchFamily="2" charset="-122"/>
+              </a:defRPr>
+            </a:lvl3pPr>
+            <a:lvl4pPr marL="1600200" indent="-228600" eaLnBrk="0" hangingPunct="0">
+              <a:defRPr b="1">
+                <a:solidFill>
+                  <a:schemeClr val="tx1"/>
+                </a:solidFill>
+                <a:latin typeface="Tahoma" pitchFamily="34" charset="0"/>
+                <a:ea typeface="宋体" pitchFamily="2" charset="-122"/>
+              </a:defRPr>
+            </a:lvl4pPr>
+            <a:lvl5pPr marL="2057400" indent="-228600" eaLnBrk="0" hangingPunct="0">
+              <a:defRPr b="1">
+                <a:solidFill>
+                  <a:schemeClr val="tx1"/>
+                </a:solidFill>
+                <a:latin typeface="Tahoma" pitchFamily="34" charset="0"/>
+                <a:ea typeface="宋体" pitchFamily="2" charset="-122"/>
+              </a:defRPr>
+            </a:lvl5pPr>
+            <a:lvl6pPr marL="2514600" indent="-228600" eaLnBrk="0" fontAlgn="base" hangingPunct="0">
+              <a:spcBef>
+                <a:spcPct val="0"/>
+              </a:spcBef>
+              <a:spcAft>
+                <a:spcPct val="0"/>
+              </a:spcAft>
+              <a:defRPr b="1">
+                <a:solidFill>
+                  <a:schemeClr val="tx1"/>
+                </a:solidFill>
+                <a:latin typeface="Tahoma" pitchFamily="34" charset="0"/>
+                <a:ea typeface="宋体" pitchFamily="2" charset="-122"/>
+              </a:defRPr>
+            </a:lvl6pPr>
+            <a:lvl7pPr marL="2971800" indent="-228600" eaLnBrk="0" fontAlgn="base" hangingPunct="0">
+              <a:spcBef>
+                <a:spcPct val="0"/>
+              </a:spcBef>
+              <a:spcAft>
+                <a:spcPct val="0"/>
+              </a:spcAft>
+              <a:defRPr b="1">
+                <a:solidFill>
+                  <a:schemeClr val="tx1"/>
+                </a:solidFill>
+                <a:latin typeface="Tahoma" pitchFamily="34" charset="0"/>
+                <a:ea typeface="宋体" pitchFamily="2" charset="-122"/>
+              </a:defRPr>
+            </a:lvl7pPr>
+            <a:lvl8pPr marL="3429000" indent="-228600" eaLnBrk="0" fontAlgn="base" hangingPunct="0">
+              <a:spcBef>
+                <a:spcPct val="0"/>
+              </a:spcBef>
+              <a:spcAft>
+                <a:spcPct val="0"/>
+              </a:spcAft>
+              <a:defRPr b="1">
+                <a:solidFill>
+                  <a:schemeClr val="tx1"/>
+                </a:solidFill>
+                <a:latin typeface="Tahoma" pitchFamily="34" charset="0"/>
+                <a:ea typeface="宋体" pitchFamily="2" charset="-122"/>
+              </a:defRPr>
+            </a:lvl8pPr>
+            <a:lvl9pPr marL="3886200" indent="-228600" eaLnBrk="0" fontAlgn="base" hangingPunct="0">
+              <a:spcBef>
+                <a:spcPct val="0"/>
+              </a:spcBef>
+              <a:spcAft>
+                <a:spcPct val="0"/>
+              </a:spcAft>
+              <a:defRPr b="1">
+                <a:solidFill>
+                  <a:schemeClr val="tx1"/>
+                </a:solidFill>
+                <a:latin typeface="Tahoma" pitchFamily="34" charset="0"/>
+                <a:ea typeface="宋体" pitchFamily="2" charset="-122"/>
+              </a:defRPr>
+            </a:lvl9pPr>
+          </a:lstStyle>
+          <a:p>
+            <a:r>
+              <a:rPr lang="en-US" altLang="zh-CN" sz="1200" b="0" dirty="0">
+                <a:latin typeface="Times New Roman" panose="02020603050405020304" pitchFamily="18" charset="0"/>
+                <a:cs typeface="Times New Roman" panose="02020603050405020304" pitchFamily="18" charset="0"/>
+              </a:rPr>
+              <a:t>Read</a:t>
+            </a:r>
+          </a:p>
+          <a:p>
+            <a:r>
+              <a:rPr lang="en-US" altLang="zh-CN" sz="1200" b="0" dirty="0">
+                <a:latin typeface="Times New Roman" panose="02020603050405020304" pitchFamily="18" charset="0"/>
+                <a:cs typeface="Times New Roman" panose="02020603050405020304" pitchFamily="18" charset="0"/>
+              </a:rPr>
+              <a:t>Data</a:t>
+            </a:r>
+          </a:p>
+        </p:txBody>
+      </p:sp>
+      <p:sp>
+        <p:nvSpPr>
+          <p:cNvPr id="339" name="Text Box 17">
+            <a:extLst>
+              <a:ext uri="{FF2B5EF4-FFF2-40B4-BE49-F238E27FC236}">
+                <a16:creationId xmlns:a16="http://schemas.microsoft.com/office/drawing/2014/main" id="{E48A7B9C-132F-4EE7-AFC5-B98EEC9687F3}"/>
+              </a:ext>
+            </a:extLst>
+          </p:cNvPr>
+          <p:cNvSpPr txBox="1">
+            <a:spLocks noChangeArrowheads="1"/>
+          </p:cNvSpPr>
+          <p:nvPr/>
+        </p:nvSpPr>
+        <p:spPr bwMode="auto">
+          <a:xfrm>
+            <a:off x="5543550" y="3649536"/>
+            <a:ext cx="547171" cy="276985"/>
+          </a:xfrm>
+          <a:prstGeom prst="rect">
+            <a:avLst/>
+          </a:prstGeom>
+          <a:noFill/>
+          <a:ln>
+            <a:noFill/>
+          </a:ln>
+          <a:effectLst/>
+          <a:extLst>
+            <a:ext uri="{909E8E84-426E-40DD-AFC4-6F175D3DCCD1}">
+              <a14:hiddenFill xmlns:a14="http://schemas.microsoft.com/office/drawing/2010/main">
+                <a:solidFill>
+                  <a:schemeClr val="accent1"/>
+                </a:solidFill>
+              </a14:hiddenFill>
+            </a:ext>
+            <a:ext uri="{91240B29-F687-4F45-9708-019B960494DF}">
+              <a14:hiddenLine xmlns:a14="http://schemas.microsoft.com/office/drawing/2010/main" w="12700">
+                <a:solidFill>
+                  <a:schemeClr val="tx1"/>
+                </a:solidFill>
+                <a:miter lim="800000"/>
+                <a:headEnd/>
+                <a:tailEnd/>
+              </a14:hiddenLine>
+            </a:ext>
+            <a:ext uri="{AF507438-7753-43E0-B8FC-AC1667EBCBE1}">
+              <a14:hiddenEffects xmlns:a14="http://schemas.microsoft.com/office/drawing/2010/main">
+                <a:effectLst>
+                  <a:outerShdw dist="35921" dir="2700000" algn="ctr" rotWithShape="0">
+                    <a:schemeClr val="bg2"/>
+                  </a:outerShdw>
+                </a:effectLst>
+              </a14:hiddenEffects>
+            </a:ext>
+          </a:extLst>
+        </p:spPr>
+        <p:txBody>
+          <a:bodyPr wrap="none" lIns="91425" tIns="45713" rIns="91425" bIns="45713">
+            <a:spAutoFit/>
+          </a:bodyPr>
+          <a:lstStyle>
+            <a:lvl1pPr eaLnBrk="0" hangingPunct="0">
+              <a:defRPr b="1">
+                <a:solidFill>
+                  <a:schemeClr val="tx1"/>
+                </a:solidFill>
+                <a:latin typeface="Tahoma" pitchFamily="34" charset="0"/>
+                <a:ea typeface="宋体" pitchFamily="2" charset="-122"/>
+              </a:defRPr>
+            </a:lvl1pPr>
+            <a:lvl2pPr marL="742950" indent="-285750" eaLnBrk="0" hangingPunct="0">
+              <a:defRPr b="1">
+                <a:solidFill>
+                  <a:schemeClr val="tx1"/>
+                </a:solidFill>
+                <a:latin typeface="Tahoma" pitchFamily="34" charset="0"/>
+                <a:ea typeface="宋体" pitchFamily="2" charset="-122"/>
+              </a:defRPr>
+            </a:lvl2pPr>
+            <a:lvl3pPr marL="1143000" indent="-228600" eaLnBrk="0" hangingPunct="0">
+              <a:defRPr b="1">
+                <a:solidFill>
+                  <a:schemeClr val="tx1"/>
+                </a:solidFill>
+                <a:latin typeface="Tahoma" pitchFamily="34" charset="0"/>
+                <a:ea typeface="宋体" pitchFamily="2" charset="-122"/>
+              </a:defRPr>
+            </a:lvl3pPr>
+            <a:lvl4pPr marL="1600200" indent="-228600" eaLnBrk="0" hangingPunct="0">
+              <a:defRPr b="1">
+                <a:solidFill>
+                  <a:schemeClr val="tx1"/>
+                </a:solidFill>
+                <a:latin typeface="Tahoma" pitchFamily="34" charset="0"/>
+                <a:ea typeface="宋体" pitchFamily="2" charset="-122"/>
+              </a:defRPr>
+            </a:lvl4pPr>
+            <a:lvl5pPr marL="2057400" indent="-228600" eaLnBrk="0" hangingPunct="0">
+              <a:defRPr b="1">
+                <a:solidFill>
+                  <a:schemeClr val="tx1"/>
+                </a:solidFill>
+                <a:latin typeface="Tahoma" pitchFamily="34" charset="0"/>
+                <a:ea typeface="宋体" pitchFamily="2" charset="-122"/>
+              </a:defRPr>
+            </a:lvl5pPr>
+            <a:lvl6pPr marL="2514600" indent="-228600" eaLnBrk="0" fontAlgn="base" hangingPunct="0">
+              <a:spcBef>
+                <a:spcPct val="0"/>
+              </a:spcBef>
+              <a:spcAft>
+                <a:spcPct val="0"/>
+              </a:spcAft>
+              <a:defRPr b="1">
+                <a:solidFill>
+                  <a:schemeClr val="tx1"/>
+                </a:solidFill>
+                <a:latin typeface="Tahoma" pitchFamily="34" charset="0"/>
+                <a:ea typeface="宋体" pitchFamily="2" charset="-122"/>
+              </a:defRPr>
+            </a:lvl6pPr>
+            <a:lvl7pPr marL="2971800" indent="-228600" eaLnBrk="0" fontAlgn="base" hangingPunct="0">
+              <a:spcBef>
+                <a:spcPct val="0"/>
+              </a:spcBef>
+              <a:spcAft>
+                <a:spcPct val="0"/>
+              </a:spcAft>
+              <a:defRPr b="1">
+                <a:solidFill>
+                  <a:schemeClr val="tx1"/>
+                </a:solidFill>
+                <a:latin typeface="Tahoma" pitchFamily="34" charset="0"/>
+                <a:ea typeface="宋体" pitchFamily="2" charset="-122"/>
+              </a:defRPr>
+            </a:lvl7pPr>
+            <a:lvl8pPr marL="3429000" indent="-228600" eaLnBrk="0" fontAlgn="base" hangingPunct="0">
+              <a:spcBef>
+                <a:spcPct val="0"/>
+              </a:spcBef>
+              <a:spcAft>
+                <a:spcPct val="0"/>
+              </a:spcAft>
+              <a:defRPr b="1">
+                <a:solidFill>
+                  <a:schemeClr val="tx1"/>
+                </a:solidFill>
+                <a:latin typeface="Tahoma" pitchFamily="34" charset="0"/>
+                <a:ea typeface="宋体" pitchFamily="2" charset="-122"/>
+              </a:defRPr>
+            </a:lvl8pPr>
+            <a:lvl9pPr marL="3886200" indent="-228600" eaLnBrk="0" fontAlgn="base" hangingPunct="0">
+              <a:spcBef>
+                <a:spcPct val="0"/>
+              </a:spcBef>
+              <a:spcAft>
+                <a:spcPct val="0"/>
+              </a:spcAft>
+              <a:defRPr b="1">
+                <a:solidFill>
+                  <a:schemeClr val="tx1"/>
+                </a:solidFill>
+                <a:latin typeface="Tahoma" pitchFamily="34" charset="0"/>
+                <a:ea typeface="宋体" pitchFamily="2" charset="-122"/>
+              </a:defRPr>
+            </a:lvl9pPr>
+          </a:lstStyle>
+          <a:p>
+            <a:r>
+              <a:rPr lang="en-US" altLang="zh-CN" sz="1200" b="0" dirty="0" err="1">
+                <a:latin typeface="Times New Roman" panose="02020603050405020304" pitchFamily="18" charset="0"/>
+                <a:cs typeface="Times New Roman" panose="02020603050405020304" pitchFamily="18" charset="0"/>
+              </a:rPr>
+              <a:t>WrEn</a:t>
+            </a:r>
+            <a:endParaRPr lang="en-US" altLang="zh-CN" sz="1200" b="0" dirty="0">
+              <a:latin typeface="Times New Roman" panose="02020603050405020304" pitchFamily="18" charset="0"/>
+              <a:cs typeface="Times New Roman" panose="02020603050405020304" pitchFamily="18" charset="0"/>
+            </a:endParaRPr>
+          </a:p>
+        </p:txBody>
+      </p:sp>
+      <p:sp>
+        <p:nvSpPr>
+          <p:cNvPr id="340" name="Text Box 17">
+            <a:extLst>
+              <a:ext uri="{FF2B5EF4-FFF2-40B4-BE49-F238E27FC236}">
+                <a16:creationId xmlns:a16="http://schemas.microsoft.com/office/drawing/2014/main" id="{67AFEA36-6B27-4106-B3BD-9AE67A81D371}"/>
+              </a:ext>
+            </a:extLst>
+          </p:cNvPr>
+          <p:cNvSpPr txBox="1">
+            <a:spLocks noChangeArrowheads="1"/>
+          </p:cNvSpPr>
+          <p:nvPr/>
+        </p:nvSpPr>
+        <p:spPr bwMode="auto">
+          <a:xfrm>
+            <a:off x="5550862" y="3948527"/>
+            <a:ext cx="761513" cy="276985"/>
+          </a:xfrm>
+          <a:prstGeom prst="rect">
+            <a:avLst/>
+          </a:prstGeom>
+          <a:noFill/>
+          <a:ln>
+            <a:noFill/>
+          </a:ln>
+          <a:effectLst/>
+          <a:extLst>
+            <a:ext uri="{909E8E84-426E-40DD-AFC4-6F175D3DCCD1}">
+              <a14:hiddenFill xmlns:a14="http://schemas.microsoft.com/office/drawing/2010/main">
+                <a:solidFill>
+                  <a:schemeClr val="accent1"/>
+                </a:solidFill>
+              </a14:hiddenFill>
+            </a:ext>
+            <a:ext uri="{91240B29-F687-4F45-9708-019B960494DF}">
+              <a14:hiddenLine xmlns:a14="http://schemas.microsoft.com/office/drawing/2010/main" w="12700">
+                <a:solidFill>
+                  <a:schemeClr val="tx1"/>
+                </a:solidFill>
+                <a:miter lim="800000"/>
+                <a:headEnd/>
+                <a:tailEnd/>
+              </a14:hiddenLine>
+            </a:ext>
+            <a:ext uri="{AF507438-7753-43E0-B8FC-AC1667EBCBE1}">
+              <a14:hiddenEffects xmlns:a14="http://schemas.microsoft.com/office/drawing/2010/main">
+                <a:effectLst>
+                  <a:outerShdw dist="35921" dir="2700000" algn="ctr" rotWithShape="0">
+                    <a:schemeClr val="bg2"/>
+                  </a:outerShdw>
+                </a:effectLst>
+              </a14:hiddenEffects>
+            </a:ext>
+          </a:extLst>
+        </p:spPr>
+        <p:txBody>
+          <a:bodyPr wrap="square" lIns="91425" tIns="45713" rIns="91425" bIns="45713">
+            <a:spAutoFit/>
+          </a:bodyPr>
+          <a:lstStyle>
+            <a:lvl1pPr eaLnBrk="0" hangingPunct="0">
+              <a:defRPr b="1">
+                <a:solidFill>
+                  <a:schemeClr val="tx1"/>
+                </a:solidFill>
+                <a:latin typeface="Tahoma" pitchFamily="34" charset="0"/>
+                <a:ea typeface="宋体" pitchFamily="2" charset="-122"/>
+              </a:defRPr>
+            </a:lvl1pPr>
+            <a:lvl2pPr marL="742950" indent="-285750" eaLnBrk="0" hangingPunct="0">
+              <a:defRPr b="1">
+                <a:solidFill>
+                  <a:schemeClr val="tx1"/>
+                </a:solidFill>
+                <a:latin typeface="Tahoma" pitchFamily="34" charset="0"/>
+                <a:ea typeface="宋体" pitchFamily="2" charset="-122"/>
+              </a:defRPr>
+            </a:lvl2pPr>
+            <a:lvl3pPr marL="1143000" indent="-228600" eaLnBrk="0" hangingPunct="0">
+              <a:defRPr b="1">
+                <a:solidFill>
+                  <a:schemeClr val="tx1"/>
+                </a:solidFill>
+                <a:latin typeface="Tahoma" pitchFamily="34" charset="0"/>
+                <a:ea typeface="宋体" pitchFamily="2" charset="-122"/>
+              </a:defRPr>
+            </a:lvl3pPr>
+            <a:lvl4pPr marL="1600200" indent="-228600" eaLnBrk="0" hangingPunct="0">
+              <a:defRPr b="1">
+                <a:solidFill>
+                  <a:schemeClr val="tx1"/>
+                </a:solidFill>
+                <a:latin typeface="Tahoma" pitchFamily="34" charset="0"/>
+                <a:ea typeface="宋体" pitchFamily="2" charset="-122"/>
+              </a:defRPr>
+            </a:lvl4pPr>
+            <a:lvl5pPr marL="2057400" indent="-228600" eaLnBrk="0" hangingPunct="0">
+              <a:defRPr b="1">
+                <a:solidFill>
+                  <a:schemeClr val="tx1"/>
+                </a:solidFill>
+                <a:latin typeface="Tahoma" pitchFamily="34" charset="0"/>
+                <a:ea typeface="宋体" pitchFamily="2" charset="-122"/>
+              </a:defRPr>
+            </a:lvl5pPr>
+            <a:lvl6pPr marL="2514600" indent="-228600" eaLnBrk="0" fontAlgn="base" hangingPunct="0">
+              <a:spcBef>
+                <a:spcPct val="0"/>
+              </a:spcBef>
+              <a:spcAft>
+                <a:spcPct val="0"/>
+              </a:spcAft>
+              <a:defRPr b="1">
+                <a:solidFill>
+                  <a:schemeClr val="tx1"/>
+                </a:solidFill>
+                <a:latin typeface="Tahoma" pitchFamily="34" charset="0"/>
+                <a:ea typeface="宋体" pitchFamily="2" charset="-122"/>
+              </a:defRPr>
+            </a:lvl6pPr>
+            <a:lvl7pPr marL="2971800" indent="-228600" eaLnBrk="0" fontAlgn="base" hangingPunct="0">
+              <a:spcBef>
+                <a:spcPct val="0"/>
+              </a:spcBef>
+              <a:spcAft>
+                <a:spcPct val="0"/>
+              </a:spcAft>
+              <a:defRPr b="1">
+                <a:solidFill>
+                  <a:schemeClr val="tx1"/>
+                </a:solidFill>
+                <a:latin typeface="Tahoma" pitchFamily="34" charset="0"/>
+                <a:ea typeface="宋体" pitchFamily="2" charset="-122"/>
+              </a:defRPr>
+            </a:lvl7pPr>
+            <a:lvl8pPr marL="3429000" indent="-228600" eaLnBrk="0" fontAlgn="base" hangingPunct="0">
+              <a:spcBef>
+                <a:spcPct val="0"/>
+              </a:spcBef>
+              <a:spcAft>
+                <a:spcPct val="0"/>
+              </a:spcAft>
+              <a:defRPr b="1">
+                <a:solidFill>
+                  <a:schemeClr val="tx1"/>
+                </a:solidFill>
+                <a:latin typeface="Tahoma" pitchFamily="34" charset="0"/>
+                <a:ea typeface="宋体" pitchFamily="2" charset="-122"/>
+              </a:defRPr>
+            </a:lvl8pPr>
+            <a:lvl9pPr marL="3886200" indent="-228600" eaLnBrk="0" fontAlgn="base" hangingPunct="0">
+              <a:spcBef>
+                <a:spcPct val="0"/>
+              </a:spcBef>
+              <a:spcAft>
+                <a:spcPct val="0"/>
+              </a:spcAft>
+              <a:defRPr b="1">
+                <a:solidFill>
+                  <a:schemeClr val="tx1"/>
+                </a:solidFill>
+                <a:latin typeface="Tahoma" pitchFamily="34" charset="0"/>
+                <a:ea typeface="宋体" pitchFamily="2" charset="-122"/>
+              </a:defRPr>
+            </a:lvl9pPr>
+          </a:lstStyle>
+          <a:p>
+            <a:r>
+              <a:rPr lang="en-US" altLang="zh-CN" sz="1200" b="0" dirty="0" err="1">
+                <a:latin typeface="Times New Roman" panose="02020603050405020304" pitchFamily="18" charset="0"/>
+                <a:cs typeface="Times New Roman" panose="02020603050405020304" pitchFamily="18" charset="0"/>
+              </a:rPr>
+              <a:t>WrData</a:t>
+            </a:r>
+            <a:endParaRPr lang="en-US" altLang="zh-CN" sz="1200" b="0" dirty="0">
+              <a:latin typeface="Times New Roman" panose="02020603050405020304" pitchFamily="18" charset="0"/>
+              <a:cs typeface="Times New Roman" panose="02020603050405020304" pitchFamily="18" charset="0"/>
+            </a:endParaRPr>
+          </a:p>
+        </p:txBody>
+      </p:sp>
+      <p:cxnSp>
+        <p:nvCxnSpPr>
+          <p:cNvPr id="342" name="直接箭头连接符 341">
+            <a:extLst>
+              <a:ext uri="{FF2B5EF4-FFF2-40B4-BE49-F238E27FC236}">
+                <a16:creationId xmlns:a16="http://schemas.microsoft.com/office/drawing/2014/main" id="{14111915-6D5C-4F63-9DD2-4DF8D482A689}"/>
+              </a:ext>
+            </a:extLst>
+          </p:cNvPr>
+          <p:cNvCxnSpPr>
+            <a:cxnSpLocks/>
+          </p:cNvCxnSpPr>
+          <p:nvPr/>
+        </p:nvCxnSpPr>
+        <p:spPr>
+          <a:xfrm>
+            <a:off x="4668841" y="4426162"/>
+            <a:ext cx="4553" cy="837290"/>
+          </a:xfrm>
+          <a:prstGeom prst="straightConnector1">
+            <a:avLst/>
+          </a:prstGeom>
+          <a:ln w="28575">
+            <a:solidFill>
+              <a:schemeClr val="accent1"/>
+            </a:solidFill>
+            <a:tailEnd type="triangle"/>
+          </a:ln>
+        </p:spPr>
+        <p:style>
+          <a:lnRef idx="1">
+            <a:schemeClr val="accent1"/>
+          </a:lnRef>
+          <a:fillRef idx="0">
+            <a:schemeClr val="accent1"/>
+          </a:fillRef>
+          <a:effectRef idx="0">
+            <a:schemeClr val="accent1"/>
+          </a:effectRef>
+          <a:fontRef idx="minor">
+            <a:schemeClr val="tx1"/>
+          </a:fontRef>
+        </p:style>
+      </p:cxnSp>
+      <p:sp>
+        <p:nvSpPr>
+          <p:cNvPr id="341" name="矩形: 剪去左右顶角 340">
+            <a:extLst>
+              <a:ext uri="{FF2B5EF4-FFF2-40B4-BE49-F238E27FC236}">
+                <a16:creationId xmlns:a16="http://schemas.microsoft.com/office/drawing/2014/main" id="{CB831530-067C-43D5-92C5-BEB0D8DCAADD}"/>
+              </a:ext>
+            </a:extLst>
+          </p:cNvPr>
+          <p:cNvSpPr/>
+          <p:nvPr/>
+        </p:nvSpPr>
+        <p:spPr>
+          <a:xfrm rot="10800000">
+            <a:off x="4611693" y="5170194"/>
+            <a:ext cx="114295" cy="169710"/>
+          </a:xfrm>
+          <a:prstGeom prst="snip2SameRect">
+            <a:avLst>
+              <a:gd name="adj1" fmla="val 50000"/>
+              <a:gd name="adj2" fmla="val 0"/>
+            </a:avLst>
+          </a:prstGeom>
+          <a:solidFill>
+            <a:schemeClr val="accent1">
+              <a:lumMod val="20000"/>
+              <a:lumOff val="80000"/>
+            </a:schemeClr>
+          </a:solidFill>
+          <a:ln w="19050">
+            <a:solidFill>
+              <a:schemeClr val="tx1"/>
+            </a:solidFill>
+          </a:ln>
+        </p:spPr>
+        <p:style>
+          <a:lnRef idx="2">
+            <a:schemeClr val="accent1">
+              <a:shade val="50000"/>
+            </a:schemeClr>
+          </a:lnRef>
+          <a:fillRef idx="1">
+            <a:schemeClr val="accent1"/>
+          </a:fillRef>
+          <a:effectRef idx="0">
+            <a:schemeClr val="accent1"/>
+          </a:effectRef>
+          <a:fontRef idx="minor">
+            <a:schemeClr val="lt1"/>
+          </a:fontRef>
+        </p:style>
+        <p:txBody>
+          <a:bodyPr rot="0" spcFirstLastPara="0" vertOverflow="overflow" horzOverflow="overflow" vert="horz" wrap="square" lIns="91440" tIns="45720" rIns="91440" bIns="45720" numCol="1" spcCol="0" rtlCol="0" fromWordArt="0" anchor="ctr" anchorCtr="0" forceAA="0" compatLnSpc="1">
+            <a:prstTxWarp prst="textNoShape">
+              <a:avLst/>
+            </a:prstTxWarp>
+            <a:noAutofit/>
+          </a:bodyPr>
+          <a:lstStyle/>
+          <a:p>
+            <a:pPr algn="ctr"/>
+            <a:endParaRPr lang="zh-CN" altLang="en-US"/>
+          </a:p>
+        </p:txBody>
+      </p:sp>
+      <p:sp>
+        <p:nvSpPr>
+          <p:cNvPr id="346" name="文本框 345">
+            <a:extLst>
+              <a:ext uri="{FF2B5EF4-FFF2-40B4-BE49-F238E27FC236}">
+                <a16:creationId xmlns:a16="http://schemas.microsoft.com/office/drawing/2014/main" id="{F3F3F331-FC98-4800-8FA2-680CDC37ACB1}"/>
+              </a:ext>
+            </a:extLst>
+          </p:cNvPr>
+          <p:cNvSpPr txBox="1"/>
+          <p:nvPr/>
+        </p:nvSpPr>
+        <p:spPr>
+          <a:xfrm>
+            <a:off x="4144235" y="5339073"/>
+            <a:ext cx="1078697" cy="261610"/>
+          </a:xfrm>
+          <a:prstGeom prst="rect">
+            <a:avLst/>
+          </a:prstGeom>
+          <a:noFill/>
+        </p:spPr>
+        <p:txBody>
+          <a:bodyPr wrap="square" rtlCol="0">
+            <a:spAutoFit/>
+          </a:bodyPr>
+          <a:lstStyle/>
+          <a:p>
+            <a:r>
+              <a:rPr lang="en-US" altLang="zh-CN" sz="1100" dirty="0" err="1">
+                <a:latin typeface="Times New Roman" panose="02020603050405020304" pitchFamily="18" charset="0"/>
+                <a:cs typeface="Times New Roman" panose="02020603050405020304" pitchFamily="18" charset="0"/>
+              </a:rPr>
+              <a:t>EXForwardSrc</a:t>
+            </a:r>
+            <a:endParaRPr lang="zh-CN" altLang="en-US" sz="1100" dirty="0">
+              <a:latin typeface="Times New Roman" panose="02020603050405020304" pitchFamily="18" charset="0"/>
+              <a:cs typeface="Times New Roman" panose="02020603050405020304" pitchFamily="18" charset="0"/>
+            </a:endParaRPr>
+          </a:p>
+        </p:txBody>
+      </p:sp>
+      <p:sp>
+        <p:nvSpPr>
+          <p:cNvPr id="347" name="等腰三角形 346">
+            <a:extLst>
+              <a:ext uri="{FF2B5EF4-FFF2-40B4-BE49-F238E27FC236}">
+                <a16:creationId xmlns:a16="http://schemas.microsoft.com/office/drawing/2014/main" id="{70704864-EAA0-4FFE-B125-4574A695DD8C}"/>
+              </a:ext>
+            </a:extLst>
+          </p:cNvPr>
+          <p:cNvSpPr/>
+          <p:nvPr/>
+        </p:nvSpPr>
+        <p:spPr>
+          <a:xfrm rot="5400000">
+            <a:off x="5440645" y="3482462"/>
+            <a:ext cx="140722" cy="106901"/>
+          </a:xfrm>
+          <a:prstGeom prst="triangle">
+            <a:avLst/>
+          </a:prstGeom>
+          <a:solidFill>
+            <a:srgbClr val="FFFF00"/>
+          </a:solidFill>
+          <a:ln w="12700">
+            <a:solidFill>
+              <a:schemeClr val="tx1"/>
+            </a:solidFill>
+          </a:ln>
+        </p:spPr>
+        <p:style>
+          <a:lnRef idx="2">
+            <a:schemeClr val="accent1">
+              <a:shade val="50000"/>
+            </a:schemeClr>
+          </a:lnRef>
+          <a:fillRef idx="1">
+            <a:schemeClr val="accent1"/>
+          </a:fillRef>
+          <a:effectRef idx="0">
+            <a:schemeClr val="accent1"/>
+          </a:effectRef>
+          <a:fontRef idx="minor">
+            <a:schemeClr val="lt1"/>
+          </a:fontRef>
+        </p:style>
+        <p:txBody>
+          <a:bodyPr rtlCol="0" anchor="ctr"/>
+          <a:lstStyle/>
+          <a:p>
+            <a:pPr algn="ctr"/>
+            <a:endParaRPr lang="zh-CN" altLang="en-US"/>
+          </a:p>
+        </p:txBody>
+      </p:sp>
+      <p:sp>
+        <p:nvSpPr>
+          <p:cNvPr id="348" name="等腰三角形 347">
+            <a:extLst>
+              <a:ext uri="{FF2B5EF4-FFF2-40B4-BE49-F238E27FC236}">
+                <a16:creationId xmlns:a16="http://schemas.microsoft.com/office/drawing/2014/main" id="{8D5C2601-B491-4E26-BCBE-0BF54D1687CD}"/>
+              </a:ext>
+            </a:extLst>
+          </p:cNvPr>
+          <p:cNvSpPr/>
+          <p:nvPr/>
+        </p:nvSpPr>
+        <p:spPr>
+          <a:xfrm rot="5400000">
+            <a:off x="5443420" y="3749035"/>
+            <a:ext cx="140722" cy="106901"/>
+          </a:xfrm>
+          <a:prstGeom prst="triangle">
+            <a:avLst/>
+          </a:prstGeom>
+          <a:solidFill>
+            <a:srgbClr val="FFFF00"/>
+          </a:solidFill>
+          <a:ln w="12700">
+            <a:solidFill>
+              <a:schemeClr val="tx1"/>
+            </a:solidFill>
+          </a:ln>
+        </p:spPr>
+        <p:style>
+          <a:lnRef idx="2">
+            <a:schemeClr val="accent1">
+              <a:shade val="50000"/>
+            </a:schemeClr>
+          </a:lnRef>
+          <a:fillRef idx="1">
+            <a:schemeClr val="accent1"/>
+          </a:fillRef>
+          <a:effectRef idx="0">
+            <a:schemeClr val="accent1"/>
+          </a:effectRef>
+          <a:fontRef idx="minor">
+            <a:schemeClr val="lt1"/>
+          </a:fontRef>
+        </p:style>
+        <p:txBody>
+          <a:bodyPr rtlCol="0" anchor="ctr"/>
+          <a:lstStyle/>
+          <a:p>
+            <a:pPr algn="ctr"/>
+            <a:endParaRPr lang="zh-CN" altLang="en-US"/>
+          </a:p>
+        </p:txBody>
+      </p:sp>
+      <p:sp>
+        <p:nvSpPr>
+          <p:cNvPr id="349" name="等腰三角形 348">
+            <a:extLst>
+              <a:ext uri="{FF2B5EF4-FFF2-40B4-BE49-F238E27FC236}">
+                <a16:creationId xmlns:a16="http://schemas.microsoft.com/office/drawing/2014/main" id="{D7286532-C01E-400E-96FF-4AC798B66B99}"/>
+              </a:ext>
+            </a:extLst>
+          </p:cNvPr>
+          <p:cNvSpPr/>
+          <p:nvPr/>
+        </p:nvSpPr>
+        <p:spPr>
+          <a:xfrm rot="5400000">
+            <a:off x="5440644" y="4068629"/>
+            <a:ext cx="140722" cy="106901"/>
+          </a:xfrm>
+          <a:prstGeom prst="triangle">
+            <a:avLst/>
+          </a:prstGeom>
+          <a:solidFill>
+            <a:srgbClr val="FFFF00"/>
+          </a:solidFill>
+          <a:ln w="12700">
+            <a:solidFill>
+              <a:schemeClr val="tx1"/>
+            </a:solidFill>
+          </a:ln>
+        </p:spPr>
+        <p:style>
+          <a:lnRef idx="2">
+            <a:schemeClr val="accent1">
+              <a:shade val="50000"/>
+            </a:schemeClr>
+          </a:lnRef>
+          <a:fillRef idx="1">
+            <a:schemeClr val="accent1"/>
+          </a:fillRef>
+          <a:effectRef idx="0">
+            <a:schemeClr val="accent1"/>
+          </a:effectRef>
+          <a:fontRef idx="minor">
+            <a:schemeClr val="lt1"/>
+          </a:fontRef>
+        </p:style>
+        <p:txBody>
+          <a:bodyPr rtlCol="0" anchor="ctr"/>
+          <a:lstStyle/>
+          <a:p>
+            <a:pPr algn="ctr"/>
+            <a:endParaRPr lang="zh-CN" altLang="en-US"/>
+          </a:p>
+        </p:txBody>
+      </p:sp>
+      <p:sp>
+        <p:nvSpPr>
+          <p:cNvPr id="350" name="等腰三角形 349">
+            <a:extLst>
+              <a:ext uri="{FF2B5EF4-FFF2-40B4-BE49-F238E27FC236}">
+                <a16:creationId xmlns:a16="http://schemas.microsoft.com/office/drawing/2014/main" id="{C2AE1BCA-B127-4ED4-909E-8A18E45BCED4}"/>
+              </a:ext>
+            </a:extLst>
+          </p:cNvPr>
+          <p:cNvSpPr/>
+          <p:nvPr/>
+        </p:nvSpPr>
+        <p:spPr>
+          <a:xfrm rot="5400000">
+            <a:off x="5442931" y="4376310"/>
+            <a:ext cx="140722" cy="106901"/>
+          </a:xfrm>
+          <a:prstGeom prst="triangle">
+            <a:avLst/>
+          </a:prstGeom>
+          <a:solidFill>
+            <a:srgbClr val="FFFF00"/>
+          </a:solidFill>
+          <a:ln w="12700">
+            <a:solidFill>
+              <a:schemeClr val="tx1"/>
+            </a:solidFill>
+          </a:ln>
+        </p:spPr>
+        <p:style>
+          <a:lnRef idx="2">
+            <a:schemeClr val="accent1">
+              <a:shade val="50000"/>
+            </a:schemeClr>
+          </a:lnRef>
+          <a:fillRef idx="1">
+            <a:schemeClr val="accent1"/>
+          </a:fillRef>
+          <a:effectRef idx="0">
+            <a:schemeClr val="accent1"/>
+          </a:effectRef>
+          <a:fontRef idx="minor">
+            <a:schemeClr val="lt1"/>
+          </a:fontRef>
+        </p:style>
+        <p:txBody>
+          <a:bodyPr rtlCol="0" anchor="ctr"/>
+          <a:lstStyle/>
+          <a:p>
+            <a:pPr algn="ctr"/>
+            <a:endParaRPr lang="zh-CN" altLang="en-US"/>
+          </a:p>
+        </p:txBody>
+      </p:sp>
+      <p:sp>
+        <p:nvSpPr>
+          <p:cNvPr id="351" name="等腰三角形 350">
+            <a:extLst>
+              <a:ext uri="{FF2B5EF4-FFF2-40B4-BE49-F238E27FC236}">
+                <a16:creationId xmlns:a16="http://schemas.microsoft.com/office/drawing/2014/main" id="{96148207-9838-44E9-8661-6C28EE176A2A}"/>
+              </a:ext>
+            </a:extLst>
+          </p:cNvPr>
+          <p:cNvSpPr/>
+          <p:nvPr/>
+        </p:nvSpPr>
+        <p:spPr>
+          <a:xfrm rot="16200000" flipH="1">
+            <a:off x="7298033" y="3755205"/>
+            <a:ext cx="140722" cy="106901"/>
+          </a:xfrm>
+          <a:prstGeom prst="triangle">
+            <a:avLst/>
+          </a:prstGeom>
+          <a:solidFill>
+            <a:srgbClr val="FFFF00"/>
+          </a:solidFill>
+          <a:ln w="12700">
+            <a:solidFill>
+              <a:schemeClr val="tx1"/>
+            </a:solidFill>
+          </a:ln>
+        </p:spPr>
+        <p:style>
+          <a:lnRef idx="2">
+            <a:schemeClr val="accent1">
+              <a:shade val="50000"/>
+            </a:schemeClr>
+          </a:lnRef>
+          <a:fillRef idx="1">
+            <a:schemeClr val="accent1"/>
+          </a:fillRef>
+          <a:effectRef idx="0">
+            <a:schemeClr val="accent1"/>
+          </a:effectRef>
+          <a:fontRef idx="minor">
+            <a:schemeClr val="lt1"/>
+          </a:fontRef>
+        </p:style>
+        <p:txBody>
+          <a:bodyPr rtlCol="0" anchor="ctr"/>
+          <a:lstStyle/>
+          <a:p>
+            <a:pPr algn="ctr"/>
+            <a:endParaRPr lang="zh-CN" altLang="en-US"/>
+          </a:p>
+        </p:txBody>
+      </p:sp>
     </p:spTree>
     <p:extLst>
       <p:ext uri="{BB962C8B-B14F-4D97-AF65-F5344CB8AC3E}">

--- a/fig.pptx
+++ b/fig.pptx
@@ -14712,6 +14712,303 @@
           <a:chExt cx="0" cy="0"/>
         </a:xfrm>
       </p:grpSpPr>
+      <p:sp>
+        <p:nvSpPr>
+          <p:cNvPr id="396" name="箭头: 直角上 395">
+            <a:extLst>
+              <a:ext uri="{FF2B5EF4-FFF2-40B4-BE49-F238E27FC236}">
+                <a16:creationId xmlns:a16="http://schemas.microsoft.com/office/drawing/2014/main" id="{07C53E78-968C-46A4-996E-544A75A4AE8A}"/>
+              </a:ext>
+            </a:extLst>
+          </p:cNvPr>
+          <p:cNvSpPr/>
+          <p:nvPr/>
+        </p:nvSpPr>
+        <p:spPr>
+          <a:xfrm>
+            <a:off x="7428622" y="1734343"/>
+            <a:ext cx="610142" cy="2113461"/>
+          </a:xfrm>
+          <a:prstGeom prst="bentUpArrow">
+            <a:avLst>
+              <a:gd name="adj1" fmla="val 9567"/>
+              <a:gd name="adj2" fmla="val 10475"/>
+              <a:gd name="adj3" fmla="val 8482"/>
+            </a:avLst>
+          </a:prstGeom>
+          <a:solidFill>
+            <a:schemeClr val="bg1"/>
+          </a:solidFill>
+          <a:ln>
+            <a:solidFill>
+              <a:schemeClr val="tx1"/>
+            </a:solidFill>
+          </a:ln>
+        </p:spPr>
+        <p:style>
+          <a:lnRef idx="2">
+            <a:schemeClr val="accent1">
+              <a:shade val="50000"/>
+            </a:schemeClr>
+          </a:lnRef>
+          <a:fillRef idx="1">
+            <a:schemeClr val="accent1"/>
+          </a:fillRef>
+          <a:effectRef idx="0">
+            <a:schemeClr val="accent1"/>
+          </a:effectRef>
+          <a:fontRef idx="minor">
+            <a:schemeClr val="lt1"/>
+          </a:fontRef>
+        </p:style>
+        <p:txBody>
+          <a:bodyPr rtlCol="0" anchor="ctr"/>
+          <a:lstStyle/>
+          <a:p>
+            <a:pPr algn="ctr"/>
+            <a:endParaRPr lang="zh-CN" altLang="en-US"/>
+          </a:p>
+        </p:txBody>
+      </p:sp>
+      <p:sp>
+        <p:nvSpPr>
+          <p:cNvPr id="395" name="箭头: 直角上 394">
+            <a:extLst>
+              <a:ext uri="{FF2B5EF4-FFF2-40B4-BE49-F238E27FC236}">
+                <a16:creationId xmlns:a16="http://schemas.microsoft.com/office/drawing/2014/main" id="{5A93A91B-A834-4308-9231-CFEC96F3F0B1}"/>
+              </a:ext>
+            </a:extLst>
+          </p:cNvPr>
+          <p:cNvSpPr/>
+          <p:nvPr/>
+        </p:nvSpPr>
+        <p:spPr>
+          <a:xfrm>
+            <a:off x="7587180" y="1715516"/>
+            <a:ext cx="268463" cy="780802"/>
+          </a:xfrm>
+          <a:prstGeom prst="bentUpArrow">
+            <a:avLst/>
+          </a:prstGeom>
+          <a:solidFill>
+            <a:schemeClr val="bg1"/>
+          </a:solidFill>
+          <a:ln>
+            <a:solidFill>
+              <a:schemeClr val="tx1"/>
+            </a:solidFill>
+          </a:ln>
+        </p:spPr>
+        <p:style>
+          <a:lnRef idx="2">
+            <a:schemeClr val="accent1">
+              <a:shade val="50000"/>
+            </a:schemeClr>
+          </a:lnRef>
+          <a:fillRef idx="1">
+            <a:schemeClr val="accent1"/>
+          </a:fillRef>
+          <a:effectRef idx="0">
+            <a:schemeClr val="accent1"/>
+          </a:effectRef>
+          <a:fontRef idx="minor">
+            <a:schemeClr val="lt1"/>
+          </a:fontRef>
+        </p:style>
+        <p:txBody>
+          <a:bodyPr rtlCol="0" anchor="ctr"/>
+          <a:lstStyle/>
+          <a:p>
+            <a:pPr algn="ctr"/>
+            <a:endParaRPr lang="zh-CN" altLang="en-US"/>
+          </a:p>
+        </p:txBody>
+      </p:sp>
+      <p:cxnSp>
+        <p:nvCxnSpPr>
+          <p:cNvPr id="361" name="直接箭头连接符 360">
+            <a:extLst>
+              <a:ext uri="{FF2B5EF4-FFF2-40B4-BE49-F238E27FC236}">
+                <a16:creationId xmlns:a16="http://schemas.microsoft.com/office/drawing/2014/main" id="{0F30E0F6-EE00-4CE1-B3E9-216320773D7A}"/>
+              </a:ext>
+            </a:extLst>
+          </p:cNvPr>
+          <p:cNvCxnSpPr>
+            <a:cxnSpLocks/>
+          </p:cNvCxnSpPr>
+          <p:nvPr/>
+        </p:nvCxnSpPr>
+        <p:spPr>
+          <a:xfrm flipV="1">
+            <a:off x="4574100" y="3527631"/>
+            <a:ext cx="881427" cy="603"/>
+          </a:xfrm>
+          <a:prstGeom prst="straightConnector1">
+            <a:avLst/>
+          </a:prstGeom>
+          <a:ln w="28575">
+            <a:solidFill>
+              <a:srgbClr val="FF0000"/>
+            </a:solidFill>
+            <a:headEnd type="none" w="med" len="med"/>
+            <a:tailEnd type="triangle" w="med" len="med"/>
+          </a:ln>
+        </p:spPr>
+        <p:style>
+          <a:lnRef idx="1">
+            <a:schemeClr val="accent1"/>
+          </a:lnRef>
+          <a:fillRef idx="0">
+            <a:schemeClr val="accent1"/>
+          </a:fillRef>
+          <a:effectRef idx="0">
+            <a:schemeClr val="accent1"/>
+          </a:effectRef>
+          <a:fontRef idx="minor">
+            <a:schemeClr val="tx1"/>
+          </a:fontRef>
+        </p:style>
+      </p:cxnSp>
+      <p:cxnSp>
+        <p:nvCxnSpPr>
+          <p:cNvPr id="359" name="直接箭头连接符 358">
+            <a:extLst>
+              <a:ext uri="{FF2B5EF4-FFF2-40B4-BE49-F238E27FC236}">
+                <a16:creationId xmlns:a16="http://schemas.microsoft.com/office/drawing/2014/main" id="{465AD028-4AA0-4CD3-8076-FBD9434554C6}"/>
+              </a:ext>
+            </a:extLst>
+          </p:cNvPr>
+          <p:cNvCxnSpPr>
+            <a:cxnSpLocks/>
+          </p:cNvCxnSpPr>
+          <p:nvPr/>
+        </p:nvCxnSpPr>
+        <p:spPr>
+          <a:xfrm flipV="1">
+            <a:off x="4564333" y="3799840"/>
+            <a:ext cx="881427" cy="603"/>
+          </a:xfrm>
+          <a:prstGeom prst="straightConnector1">
+            <a:avLst/>
+          </a:prstGeom>
+          <a:ln w="28575">
+            <a:solidFill>
+              <a:srgbClr val="FF0000"/>
+            </a:solidFill>
+            <a:headEnd type="none" w="med" len="med"/>
+            <a:tailEnd type="triangle" w="med" len="med"/>
+          </a:ln>
+        </p:spPr>
+        <p:style>
+          <a:lnRef idx="1">
+            <a:schemeClr val="accent1"/>
+          </a:lnRef>
+          <a:fillRef idx="0">
+            <a:schemeClr val="accent1"/>
+          </a:fillRef>
+          <a:effectRef idx="0">
+            <a:schemeClr val="accent1"/>
+          </a:effectRef>
+          <a:fontRef idx="minor">
+            <a:schemeClr val="tx1"/>
+          </a:fontRef>
+        </p:style>
+      </p:cxnSp>
+      <p:cxnSp>
+        <p:nvCxnSpPr>
+          <p:cNvPr id="354" name="直接箭头连接符 353">
+            <a:extLst>
+              <a:ext uri="{FF2B5EF4-FFF2-40B4-BE49-F238E27FC236}">
+                <a16:creationId xmlns:a16="http://schemas.microsoft.com/office/drawing/2014/main" id="{1CDF43C3-7751-4F22-9FDA-C676CF30F90F}"/>
+              </a:ext>
+            </a:extLst>
+          </p:cNvPr>
+          <p:cNvCxnSpPr>
+            <a:cxnSpLocks/>
+          </p:cNvCxnSpPr>
+          <p:nvPr/>
+        </p:nvCxnSpPr>
+        <p:spPr>
+          <a:xfrm>
+            <a:off x="2032000" y="2885440"/>
+            <a:ext cx="2297" cy="1251571"/>
+          </a:xfrm>
+          <a:prstGeom prst="straightConnector1">
+            <a:avLst/>
+          </a:prstGeom>
+          <a:ln w="28575">
+            <a:solidFill>
+              <a:schemeClr val="accent4">
+                <a:lumMod val="60000"/>
+                <a:lumOff val="40000"/>
+              </a:schemeClr>
+            </a:solidFill>
+            <a:headEnd type="none" w="med" len="med"/>
+            <a:tailEnd type="none" w="med" len="med"/>
+          </a:ln>
+        </p:spPr>
+        <p:style>
+          <a:lnRef idx="1">
+            <a:schemeClr val="accent1"/>
+          </a:lnRef>
+          <a:fillRef idx="0">
+            <a:schemeClr val="accent1"/>
+          </a:fillRef>
+          <a:effectRef idx="0">
+            <a:schemeClr val="accent1"/>
+          </a:effectRef>
+          <a:fontRef idx="minor">
+            <a:schemeClr val="tx1"/>
+          </a:fontRef>
+        </p:style>
+      </p:cxnSp>
+      <p:cxnSp>
+        <p:nvCxnSpPr>
+          <p:cNvPr id="352" name="直接箭头连接符 351">
+            <a:extLst>
+              <a:ext uri="{FF2B5EF4-FFF2-40B4-BE49-F238E27FC236}">
+                <a16:creationId xmlns:a16="http://schemas.microsoft.com/office/drawing/2014/main" id="{AA2EA8A6-C05D-4BBA-B5E9-F492B7C5061E}"/>
+              </a:ext>
+            </a:extLst>
+          </p:cNvPr>
+          <p:cNvCxnSpPr>
+            <a:cxnSpLocks/>
+          </p:cNvCxnSpPr>
+          <p:nvPr/>
+        </p:nvCxnSpPr>
+        <p:spPr>
+          <a:xfrm>
+            <a:off x="2034297" y="4124079"/>
+            <a:ext cx="3421231" cy="0"/>
+          </a:xfrm>
+          <a:prstGeom prst="straightConnector1">
+            <a:avLst/>
+          </a:prstGeom>
+          <a:ln w="28575">
+            <a:solidFill>
+              <a:schemeClr val="accent4">
+                <a:lumMod val="60000"/>
+                <a:lumOff val="40000"/>
+              </a:schemeClr>
+            </a:solidFill>
+            <a:tailEnd type="triangle"/>
+          </a:ln>
+        </p:spPr>
+        <p:style>
+          <a:lnRef idx="1">
+            <a:schemeClr val="accent1"/>
+          </a:lnRef>
+          <a:fillRef idx="0">
+            <a:schemeClr val="accent1"/>
+          </a:fillRef>
+          <a:effectRef idx="0">
+            <a:schemeClr val="accent1"/>
+          </a:effectRef>
+          <a:fontRef idx="minor">
+            <a:schemeClr val="tx1"/>
+          </a:fontRef>
+        </p:style>
+      </p:cxnSp>
       <p:cxnSp>
         <p:nvCxnSpPr>
           <p:cNvPr id="323" name="直接箭头连接符 322">
@@ -27982,7 +28279,10 @@
           </a:prstGeom>
           <a:ln w="28575">
             <a:solidFill>
-              <a:schemeClr val="tx1"/>
+              <a:schemeClr val="accent4">
+                <a:lumMod val="60000"/>
+                <a:lumOff val="40000"/>
+              </a:schemeClr>
             </a:solidFill>
             <a:tailEnd type="triangle"/>
           </a:ln>
@@ -29669,7 +29969,7 @@
         </p:nvSpPr>
         <p:spPr>
           <a:xfrm rot="5400000">
-            <a:off x="3966002" y="2176747"/>
+            <a:off x="3906141" y="2176747"/>
             <a:ext cx="878767" cy="276999"/>
           </a:xfrm>
           <a:prstGeom prst="rect">
@@ -29751,7 +30051,7 @@
         </p:nvSpPr>
         <p:spPr>
           <a:xfrm>
-            <a:off x="4773760" y="4126783"/>
+            <a:off x="4706615" y="4215710"/>
             <a:ext cx="821897" cy="276999"/>
           </a:xfrm>
           <a:prstGeom prst="rect">
@@ -29903,8 +30203,8 @@
         </p:nvSpPr>
         <p:spPr bwMode="auto">
           <a:xfrm>
-            <a:off x="5455528" y="2945041"/>
-            <a:ext cx="1966316" cy="1723341"/>
+            <a:off x="5455528" y="2945042"/>
+            <a:ext cx="1966316" cy="1697976"/>
           </a:xfrm>
           <a:prstGeom prst="rect">
             <a:avLst/>
@@ -31454,6 +31754,1708 @@
           </a:p>
         </p:txBody>
       </p:sp>
+      <p:cxnSp>
+        <p:nvCxnSpPr>
+          <p:cNvPr id="357" name="直接箭头连接符 356">
+            <a:extLst>
+              <a:ext uri="{FF2B5EF4-FFF2-40B4-BE49-F238E27FC236}">
+                <a16:creationId xmlns:a16="http://schemas.microsoft.com/office/drawing/2014/main" id="{9B0F8BBD-C0DC-4950-AF4A-A273596675E0}"/>
+              </a:ext>
+            </a:extLst>
+          </p:cNvPr>
+          <p:cNvCxnSpPr>
+            <a:cxnSpLocks/>
+          </p:cNvCxnSpPr>
+          <p:nvPr/>
+        </p:nvCxnSpPr>
+        <p:spPr>
+          <a:xfrm flipH="1">
+            <a:off x="4563741" y="424707"/>
+            <a:ext cx="3559" cy="3383948"/>
+          </a:xfrm>
+          <a:prstGeom prst="straightConnector1">
+            <a:avLst/>
+          </a:prstGeom>
+          <a:ln w="28575">
+            <a:solidFill>
+              <a:srgbClr val="FF0000"/>
+            </a:solidFill>
+            <a:headEnd type="none" w="med" len="med"/>
+            <a:tailEnd type="none" w="med" len="med"/>
+          </a:ln>
+        </p:spPr>
+        <p:style>
+          <a:lnRef idx="1">
+            <a:schemeClr val="accent1"/>
+          </a:lnRef>
+          <a:fillRef idx="0">
+            <a:schemeClr val="accent1"/>
+          </a:fillRef>
+          <a:effectRef idx="0">
+            <a:schemeClr val="accent1"/>
+          </a:effectRef>
+          <a:fontRef idx="minor">
+            <a:schemeClr val="tx1"/>
+          </a:fontRef>
+        </p:style>
+      </p:cxnSp>
+      <p:sp>
+        <p:nvSpPr>
+          <p:cNvPr id="362" name="文本框 361">
+            <a:extLst>
+              <a:ext uri="{FF2B5EF4-FFF2-40B4-BE49-F238E27FC236}">
+                <a16:creationId xmlns:a16="http://schemas.microsoft.com/office/drawing/2014/main" id="{B79BAFA6-50EE-4365-B5E2-15F7DFEAF3CF}"/>
+              </a:ext>
+            </a:extLst>
+          </p:cNvPr>
+          <p:cNvSpPr txBox="1"/>
+          <p:nvPr/>
+        </p:nvSpPr>
+        <p:spPr>
+          <a:xfrm>
+            <a:off x="4756447" y="3305887"/>
+            <a:ext cx="1078697" cy="261610"/>
+          </a:xfrm>
+          <a:prstGeom prst="rect">
+            <a:avLst/>
+          </a:prstGeom>
+          <a:noFill/>
+        </p:spPr>
+        <p:txBody>
+          <a:bodyPr wrap="square" rtlCol="0">
+            <a:spAutoFit/>
+          </a:bodyPr>
+          <a:lstStyle/>
+          <a:p>
+            <a:r>
+              <a:rPr lang="en-US" altLang="zh-CN" sz="1100" dirty="0" err="1">
+                <a:latin typeface="Times New Roman" panose="02020603050405020304" pitchFamily="18" charset="0"/>
+                <a:cs typeface="Times New Roman" panose="02020603050405020304" pitchFamily="18" charset="0"/>
+              </a:rPr>
+              <a:t>MemRead</a:t>
+            </a:r>
+            <a:endParaRPr lang="zh-CN" altLang="en-US" sz="1100" dirty="0">
+              <a:latin typeface="Times New Roman" panose="02020603050405020304" pitchFamily="18" charset="0"/>
+              <a:cs typeface="Times New Roman" panose="02020603050405020304" pitchFamily="18" charset="0"/>
+            </a:endParaRPr>
+          </a:p>
+        </p:txBody>
+      </p:sp>
+      <p:sp>
+        <p:nvSpPr>
+          <p:cNvPr id="363" name="文本框 362">
+            <a:extLst>
+              <a:ext uri="{FF2B5EF4-FFF2-40B4-BE49-F238E27FC236}">
+                <a16:creationId xmlns:a16="http://schemas.microsoft.com/office/drawing/2014/main" id="{6F59E49C-E0C4-474B-972A-CFDCFA5C2363}"/>
+              </a:ext>
+            </a:extLst>
+          </p:cNvPr>
+          <p:cNvSpPr txBox="1"/>
+          <p:nvPr/>
+        </p:nvSpPr>
+        <p:spPr>
+          <a:xfrm>
+            <a:off x="4701575" y="3599865"/>
+            <a:ext cx="1078697" cy="261610"/>
+          </a:xfrm>
+          <a:prstGeom prst="rect">
+            <a:avLst/>
+          </a:prstGeom>
+          <a:noFill/>
+        </p:spPr>
+        <p:txBody>
+          <a:bodyPr wrap="square" rtlCol="0">
+            <a:spAutoFit/>
+          </a:bodyPr>
+          <a:lstStyle/>
+          <a:p>
+            <a:r>
+              <a:rPr lang="en-US" altLang="zh-CN" sz="1100" dirty="0" err="1">
+                <a:latin typeface="Times New Roman" panose="02020603050405020304" pitchFamily="18" charset="0"/>
+                <a:cs typeface="Times New Roman" panose="02020603050405020304" pitchFamily="18" charset="0"/>
+              </a:rPr>
+              <a:t>MemWrite</a:t>
+            </a:r>
+            <a:endParaRPr lang="zh-CN" altLang="en-US" sz="1100" dirty="0">
+              <a:latin typeface="Times New Roman" panose="02020603050405020304" pitchFamily="18" charset="0"/>
+              <a:cs typeface="Times New Roman" panose="02020603050405020304" pitchFamily="18" charset="0"/>
+            </a:endParaRPr>
+          </a:p>
+        </p:txBody>
+      </p:sp>
+      <p:sp>
+        <p:nvSpPr>
+          <p:cNvPr id="364" name="流程图: 终止 363">
+            <a:extLst>
+              <a:ext uri="{FF2B5EF4-FFF2-40B4-BE49-F238E27FC236}">
+                <a16:creationId xmlns:a16="http://schemas.microsoft.com/office/drawing/2014/main" id="{E5F6ACEE-4B67-4127-AA18-ECA4AB187305}"/>
+              </a:ext>
+            </a:extLst>
+          </p:cNvPr>
+          <p:cNvSpPr/>
+          <p:nvPr/>
+        </p:nvSpPr>
+        <p:spPr>
+          <a:xfrm>
+            <a:off x="6859882" y="515762"/>
+            <a:ext cx="1337809" cy="1199754"/>
+          </a:xfrm>
+          <a:prstGeom prst="flowChartTerminator">
+            <a:avLst/>
+          </a:prstGeom>
+          <a:solidFill>
+            <a:schemeClr val="bg2"/>
+          </a:solidFill>
+          <a:ln>
+            <a:solidFill>
+              <a:schemeClr val="tx1"/>
+            </a:solidFill>
+          </a:ln>
+        </p:spPr>
+        <p:style>
+          <a:lnRef idx="2">
+            <a:schemeClr val="accent1">
+              <a:shade val="50000"/>
+            </a:schemeClr>
+          </a:lnRef>
+          <a:fillRef idx="1">
+            <a:schemeClr val="accent1"/>
+          </a:fillRef>
+          <a:effectRef idx="0">
+            <a:schemeClr val="accent1"/>
+          </a:effectRef>
+          <a:fontRef idx="minor">
+            <a:schemeClr val="lt1"/>
+          </a:fontRef>
+        </p:style>
+        <p:txBody>
+          <a:bodyPr rtlCol="0" anchor="ctr"/>
+          <a:lstStyle/>
+          <a:p>
+            <a:pPr algn="ctr"/>
+            <a:r>
+              <a:rPr lang="en-US" altLang="zh-CN" sz="1600" b="1" dirty="0">
+                <a:solidFill>
+                  <a:schemeClr val="tx1"/>
+                </a:solidFill>
+                <a:latin typeface="Times New Roman" panose="02020603050405020304" pitchFamily="18" charset="0"/>
+                <a:cs typeface="Times New Roman" panose="02020603050405020304" pitchFamily="18" charset="0"/>
+              </a:rPr>
+              <a:t>Peripheral</a:t>
+            </a:r>
+          </a:p>
+          <a:p>
+            <a:pPr algn="ctr"/>
+            <a:r>
+              <a:rPr lang="en-US" altLang="zh-CN" sz="1600" b="1" dirty="0">
+                <a:solidFill>
+                  <a:schemeClr val="tx1"/>
+                </a:solidFill>
+                <a:latin typeface="Times New Roman" panose="02020603050405020304" pitchFamily="18" charset="0"/>
+                <a:cs typeface="Times New Roman" panose="02020603050405020304" pitchFamily="18" charset="0"/>
+              </a:rPr>
+              <a:t>Device</a:t>
+            </a:r>
+          </a:p>
+          <a:p>
+            <a:pPr algn="ctr"/>
+            <a:r>
+              <a:rPr lang="en-US" altLang="zh-CN" sz="1600" b="1" dirty="0">
+                <a:solidFill>
+                  <a:schemeClr val="tx1"/>
+                </a:solidFill>
+                <a:latin typeface="Times New Roman" panose="02020603050405020304" pitchFamily="18" charset="0"/>
+                <a:cs typeface="Times New Roman" panose="02020603050405020304" pitchFamily="18" charset="0"/>
+              </a:rPr>
+              <a:t>Controller</a:t>
+            </a:r>
+          </a:p>
+        </p:txBody>
+      </p:sp>
+      <p:sp>
+        <p:nvSpPr>
+          <p:cNvPr id="365" name="Rectangle 12">
+            <a:extLst>
+              <a:ext uri="{FF2B5EF4-FFF2-40B4-BE49-F238E27FC236}">
+                <a16:creationId xmlns:a16="http://schemas.microsoft.com/office/drawing/2014/main" id="{EF12924E-59CF-4BE7-A201-6C778FF2D2AB}"/>
+              </a:ext>
+            </a:extLst>
+          </p:cNvPr>
+          <p:cNvSpPr>
+            <a:spLocks noChangeArrowheads="1"/>
+          </p:cNvSpPr>
+          <p:nvPr/>
+        </p:nvSpPr>
+        <p:spPr bwMode="auto">
+          <a:xfrm>
+            <a:off x="5392582" y="1964334"/>
+            <a:ext cx="2194598" cy="870983"/>
+          </a:xfrm>
+          <a:prstGeom prst="rect">
+            <a:avLst/>
+          </a:prstGeom>
+          <a:solidFill>
+            <a:schemeClr val="bg1"/>
+          </a:solidFill>
+          <a:ln w="12700">
+            <a:solidFill>
+              <a:schemeClr val="tx1"/>
+            </a:solidFill>
+            <a:miter lim="800000"/>
+            <a:headEnd/>
+            <a:tailEnd/>
+          </a:ln>
+          <a:effectLst/>
+        </p:spPr>
+        <p:txBody>
+          <a:bodyPr wrap="none" anchor="ctr"/>
+          <a:lstStyle/>
+          <a:p>
+            <a:endParaRPr lang="zh-CN" altLang="en-US">
+              <a:latin typeface="Times New Roman" panose="02020603050405020304" pitchFamily="18" charset="0"/>
+              <a:cs typeface="Times New Roman" panose="02020603050405020304" pitchFamily="18" charset="0"/>
+            </a:endParaRPr>
+          </a:p>
+        </p:txBody>
+      </p:sp>
+      <p:sp>
+        <p:nvSpPr>
+          <p:cNvPr id="366" name="Text Box 18">
+            <a:extLst>
+              <a:ext uri="{FF2B5EF4-FFF2-40B4-BE49-F238E27FC236}">
+                <a16:creationId xmlns:a16="http://schemas.microsoft.com/office/drawing/2014/main" id="{3A85BE40-9CED-4F4A-88CB-8A47D9A66C22}"/>
+              </a:ext>
+            </a:extLst>
+          </p:cNvPr>
+          <p:cNvSpPr txBox="1">
+            <a:spLocks noChangeArrowheads="1"/>
+          </p:cNvSpPr>
+          <p:nvPr/>
+        </p:nvSpPr>
+        <p:spPr bwMode="auto">
+          <a:xfrm>
+            <a:off x="6152234" y="2016891"/>
+            <a:ext cx="623858" cy="738650"/>
+          </a:xfrm>
+          <a:prstGeom prst="rect">
+            <a:avLst/>
+          </a:prstGeom>
+          <a:noFill/>
+          <a:ln>
+            <a:noFill/>
+          </a:ln>
+          <a:effectLst/>
+          <a:extLst>
+            <a:ext uri="{909E8E84-426E-40DD-AFC4-6F175D3DCCD1}">
+              <a14:hiddenFill xmlns:a14="http://schemas.microsoft.com/office/drawing/2010/main">
+                <a:solidFill>
+                  <a:schemeClr val="accent1"/>
+                </a:solidFill>
+              </a14:hiddenFill>
+            </a:ext>
+            <a:ext uri="{91240B29-F687-4F45-9708-019B960494DF}">
+              <a14:hiddenLine xmlns:a14="http://schemas.microsoft.com/office/drawing/2010/main" w="12700">
+                <a:solidFill>
+                  <a:schemeClr val="tx1"/>
+                </a:solidFill>
+                <a:miter lim="800000"/>
+                <a:headEnd/>
+                <a:tailEnd/>
+              </a14:hiddenLine>
+            </a:ext>
+            <a:ext uri="{AF507438-7753-43E0-B8FC-AC1667EBCBE1}">
+              <a14:hiddenEffects xmlns:a14="http://schemas.microsoft.com/office/drawing/2010/main">
+                <a:effectLst>
+                  <a:outerShdw dist="35921" dir="2700000" algn="ctr" rotWithShape="0">
+                    <a:schemeClr val="bg2"/>
+                  </a:outerShdw>
+                </a:effectLst>
+              </a14:hiddenEffects>
+            </a:ext>
+          </a:extLst>
+        </p:spPr>
+        <p:txBody>
+          <a:bodyPr wrap="none" lIns="91425" tIns="45713" rIns="91425" bIns="45713">
+            <a:spAutoFit/>
+          </a:bodyPr>
+          <a:lstStyle>
+            <a:lvl1pPr eaLnBrk="0" hangingPunct="0">
+              <a:defRPr b="1">
+                <a:solidFill>
+                  <a:schemeClr val="tx1"/>
+                </a:solidFill>
+                <a:latin typeface="Tahoma" pitchFamily="34" charset="0"/>
+                <a:ea typeface="宋体" pitchFamily="2" charset="-122"/>
+              </a:defRPr>
+            </a:lvl1pPr>
+            <a:lvl2pPr marL="742950" indent="-285750" eaLnBrk="0" hangingPunct="0">
+              <a:defRPr b="1">
+                <a:solidFill>
+                  <a:schemeClr val="tx1"/>
+                </a:solidFill>
+                <a:latin typeface="Tahoma" pitchFamily="34" charset="0"/>
+                <a:ea typeface="宋体" pitchFamily="2" charset="-122"/>
+              </a:defRPr>
+            </a:lvl2pPr>
+            <a:lvl3pPr marL="1143000" indent="-228600" eaLnBrk="0" hangingPunct="0">
+              <a:defRPr b="1">
+                <a:solidFill>
+                  <a:schemeClr val="tx1"/>
+                </a:solidFill>
+                <a:latin typeface="Tahoma" pitchFamily="34" charset="0"/>
+                <a:ea typeface="宋体" pitchFamily="2" charset="-122"/>
+              </a:defRPr>
+            </a:lvl3pPr>
+            <a:lvl4pPr marL="1600200" indent="-228600" eaLnBrk="0" hangingPunct="0">
+              <a:defRPr b="1">
+                <a:solidFill>
+                  <a:schemeClr val="tx1"/>
+                </a:solidFill>
+                <a:latin typeface="Tahoma" pitchFamily="34" charset="0"/>
+                <a:ea typeface="宋体" pitchFamily="2" charset="-122"/>
+              </a:defRPr>
+            </a:lvl4pPr>
+            <a:lvl5pPr marL="2057400" indent="-228600" eaLnBrk="0" hangingPunct="0">
+              <a:defRPr b="1">
+                <a:solidFill>
+                  <a:schemeClr val="tx1"/>
+                </a:solidFill>
+                <a:latin typeface="Tahoma" pitchFamily="34" charset="0"/>
+                <a:ea typeface="宋体" pitchFamily="2" charset="-122"/>
+              </a:defRPr>
+            </a:lvl5pPr>
+            <a:lvl6pPr marL="2514600" indent="-228600" eaLnBrk="0" fontAlgn="base" hangingPunct="0">
+              <a:spcBef>
+                <a:spcPct val="0"/>
+              </a:spcBef>
+              <a:spcAft>
+                <a:spcPct val="0"/>
+              </a:spcAft>
+              <a:defRPr b="1">
+                <a:solidFill>
+                  <a:schemeClr val="tx1"/>
+                </a:solidFill>
+                <a:latin typeface="Tahoma" pitchFamily="34" charset="0"/>
+                <a:ea typeface="宋体" pitchFamily="2" charset="-122"/>
+              </a:defRPr>
+            </a:lvl6pPr>
+            <a:lvl7pPr marL="2971800" indent="-228600" eaLnBrk="0" fontAlgn="base" hangingPunct="0">
+              <a:spcBef>
+                <a:spcPct val="0"/>
+              </a:spcBef>
+              <a:spcAft>
+                <a:spcPct val="0"/>
+              </a:spcAft>
+              <a:defRPr b="1">
+                <a:solidFill>
+                  <a:schemeClr val="tx1"/>
+                </a:solidFill>
+                <a:latin typeface="Tahoma" pitchFamily="34" charset="0"/>
+                <a:ea typeface="宋体" pitchFamily="2" charset="-122"/>
+              </a:defRPr>
+            </a:lvl7pPr>
+            <a:lvl8pPr marL="3429000" indent="-228600" eaLnBrk="0" fontAlgn="base" hangingPunct="0">
+              <a:spcBef>
+                <a:spcPct val="0"/>
+              </a:spcBef>
+              <a:spcAft>
+                <a:spcPct val="0"/>
+              </a:spcAft>
+              <a:defRPr b="1">
+                <a:solidFill>
+                  <a:schemeClr val="tx1"/>
+                </a:solidFill>
+                <a:latin typeface="Tahoma" pitchFamily="34" charset="0"/>
+                <a:ea typeface="宋体" pitchFamily="2" charset="-122"/>
+              </a:defRPr>
+            </a:lvl8pPr>
+            <a:lvl9pPr marL="3886200" indent="-228600" eaLnBrk="0" fontAlgn="base" hangingPunct="0">
+              <a:spcBef>
+                <a:spcPct val="0"/>
+              </a:spcBef>
+              <a:spcAft>
+                <a:spcPct val="0"/>
+              </a:spcAft>
+              <a:defRPr b="1">
+                <a:solidFill>
+                  <a:schemeClr val="tx1"/>
+                </a:solidFill>
+                <a:latin typeface="Tahoma" pitchFamily="34" charset="0"/>
+                <a:ea typeface="宋体" pitchFamily="2" charset="-122"/>
+              </a:defRPr>
+            </a:lvl9pPr>
+          </a:lstStyle>
+          <a:p>
+            <a:pPr algn="ctr"/>
+            <a:r>
+              <a:rPr lang="en-US" altLang="zh-CN" sz="1400" dirty="0">
+                <a:latin typeface="Times New Roman" panose="02020603050405020304" pitchFamily="18" charset="0"/>
+                <a:cs typeface="Times New Roman" panose="02020603050405020304" pitchFamily="18" charset="0"/>
+              </a:rPr>
+              <a:t>Sort</a:t>
+            </a:r>
+          </a:p>
+          <a:p>
+            <a:pPr algn="ctr"/>
+            <a:r>
+              <a:rPr lang="en-US" altLang="zh-CN" sz="1400" dirty="0">
+                <a:latin typeface="Times New Roman" panose="02020603050405020304" pitchFamily="18" charset="0"/>
+                <a:cs typeface="Times New Roman" panose="02020603050405020304" pitchFamily="18" charset="0"/>
+              </a:rPr>
+              <a:t>Data</a:t>
+            </a:r>
+          </a:p>
+          <a:p>
+            <a:pPr algn="ctr"/>
+            <a:r>
+              <a:rPr lang="en-US" altLang="zh-CN" sz="1400" dirty="0">
+                <a:latin typeface="Times New Roman" panose="02020603050405020304" pitchFamily="18" charset="0"/>
+                <a:cs typeface="Times New Roman" panose="02020603050405020304" pitchFamily="18" charset="0"/>
+              </a:rPr>
+              <a:t>ROM</a:t>
+            </a:r>
+          </a:p>
+        </p:txBody>
+      </p:sp>
+      <p:cxnSp>
+        <p:nvCxnSpPr>
+          <p:cNvPr id="367" name="直接箭头连接符 366">
+            <a:extLst>
+              <a:ext uri="{FF2B5EF4-FFF2-40B4-BE49-F238E27FC236}">
+                <a16:creationId xmlns:a16="http://schemas.microsoft.com/office/drawing/2014/main" id="{ECA0C8AC-43B4-47D9-AC9A-A0696DF3DCDD}"/>
+              </a:ext>
+            </a:extLst>
+          </p:cNvPr>
+          <p:cNvCxnSpPr>
+            <a:cxnSpLocks/>
+          </p:cNvCxnSpPr>
+          <p:nvPr/>
+        </p:nvCxnSpPr>
+        <p:spPr>
+          <a:xfrm flipV="1">
+            <a:off x="5117563" y="411657"/>
+            <a:ext cx="4026437" cy="7811"/>
+          </a:xfrm>
+          <a:prstGeom prst="straightConnector1">
+            <a:avLst/>
+          </a:prstGeom>
+          <a:ln w="28575">
+            <a:solidFill>
+              <a:schemeClr val="tx1"/>
+            </a:solidFill>
+            <a:tailEnd type="triangle"/>
+          </a:ln>
+        </p:spPr>
+        <p:style>
+          <a:lnRef idx="1">
+            <a:schemeClr val="accent1"/>
+          </a:lnRef>
+          <a:fillRef idx="0">
+            <a:schemeClr val="accent1"/>
+          </a:fillRef>
+          <a:effectRef idx="0">
+            <a:schemeClr val="accent1"/>
+          </a:effectRef>
+          <a:fontRef idx="minor">
+            <a:schemeClr val="tx1"/>
+          </a:fontRef>
+        </p:style>
+      </p:cxnSp>
+      <p:sp>
+        <p:nvSpPr>
+          <p:cNvPr id="369" name="Text Box 17">
+            <a:extLst>
+              <a:ext uri="{FF2B5EF4-FFF2-40B4-BE49-F238E27FC236}">
+                <a16:creationId xmlns:a16="http://schemas.microsoft.com/office/drawing/2014/main" id="{0412FCF7-AE27-4A8F-82E5-50C46C25FBC2}"/>
+              </a:ext>
+            </a:extLst>
+          </p:cNvPr>
+          <p:cNvSpPr txBox="1">
+            <a:spLocks noChangeArrowheads="1"/>
+          </p:cNvSpPr>
+          <p:nvPr/>
+        </p:nvSpPr>
+        <p:spPr bwMode="auto">
+          <a:xfrm>
+            <a:off x="5364897" y="2273734"/>
+            <a:ext cx="687979" cy="276985"/>
+          </a:xfrm>
+          <a:prstGeom prst="rect">
+            <a:avLst/>
+          </a:prstGeom>
+          <a:noFill/>
+          <a:ln>
+            <a:noFill/>
+          </a:ln>
+          <a:effectLst/>
+          <a:extLst>
+            <a:ext uri="{909E8E84-426E-40DD-AFC4-6F175D3DCCD1}">
+              <a14:hiddenFill xmlns:a14="http://schemas.microsoft.com/office/drawing/2010/main">
+                <a:solidFill>
+                  <a:schemeClr val="accent1"/>
+                </a:solidFill>
+              </a14:hiddenFill>
+            </a:ext>
+            <a:ext uri="{91240B29-F687-4F45-9708-019B960494DF}">
+              <a14:hiddenLine xmlns:a14="http://schemas.microsoft.com/office/drawing/2010/main" w="12700">
+                <a:solidFill>
+                  <a:schemeClr val="tx1"/>
+                </a:solidFill>
+                <a:miter lim="800000"/>
+                <a:headEnd/>
+                <a:tailEnd/>
+              </a14:hiddenLine>
+            </a:ext>
+            <a:ext uri="{AF507438-7753-43E0-B8FC-AC1667EBCBE1}">
+              <a14:hiddenEffects xmlns:a14="http://schemas.microsoft.com/office/drawing/2010/main">
+                <a:effectLst>
+                  <a:outerShdw dist="35921" dir="2700000" algn="ctr" rotWithShape="0">
+                    <a:schemeClr val="bg2"/>
+                  </a:outerShdw>
+                </a:effectLst>
+              </a14:hiddenEffects>
+            </a:ext>
+          </a:extLst>
+        </p:spPr>
+        <p:txBody>
+          <a:bodyPr wrap="none" lIns="91425" tIns="45713" rIns="91425" bIns="45713">
+            <a:spAutoFit/>
+          </a:bodyPr>
+          <a:lstStyle>
+            <a:lvl1pPr eaLnBrk="0" hangingPunct="0">
+              <a:defRPr b="1">
+                <a:solidFill>
+                  <a:schemeClr val="tx1"/>
+                </a:solidFill>
+                <a:latin typeface="Tahoma" pitchFamily="34" charset="0"/>
+                <a:ea typeface="宋体" pitchFamily="2" charset="-122"/>
+              </a:defRPr>
+            </a:lvl1pPr>
+            <a:lvl2pPr marL="742950" indent="-285750" eaLnBrk="0" hangingPunct="0">
+              <a:defRPr b="1">
+                <a:solidFill>
+                  <a:schemeClr val="tx1"/>
+                </a:solidFill>
+                <a:latin typeface="Tahoma" pitchFamily="34" charset="0"/>
+                <a:ea typeface="宋体" pitchFamily="2" charset="-122"/>
+              </a:defRPr>
+            </a:lvl2pPr>
+            <a:lvl3pPr marL="1143000" indent="-228600" eaLnBrk="0" hangingPunct="0">
+              <a:defRPr b="1">
+                <a:solidFill>
+                  <a:schemeClr val="tx1"/>
+                </a:solidFill>
+                <a:latin typeface="Tahoma" pitchFamily="34" charset="0"/>
+                <a:ea typeface="宋体" pitchFamily="2" charset="-122"/>
+              </a:defRPr>
+            </a:lvl3pPr>
+            <a:lvl4pPr marL="1600200" indent="-228600" eaLnBrk="0" hangingPunct="0">
+              <a:defRPr b="1">
+                <a:solidFill>
+                  <a:schemeClr val="tx1"/>
+                </a:solidFill>
+                <a:latin typeface="Tahoma" pitchFamily="34" charset="0"/>
+                <a:ea typeface="宋体" pitchFamily="2" charset="-122"/>
+              </a:defRPr>
+            </a:lvl4pPr>
+            <a:lvl5pPr marL="2057400" indent="-228600" eaLnBrk="0" hangingPunct="0">
+              <a:defRPr b="1">
+                <a:solidFill>
+                  <a:schemeClr val="tx1"/>
+                </a:solidFill>
+                <a:latin typeface="Tahoma" pitchFamily="34" charset="0"/>
+                <a:ea typeface="宋体" pitchFamily="2" charset="-122"/>
+              </a:defRPr>
+            </a:lvl5pPr>
+            <a:lvl6pPr marL="2514600" indent="-228600" eaLnBrk="0" fontAlgn="base" hangingPunct="0">
+              <a:spcBef>
+                <a:spcPct val="0"/>
+              </a:spcBef>
+              <a:spcAft>
+                <a:spcPct val="0"/>
+              </a:spcAft>
+              <a:defRPr b="1">
+                <a:solidFill>
+                  <a:schemeClr val="tx1"/>
+                </a:solidFill>
+                <a:latin typeface="Tahoma" pitchFamily="34" charset="0"/>
+                <a:ea typeface="宋体" pitchFamily="2" charset="-122"/>
+              </a:defRPr>
+            </a:lvl6pPr>
+            <a:lvl7pPr marL="2971800" indent="-228600" eaLnBrk="0" fontAlgn="base" hangingPunct="0">
+              <a:spcBef>
+                <a:spcPct val="0"/>
+              </a:spcBef>
+              <a:spcAft>
+                <a:spcPct val="0"/>
+              </a:spcAft>
+              <a:defRPr b="1">
+                <a:solidFill>
+                  <a:schemeClr val="tx1"/>
+                </a:solidFill>
+                <a:latin typeface="Tahoma" pitchFamily="34" charset="0"/>
+                <a:ea typeface="宋体" pitchFamily="2" charset="-122"/>
+              </a:defRPr>
+            </a:lvl7pPr>
+            <a:lvl8pPr marL="3429000" indent="-228600" eaLnBrk="0" fontAlgn="base" hangingPunct="0">
+              <a:spcBef>
+                <a:spcPct val="0"/>
+              </a:spcBef>
+              <a:spcAft>
+                <a:spcPct val="0"/>
+              </a:spcAft>
+              <a:defRPr b="1">
+                <a:solidFill>
+                  <a:schemeClr val="tx1"/>
+                </a:solidFill>
+                <a:latin typeface="Tahoma" pitchFamily="34" charset="0"/>
+                <a:ea typeface="宋体" pitchFamily="2" charset="-122"/>
+              </a:defRPr>
+            </a:lvl8pPr>
+            <a:lvl9pPr marL="3886200" indent="-228600" eaLnBrk="0" fontAlgn="base" hangingPunct="0">
+              <a:spcBef>
+                <a:spcPct val="0"/>
+              </a:spcBef>
+              <a:spcAft>
+                <a:spcPct val="0"/>
+              </a:spcAft>
+              <a:defRPr b="1">
+                <a:solidFill>
+                  <a:schemeClr val="tx1"/>
+                </a:solidFill>
+                <a:latin typeface="Tahoma" pitchFamily="34" charset="0"/>
+                <a:ea typeface="宋体" pitchFamily="2" charset="-122"/>
+              </a:defRPr>
+            </a:lvl9pPr>
+          </a:lstStyle>
+          <a:p>
+            <a:r>
+              <a:rPr lang="en-US" altLang="zh-CN" sz="1200" b="0" dirty="0">
+                <a:latin typeface="Times New Roman" panose="02020603050405020304" pitchFamily="18" charset="0"/>
+                <a:cs typeface="Times New Roman" panose="02020603050405020304" pitchFamily="18" charset="0"/>
+              </a:rPr>
+              <a:t>Address</a:t>
+            </a:r>
+          </a:p>
+        </p:txBody>
+      </p:sp>
+      <p:sp>
+        <p:nvSpPr>
+          <p:cNvPr id="370" name="Text Box 17">
+            <a:extLst>
+              <a:ext uri="{FF2B5EF4-FFF2-40B4-BE49-F238E27FC236}">
+                <a16:creationId xmlns:a16="http://schemas.microsoft.com/office/drawing/2014/main" id="{ABB84DFB-EF82-4DE2-A888-8F2913A2033C}"/>
+              </a:ext>
+            </a:extLst>
+          </p:cNvPr>
+          <p:cNvSpPr txBox="1">
+            <a:spLocks noChangeArrowheads="1"/>
+          </p:cNvSpPr>
+          <p:nvPr/>
+        </p:nvSpPr>
+        <p:spPr bwMode="auto">
+          <a:xfrm>
+            <a:off x="7005666" y="2159971"/>
+            <a:ext cx="502030" cy="461651"/>
+          </a:xfrm>
+          <a:prstGeom prst="rect">
+            <a:avLst/>
+          </a:prstGeom>
+          <a:noFill/>
+          <a:ln>
+            <a:noFill/>
+          </a:ln>
+          <a:effectLst/>
+          <a:extLst>
+            <a:ext uri="{909E8E84-426E-40DD-AFC4-6F175D3DCCD1}">
+              <a14:hiddenFill xmlns:a14="http://schemas.microsoft.com/office/drawing/2010/main">
+                <a:solidFill>
+                  <a:schemeClr val="accent1"/>
+                </a:solidFill>
+              </a14:hiddenFill>
+            </a:ext>
+            <a:ext uri="{91240B29-F687-4F45-9708-019B960494DF}">
+              <a14:hiddenLine xmlns:a14="http://schemas.microsoft.com/office/drawing/2010/main" w="12700">
+                <a:solidFill>
+                  <a:schemeClr val="tx1"/>
+                </a:solidFill>
+                <a:miter lim="800000"/>
+                <a:headEnd/>
+                <a:tailEnd/>
+              </a14:hiddenLine>
+            </a:ext>
+            <a:ext uri="{AF507438-7753-43E0-B8FC-AC1667EBCBE1}">
+              <a14:hiddenEffects xmlns:a14="http://schemas.microsoft.com/office/drawing/2010/main">
+                <a:effectLst>
+                  <a:outerShdw dist="35921" dir="2700000" algn="ctr" rotWithShape="0">
+                    <a:schemeClr val="bg2"/>
+                  </a:outerShdw>
+                </a:effectLst>
+              </a14:hiddenEffects>
+            </a:ext>
+          </a:extLst>
+        </p:spPr>
+        <p:txBody>
+          <a:bodyPr wrap="none" lIns="91425" tIns="45713" rIns="91425" bIns="45713">
+            <a:spAutoFit/>
+          </a:bodyPr>
+          <a:lstStyle>
+            <a:lvl1pPr eaLnBrk="0" hangingPunct="0">
+              <a:defRPr b="1">
+                <a:solidFill>
+                  <a:schemeClr val="tx1"/>
+                </a:solidFill>
+                <a:latin typeface="Tahoma" pitchFamily="34" charset="0"/>
+                <a:ea typeface="宋体" pitchFamily="2" charset="-122"/>
+              </a:defRPr>
+            </a:lvl1pPr>
+            <a:lvl2pPr marL="742950" indent="-285750" eaLnBrk="0" hangingPunct="0">
+              <a:defRPr b="1">
+                <a:solidFill>
+                  <a:schemeClr val="tx1"/>
+                </a:solidFill>
+                <a:latin typeface="Tahoma" pitchFamily="34" charset="0"/>
+                <a:ea typeface="宋体" pitchFamily="2" charset="-122"/>
+              </a:defRPr>
+            </a:lvl2pPr>
+            <a:lvl3pPr marL="1143000" indent="-228600" eaLnBrk="0" hangingPunct="0">
+              <a:defRPr b="1">
+                <a:solidFill>
+                  <a:schemeClr val="tx1"/>
+                </a:solidFill>
+                <a:latin typeface="Tahoma" pitchFamily="34" charset="0"/>
+                <a:ea typeface="宋体" pitchFamily="2" charset="-122"/>
+              </a:defRPr>
+            </a:lvl3pPr>
+            <a:lvl4pPr marL="1600200" indent="-228600" eaLnBrk="0" hangingPunct="0">
+              <a:defRPr b="1">
+                <a:solidFill>
+                  <a:schemeClr val="tx1"/>
+                </a:solidFill>
+                <a:latin typeface="Tahoma" pitchFamily="34" charset="0"/>
+                <a:ea typeface="宋体" pitchFamily="2" charset="-122"/>
+              </a:defRPr>
+            </a:lvl4pPr>
+            <a:lvl5pPr marL="2057400" indent="-228600" eaLnBrk="0" hangingPunct="0">
+              <a:defRPr b="1">
+                <a:solidFill>
+                  <a:schemeClr val="tx1"/>
+                </a:solidFill>
+                <a:latin typeface="Tahoma" pitchFamily="34" charset="0"/>
+                <a:ea typeface="宋体" pitchFamily="2" charset="-122"/>
+              </a:defRPr>
+            </a:lvl5pPr>
+            <a:lvl6pPr marL="2514600" indent="-228600" eaLnBrk="0" fontAlgn="base" hangingPunct="0">
+              <a:spcBef>
+                <a:spcPct val="0"/>
+              </a:spcBef>
+              <a:spcAft>
+                <a:spcPct val="0"/>
+              </a:spcAft>
+              <a:defRPr b="1">
+                <a:solidFill>
+                  <a:schemeClr val="tx1"/>
+                </a:solidFill>
+                <a:latin typeface="Tahoma" pitchFamily="34" charset="0"/>
+                <a:ea typeface="宋体" pitchFamily="2" charset="-122"/>
+              </a:defRPr>
+            </a:lvl6pPr>
+            <a:lvl7pPr marL="2971800" indent="-228600" eaLnBrk="0" fontAlgn="base" hangingPunct="0">
+              <a:spcBef>
+                <a:spcPct val="0"/>
+              </a:spcBef>
+              <a:spcAft>
+                <a:spcPct val="0"/>
+              </a:spcAft>
+              <a:defRPr b="1">
+                <a:solidFill>
+                  <a:schemeClr val="tx1"/>
+                </a:solidFill>
+                <a:latin typeface="Tahoma" pitchFamily="34" charset="0"/>
+                <a:ea typeface="宋体" pitchFamily="2" charset="-122"/>
+              </a:defRPr>
+            </a:lvl7pPr>
+            <a:lvl8pPr marL="3429000" indent="-228600" eaLnBrk="0" fontAlgn="base" hangingPunct="0">
+              <a:spcBef>
+                <a:spcPct val="0"/>
+              </a:spcBef>
+              <a:spcAft>
+                <a:spcPct val="0"/>
+              </a:spcAft>
+              <a:defRPr b="1">
+                <a:solidFill>
+                  <a:schemeClr val="tx1"/>
+                </a:solidFill>
+                <a:latin typeface="Tahoma" pitchFamily="34" charset="0"/>
+                <a:ea typeface="宋体" pitchFamily="2" charset="-122"/>
+              </a:defRPr>
+            </a:lvl8pPr>
+            <a:lvl9pPr marL="3886200" indent="-228600" eaLnBrk="0" fontAlgn="base" hangingPunct="0">
+              <a:spcBef>
+                <a:spcPct val="0"/>
+              </a:spcBef>
+              <a:spcAft>
+                <a:spcPct val="0"/>
+              </a:spcAft>
+              <a:defRPr b="1">
+                <a:solidFill>
+                  <a:schemeClr val="tx1"/>
+                </a:solidFill>
+                <a:latin typeface="Tahoma" pitchFamily="34" charset="0"/>
+                <a:ea typeface="宋体" pitchFamily="2" charset="-122"/>
+              </a:defRPr>
+            </a:lvl9pPr>
+          </a:lstStyle>
+          <a:p>
+            <a:r>
+              <a:rPr lang="en-US" altLang="zh-CN" sz="1200" b="0" dirty="0">
+                <a:latin typeface="Times New Roman" panose="02020603050405020304" pitchFamily="18" charset="0"/>
+                <a:cs typeface="Times New Roman" panose="02020603050405020304" pitchFamily="18" charset="0"/>
+              </a:rPr>
+              <a:t>Read</a:t>
+            </a:r>
+          </a:p>
+          <a:p>
+            <a:r>
+              <a:rPr lang="en-US" altLang="zh-CN" sz="1200" b="0" dirty="0">
+                <a:latin typeface="Times New Roman" panose="02020603050405020304" pitchFamily="18" charset="0"/>
+                <a:cs typeface="Times New Roman" panose="02020603050405020304" pitchFamily="18" charset="0"/>
+              </a:rPr>
+              <a:t>Data</a:t>
+            </a:r>
+          </a:p>
+        </p:txBody>
+      </p:sp>
+      <p:sp>
+        <p:nvSpPr>
+          <p:cNvPr id="371" name="文本框 370">
+            <a:extLst>
+              <a:ext uri="{FF2B5EF4-FFF2-40B4-BE49-F238E27FC236}">
+                <a16:creationId xmlns:a16="http://schemas.microsoft.com/office/drawing/2014/main" id="{5BCFCF68-0202-461E-88C6-6C6855F3D58B}"/>
+              </a:ext>
+            </a:extLst>
+          </p:cNvPr>
+          <p:cNvSpPr txBox="1"/>
+          <p:nvPr/>
+        </p:nvSpPr>
+        <p:spPr>
+          <a:xfrm>
+            <a:off x="5142881" y="118458"/>
+            <a:ext cx="3100573" cy="276999"/>
+          </a:xfrm>
+          <a:prstGeom prst="rect">
+            <a:avLst/>
+          </a:prstGeom>
+          <a:noFill/>
+        </p:spPr>
+        <p:txBody>
+          <a:bodyPr wrap="square" rtlCol="0">
+            <a:spAutoFit/>
+          </a:bodyPr>
+          <a:lstStyle/>
+          <a:p>
+            <a:r>
+              <a:rPr lang="en-US" altLang="zh-TW" sz="1200" dirty="0" err="1">
+                <a:latin typeface="Times New Roman" panose="02020603050405020304" pitchFamily="18" charset="0"/>
+                <a:cs typeface="Times New Roman" panose="02020603050405020304" pitchFamily="18" charset="0"/>
+              </a:rPr>
+              <a:t>RegWrite</a:t>
+            </a:r>
+            <a:r>
+              <a:rPr lang="en-US" altLang="zh-TW" sz="1200" dirty="0">
+                <a:latin typeface="Times New Roman" panose="02020603050405020304" pitchFamily="18" charset="0"/>
+                <a:cs typeface="Times New Roman" panose="02020603050405020304" pitchFamily="18" charset="0"/>
+              </a:rPr>
+              <a:t>, </a:t>
+            </a:r>
+            <a:r>
+              <a:rPr lang="en-US" altLang="zh-TW" sz="1200" dirty="0" err="1">
+                <a:latin typeface="Times New Roman" panose="02020603050405020304" pitchFamily="18" charset="0"/>
+                <a:cs typeface="Times New Roman" panose="02020603050405020304" pitchFamily="18" charset="0"/>
+              </a:rPr>
+              <a:t>MemtoReg</a:t>
+            </a:r>
+            <a:endParaRPr lang="zh-CN" altLang="en-US" sz="1200" dirty="0">
+              <a:latin typeface="Times New Roman" panose="02020603050405020304" pitchFamily="18" charset="0"/>
+              <a:cs typeface="Times New Roman" panose="02020603050405020304" pitchFamily="18" charset="0"/>
+            </a:endParaRPr>
+          </a:p>
+        </p:txBody>
+      </p:sp>
+      <p:sp>
+        <p:nvSpPr>
+          <p:cNvPr id="372" name="矩形 371">
+            <a:extLst>
+              <a:ext uri="{FF2B5EF4-FFF2-40B4-BE49-F238E27FC236}">
+                <a16:creationId xmlns:a16="http://schemas.microsoft.com/office/drawing/2014/main" id="{42DE7401-81C6-4154-A3E2-CD69004AB47A}"/>
+              </a:ext>
+            </a:extLst>
+          </p:cNvPr>
+          <p:cNvSpPr/>
+          <p:nvPr/>
+        </p:nvSpPr>
+        <p:spPr>
+          <a:xfrm>
+            <a:off x="5127608" y="493141"/>
+            <a:ext cx="1576329" cy="276999"/>
+          </a:xfrm>
+          <a:prstGeom prst="rect">
+            <a:avLst/>
+          </a:prstGeom>
+        </p:spPr>
+        <p:txBody>
+          <a:bodyPr wrap="none">
+            <a:spAutoFit/>
+          </a:bodyPr>
+          <a:lstStyle/>
+          <a:p>
+            <a:r>
+              <a:rPr lang="en-US" altLang="zh-TW" sz="1200" dirty="0" err="1">
+                <a:latin typeface="Times New Roman" panose="02020603050405020304" pitchFamily="18" charset="0"/>
+                <a:cs typeface="Times New Roman" panose="02020603050405020304" pitchFamily="18" charset="0"/>
+              </a:rPr>
+              <a:t>MemRead</a:t>
+            </a:r>
+            <a:r>
+              <a:rPr lang="en-US" altLang="zh-TW" sz="1200" dirty="0">
+                <a:latin typeface="Times New Roman" panose="02020603050405020304" pitchFamily="18" charset="0"/>
+                <a:cs typeface="Times New Roman" panose="02020603050405020304" pitchFamily="18" charset="0"/>
+              </a:rPr>
+              <a:t>, </a:t>
+            </a:r>
+            <a:r>
+              <a:rPr lang="en-US" altLang="zh-TW" sz="1200" dirty="0" err="1">
+                <a:latin typeface="Times New Roman" panose="02020603050405020304" pitchFamily="18" charset="0"/>
+                <a:cs typeface="Times New Roman" panose="02020603050405020304" pitchFamily="18" charset="0"/>
+              </a:rPr>
+              <a:t>MemWrite</a:t>
+            </a:r>
+            <a:endParaRPr lang="zh-CN" altLang="en-US" sz="1200" dirty="0"/>
+          </a:p>
+        </p:txBody>
+      </p:sp>
+      <p:cxnSp>
+        <p:nvCxnSpPr>
+          <p:cNvPr id="373" name="直接箭头连接符 372">
+            <a:extLst>
+              <a:ext uri="{FF2B5EF4-FFF2-40B4-BE49-F238E27FC236}">
+                <a16:creationId xmlns:a16="http://schemas.microsoft.com/office/drawing/2014/main" id="{4BC63881-4D42-4B33-9435-DAE9E625535B}"/>
+              </a:ext>
+            </a:extLst>
+          </p:cNvPr>
+          <p:cNvCxnSpPr>
+            <a:cxnSpLocks/>
+          </p:cNvCxnSpPr>
+          <p:nvPr/>
+        </p:nvCxnSpPr>
+        <p:spPr>
+          <a:xfrm flipV="1">
+            <a:off x="5105561" y="758456"/>
+            <a:ext cx="1798513" cy="5438"/>
+          </a:xfrm>
+          <a:prstGeom prst="straightConnector1">
+            <a:avLst/>
+          </a:prstGeom>
+          <a:ln w="28575">
+            <a:solidFill>
+              <a:srgbClr val="FF0000"/>
+            </a:solidFill>
+            <a:headEnd type="none" w="med" len="med"/>
+            <a:tailEnd type="triangle" w="med" len="med"/>
+          </a:ln>
+        </p:spPr>
+        <p:style>
+          <a:lnRef idx="1">
+            <a:schemeClr val="accent1"/>
+          </a:lnRef>
+          <a:fillRef idx="0">
+            <a:schemeClr val="accent1"/>
+          </a:fillRef>
+          <a:effectRef idx="0">
+            <a:schemeClr val="accent1"/>
+          </a:effectRef>
+          <a:fontRef idx="minor">
+            <a:schemeClr val="tx1"/>
+          </a:fontRef>
+        </p:style>
+      </p:cxnSp>
+      <p:cxnSp>
+        <p:nvCxnSpPr>
+          <p:cNvPr id="380" name="连接符: 肘形 379">
+            <a:extLst>
+              <a:ext uri="{FF2B5EF4-FFF2-40B4-BE49-F238E27FC236}">
+                <a16:creationId xmlns:a16="http://schemas.microsoft.com/office/drawing/2014/main" id="{397D90DF-92B5-4B22-868C-FB4B5DD57555}"/>
+              </a:ext>
+            </a:extLst>
+          </p:cNvPr>
+          <p:cNvCxnSpPr>
+            <a:cxnSpLocks/>
+          </p:cNvCxnSpPr>
+          <p:nvPr/>
+        </p:nvCxnSpPr>
+        <p:spPr>
+          <a:xfrm>
+            <a:off x="5110716" y="1623237"/>
+            <a:ext cx="4033284" cy="280065"/>
+          </a:xfrm>
+          <a:prstGeom prst="bentConnector3">
+            <a:avLst>
+              <a:gd name="adj1" fmla="val 40158"/>
+            </a:avLst>
+          </a:prstGeom>
+          <a:ln w="28575">
+            <a:solidFill>
+              <a:schemeClr val="tx1"/>
+            </a:solidFill>
+            <a:tailEnd type="triangle"/>
+          </a:ln>
+        </p:spPr>
+        <p:style>
+          <a:lnRef idx="1">
+            <a:schemeClr val="accent1"/>
+          </a:lnRef>
+          <a:fillRef idx="0">
+            <a:schemeClr val="accent1"/>
+          </a:fillRef>
+          <a:effectRef idx="0">
+            <a:schemeClr val="accent1"/>
+          </a:effectRef>
+          <a:fontRef idx="minor">
+            <a:schemeClr val="tx1"/>
+          </a:fontRef>
+        </p:style>
+      </p:cxnSp>
+      <p:sp>
+        <p:nvSpPr>
+          <p:cNvPr id="385" name="任意多边形: 形状 384">
+            <a:extLst>
+              <a:ext uri="{FF2B5EF4-FFF2-40B4-BE49-F238E27FC236}">
+                <a16:creationId xmlns:a16="http://schemas.microsoft.com/office/drawing/2014/main" id="{E98995C6-A144-4EE5-9ECA-22DF54DBA80D}"/>
+              </a:ext>
+            </a:extLst>
+          </p:cNvPr>
+          <p:cNvSpPr/>
+          <p:nvPr/>
+        </p:nvSpPr>
+        <p:spPr>
+          <a:xfrm>
+            <a:off x="5261138" y="1619075"/>
+            <a:ext cx="131444" cy="800300"/>
+          </a:xfrm>
+          <a:custGeom>
+            <a:avLst/>
+            <a:gdLst>
+              <a:gd name="connsiteX0" fmla="*/ 6350 w 133350"/>
+              <a:gd name="connsiteY0" fmla="*/ 0 h 1670050"/>
+              <a:gd name="connsiteX1" fmla="*/ 0 w 133350"/>
+              <a:gd name="connsiteY1" fmla="*/ 1670050 h 1670050"/>
+              <a:gd name="connsiteX2" fmla="*/ 133350 w 133350"/>
+              <a:gd name="connsiteY2" fmla="*/ 1670050 h 1670050"/>
+              <a:gd name="connsiteX0" fmla="*/ 378 w 137038"/>
+              <a:gd name="connsiteY0" fmla="*/ 0 h 1670050"/>
+              <a:gd name="connsiteX1" fmla="*/ 3688 w 137038"/>
+              <a:gd name="connsiteY1" fmla="*/ 1670050 h 1670050"/>
+              <a:gd name="connsiteX2" fmla="*/ 137038 w 137038"/>
+              <a:gd name="connsiteY2" fmla="*/ 1670050 h 1670050"/>
+              <a:gd name="connsiteX0" fmla="*/ 6350 w 133350"/>
+              <a:gd name="connsiteY0" fmla="*/ 0 h 1670050"/>
+              <a:gd name="connsiteX1" fmla="*/ 0 w 133350"/>
+              <a:gd name="connsiteY1" fmla="*/ 1670050 h 1670050"/>
+              <a:gd name="connsiteX2" fmla="*/ 133350 w 133350"/>
+              <a:gd name="connsiteY2" fmla="*/ 1670050 h 1670050"/>
+              <a:gd name="connsiteX0" fmla="*/ 600 w 134040"/>
+              <a:gd name="connsiteY0" fmla="*/ 0 h 1670050"/>
+              <a:gd name="connsiteX1" fmla="*/ 690 w 134040"/>
+              <a:gd name="connsiteY1" fmla="*/ 1670050 h 1670050"/>
+              <a:gd name="connsiteX2" fmla="*/ 134040 w 134040"/>
+              <a:gd name="connsiteY2" fmla="*/ 1670050 h 1670050"/>
+            </a:gdLst>
+            <a:ahLst/>
+            <a:cxnLst>
+              <a:cxn ang="0">
+                <a:pos x="connsiteX0" y="connsiteY0"/>
+              </a:cxn>
+              <a:cxn ang="0">
+                <a:pos x="connsiteX1" y="connsiteY1"/>
+              </a:cxn>
+              <a:cxn ang="0">
+                <a:pos x="connsiteX2" y="connsiteY2"/>
+              </a:cxn>
+            </a:cxnLst>
+            <a:rect l="l" t="t" r="r" b="b"/>
+            <a:pathLst>
+              <a:path w="134040" h="1670050">
+                <a:moveTo>
+                  <a:pt x="600" y="0"/>
+                </a:moveTo>
+                <a:cubicBezTo>
+                  <a:pt x="-1517" y="556683"/>
+                  <a:pt x="2807" y="1113367"/>
+                  <a:pt x="690" y="1670050"/>
+                </a:cubicBezTo>
+                <a:lnTo>
+                  <a:pt x="134040" y="1670050"/>
+                </a:lnTo>
+              </a:path>
+            </a:pathLst>
+          </a:custGeom>
+          <a:noFill/>
+          <a:ln w="28575">
+            <a:solidFill>
+              <a:schemeClr val="tx1"/>
+            </a:solidFill>
+            <a:headEnd type="none" w="med" len="med"/>
+            <a:tailEnd type="triangle" w="med" len="med"/>
+          </a:ln>
+        </p:spPr>
+        <p:style>
+          <a:lnRef idx="2">
+            <a:schemeClr val="accent1">
+              <a:shade val="50000"/>
+            </a:schemeClr>
+          </a:lnRef>
+          <a:fillRef idx="1">
+            <a:schemeClr val="accent1"/>
+          </a:fillRef>
+          <a:effectRef idx="0">
+            <a:schemeClr val="accent1"/>
+          </a:effectRef>
+          <a:fontRef idx="minor">
+            <a:schemeClr val="lt1"/>
+          </a:fontRef>
+        </p:style>
+        <p:txBody>
+          <a:bodyPr rtlCol="0" anchor="ctr"/>
+          <a:lstStyle/>
+          <a:p>
+            <a:pPr algn="ctr"/>
+            <a:endParaRPr lang="zh-CN" altLang="en-US"/>
+          </a:p>
+        </p:txBody>
+      </p:sp>
+      <p:cxnSp>
+        <p:nvCxnSpPr>
+          <p:cNvPr id="391" name="直接箭头连接符 390">
+            <a:extLst>
+              <a:ext uri="{FF2B5EF4-FFF2-40B4-BE49-F238E27FC236}">
+                <a16:creationId xmlns:a16="http://schemas.microsoft.com/office/drawing/2014/main" id="{BE4D11B0-22C0-4A64-A4FD-597EE552874C}"/>
+              </a:ext>
+            </a:extLst>
+          </p:cNvPr>
+          <p:cNvCxnSpPr>
+            <a:cxnSpLocks/>
+          </p:cNvCxnSpPr>
+          <p:nvPr/>
+        </p:nvCxnSpPr>
+        <p:spPr>
+          <a:xfrm>
+            <a:off x="8746631" y="1907714"/>
+            <a:ext cx="4553" cy="837290"/>
+          </a:xfrm>
+          <a:prstGeom prst="straightConnector1">
+            <a:avLst/>
+          </a:prstGeom>
+          <a:ln w="28575">
+            <a:solidFill>
+              <a:schemeClr val="accent1"/>
+            </a:solidFill>
+            <a:tailEnd type="triangle"/>
+          </a:ln>
+        </p:spPr>
+        <p:style>
+          <a:lnRef idx="1">
+            <a:schemeClr val="accent1"/>
+          </a:lnRef>
+          <a:fillRef idx="0">
+            <a:schemeClr val="accent1"/>
+          </a:fillRef>
+          <a:effectRef idx="0">
+            <a:schemeClr val="accent1"/>
+          </a:effectRef>
+          <a:fontRef idx="minor">
+            <a:schemeClr val="tx1"/>
+          </a:fontRef>
+        </p:style>
+      </p:cxnSp>
+      <p:sp>
+        <p:nvSpPr>
+          <p:cNvPr id="392" name="矩形: 剪去左右顶角 391">
+            <a:extLst>
+              <a:ext uri="{FF2B5EF4-FFF2-40B4-BE49-F238E27FC236}">
+                <a16:creationId xmlns:a16="http://schemas.microsoft.com/office/drawing/2014/main" id="{668411A7-C0E3-4DEA-97D4-DC27EA1354B8}"/>
+              </a:ext>
+            </a:extLst>
+          </p:cNvPr>
+          <p:cNvSpPr/>
+          <p:nvPr/>
+        </p:nvSpPr>
+        <p:spPr>
+          <a:xfrm rot="10800000">
+            <a:off x="8689483" y="2651746"/>
+            <a:ext cx="114295" cy="169710"/>
+          </a:xfrm>
+          <a:prstGeom prst="snip2SameRect">
+            <a:avLst>
+              <a:gd name="adj1" fmla="val 50000"/>
+              <a:gd name="adj2" fmla="val 0"/>
+            </a:avLst>
+          </a:prstGeom>
+          <a:solidFill>
+            <a:schemeClr val="accent1">
+              <a:lumMod val="20000"/>
+              <a:lumOff val="80000"/>
+            </a:schemeClr>
+          </a:solidFill>
+          <a:ln w="19050">
+            <a:solidFill>
+              <a:schemeClr val="tx1"/>
+            </a:solidFill>
+          </a:ln>
+        </p:spPr>
+        <p:style>
+          <a:lnRef idx="2">
+            <a:schemeClr val="accent1">
+              <a:shade val="50000"/>
+            </a:schemeClr>
+          </a:lnRef>
+          <a:fillRef idx="1">
+            <a:schemeClr val="accent1"/>
+          </a:fillRef>
+          <a:effectRef idx="0">
+            <a:schemeClr val="accent1"/>
+          </a:effectRef>
+          <a:fontRef idx="minor">
+            <a:schemeClr val="lt1"/>
+          </a:fontRef>
+        </p:style>
+        <p:txBody>
+          <a:bodyPr rot="0" spcFirstLastPara="0" vertOverflow="overflow" horzOverflow="overflow" vert="horz" wrap="square" lIns="91440" tIns="45720" rIns="91440" bIns="45720" numCol="1" spcCol="0" rtlCol="0" fromWordArt="0" anchor="ctr" anchorCtr="0" forceAA="0" compatLnSpc="1">
+            <a:prstTxWarp prst="textNoShape">
+              <a:avLst/>
+            </a:prstTxWarp>
+            <a:noAutofit/>
+          </a:bodyPr>
+          <a:lstStyle/>
+          <a:p>
+            <a:pPr algn="ctr"/>
+            <a:endParaRPr lang="zh-CN" altLang="en-US"/>
+          </a:p>
+        </p:txBody>
+      </p:sp>
+      <p:sp>
+        <p:nvSpPr>
+          <p:cNvPr id="393" name="文本框 392">
+            <a:extLst>
+              <a:ext uri="{FF2B5EF4-FFF2-40B4-BE49-F238E27FC236}">
+                <a16:creationId xmlns:a16="http://schemas.microsoft.com/office/drawing/2014/main" id="{6D730C5A-06BE-419A-BFBB-4A6A6DB69974}"/>
+              </a:ext>
+            </a:extLst>
+          </p:cNvPr>
+          <p:cNvSpPr txBox="1"/>
+          <p:nvPr/>
+        </p:nvSpPr>
+        <p:spPr>
+          <a:xfrm>
+            <a:off x="8126918" y="2821397"/>
+            <a:ext cx="1293270" cy="261610"/>
+          </a:xfrm>
+          <a:prstGeom prst="rect">
+            <a:avLst/>
+          </a:prstGeom>
+          <a:noFill/>
+        </p:spPr>
+        <p:txBody>
+          <a:bodyPr wrap="square" rtlCol="0">
+            <a:spAutoFit/>
+          </a:bodyPr>
+          <a:lstStyle/>
+          <a:p>
+            <a:r>
+              <a:rPr lang="en-US" altLang="zh-CN" sz="1100" dirty="0" err="1">
+                <a:latin typeface="Times New Roman" panose="02020603050405020304" pitchFamily="18" charset="0"/>
+                <a:cs typeface="Times New Roman" panose="02020603050405020304" pitchFamily="18" charset="0"/>
+              </a:rPr>
+              <a:t>MEMForwardSrc</a:t>
+            </a:r>
+            <a:endParaRPr lang="zh-CN" altLang="en-US" sz="1100" dirty="0">
+              <a:latin typeface="Times New Roman" panose="02020603050405020304" pitchFamily="18" charset="0"/>
+              <a:cs typeface="Times New Roman" panose="02020603050405020304" pitchFamily="18" charset="0"/>
+            </a:endParaRPr>
+          </a:p>
+        </p:txBody>
+      </p:sp>
+      <p:sp>
+        <p:nvSpPr>
+          <p:cNvPr id="394" name="任意多边形: 形状 393">
+            <a:extLst>
+              <a:ext uri="{FF2B5EF4-FFF2-40B4-BE49-F238E27FC236}">
+                <a16:creationId xmlns:a16="http://schemas.microsoft.com/office/drawing/2014/main" id="{521589BF-2246-4A03-8D17-6A6715FF2209}"/>
+              </a:ext>
+            </a:extLst>
+          </p:cNvPr>
+          <p:cNvSpPr/>
+          <p:nvPr/>
+        </p:nvSpPr>
+        <p:spPr>
+          <a:xfrm flipV="1">
+            <a:off x="5351532" y="1012834"/>
+            <a:ext cx="1507275" cy="600712"/>
+          </a:xfrm>
+          <a:custGeom>
+            <a:avLst/>
+            <a:gdLst>
+              <a:gd name="connsiteX0" fmla="*/ 6350 w 133350"/>
+              <a:gd name="connsiteY0" fmla="*/ 0 h 1670050"/>
+              <a:gd name="connsiteX1" fmla="*/ 0 w 133350"/>
+              <a:gd name="connsiteY1" fmla="*/ 1670050 h 1670050"/>
+              <a:gd name="connsiteX2" fmla="*/ 133350 w 133350"/>
+              <a:gd name="connsiteY2" fmla="*/ 1670050 h 1670050"/>
+              <a:gd name="connsiteX0" fmla="*/ 378 w 137038"/>
+              <a:gd name="connsiteY0" fmla="*/ 0 h 1670050"/>
+              <a:gd name="connsiteX1" fmla="*/ 3688 w 137038"/>
+              <a:gd name="connsiteY1" fmla="*/ 1670050 h 1670050"/>
+              <a:gd name="connsiteX2" fmla="*/ 137038 w 137038"/>
+              <a:gd name="connsiteY2" fmla="*/ 1670050 h 1670050"/>
+              <a:gd name="connsiteX0" fmla="*/ 6350 w 133350"/>
+              <a:gd name="connsiteY0" fmla="*/ 0 h 1670050"/>
+              <a:gd name="connsiteX1" fmla="*/ 0 w 133350"/>
+              <a:gd name="connsiteY1" fmla="*/ 1670050 h 1670050"/>
+              <a:gd name="connsiteX2" fmla="*/ 133350 w 133350"/>
+              <a:gd name="connsiteY2" fmla="*/ 1670050 h 1670050"/>
+              <a:gd name="connsiteX0" fmla="*/ 600 w 134040"/>
+              <a:gd name="connsiteY0" fmla="*/ 0 h 1670050"/>
+              <a:gd name="connsiteX1" fmla="*/ 690 w 134040"/>
+              <a:gd name="connsiteY1" fmla="*/ 1670050 h 1670050"/>
+              <a:gd name="connsiteX2" fmla="*/ 134040 w 134040"/>
+              <a:gd name="connsiteY2" fmla="*/ 1670050 h 1670050"/>
+            </a:gdLst>
+            <a:ahLst/>
+            <a:cxnLst>
+              <a:cxn ang="0">
+                <a:pos x="connsiteX0" y="connsiteY0"/>
+              </a:cxn>
+              <a:cxn ang="0">
+                <a:pos x="connsiteX1" y="connsiteY1"/>
+              </a:cxn>
+              <a:cxn ang="0">
+                <a:pos x="connsiteX2" y="connsiteY2"/>
+              </a:cxn>
+            </a:cxnLst>
+            <a:rect l="l" t="t" r="r" b="b"/>
+            <a:pathLst>
+              <a:path w="134040" h="1670050">
+                <a:moveTo>
+                  <a:pt x="600" y="0"/>
+                </a:moveTo>
+                <a:cubicBezTo>
+                  <a:pt x="-1517" y="556683"/>
+                  <a:pt x="2807" y="1113367"/>
+                  <a:pt x="690" y="1670050"/>
+                </a:cubicBezTo>
+                <a:lnTo>
+                  <a:pt x="134040" y="1670050"/>
+                </a:lnTo>
+              </a:path>
+            </a:pathLst>
+          </a:custGeom>
+          <a:noFill/>
+          <a:ln w="28575">
+            <a:solidFill>
+              <a:schemeClr val="tx1"/>
+            </a:solidFill>
+            <a:headEnd type="none" w="med" len="med"/>
+            <a:tailEnd type="triangle" w="med" len="med"/>
+          </a:ln>
+        </p:spPr>
+        <p:style>
+          <a:lnRef idx="2">
+            <a:schemeClr val="accent1">
+              <a:shade val="50000"/>
+            </a:schemeClr>
+          </a:lnRef>
+          <a:fillRef idx="1">
+            <a:schemeClr val="accent1"/>
+          </a:fillRef>
+          <a:effectRef idx="0">
+            <a:schemeClr val="accent1"/>
+          </a:effectRef>
+          <a:fontRef idx="minor">
+            <a:schemeClr val="lt1"/>
+          </a:fontRef>
+        </p:style>
+        <p:txBody>
+          <a:bodyPr rtlCol="0" anchor="ctr"/>
+          <a:lstStyle/>
+          <a:p>
+            <a:pPr algn="ctr"/>
+            <a:endParaRPr lang="zh-CN" altLang="en-US"/>
+          </a:p>
+        </p:txBody>
+      </p:sp>
+      <p:sp>
+        <p:nvSpPr>
+          <p:cNvPr id="397" name="Text Box 17">
+            <a:extLst>
+              <a:ext uri="{FF2B5EF4-FFF2-40B4-BE49-F238E27FC236}">
+                <a16:creationId xmlns:a16="http://schemas.microsoft.com/office/drawing/2014/main" id="{2B1EE78D-A4C8-402D-9A93-43CD1225F088}"/>
+              </a:ext>
+            </a:extLst>
+          </p:cNvPr>
+          <p:cNvSpPr txBox="1">
+            <a:spLocks noChangeArrowheads="1"/>
+          </p:cNvSpPr>
+          <p:nvPr/>
+        </p:nvSpPr>
+        <p:spPr bwMode="auto">
+          <a:xfrm>
+            <a:off x="5548527" y="1383260"/>
+            <a:ext cx="731260" cy="276985"/>
+          </a:xfrm>
+          <a:prstGeom prst="rect">
+            <a:avLst/>
+          </a:prstGeom>
+          <a:noFill/>
+          <a:ln>
+            <a:noFill/>
+          </a:ln>
+          <a:effectLst/>
+          <a:extLst>
+            <a:ext uri="{909E8E84-426E-40DD-AFC4-6F175D3DCCD1}">
+              <a14:hiddenFill xmlns:a14="http://schemas.microsoft.com/office/drawing/2010/main">
+                <a:solidFill>
+                  <a:schemeClr val="accent1"/>
+                </a:solidFill>
+              </a14:hiddenFill>
+            </a:ext>
+            <a:ext uri="{91240B29-F687-4F45-9708-019B960494DF}">
+              <a14:hiddenLine xmlns:a14="http://schemas.microsoft.com/office/drawing/2010/main" w="12700">
+                <a:solidFill>
+                  <a:schemeClr val="tx1"/>
+                </a:solidFill>
+                <a:miter lim="800000"/>
+                <a:headEnd/>
+                <a:tailEnd/>
+              </a14:hiddenLine>
+            </a:ext>
+            <a:ext uri="{AF507438-7753-43E0-B8FC-AC1667EBCBE1}">
+              <a14:hiddenEffects xmlns:a14="http://schemas.microsoft.com/office/drawing/2010/main">
+                <a:effectLst>
+                  <a:outerShdw dist="35921" dir="2700000" algn="ctr" rotWithShape="0">
+                    <a:schemeClr val="bg2"/>
+                  </a:outerShdw>
+                </a:effectLst>
+              </a14:hiddenEffects>
+            </a:ext>
+          </a:extLst>
+        </p:spPr>
+        <p:txBody>
+          <a:bodyPr wrap="none" lIns="91425" tIns="45713" rIns="91425" bIns="45713">
+            <a:spAutoFit/>
+          </a:bodyPr>
+          <a:lstStyle>
+            <a:lvl1pPr eaLnBrk="0" hangingPunct="0">
+              <a:defRPr b="1">
+                <a:solidFill>
+                  <a:schemeClr val="tx1"/>
+                </a:solidFill>
+                <a:latin typeface="Tahoma" pitchFamily="34" charset="0"/>
+                <a:ea typeface="宋体" pitchFamily="2" charset="-122"/>
+              </a:defRPr>
+            </a:lvl1pPr>
+            <a:lvl2pPr marL="742950" indent="-285750" eaLnBrk="0" hangingPunct="0">
+              <a:defRPr b="1">
+                <a:solidFill>
+                  <a:schemeClr val="tx1"/>
+                </a:solidFill>
+                <a:latin typeface="Tahoma" pitchFamily="34" charset="0"/>
+                <a:ea typeface="宋体" pitchFamily="2" charset="-122"/>
+              </a:defRPr>
+            </a:lvl2pPr>
+            <a:lvl3pPr marL="1143000" indent="-228600" eaLnBrk="0" hangingPunct="0">
+              <a:defRPr b="1">
+                <a:solidFill>
+                  <a:schemeClr val="tx1"/>
+                </a:solidFill>
+                <a:latin typeface="Tahoma" pitchFamily="34" charset="0"/>
+                <a:ea typeface="宋体" pitchFamily="2" charset="-122"/>
+              </a:defRPr>
+            </a:lvl3pPr>
+            <a:lvl4pPr marL="1600200" indent="-228600" eaLnBrk="0" hangingPunct="0">
+              <a:defRPr b="1">
+                <a:solidFill>
+                  <a:schemeClr val="tx1"/>
+                </a:solidFill>
+                <a:latin typeface="Tahoma" pitchFamily="34" charset="0"/>
+                <a:ea typeface="宋体" pitchFamily="2" charset="-122"/>
+              </a:defRPr>
+            </a:lvl4pPr>
+            <a:lvl5pPr marL="2057400" indent="-228600" eaLnBrk="0" hangingPunct="0">
+              <a:defRPr b="1">
+                <a:solidFill>
+                  <a:schemeClr val="tx1"/>
+                </a:solidFill>
+                <a:latin typeface="Tahoma" pitchFamily="34" charset="0"/>
+                <a:ea typeface="宋体" pitchFamily="2" charset="-122"/>
+              </a:defRPr>
+            </a:lvl5pPr>
+            <a:lvl6pPr marL="2514600" indent="-228600" eaLnBrk="0" fontAlgn="base" hangingPunct="0">
+              <a:spcBef>
+                <a:spcPct val="0"/>
+              </a:spcBef>
+              <a:spcAft>
+                <a:spcPct val="0"/>
+              </a:spcAft>
+              <a:defRPr b="1">
+                <a:solidFill>
+                  <a:schemeClr val="tx1"/>
+                </a:solidFill>
+                <a:latin typeface="Tahoma" pitchFamily="34" charset="0"/>
+                <a:ea typeface="宋体" pitchFamily="2" charset="-122"/>
+              </a:defRPr>
+            </a:lvl6pPr>
+            <a:lvl7pPr marL="2971800" indent="-228600" eaLnBrk="0" fontAlgn="base" hangingPunct="0">
+              <a:spcBef>
+                <a:spcPct val="0"/>
+              </a:spcBef>
+              <a:spcAft>
+                <a:spcPct val="0"/>
+              </a:spcAft>
+              <a:defRPr b="1">
+                <a:solidFill>
+                  <a:schemeClr val="tx1"/>
+                </a:solidFill>
+                <a:latin typeface="Tahoma" pitchFamily="34" charset="0"/>
+                <a:ea typeface="宋体" pitchFamily="2" charset="-122"/>
+              </a:defRPr>
+            </a:lvl7pPr>
+            <a:lvl8pPr marL="3429000" indent="-228600" eaLnBrk="0" fontAlgn="base" hangingPunct="0">
+              <a:spcBef>
+                <a:spcPct val="0"/>
+              </a:spcBef>
+              <a:spcAft>
+                <a:spcPct val="0"/>
+              </a:spcAft>
+              <a:defRPr b="1">
+                <a:solidFill>
+                  <a:schemeClr val="tx1"/>
+                </a:solidFill>
+                <a:latin typeface="Tahoma" pitchFamily="34" charset="0"/>
+                <a:ea typeface="宋体" pitchFamily="2" charset="-122"/>
+              </a:defRPr>
+            </a:lvl8pPr>
+            <a:lvl9pPr marL="3886200" indent="-228600" eaLnBrk="0" fontAlgn="base" hangingPunct="0">
+              <a:spcBef>
+                <a:spcPct val="0"/>
+              </a:spcBef>
+              <a:spcAft>
+                <a:spcPct val="0"/>
+              </a:spcAft>
+              <a:defRPr b="1">
+                <a:solidFill>
+                  <a:schemeClr val="tx1"/>
+                </a:solidFill>
+                <a:latin typeface="Tahoma" pitchFamily="34" charset="0"/>
+                <a:ea typeface="宋体" pitchFamily="2" charset="-122"/>
+              </a:defRPr>
+            </a:lvl9pPr>
+          </a:lstStyle>
+          <a:p>
+            <a:r>
+              <a:rPr lang="en-US" altLang="zh-CN" sz="1200" b="0" dirty="0" err="1">
+                <a:latin typeface="Times New Roman" panose="02020603050405020304" pitchFamily="18" charset="0"/>
+                <a:cs typeface="Times New Roman" panose="02020603050405020304" pitchFamily="18" charset="0"/>
+              </a:rPr>
+              <a:t>ALUOut</a:t>
+            </a:r>
+            <a:endParaRPr lang="en-US" altLang="zh-CN" sz="1200" b="0" dirty="0">
+              <a:latin typeface="Times New Roman" panose="02020603050405020304" pitchFamily="18" charset="0"/>
+              <a:cs typeface="Times New Roman" panose="02020603050405020304" pitchFamily="18" charset="0"/>
+            </a:endParaRPr>
+          </a:p>
+        </p:txBody>
+      </p:sp>
+      <p:cxnSp>
+        <p:nvCxnSpPr>
+          <p:cNvPr id="398" name="直接箭头连接符 397">
+            <a:extLst>
+              <a:ext uri="{FF2B5EF4-FFF2-40B4-BE49-F238E27FC236}">
+                <a16:creationId xmlns:a16="http://schemas.microsoft.com/office/drawing/2014/main" id="{31F12C5D-B54D-4154-A44F-28292BF777EB}"/>
+              </a:ext>
+            </a:extLst>
+          </p:cNvPr>
+          <p:cNvCxnSpPr>
+            <a:cxnSpLocks/>
+          </p:cNvCxnSpPr>
+          <p:nvPr/>
+        </p:nvCxnSpPr>
+        <p:spPr>
+          <a:xfrm>
+            <a:off x="8184011" y="1110873"/>
+            <a:ext cx="1010944" cy="0"/>
+          </a:xfrm>
+          <a:prstGeom prst="straightConnector1">
+            <a:avLst/>
+          </a:prstGeom>
+          <a:ln w="28575">
+            <a:solidFill>
+              <a:schemeClr val="tx1"/>
+            </a:solidFill>
+            <a:tailEnd type="triangle"/>
+          </a:ln>
+        </p:spPr>
+        <p:style>
+          <a:lnRef idx="1">
+            <a:schemeClr val="accent1"/>
+          </a:lnRef>
+          <a:fillRef idx="0">
+            <a:schemeClr val="accent1"/>
+          </a:fillRef>
+          <a:effectRef idx="0">
+            <a:schemeClr val="accent1"/>
+          </a:effectRef>
+          <a:fontRef idx="minor">
+            <a:schemeClr val="tx1"/>
+          </a:fontRef>
+        </p:style>
+      </p:cxnSp>
+      <p:sp>
+        <p:nvSpPr>
+          <p:cNvPr id="399" name="矩形 398">
+            <a:extLst>
+              <a:ext uri="{FF2B5EF4-FFF2-40B4-BE49-F238E27FC236}">
+                <a16:creationId xmlns:a16="http://schemas.microsoft.com/office/drawing/2014/main" id="{C7BE500D-D007-4C69-80A3-48077B863525}"/>
+              </a:ext>
+            </a:extLst>
+          </p:cNvPr>
+          <p:cNvSpPr/>
+          <p:nvPr/>
+        </p:nvSpPr>
+        <p:spPr>
+          <a:xfrm>
+            <a:off x="8183686" y="809863"/>
+            <a:ext cx="1058303" cy="276999"/>
+          </a:xfrm>
+          <a:prstGeom prst="rect">
+            <a:avLst/>
+          </a:prstGeom>
+        </p:spPr>
+        <p:txBody>
+          <a:bodyPr wrap="none">
+            <a:spAutoFit/>
+          </a:bodyPr>
+          <a:lstStyle/>
+          <a:p>
+            <a:r>
+              <a:rPr lang="en-US" altLang="zh-CN" sz="1200" dirty="0" err="1">
+                <a:latin typeface="Times New Roman" panose="02020603050405020304" pitchFamily="18" charset="0"/>
+                <a:cs typeface="Times New Roman" panose="02020603050405020304" pitchFamily="18" charset="0"/>
+              </a:rPr>
+              <a:t>MemReadOut</a:t>
+            </a:r>
+            <a:endParaRPr lang="zh-CN" altLang="en-US" sz="1200" dirty="0"/>
+          </a:p>
+        </p:txBody>
+      </p:sp>
     </p:spTree>
     <p:extLst>
       <p:ext uri="{BB962C8B-B14F-4D97-AF65-F5344CB8AC3E}">
